--- a/2_output/4_figures_and_tables/Figures.pptx
+++ b/2_output/4_figures_and_tables/Figures.pptx
@@ -262,7 +262,7 @@
           <a:p>
             <a:fld id="{2ED012CA-E4EA-0542-A4D8-AD5F777CE3EE}" type="datetimeFigureOut">
               <a:rPr lang="es-CL" smtClean="0"/>
-              <a:t>08-03-23</a:t>
+              <a:t>10-03-23</a:t>
             </a:fld>
             <a:endParaRPr lang="es-CL"/>
           </a:p>
@@ -462,7 +462,7 @@
           <a:p>
             <a:fld id="{2ED012CA-E4EA-0542-A4D8-AD5F777CE3EE}" type="datetimeFigureOut">
               <a:rPr lang="es-CL" smtClean="0"/>
-              <a:t>08-03-23</a:t>
+              <a:t>10-03-23</a:t>
             </a:fld>
             <a:endParaRPr lang="es-CL"/>
           </a:p>
@@ -672,7 +672,7 @@
           <a:p>
             <a:fld id="{2ED012CA-E4EA-0542-A4D8-AD5F777CE3EE}" type="datetimeFigureOut">
               <a:rPr lang="es-CL" smtClean="0"/>
-              <a:t>08-03-23</a:t>
+              <a:t>10-03-23</a:t>
             </a:fld>
             <a:endParaRPr lang="es-CL"/>
           </a:p>
@@ -872,7 +872,7 @@
           <a:p>
             <a:fld id="{2ED012CA-E4EA-0542-A4D8-AD5F777CE3EE}" type="datetimeFigureOut">
               <a:rPr lang="es-CL" smtClean="0"/>
-              <a:t>08-03-23</a:t>
+              <a:t>10-03-23</a:t>
             </a:fld>
             <a:endParaRPr lang="es-CL"/>
           </a:p>
@@ -1148,7 +1148,7 @@
           <a:p>
             <a:fld id="{2ED012CA-E4EA-0542-A4D8-AD5F777CE3EE}" type="datetimeFigureOut">
               <a:rPr lang="es-CL" smtClean="0"/>
-              <a:t>08-03-23</a:t>
+              <a:t>10-03-23</a:t>
             </a:fld>
             <a:endParaRPr lang="es-CL"/>
           </a:p>
@@ -1416,7 +1416,7 @@
           <a:p>
             <a:fld id="{2ED012CA-E4EA-0542-A4D8-AD5F777CE3EE}" type="datetimeFigureOut">
               <a:rPr lang="es-CL" smtClean="0"/>
-              <a:t>08-03-23</a:t>
+              <a:t>10-03-23</a:t>
             </a:fld>
             <a:endParaRPr lang="es-CL"/>
           </a:p>
@@ -1831,7 +1831,7 @@
           <a:p>
             <a:fld id="{2ED012CA-E4EA-0542-A4D8-AD5F777CE3EE}" type="datetimeFigureOut">
               <a:rPr lang="es-CL" smtClean="0"/>
-              <a:t>08-03-23</a:t>
+              <a:t>10-03-23</a:t>
             </a:fld>
             <a:endParaRPr lang="es-CL"/>
           </a:p>
@@ -1973,7 +1973,7 @@
           <a:p>
             <a:fld id="{2ED012CA-E4EA-0542-A4D8-AD5F777CE3EE}" type="datetimeFigureOut">
               <a:rPr lang="es-CL" smtClean="0"/>
-              <a:t>08-03-23</a:t>
+              <a:t>10-03-23</a:t>
             </a:fld>
             <a:endParaRPr lang="es-CL"/>
           </a:p>
@@ -2086,7 +2086,7 @@
           <a:p>
             <a:fld id="{2ED012CA-E4EA-0542-A4D8-AD5F777CE3EE}" type="datetimeFigureOut">
               <a:rPr lang="es-CL" smtClean="0"/>
-              <a:t>08-03-23</a:t>
+              <a:t>10-03-23</a:t>
             </a:fld>
             <a:endParaRPr lang="es-CL"/>
           </a:p>
@@ -2399,7 +2399,7 @@
           <a:p>
             <a:fld id="{2ED012CA-E4EA-0542-A4D8-AD5F777CE3EE}" type="datetimeFigureOut">
               <a:rPr lang="es-CL" smtClean="0"/>
-              <a:t>08-03-23</a:t>
+              <a:t>10-03-23</a:t>
             </a:fld>
             <a:endParaRPr lang="es-CL"/>
           </a:p>
@@ -2688,7 +2688,7 @@
           <a:p>
             <a:fld id="{2ED012CA-E4EA-0542-A4D8-AD5F777CE3EE}" type="datetimeFigureOut">
               <a:rPr lang="es-CL" smtClean="0"/>
-              <a:t>08-03-23</a:t>
+              <a:t>10-03-23</a:t>
             </a:fld>
             <a:endParaRPr lang="es-CL"/>
           </a:p>
@@ -2931,7 +2931,7 @@
           <a:p>
             <a:fld id="{2ED012CA-E4EA-0542-A4D8-AD5F777CE3EE}" type="datetimeFigureOut">
               <a:rPr lang="es-CL" smtClean="0"/>
-              <a:t>08-03-23</a:t>
+              <a:t>10-03-23</a:t>
             </a:fld>
             <a:endParaRPr lang="es-CL"/>
           </a:p>
@@ -4291,7 +4291,7 @@
                 <a:latin typeface="Arial" panose="020B0604020202020204" pitchFamily="34" charset="0"/>
                 <a:cs typeface="Arial" panose="020B0604020202020204" pitchFamily="34" charset="0"/>
               </a:rPr>
-              <a:t>Note: Constrained random intercept cross-lagged panel model (RI-CLPM) of the relationships between Attitudes Toward Democracy (ATD), Participation in Collective Action (PCA) and Right-Wing Authoritarianism (RWA). The model comprises five waves; since it is constrained, three waves are illustrated to optimize space. Coefficients are unstandardized. Grey dotted lines reflect nonsignificant paths. To ease intelligibility, manifest indicators and contemporaneous residual covariances were excluded from the figure. * p &lt; .05; **p&lt;.01, ***p&lt;.001</a:t>
+              <a:t>Note: Constrained random intercept cross-lagged panel model (RI-CLPM) of the relationships between Attitudes Toward Democracy (ATD), Participation in Collective Action (PCA) and Right-Wing Authoritarianism (RWA). The model comprises five waves; since it is constrained, three waves are illustrated to optimize space. Coefficients are unstandardized. Grey dotted lines reflect nonsignificant paths. To ease intelligibility, manifest indicators and contemporaneous residual covariances were excluded from the figure. *p&lt;.05; **p&lt;.01, ***p&lt;.001.</a:t>
             </a:r>
           </a:p>
         </p:txBody>
@@ -7435,7 +7435,7 @@
                 <a:latin typeface="Arial" panose="020B0604020202020204" pitchFamily="34" charset="0"/>
                 <a:cs typeface="Arial" panose="020B0604020202020204" pitchFamily="34" charset="0"/>
               </a:rPr>
-              <a:t>Note: Constrained random intercept cross-lagged panel model (RI-CLPM) of the relationships between Attitudes Toward Democracy (ATD), Participation in Collective Action (PCA) and Right-Wing Authoritarianism (RWA). The model comprises five waves; since it is constrained, three waves are illustrated to optimize space. Coefficients are unstandardized. Grey dotted lines reflect nonsignificant paths. To ease intelligibility, manifest indicators and contemporaneous residual covariances were excluded from the figure. * p &lt; .05; **p&lt;.01, ***p&lt;.001</a:t>
+              <a:t>Note: Constrained random intercept cross-lagged panel model (RI-CLPM) of the relationships between Attitudes Toward Democracy (ATD), Participation in Collective Action (PCA) and Right-Wing Authoritarianism (RWA). The model comprises five waves; since it is constrained, three waves are illustrated to optimize space. Coefficients are unstandardized. Grey dotted lines reflect nonsignificant paths. To ease intelligibility, manifest indicators and contemporaneous residual covariances were excluded from the figure. *p&lt;05; **p&lt;.01, ***p&lt;.001.</a:t>
             </a:r>
           </a:p>
         </p:txBody>

--- a/2_output/4_figures_and_tables/Figures.pptx
+++ b/2_output/4_figures_and_tables/Figures.pptx
@@ -5,8 +5,9 @@
     <p:sldMasterId id="2147483648" r:id="rId1"/>
   </p:sldMasterIdLst>
   <p:sldIdLst>
-    <p:sldId id="256" r:id="rId2"/>
-    <p:sldId id="257" r:id="rId3"/>
+    <p:sldId id="258" r:id="rId2"/>
+    <p:sldId id="256" r:id="rId3"/>
+    <p:sldId id="257" r:id="rId4"/>
   </p:sldIdLst>
   <p:sldSz cx="12192000" cy="6858000"/>
   <p:notesSz cx="6858000" cy="9144000"/>
@@ -262,7 +263,7 @@
           <a:p>
             <a:fld id="{2ED012CA-E4EA-0542-A4D8-AD5F777CE3EE}" type="datetimeFigureOut">
               <a:rPr lang="es-CL" smtClean="0"/>
-              <a:t>10-03-23</a:t>
+              <a:t>16-03-23</a:t>
             </a:fld>
             <a:endParaRPr lang="es-CL"/>
           </a:p>
@@ -462,7 +463,7 @@
           <a:p>
             <a:fld id="{2ED012CA-E4EA-0542-A4D8-AD5F777CE3EE}" type="datetimeFigureOut">
               <a:rPr lang="es-CL" smtClean="0"/>
-              <a:t>10-03-23</a:t>
+              <a:t>16-03-23</a:t>
             </a:fld>
             <a:endParaRPr lang="es-CL"/>
           </a:p>
@@ -672,7 +673,7 @@
           <a:p>
             <a:fld id="{2ED012CA-E4EA-0542-A4D8-AD5F777CE3EE}" type="datetimeFigureOut">
               <a:rPr lang="es-CL" smtClean="0"/>
-              <a:t>10-03-23</a:t>
+              <a:t>16-03-23</a:t>
             </a:fld>
             <a:endParaRPr lang="es-CL"/>
           </a:p>
@@ -872,7 +873,7 @@
           <a:p>
             <a:fld id="{2ED012CA-E4EA-0542-A4D8-AD5F777CE3EE}" type="datetimeFigureOut">
               <a:rPr lang="es-CL" smtClean="0"/>
-              <a:t>10-03-23</a:t>
+              <a:t>16-03-23</a:t>
             </a:fld>
             <a:endParaRPr lang="es-CL"/>
           </a:p>
@@ -1148,7 +1149,7 @@
           <a:p>
             <a:fld id="{2ED012CA-E4EA-0542-A4D8-AD5F777CE3EE}" type="datetimeFigureOut">
               <a:rPr lang="es-CL" smtClean="0"/>
-              <a:t>10-03-23</a:t>
+              <a:t>16-03-23</a:t>
             </a:fld>
             <a:endParaRPr lang="es-CL"/>
           </a:p>
@@ -1416,7 +1417,7 @@
           <a:p>
             <a:fld id="{2ED012CA-E4EA-0542-A4D8-AD5F777CE3EE}" type="datetimeFigureOut">
               <a:rPr lang="es-CL" smtClean="0"/>
-              <a:t>10-03-23</a:t>
+              <a:t>16-03-23</a:t>
             </a:fld>
             <a:endParaRPr lang="es-CL"/>
           </a:p>
@@ -1831,7 +1832,7 @@
           <a:p>
             <a:fld id="{2ED012CA-E4EA-0542-A4D8-AD5F777CE3EE}" type="datetimeFigureOut">
               <a:rPr lang="es-CL" smtClean="0"/>
-              <a:t>10-03-23</a:t>
+              <a:t>16-03-23</a:t>
             </a:fld>
             <a:endParaRPr lang="es-CL"/>
           </a:p>
@@ -1973,7 +1974,7 @@
           <a:p>
             <a:fld id="{2ED012CA-E4EA-0542-A4D8-AD5F777CE3EE}" type="datetimeFigureOut">
               <a:rPr lang="es-CL" smtClean="0"/>
-              <a:t>10-03-23</a:t>
+              <a:t>16-03-23</a:t>
             </a:fld>
             <a:endParaRPr lang="es-CL"/>
           </a:p>
@@ -2086,7 +2087,7 @@
           <a:p>
             <a:fld id="{2ED012CA-E4EA-0542-A4D8-AD5F777CE3EE}" type="datetimeFigureOut">
               <a:rPr lang="es-CL" smtClean="0"/>
-              <a:t>10-03-23</a:t>
+              <a:t>16-03-23</a:t>
             </a:fld>
             <a:endParaRPr lang="es-CL"/>
           </a:p>
@@ -2399,7 +2400,7 @@
           <a:p>
             <a:fld id="{2ED012CA-E4EA-0542-A4D8-AD5F777CE3EE}" type="datetimeFigureOut">
               <a:rPr lang="es-CL" smtClean="0"/>
-              <a:t>10-03-23</a:t>
+              <a:t>16-03-23</a:t>
             </a:fld>
             <a:endParaRPr lang="es-CL"/>
           </a:p>
@@ -2688,7 +2689,7 @@
           <a:p>
             <a:fld id="{2ED012CA-E4EA-0542-A4D8-AD5F777CE3EE}" type="datetimeFigureOut">
               <a:rPr lang="es-CL" smtClean="0"/>
-              <a:t>10-03-23</a:t>
+              <a:t>16-03-23</a:t>
             </a:fld>
             <a:endParaRPr lang="es-CL"/>
           </a:p>
@@ -2931,7 +2932,7 @@
           <a:p>
             <a:fld id="{2ED012CA-E4EA-0542-A4D8-AD5F777CE3EE}" type="datetimeFigureOut">
               <a:rPr lang="es-CL" smtClean="0"/>
-              <a:t>10-03-23</a:t>
+              <a:t>16-03-23</a:t>
             </a:fld>
             <a:endParaRPr lang="es-CL"/>
           </a:p>
@@ -3350,10 +3351,10 @@
       </p:grpSpPr>
       <p:sp>
         <p:nvSpPr>
-          <p:cNvPr id="51" name="Elipse 50">
-            <a:extLst>
-              <a:ext uri="{FF2B5EF4-FFF2-40B4-BE49-F238E27FC236}">
-                <a16:creationId xmlns:a16="http://schemas.microsoft.com/office/drawing/2014/main" id="{B226F6CB-9139-0E7A-53AA-1C86B9E4312C}"/>
+          <p:cNvPr id="4" name="Elipse 3">
+            <a:extLst>
+              <a:ext uri="{FF2B5EF4-FFF2-40B4-BE49-F238E27FC236}">
+                <a16:creationId xmlns:a16="http://schemas.microsoft.com/office/drawing/2014/main" id="{A186E137-E6D5-E858-C62C-721EAF54F65C}"/>
               </a:ext>
             </a:extLst>
           </p:cNvPr>
@@ -3402,10 +3403,10 @@
       </p:sp>
       <p:sp>
         <p:nvSpPr>
-          <p:cNvPr id="52" name="CuadroTexto 51">
-            <a:extLst>
-              <a:ext uri="{FF2B5EF4-FFF2-40B4-BE49-F238E27FC236}">
-                <a16:creationId xmlns:a16="http://schemas.microsoft.com/office/drawing/2014/main" id="{0649CE7E-23D9-859F-DEAB-3E4F96798B37}"/>
+          <p:cNvPr id="5" name="CuadroTexto 4">
+            <a:extLst>
+              <a:ext uri="{FF2B5EF4-FFF2-40B4-BE49-F238E27FC236}">
+                <a16:creationId xmlns:a16="http://schemas.microsoft.com/office/drawing/2014/main" id="{33B2188E-8F41-505D-A2EA-0E7B412F58F6}"/>
               </a:ext>
             </a:extLst>
           </p:cNvPr>
@@ -3451,10 +3452,10 @@
       </p:sp>
       <p:sp>
         <p:nvSpPr>
-          <p:cNvPr id="53" name="Elipse 52">
-            <a:extLst>
-              <a:ext uri="{FF2B5EF4-FFF2-40B4-BE49-F238E27FC236}">
-                <a16:creationId xmlns:a16="http://schemas.microsoft.com/office/drawing/2014/main" id="{E434A601-811B-6982-FF0E-1214C12FF74A}"/>
+          <p:cNvPr id="6" name="Elipse 5">
+            <a:extLst>
+              <a:ext uri="{FF2B5EF4-FFF2-40B4-BE49-F238E27FC236}">
+                <a16:creationId xmlns:a16="http://schemas.microsoft.com/office/drawing/2014/main" id="{BBFD1FC5-8CE0-12EC-F676-B14167B0F49C}"/>
               </a:ext>
             </a:extLst>
           </p:cNvPr>
@@ -3503,10 +3504,10 @@
       </p:sp>
       <p:sp>
         <p:nvSpPr>
-          <p:cNvPr id="54" name="CuadroTexto 53">
-            <a:extLst>
-              <a:ext uri="{FF2B5EF4-FFF2-40B4-BE49-F238E27FC236}">
-                <a16:creationId xmlns:a16="http://schemas.microsoft.com/office/drawing/2014/main" id="{BD8C1EAD-9FF5-4BA9-FFE4-F1AEC58912F7}"/>
+          <p:cNvPr id="7" name="CuadroTexto 6">
+            <a:extLst>
+              <a:ext uri="{FF2B5EF4-FFF2-40B4-BE49-F238E27FC236}">
+                <a16:creationId xmlns:a16="http://schemas.microsoft.com/office/drawing/2014/main" id="{E514379A-5FF7-7C83-59D9-F9B59E115601}"/>
               </a:ext>
             </a:extLst>
           </p:cNvPr>
@@ -3552,10 +3553,10 @@
       </p:sp>
       <p:sp>
         <p:nvSpPr>
-          <p:cNvPr id="55" name="Elipse 54">
-            <a:extLst>
-              <a:ext uri="{FF2B5EF4-FFF2-40B4-BE49-F238E27FC236}">
-                <a16:creationId xmlns:a16="http://schemas.microsoft.com/office/drawing/2014/main" id="{D68F5345-BA0C-5EB2-D514-AEFFFDA16A44}"/>
+          <p:cNvPr id="8" name="Elipse 7">
+            <a:extLst>
+              <a:ext uri="{FF2B5EF4-FFF2-40B4-BE49-F238E27FC236}">
+                <a16:creationId xmlns:a16="http://schemas.microsoft.com/office/drawing/2014/main" id="{37029DFD-0612-A099-C834-96C90387413B}"/>
               </a:ext>
             </a:extLst>
           </p:cNvPr>
@@ -3604,10 +3605,10 @@
       </p:sp>
       <p:sp>
         <p:nvSpPr>
-          <p:cNvPr id="56" name="CuadroTexto 55">
-            <a:extLst>
-              <a:ext uri="{FF2B5EF4-FFF2-40B4-BE49-F238E27FC236}">
-                <a16:creationId xmlns:a16="http://schemas.microsoft.com/office/drawing/2014/main" id="{DB188656-6B00-0B1E-0CDD-FBC95947E5EF}"/>
+          <p:cNvPr id="9" name="CuadroTexto 8">
+            <a:extLst>
+              <a:ext uri="{FF2B5EF4-FFF2-40B4-BE49-F238E27FC236}">
+                <a16:creationId xmlns:a16="http://schemas.microsoft.com/office/drawing/2014/main" id="{C0A22628-F0F8-1C25-BA52-62FB736799D6}"/>
               </a:ext>
             </a:extLst>
           </p:cNvPr>
@@ -3653,10 +3654,10 @@
       </p:sp>
       <p:sp>
         <p:nvSpPr>
-          <p:cNvPr id="57" name="Elipse 56">
-            <a:extLst>
-              <a:ext uri="{FF2B5EF4-FFF2-40B4-BE49-F238E27FC236}">
-                <a16:creationId xmlns:a16="http://schemas.microsoft.com/office/drawing/2014/main" id="{37F50F82-416B-BB24-09C4-0BC45CEB104C}"/>
+          <p:cNvPr id="10" name="Elipse 9">
+            <a:extLst>
+              <a:ext uri="{FF2B5EF4-FFF2-40B4-BE49-F238E27FC236}">
+                <a16:creationId xmlns:a16="http://schemas.microsoft.com/office/drawing/2014/main" id="{15705A42-94F1-B78A-D8B9-02197033BE76}"/>
               </a:ext>
             </a:extLst>
           </p:cNvPr>
@@ -3705,10 +3706,10 @@
       </p:sp>
       <p:sp>
         <p:nvSpPr>
-          <p:cNvPr id="58" name="CuadroTexto 57">
-            <a:extLst>
-              <a:ext uri="{FF2B5EF4-FFF2-40B4-BE49-F238E27FC236}">
-                <a16:creationId xmlns:a16="http://schemas.microsoft.com/office/drawing/2014/main" id="{A0DFBACC-1075-67AD-AA59-FB88AFD63669}"/>
+          <p:cNvPr id="11" name="CuadroTexto 10">
+            <a:extLst>
+              <a:ext uri="{FF2B5EF4-FFF2-40B4-BE49-F238E27FC236}">
+                <a16:creationId xmlns:a16="http://schemas.microsoft.com/office/drawing/2014/main" id="{CB742579-3A97-208E-535B-E699C301D037}"/>
               </a:ext>
             </a:extLst>
           </p:cNvPr>
@@ -3754,10 +3755,10 @@
       </p:sp>
       <p:sp>
         <p:nvSpPr>
-          <p:cNvPr id="59" name="Elipse 58">
-            <a:extLst>
-              <a:ext uri="{FF2B5EF4-FFF2-40B4-BE49-F238E27FC236}">
-                <a16:creationId xmlns:a16="http://schemas.microsoft.com/office/drawing/2014/main" id="{A82252EE-8D14-DD08-BC99-0391FEB28D93}"/>
+          <p:cNvPr id="12" name="Elipse 11">
+            <a:extLst>
+              <a:ext uri="{FF2B5EF4-FFF2-40B4-BE49-F238E27FC236}">
+                <a16:creationId xmlns:a16="http://schemas.microsoft.com/office/drawing/2014/main" id="{ADF7F4CD-CC8A-4D38-8F46-205BCBFF51DD}"/>
               </a:ext>
             </a:extLst>
           </p:cNvPr>
@@ -3806,10 +3807,10 @@
       </p:sp>
       <p:sp>
         <p:nvSpPr>
-          <p:cNvPr id="60" name="CuadroTexto 59">
-            <a:extLst>
-              <a:ext uri="{FF2B5EF4-FFF2-40B4-BE49-F238E27FC236}">
-                <a16:creationId xmlns:a16="http://schemas.microsoft.com/office/drawing/2014/main" id="{094F82F9-901B-F7EE-3B9D-283E0A8D061F}"/>
+          <p:cNvPr id="13" name="CuadroTexto 12">
+            <a:extLst>
+              <a:ext uri="{FF2B5EF4-FFF2-40B4-BE49-F238E27FC236}">
+                <a16:creationId xmlns:a16="http://schemas.microsoft.com/office/drawing/2014/main" id="{374A5160-93E0-8E30-EA1B-145F21161AB0}"/>
               </a:ext>
             </a:extLst>
           </p:cNvPr>
@@ -3855,10 +3856,10 @@
       </p:sp>
       <p:sp>
         <p:nvSpPr>
-          <p:cNvPr id="61" name="Elipse 60">
-            <a:extLst>
-              <a:ext uri="{FF2B5EF4-FFF2-40B4-BE49-F238E27FC236}">
-                <a16:creationId xmlns:a16="http://schemas.microsoft.com/office/drawing/2014/main" id="{F8522C4B-9F74-AE49-51ED-4DCF56C051DA}"/>
+          <p:cNvPr id="14" name="Elipse 13">
+            <a:extLst>
+              <a:ext uri="{FF2B5EF4-FFF2-40B4-BE49-F238E27FC236}">
+                <a16:creationId xmlns:a16="http://schemas.microsoft.com/office/drawing/2014/main" id="{820D2DCB-1F78-ECA5-AA30-E59ED729E93A}"/>
               </a:ext>
             </a:extLst>
           </p:cNvPr>
@@ -3907,10 +3908,10 @@
       </p:sp>
       <p:sp>
         <p:nvSpPr>
-          <p:cNvPr id="62" name="CuadroTexto 61">
-            <a:extLst>
-              <a:ext uri="{FF2B5EF4-FFF2-40B4-BE49-F238E27FC236}">
-                <a16:creationId xmlns:a16="http://schemas.microsoft.com/office/drawing/2014/main" id="{6612253E-3E9A-79F3-33A3-264A0D4BE9C9}"/>
+          <p:cNvPr id="15" name="CuadroTexto 14">
+            <a:extLst>
+              <a:ext uri="{FF2B5EF4-FFF2-40B4-BE49-F238E27FC236}">
+                <a16:creationId xmlns:a16="http://schemas.microsoft.com/office/drawing/2014/main" id="{0D38F282-0C99-6145-6593-42585C090ABA}"/>
               </a:ext>
             </a:extLst>
           </p:cNvPr>
@@ -3956,10 +3957,10 @@
       </p:sp>
       <p:sp>
         <p:nvSpPr>
-          <p:cNvPr id="63" name="Elipse 62">
-            <a:extLst>
-              <a:ext uri="{FF2B5EF4-FFF2-40B4-BE49-F238E27FC236}">
-                <a16:creationId xmlns:a16="http://schemas.microsoft.com/office/drawing/2014/main" id="{191BE3BC-930D-65EA-73DC-D2FD687B7D12}"/>
+          <p:cNvPr id="16" name="Elipse 15">
+            <a:extLst>
+              <a:ext uri="{FF2B5EF4-FFF2-40B4-BE49-F238E27FC236}">
+                <a16:creationId xmlns:a16="http://schemas.microsoft.com/office/drawing/2014/main" id="{53DBF05C-C3F6-8D50-D862-0D07C9435A87}"/>
               </a:ext>
             </a:extLst>
           </p:cNvPr>
@@ -4008,10 +4009,10 @@
       </p:sp>
       <p:sp>
         <p:nvSpPr>
-          <p:cNvPr id="64" name="CuadroTexto 63">
-            <a:extLst>
-              <a:ext uri="{FF2B5EF4-FFF2-40B4-BE49-F238E27FC236}">
-                <a16:creationId xmlns:a16="http://schemas.microsoft.com/office/drawing/2014/main" id="{C6682292-3028-F9FD-A3EA-2AE61F8B87B3}"/>
+          <p:cNvPr id="17" name="CuadroTexto 16">
+            <a:extLst>
+              <a:ext uri="{FF2B5EF4-FFF2-40B4-BE49-F238E27FC236}">
+                <a16:creationId xmlns:a16="http://schemas.microsoft.com/office/drawing/2014/main" id="{F3BBC185-F0D4-FD5F-CB8A-D2D6BB2DCE4B}"/>
               </a:ext>
             </a:extLst>
           </p:cNvPr>
@@ -4057,10 +4058,10 @@
       </p:sp>
       <p:sp>
         <p:nvSpPr>
-          <p:cNvPr id="65" name="Elipse 64">
-            <a:extLst>
-              <a:ext uri="{FF2B5EF4-FFF2-40B4-BE49-F238E27FC236}">
-                <a16:creationId xmlns:a16="http://schemas.microsoft.com/office/drawing/2014/main" id="{B94E58A3-3BEE-9A59-F194-666334799E5B}"/>
+          <p:cNvPr id="18" name="Elipse 17">
+            <a:extLst>
+              <a:ext uri="{FF2B5EF4-FFF2-40B4-BE49-F238E27FC236}">
+                <a16:creationId xmlns:a16="http://schemas.microsoft.com/office/drawing/2014/main" id="{E5890116-1DF5-55F2-CDB7-8861851CD420}"/>
               </a:ext>
             </a:extLst>
           </p:cNvPr>
@@ -4109,10 +4110,10 @@
       </p:sp>
       <p:sp>
         <p:nvSpPr>
-          <p:cNvPr id="66" name="CuadroTexto 65">
-            <a:extLst>
-              <a:ext uri="{FF2B5EF4-FFF2-40B4-BE49-F238E27FC236}">
-                <a16:creationId xmlns:a16="http://schemas.microsoft.com/office/drawing/2014/main" id="{9E6D15FE-CF3D-E2DC-A78A-5687933DB5E3}"/>
+          <p:cNvPr id="19" name="CuadroTexto 18">
+            <a:extLst>
+              <a:ext uri="{FF2B5EF4-FFF2-40B4-BE49-F238E27FC236}">
+                <a16:creationId xmlns:a16="http://schemas.microsoft.com/office/drawing/2014/main" id="{31080A17-1A93-B87F-3CBB-9B67F482DA0F}"/>
               </a:ext>
             </a:extLst>
           </p:cNvPr>
@@ -4158,10 +4159,10 @@
       </p:sp>
       <p:sp>
         <p:nvSpPr>
-          <p:cNvPr id="67" name="Elipse 66">
-            <a:extLst>
-              <a:ext uri="{FF2B5EF4-FFF2-40B4-BE49-F238E27FC236}">
-                <a16:creationId xmlns:a16="http://schemas.microsoft.com/office/drawing/2014/main" id="{CF4CB687-83C6-8E1C-820E-E4C2AA7D971D}"/>
+          <p:cNvPr id="20" name="Elipse 19">
+            <a:extLst>
+              <a:ext uri="{FF2B5EF4-FFF2-40B4-BE49-F238E27FC236}">
+                <a16:creationId xmlns:a16="http://schemas.microsoft.com/office/drawing/2014/main" id="{F98BA726-F614-5124-8C87-7F1F8CAEBCD3}"/>
               </a:ext>
             </a:extLst>
           </p:cNvPr>
@@ -4210,10 +4211,10 @@
       </p:sp>
       <p:sp>
         <p:nvSpPr>
-          <p:cNvPr id="68" name="CuadroTexto 67">
-            <a:extLst>
-              <a:ext uri="{FF2B5EF4-FFF2-40B4-BE49-F238E27FC236}">
-                <a16:creationId xmlns:a16="http://schemas.microsoft.com/office/drawing/2014/main" id="{F2F65F2C-BDD4-CCB1-86FD-61444987ED69}"/>
+          <p:cNvPr id="21" name="CuadroTexto 20">
+            <a:extLst>
+              <a:ext uri="{FF2B5EF4-FFF2-40B4-BE49-F238E27FC236}">
+                <a16:creationId xmlns:a16="http://schemas.microsoft.com/office/drawing/2014/main" id="{67AFC698-83B7-2B9F-A3B7-32967DFE2F40}"/>
               </a:ext>
             </a:extLst>
           </p:cNvPr>
@@ -4259,10 +4260,10 @@
       </p:sp>
       <p:sp>
         <p:nvSpPr>
-          <p:cNvPr id="69" name="TextBox 68">
-            <a:extLst>
-              <a:ext uri="{FF2B5EF4-FFF2-40B4-BE49-F238E27FC236}">
-                <a16:creationId xmlns:a16="http://schemas.microsoft.com/office/drawing/2014/main" id="{EE60A01F-DE78-550B-4FD8-7148919FB159}"/>
+          <p:cNvPr id="22" name="TextBox 68">
+            <a:extLst>
+              <a:ext uri="{FF2B5EF4-FFF2-40B4-BE49-F238E27FC236}">
+                <a16:creationId xmlns:a16="http://schemas.microsoft.com/office/drawing/2014/main" id="{99B2E41C-C4BE-AA23-A929-1BE2FB90CAFB}"/>
               </a:ext>
             </a:extLst>
           </p:cNvPr>
@@ -4291,17 +4292,17 @@
                 <a:latin typeface="Arial" panose="020B0604020202020204" pitchFamily="34" charset="0"/>
                 <a:cs typeface="Arial" panose="020B0604020202020204" pitchFamily="34" charset="0"/>
               </a:rPr>
-              <a:t>Note: Constrained random intercept cross-lagged panel model (RI-CLPM) of the relationships between Attitudes Toward Democracy (ATD), Participation in Collective Action (PCA) and Right-Wing Authoritarianism (RWA). The model comprises five waves; since it is constrained, three waves are illustrated to optimize space. Coefficients are unstandardized. Grey dotted lines reflect nonsignificant paths. To ease intelligibility, manifest indicators and contemporaneous residual covariances were excluded from the figure. *p&lt;.05; **p&lt;.01, ***p&lt;.001.</a:t>
-            </a:r>
-          </a:p>
-        </p:txBody>
-      </p:sp>
-      <p:sp>
-        <p:nvSpPr>
-          <p:cNvPr id="70" name="Rectángulo redondeado 69">
-            <a:extLst>
-              <a:ext uri="{FF2B5EF4-FFF2-40B4-BE49-F238E27FC236}">
-                <a16:creationId xmlns:a16="http://schemas.microsoft.com/office/drawing/2014/main" id="{F1A12370-F4FD-48BF-C1C3-60FE20A247A8}"/>
+              <a:t>Note: Constrained random intercept cross-lagged panel model (RI-CLPM) of the relationships between Attitudes Toward Democracy (ATD), Participation in Collective Action (PCA) and Right-Wing Authoritarianism (RWA). The model comprises five waves; since it is constrained, three waves are illustrated to optimize space. Coefficients are unstandardized. Grey dotted lines reflect non-significant paths. To ease intelligibility, manifest indicators and contemporaneous residual covariances were excluded from the figure. The indirect effect of ATD over RWA, mediated by PCA, is non-significative. *p&lt;.05; **p&lt;.01, ***p&lt;.001.</a:t>
+            </a:r>
+          </a:p>
+        </p:txBody>
+      </p:sp>
+      <p:sp>
+        <p:nvSpPr>
+          <p:cNvPr id="23" name="Rectángulo redondeado 22">
+            <a:extLst>
+              <a:ext uri="{FF2B5EF4-FFF2-40B4-BE49-F238E27FC236}">
+                <a16:creationId xmlns:a16="http://schemas.microsoft.com/office/drawing/2014/main" id="{A9F84057-4A1F-0962-E031-B734B8710EE6}"/>
               </a:ext>
             </a:extLst>
           </p:cNvPr>
@@ -4350,10 +4351,10 @@
       </p:sp>
       <p:sp>
         <p:nvSpPr>
-          <p:cNvPr id="71" name="CuadroTexto 70">
-            <a:extLst>
-              <a:ext uri="{FF2B5EF4-FFF2-40B4-BE49-F238E27FC236}">
-                <a16:creationId xmlns:a16="http://schemas.microsoft.com/office/drawing/2014/main" id="{C72ECC54-187D-0A43-5065-99C9CC28378F}"/>
+          <p:cNvPr id="24" name="CuadroTexto 23">
+            <a:extLst>
+              <a:ext uri="{FF2B5EF4-FFF2-40B4-BE49-F238E27FC236}">
+                <a16:creationId xmlns:a16="http://schemas.microsoft.com/office/drawing/2014/main" id="{8FAB5882-A0CC-D36C-5612-7EE3F5DB0763}"/>
               </a:ext>
             </a:extLst>
           </p:cNvPr>
@@ -4392,10 +4393,10 @@
       </p:sp>
       <p:sp>
         <p:nvSpPr>
-          <p:cNvPr id="72" name="Elipse 71">
-            <a:extLst>
-              <a:ext uri="{FF2B5EF4-FFF2-40B4-BE49-F238E27FC236}">
-                <a16:creationId xmlns:a16="http://schemas.microsoft.com/office/drawing/2014/main" id="{42225EBA-D06E-FF0E-DE5A-4EA444AC9EE6}"/>
+          <p:cNvPr id="25" name="Elipse 24">
+            <a:extLst>
+              <a:ext uri="{FF2B5EF4-FFF2-40B4-BE49-F238E27FC236}">
+                <a16:creationId xmlns:a16="http://schemas.microsoft.com/office/drawing/2014/main" id="{FCC1F9D5-F5F8-7B22-5E00-D9F6E11D3F09}"/>
               </a:ext>
             </a:extLst>
           </p:cNvPr>
@@ -4444,10 +4445,10 @@
       </p:sp>
       <p:sp>
         <p:nvSpPr>
-          <p:cNvPr id="73" name="CuadroTexto 72">
-            <a:extLst>
-              <a:ext uri="{FF2B5EF4-FFF2-40B4-BE49-F238E27FC236}">
-                <a16:creationId xmlns:a16="http://schemas.microsoft.com/office/drawing/2014/main" id="{E85548BC-9BB3-101E-D75C-706C9CF8ECDE}"/>
+          <p:cNvPr id="26" name="CuadroTexto 25">
+            <a:extLst>
+              <a:ext uri="{FF2B5EF4-FFF2-40B4-BE49-F238E27FC236}">
+                <a16:creationId xmlns:a16="http://schemas.microsoft.com/office/drawing/2014/main" id="{2EFB6309-7836-2F2F-D006-3C2754C8DB52}"/>
               </a:ext>
             </a:extLst>
           </p:cNvPr>
@@ -4494,10 +4495,10 @@
       </p:sp>
       <p:sp>
         <p:nvSpPr>
-          <p:cNvPr id="74" name="Elipse 73">
-            <a:extLst>
-              <a:ext uri="{FF2B5EF4-FFF2-40B4-BE49-F238E27FC236}">
-                <a16:creationId xmlns:a16="http://schemas.microsoft.com/office/drawing/2014/main" id="{91C9464E-0BD3-0E2A-9AE6-BD3DF562D218}"/>
+          <p:cNvPr id="27" name="Elipse 26">
+            <a:extLst>
+              <a:ext uri="{FF2B5EF4-FFF2-40B4-BE49-F238E27FC236}">
+                <a16:creationId xmlns:a16="http://schemas.microsoft.com/office/drawing/2014/main" id="{AD724150-B75A-72A7-CA49-08E1DECD8F61}"/>
               </a:ext>
             </a:extLst>
           </p:cNvPr>
@@ -4546,10 +4547,10 @@
       </p:sp>
       <p:sp>
         <p:nvSpPr>
-          <p:cNvPr id="76" name="Elipse 75">
-            <a:extLst>
-              <a:ext uri="{FF2B5EF4-FFF2-40B4-BE49-F238E27FC236}">
-                <a16:creationId xmlns:a16="http://schemas.microsoft.com/office/drawing/2014/main" id="{FDEED837-D47D-D946-0AA9-E599D189D265}"/>
+          <p:cNvPr id="28" name="Elipse 27">
+            <a:extLst>
+              <a:ext uri="{FF2B5EF4-FFF2-40B4-BE49-F238E27FC236}">
+                <a16:creationId xmlns:a16="http://schemas.microsoft.com/office/drawing/2014/main" id="{96D7C443-5CD9-E3BC-216F-DBD5A58C3F9B}"/>
               </a:ext>
             </a:extLst>
           </p:cNvPr>
@@ -4598,10 +4599,10 @@
       </p:sp>
       <p:sp>
         <p:nvSpPr>
-          <p:cNvPr id="78" name="CuadroTexto 77">
-            <a:extLst>
-              <a:ext uri="{FF2B5EF4-FFF2-40B4-BE49-F238E27FC236}">
-                <a16:creationId xmlns:a16="http://schemas.microsoft.com/office/drawing/2014/main" id="{09C5770E-B770-6571-A056-6838E93132FF}"/>
+          <p:cNvPr id="29" name="CuadroTexto 28">
+            <a:extLst>
+              <a:ext uri="{FF2B5EF4-FFF2-40B4-BE49-F238E27FC236}">
+                <a16:creationId xmlns:a16="http://schemas.microsoft.com/office/drawing/2014/main" id="{624028EE-D8BC-AA31-9F62-26BACDA6D1F9}"/>
               </a:ext>
             </a:extLst>
           </p:cNvPr>
@@ -4648,10 +4649,10 @@
       </p:sp>
       <p:sp>
         <p:nvSpPr>
-          <p:cNvPr id="79" name="CuadroTexto 78">
-            <a:extLst>
-              <a:ext uri="{FF2B5EF4-FFF2-40B4-BE49-F238E27FC236}">
-                <a16:creationId xmlns:a16="http://schemas.microsoft.com/office/drawing/2014/main" id="{9AE6A019-3E3B-AC5D-EAA1-C37C19FCD0BE}"/>
+          <p:cNvPr id="30" name="CuadroTexto 29">
+            <a:extLst>
+              <a:ext uri="{FF2B5EF4-FFF2-40B4-BE49-F238E27FC236}">
+                <a16:creationId xmlns:a16="http://schemas.microsoft.com/office/drawing/2014/main" id="{27823B29-F0C2-DC39-8CBB-46D3192A0878}"/>
               </a:ext>
             </a:extLst>
           </p:cNvPr>
@@ -4698,10 +4699,10 @@
       </p:sp>
       <p:sp>
         <p:nvSpPr>
-          <p:cNvPr id="80" name="Rectángulo redondeado 79">
-            <a:extLst>
-              <a:ext uri="{FF2B5EF4-FFF2-40B4-BE49-F238E27FC236}">
-                <a16:creationId xmlns:a16="http://schemas.microsoft.com/office/drawing/2014/main" id="{8A29E48D-7BE6-C338-67F7-5DEB4459445F}"/>
+          <p:cNvPr id="31" name="Rectángulo redondeado 30">
+            <a:extLst>
+              <a:ext uri="{FF2B5EF4-FFF2-40B4-BE49-F238E27FC236}">
+                <a16:creationId xmlns:a16="http://schemas.microsoft.com/office/drawing/2014/main" id="{4B7F7206-50CB-6CC8-C35C-0CBFFF56080C}"/>
               </a:ext>
             </a:extLst>
           </p:cNvPr>
@@ -4750,10 +4751,10 @@
       </p:sp>
       <p:sp>
         <p:nvSpPr>
-          <p:cNvPr id="81" name="CuadroTexto 80">
-            <a:extLst>
-              <a:ext uri="{FF2B5EF4-FFF2-40B4-BE49-F238E27FC236}">
-                <a16:creationId xmlns:a16="http://schemas.microsoft.com/office/drawing/2014/main" id="{2CDCA99D-CA87-8D22-2351-2166A756C40D}"/>
+          <p:cNvPr id="32" name="CuadroTexto 31">
+            <a:extLst>
+              <a:ext uri="{FF2B5EF4-FFF2-40B4-BE49-F238E27FC236}">
+                <a16:creationId xmlns:a16="http://schemas.microsoft.com/office/drawing/2014/main" id="{DA828E08-19B8-91B2-A2D9-EE98157611DE}"/>
               </a:ext>
             </a:extLst>
           </p:cNvPr>
@@ -4799,16 +4800,16 @@
       </p:sp>
       <p:cxnSp>
         <p:nvCxnSpPr>
-          <p:cNvPr id="83" name="Conector curvado 82">
-            <a:extLst>
-              <a:ext uri="{FF2B5EF4-FFF2-40B4-BE49-F238E27FC236}">
-                <a16:creationId xmlns:a16="http://schemas.microsoft.com/office/drawing/2014/main" id="{4973A28D-B68F-0E1D-DB03-8B5BF5807A20}"/>
+          <p:cNvPr id="33" name="Conector curvado 32">
+            <a:extLst>
+              <a:ext uri="{FF2B5EF4-FFF2-40B4-BE49-F238E27FC236}">
+                <a16:creationId xmlns:a16="http://schemas.microsoft.com/office/drawing/2014/main" id="{A2A9C2E3-0F46-051F-1D27-2B2222BB9072}"/>
               </a:ext>
             </a:extLst>
           </p:cNvPr>
           <p:cNvCxnSpPr>
-            <a:stCxn id="72" idx="2"/>
-            <a:endCxn id="76" idx="2"/>
+            <a:stCxn id="25" idx="2"/>
+            <a:endCxn id="28" idx="2"/>
           </p:cNvCxnSpPr>
           <p:nvPr/>
         </p:nvCxnSpPr>
@@ -4849,17 +4850,17 @@
       </p:cxnSp>
       <p:cxnSp>
         <p:nvCxnSpPr>
-          <p:cNvPr id="86" name="Conector curvado 85">
-            <a:extLst>
-              <a:ext uri="{FF2B5EF4-FFF2-40B4-BE49-F238E27FC236}">
-                <a16:creationId xmlns:a16="http://schemas.microsoft.com/office/drawing/2014/main" id="{127F2C13-B54F-C060-1623-B1E46756D658}"/>
+          <p:cNvPr id="34" name="Conector curvado 33">
+            <a:extLst>
+              <a:ext uri="{FF2B5EF4-FFF2-40B4-BE49-F238E27FC236}">
+                <a16:creationId xmlns:a16="http://schemas.microsoft.com/office/drawing/2014/main" id="{00E8EC74-7A4C-D63A-9FD0-FE6F912E8195}"/>
               </a:ext>
             </a:extLst>
           </p:cNvPr>
           <p:cNvCxnSpPr>
             <a:cxnSpLocks/>
-            <a:stCxn id="74" idx="6"/>
-            <a:endCxn id="76" idx="6"/>
+            <a:stCxn id="27" idx="6"/>
+            <a:endCxn id="28" idx="6"/>
           </p:cNvCxnSpPr>
           <p:nvPr/>
         </p:nvCxnSpPr>
@@ -4900,17 +4901,17 @@
       </p:cxnSp>
       <p:cxnSp>
         <p:nvCxnSpPr>
-          <p:cNvPr id="90" name="Conector curvado 89">
-            <a:extLst>
-              <a:ext uri="{FF2B5EF4-FFF2-40B4-BE49-F238E27FC236}">
-                <a16:creationId xmlns:a16="http://schemas.microsoft.com/office/drawing/2014/main" id="{C31FF744-B092-75A9-2C9B-B5430ACFAE28}"/>
+          <p:cNvPr id="35" name="Conector curvado 34">
+            <a:extLst>
+              <a:ext uri="{FF2B5EF4-FFF2-40B4-BE49-F238E27FC236}">
+                <a16:creationId xmlns:a16="http://schemas.microsoft.com/office/drawing/2014/main" id="{F3EAE2CC-81DB-B400-51D9-F27C06160A1F}"/>
               </a:ext>
             </a:extLst>
           </p:cNvPr>
           <p:cNvCxnSpPr>
             <a:cxnSpLocks/>
-            <a:stCxn id="72" idx="6"/>
-            <a:endCxn id="74" idx="6"/>
+            <a:stCxn id="25" idx="6"/>
+            <a:endCxn id="27" idx="6"/>
           </p:cNvCxnSpPr>
           <p:nvPr/>
         </p:nvCxnSpPr>
@@ -4949,16 +4950,16 @@
       </p:cxnSp>
       <p:cxnSp>
         <p:nvCxnSpPr>
-          <p:cNvPr id="99" name="Conector recto de flecha 98">
-            <a:extLst>
-              <a:ext uri="{FF2B5EF4-FFF2-40B4-BE49-F238E27FC236}">
-                <a16:creationId xmlns:a16="http://schemas.microsoft.com/office/drawing/2014/main" id="{EFE554A9-B35B-D009-8A24-58118D0B749A}"/>
+          <p:cNvPr id="36" name="Conector recto de flecha 35">
+            <a:extLst>
+              <a:ext uri="{FF2B5EF4-FFF2-40B4-BE49-F238E27FC236}">
+                <a16:creationId xmlns:a16="http://schemas.microsoft.com/office/drawing/2014/main" id="{DBB928A0-9217-B2DE-C31F-D716AB2032D0}"/>
               </a:ext>
             </a:extLst>
           </p:cNvPr>
           <p:cNvCxnSpPr>
-            <a:stCxn id="51" idx="6"/>
-            <a:endCxn id="53" idx="2"/>
+            <a:stCxn id="4" idx="6"/>
+            <a:endCxn id="6" idx="2"/>
           </p:cNvCxnSpPr>
           <p:nvPr/>
         </p:nvCxnSpPr>
@@ -4994,17 +4995,17 @@
       </p:cxnSp>
       <p:cxnSp>
         <p:nvCxnSpPr>
-          <p:cNvPr id="100" name="Conector recto de flecha 99">
-            <a:extLst>
-              <a:ext uri="{FF2B5EF4-FFF2-40B4-BE49-F238E27FC236}">
-                <a16:creationId xmlns:a16="http://schemas.microsoft.com/office/drawing/2014/main" id="{3308364A-568E-FA03-FC2A-DEDD25F3FC8A}"/>
+          <p:cNvPr id="37" name="Conector recto de flecha 36">
+            <a:extLst>
+              <a:ext uri="{FF2B5EF4-FFF2-40B4-BE49-F238E27FC236}">
+                <a16:creationId xmlns:a16="http://schemas.microsoft.com/office/drawing/2014/main" id="{C7390C3D-B09E-E8BE-2803-237ECB193582}"/>
               </a:ext>
             </a:extLst>
           </p:cNvPr>
           <p:cNvCxnSpPr>
             <a:cxnSpLocks/>
-            <a:stCxn id="53" idx="6"/>
-            <a:endCxn id="55" idx="2"/>
+            <a:stCxn id="6" idx="6"/>
+            <a:endCxn id="8" idx="2"/>
           </p:cNvCxnSpPr>
           <p:nvPr/>
         </p:nvCxnSpPr>
@@ -5040,17 +5041,17 @@
       </p:cxnSp>
       <p:cxnSp>
         <p:nvCxnSpPr>
-          <p:cNvPr id="103" name="Conector recto de flecha 102">
-            <a:extLst>
-              <a:ext uri="{FF2B5EF4-FFF2-40B4-BE49-F238E27FC236}">
-                <a16:creationId xmlns:a16="http://schemas.microsoft.com/office/drawing/2014/main" id="{D162220B-904B-C3A2-2156-AD5E1CA2776F}"/>
+          <p:cNvPr id="38" name="Conector recto de flecha 37">
+            <a:extLst>
+              <a:ext uri="{FF2B5EF4-FFF2-40B4-BE49-F238E27FC236}">
+                <a16:creationId xmlns:a16="http://schemas.microsoft.com/office/drawing/2014/main" id="{5674F506-E8A6-59C9-B409-FC6DFFB0AD8B}"/>
               </a:ext>
             </a:extLst>
           </p:cNvPr>
           <p:cNvCxnSpPr>
             <a:cxnSpLocks/>
-            <a:stCxn id="57" idx="6"/>
-            <a:endCxn id="59" idx="2"/>
+            <a:stCxn id="10" idx="6"/>
+            <a:endCxn id="12" idx="2"/>
           </p:cNvCxnSpPr>
           <p:nvPr/>
         </p:nvCxnSpPr>
@@ -5086,17 +5087,17 @@
       </p:cxnSp>
       <p:cxnSp>
         <p:nvCxnSpPr>
-          <p:cNvPr id="106" name="Conector recto de flecha 105">
-            <a:extLst>
-              <a:ext uri="{FF2B5EF4-FFF2-40B4-BE49-F238E27FC236}">
-                <a16:creationId xmlns:a16="http://schemas.microsoft.com/office/drawing/2014/main" id="{FBDEE12B-F17A-32CD-BA92-DD267940F76F}"/>
+          <p:cNvPr id="39" name="Conector recto de flecha 38">
+            <a:extLst>
+              <a:ext uri="{FF2B5EF4-FFF2-40B4-BE49-F238E27FC236}">
+                <a16:creationId xmlns:a16="http://schemas.microsoft.com/office/drawing/2014/main" id="{98087BE9-C529-55E2-E47D-9FE452360E39}"/>
               </a:ext>
             </a:extLst>
           </p:cNvPr>
           <p:cNvCxnSpPr>
             <a:cxnSpLocks/>
-            <a:stCxn id="59" idx="6"/>
-            <a:endCxn id="61" idx="2"/>
+            <a:stCxn id="12" idx="6"/>
+            <a:endCxn id="14" idx="2"/>
           </p:cNvCxnSpPr>
           <p:nvPr/>
         </p:nvCxnSpPr>
@@ -5132,17 +5133,17 @@
       </p:cxnSp>
       <p:cxnSp>
         <p:nvCxnSpPr>
-          <p:cNvPr id="109" name="Conector recto de flecha 108">
-            <a:extLst>
-              <a:ext uri="{FF2B5EF4-FFF2-40B4-BE49-F238E27FC236}">
-                <a16:creationId xmlns:a16="http://schemas.microsoft.com/office/drawing/2014/main" id="{096E1214-B969-BC61-5B1E-DBD98CA172A1}"/>
+          <p:cNvPr id="40" name="Conector recto de flecha 39">
+            <a:extLst>
+              <a:ext uri="{FF2B5EF4-FFF2-40B4-BE49-F238E27FC236}">
+                <a16:creationId xmlns:a16="http://schemas.microsoft.com/office/drawing/2014/main" id="{A60D8DA5-62F6-F3E3-2B05-DA6C847E8962}"/>
               </a:ext>
             </a:extLst>
           </p:cNvPr>
           <p:cNvCxnSpPr>
             <a:cxnSpLocks/>
-            <a:stCxn id="63" idx="6"/>
-            <a:endCxn id="65" idx="2"/>
+            <a:stCxn id="16" idx="6"/>
+            <a:endCxn id="18" idx="2"/>
           </p:cNvCxnSpPr>
           <p:nvPr/>
         </p:nvCxnSpPr>
@@ -5178,17 +5179,17 @@
       </p:cxnSp>
       <p:cxnSp>
         <p:nvCxnSpPr>
-          <p:cNvPr id="112" name="Conector recto de flecha 111">
-            <a:extLst>
-              <a:ext uri="{FF2B5EF4-FFF2-40B4-BE49-F238E27FC236}">
-                <a16:creationId xmlns:a16="http://schemas.microsoft.com/office/drawing/2014/main" id="{9A453C24-8C81-EABC-93D0-ABECCE65CE4F}"/>
+          <p:cNvPr id="41" name="Conector recto de flecha 40">
+            <a:extLst>
+              <a:ext uri="{FF2B5EF4-FFF2-40B4-BE49-F238E27FC236}">
+                <a16:creationId xmlns:a16="http://schemas.microsoft.com/office/drawing/2014/main" id="{C38B10E9-DA8E-E993-693B-F61DA1652A25}"/>
               </a:ext>
             </a:extLst>
           </p:cNvPr>
           <p:cNvCxnSpPr>
             <a:cxnSpLocks/>
-            <a:stCxn id="65" idx="6"/>
-            <a:endCxn id="67" idx="2"/>
+            <a:stCxn id="18" idx="6"/>
+            <a:endCxn id="20" idx="2"/>
           </p:cNvCxnSpPr>
           <p:nvPr/>
         </p:nvCxnSpPr>
@@ -5224,17 +5225,17 @@
       </p:cxnSp>
       <p:cxnSp>
         <p:nvCxnSpPr>
-          <p:cNvPr id="115" name="Conector recto de flecha 114">
-            <a:extLst>
-              <a:ext uri="{FF2B5EF4-FFF2-40B4-BE49-F238E27FC236}">
-                <a16:creationId xmlns:a16="http://schemas.microsoft.com/office/drawing/2014/main" id="{571F7229-33C8-6C5C-C897-75AA2C4C0275}"/>
+          <p:cNvPr id="42" name="Conector recto de flecha 41">
+            <a:extLst>
+              <a:ext uri="{FF2B5EF4-FFF2-40B4-BE49-F238E27FC236}">
+                <a16:creationId xmlns:a16="http://schemas.microsoft.com/office/drawing/2014/main" id="{68688B2D-427C-F20E-3B88-CCDA09793189}"/>
               </a:ext>
             </a:extLst>
           </p:cNvPr>
           <p:cNvCxnSpPr>
             <a:cxnSpLocks/>
-            <a:stCxn id="51" idx="6"/>
-            <a:endCxn id="59" idx="2"/>
+            <a:stCxn id="4" idx="6"/>
+            <a:endCxn id="12" idx="2"/>
           </p:cNvCxnSpPr>
           <p:nvPr/>
         </p:nvCxnSpPr>
@@ -5270,17 +5271,17 @@
       </p:cxnSp>
       <p:cxnSp>
         <p:nvCxnSpPr>
-          <p:cNvPr id="118" name="Conector recto de flecha 117">
-            <a:extLst>
-              <a:ext uri="{FF2B5EF4-FFF2-40B4-BE49-F238E27FC236}">
-                <a16:creationId xmlns:a16="http://schemas.microsoft.com/office/drawing/2014/main" id="{09FB6A62-D609-B9A5-8412-45BED2C6E7E6}"/>
+          <p:cNvPr id="43" name="Conector recto de flecha 42">
+            <a:extLst>
+              <a:ext uri="{FF2B5EF4-FFF2-40B4-BE49-F238E27FC236}">
+                <a16:creationId xmlns:a16="http://schemas.microsoft.com/office/drawing/2014/main" id="{ABC38EF0-53CD-F51F-875A-0999FFED6305}"/>
               </a:ext>
             </a:extLst>
           </p:cNvPr>
           <p:cNvCxnSpPr>
             <a:cxnSpLocks/>
-            <a:stCxn id="57" idx="6"/>
-            <a:endCxn id="65" idx="2"/>
+            <a:stCxn id="10" idx="6"/>
+            <a:endCxn id="18" idx="2"/>
           </p:cNvCxnSpPr>
           <p:nvPr/>
         </p:nvCxnSpPr>
@@ -5318,17 +5319,17 @@
       </p:cxnSp>
       <p:cxnSp>
         <p:nvCxnSpPr>
-          <p:cNvPr id="121" name="Conector recto de flecha 120">
-            <a:extLst>
-              <a:ext uri="{FF2B5EF4-FFF2-40B4-BE49-F238E27FC236}">
-                <a16:creationId xmlns:a16="http://schemas.microsoft.com/office/drawing/2014/main" id="{016CA5E1-3A2F-55BA-85AB-C15E9F19135D}"/>
+          <p:cNvPr id="44" name="Conector recto de flecha 43">
+            <a:extLst>
+              <a:ext uri="{FF2B5EF4-FFF2-40B4-BE49-F238E27FC236}">
+                <a16:creationId xmlns:a16="http://schemas.microsoft.com/office/drawing/2014/main" id="{A9CC6670-8940-A9B6-B532-4D64FC963559}"/>
               </a:ext>
             </a:extLst>
           </p:cNvPr>
           <p:cNvCxnSpPr>
             <a:cxnSpLocks/>
-            <a:stCxn id="53" idx="6"/>
-            <a:endCxn id="61" idx="2"/>
+            <a:stCxn id="6" idx="6"/>
+            <a:endCxn id="14" idx="2"/>
           </p:cNvCxnSpPr>
           <p:nvPr/>
         </p:nvCxnSpPr>
@@ -5364,17 +5365,17 @@
       </p:cxnSp>
       <p:cxnSp>
         <p:nvCxnSpPr>
-          <p:cNvPr id="124" name="Conector recto de flecha 123">
-            <a:extLst>
-              <a:ext uri="{FF2B5EF4-FFF2-40B4-BE49-F238E27FC236}">
-                <a16:creationId xmlns:a16="http://schemas.microsoft.com/office/drawing/2014/main" id="{FB59456A-B768-4D61-0ADE-4687672C6DDE}"/>
+          <p:cNvPr id="45" name="Conector recto de flecha 44">
+            <a:extLst>
+              <a:ext uri="{FF2B5EF4-FFF2-40B4-BE49-F238E27FC236}">
+                <a16:creationId xmlns:a16="http://schemas.microsoft.com/office/drawing/2014/main" id="{0AA3BC9B-AF40-DE19-96BB-F70F23665267}"/>
               </a:ext>
             </a:extLst>
           </p:cNvPr>
           <p:cNvCxnSpPr>
             <a:cxnSpLocks/>
-            <a:stCxn id="59" idx="6"/>
-            <a:endCxn id="67" idx="2"/>
+            <a:stCxn id="12" idx="6"/>
+            <a:endCxn id="20" idx="2"/>
           </p:cNvCxnSpPr>
           <p:nvPr/>
         </p:nvCxnSpPr>
@@ -5412,17 +5413,17 @@
       </p:cxnSp>
       <p:cxnSp>
         <p:nvCxnSpPr>
-          <p:cNvPr id="127" name="Conector recto de flecha 126">
-            <a:extLst>
-              <a:ext uri="{FF2B5EF4-FFF2-40B4-BE49-F238E27FC236}">
-                <a16:creationId xmlns:a16="http://schemas.microsoft.com/office/drawing/2014/main" id="{70E6090A-17B1-431D-154D-3ED84815051C}"/>
+          <p:cNvPr id="46" name="Conector recto de flecha 45">
+            <a:extLst>
+              <a:ext uri="{FF2B5EF4-FFF2-40B4-BE49-F238E27FC236}">
+                <a16:creationId xmlns:a16="http://schemas.microsoft.com/office/drawing/2014/main" id="{DEB1176A-8771-46B5-7E4F-B8E5DD146970}"/>
               </a:ext>
             </a:extLst>
           </p:cNvPr>
           <p:cNvCxnSpPr>
             <a:cxnSpLocks/>
-            <a:stCxn id="51" idx="6"/>
-            <a:endCxn id="65" idx="2"/>
+            <a:stCxn id="4" idx="6"/>
+            <a:endCxn id="18" idx="2"/>
           </p:cNvCxnSpPr>
           <p:nvPr/>
         </p:nvCxnSpPr>
@@ -5460,17 +5461,17 @@
       </p:cxnSp>
       <p:cxnSp>
         <p:nvCxnSpPr>
-          <p:cNvPr id="130" name="Conector recto de flecha 129">
-            <a:extLst>
-              <a:ext uri="{FF2B5EF4-FFF2-40B4-BE49-F238E27FC236}">
-                <a16:creationId xmlns:a16="http://schemas.microsoft.com/office/drawing/2014/main" id="{68503EC8-689B-B0B4-925E-6387C08195E5}"/>
+          <p:cNvPr id="47" name="Conector recto de flecha 46">
+            <a:extLst>
+              <a:ext uri="{FF2B5EF4-FFF2-40B4-BE49-F238E27FC236}">
+                <a16:creationId xmlns:a16="http://schemas.microsoft.com/office/drawing/2014/main" id="{27F33130-5862-ECF9-C55A-AAB886E13282}"/>
               </a:ext>
             </a:extLst>
           </p:cNvPr>
           <p:cNvCxnSpPr>
             <a:cxnSpLocks/>
-            <a:stCxn id="53" idx="6"/>
-            <a:endCxn id="67" idx="2"/>
+            <a:stCxn id="6" idx="6"/>
+            <a:endCxn id="20" idx="2"/>
           </p:cNvCxnSpPr>
           <p:nvPr/>
         </p:nvCxnSpPr>
@@ -5508,17 +5509,17 @@
       </p:cxnSp>
       <p:cxnSp>
         <p:nvCxnSpPr>
-          <p:cNvPr id="133" name="Conector recto de flecha 132">
-            <a:extLst>
-              <a:ext uri="{FF2B5EF4-FFF2-40B4-BE49-F238E27FC236}">
-                <a16:creationId xmlns:a16="http://schemas.microsoft.com/office/drawing/2014/main" id="{00F7163C-7C52-928F-BCD3-6FF441F86061}"/>
+          <p:cNvPr id="48" name="Conector recto de flecha 47">
+            <a:extLst>
+              <a:ext uri="{FF2B5EF4-FFF2-40B4-BE49-F238E27FC236}">
+                <a16:creationId xmlns:a16="http://schemas.microsoft.com/office/drawing/2014/main" id="{E01BDB83-A1D2-5D07-A3E8-EACCFCF7D935}"/>
               </a:ext>
             </a:extLst>
           </p:cNvPr>
           <p:cNvCxnSpPr>
             <a:cxnSpLocks/>
-            <a:stCxn id="57" idx="6"/>
-            <a:endCxn id="53" idx="2"/>
+            <a:stCxn id="10" idx="6"/>
+            <a:endCxn id="6" idx="2"/>
           </p:cNvCxnSpPr>
           <p:nvPr/>
         </p:nvCxnSpPr>
@@ -5557,17 +5558,17 @@
       </p:cxnSp>
       <p:cxnSp>
         <p:nvCxnSpPr>
-          <p:cNvPr id="136" name="Conector recto de flecha 135">
-            <a:extLst>
-              <a:ext uri="{FF2B5EF4-FFF2-40B4-BE49-F238E27FC236}">
-                <a16:creationId xmlns:a16="http://schemas.microsoft.com/office/drawing/2014/main" id="{8A158F30-D642-384C-9472-B346215B6FC4}"/>
+          <p:cNvPr id="49" name="Conector recto de flecha 48">
+            <a:extLst>
+              <a:ext uri="{FF2B5EF4-FFF2-40B4-BE49-F238E27FC236}">
+                <a16:creationId xmlns:a16="http://schemas.microsoft.com/office/drawing/2014/main" id="{969DD317-F2EF-4E46-9E66-FDC78E9E778B}"/>
               </a:ext>
             </a:extLst>
           </p:cNvPr>
           <p:cNvCxnSpPr>
             <a:cxnSpLocks/>
-            <a:stCxn id="63" idx="6"/>
-            <a:endCxn id="59" idx="2"/>
+            <a:stCxn id="16" idx="6"/>
+            <a:endCxn id="12" idx="2"/>
           </p:cNvCxnSpPr>
           <p:nvPr/>
         </p:nvCxnSpPr>
@@ -5606,17 +5607,17 @@
       </p:cxnSp>
       <p:cxnSp>
         <p:nvCxnSpPr>
-          <p:cNvPr id="139" name="Conector recto de flecha 138">
-            <a:extLst>
-              <a:ext uri="{FF2B5EF4-FFF2-40B4-BE49-F238E27FC236}">
-                <a16:creationId xmlns:a16="http://schemas.microsoft.com/office/drawing/2014/main" id="{9F2F89DA-0AD5-AB44-5BC0-7B165B4AD3F5}"/>
+          <p:cNvPr id="50" name="Conector recto de flecha 49">
+            <a:extLst>
+              <a:ext uri="{FF2B5EF4-FFF2-40B4-BE49-F238E27FC236}">
+                <a16:creationId xmlns:a16="http://schemas.microsoft.com/office/drawing/2014/main" id="{7E123AEA-0856-DFD6-9645-239BFE1660CD}"/>
               </a:ext>
             </a:extLst>
           </p:cNvPr>
           <p:cNvCxnSpPr>
             <a:cxnSpLocks/>
-            <a:stCxn id="59" idx="6"/>
-            <a:endCxn id="55" idx="2"/>
+            <a:stCxn id="12" idx="6"/>
+            <a:endCxn id="8" idx="2"/>
           </p:cNvCxnSpPr>
           <p:nvPr/>
         </p:nvCxnSpPr>
@@ -5655,17 +5656,17 @@
       </p:cxnSp>
       <p:cxnSp>
         <p:nvCxnSpPr>
-          <p:cNvPr id="142" name="Conector recto de flecha 141">
-            <a:extLst>
-              <a:ext uri="{FF2B5EF4-FFF2-40B4-BE49-F238E27FC236}">
-                <a16:creationId xmlns:a16="http://schemas.microsoft.com/office/drawing/2014/main" id="{BBD4401D-069A-D96A-D1E0-551C8AEB59F8}"/>
+          <p:cNvPr id="51" name="Conector recto de flecha 50">
+            <a:extLst>
+              <a:ext uri="{FF2B5EF4-FFF2-40B4-BE49-F238E27FC236}">
+                <a16:creationId xmlns:a16="http://schemas.microsoft.com/office/drawing/2014/main" id="{69CAA466-3EB0-B5DA-3393-3C8BB0D57AC6}"/>
               </a:ext>
             </a:extLst>
           </p:cNvPr>
           <p:cNvCxnSpPr>
             <a:cxnSpLocks/>
-            <a:stCxn id="65" idx="6"/>
-            <a:endCxn id="61" idx="2"/>
+            <a:stCxn id="18" idx="6"/>
+            <a:endCxn id="14" idx="2"/>
           </p:cNvCxnSpPr>
           <p:nvPr/>
         </p:nvCxnSpPr>
@@ -5704,17 +5705,17 @@
       </p:cxnSp>
       <p:cxnSp>
         <p:nvCxnSpPr>
-          <p:cNvPr id="145" name="Conector recto de flecha 144">
-            <a:extLst>
-              <a:ext uri="{FF2B5EF4-FFF2-40B4-BE49-F238E27FC236}">
-                <a16:creationId xmlns:a16="http://schemas.microsoft.com/office/drawing/2014/main" id="{49A10E5D-0C9A-DE9B-B9C9-88BC50D71AFD}"/>
+          <p:cNvPr id="52" name="Conector recto de flecha 51">
+            <a:extLst>
+              <a:ext uri="{FF2B5EF4-FFF2-40B4-BE49-F238E27FC236}">
+                <a16:creationId xmlns:a16="http://schemas.microsoft.com/office/drawing/2014/main" id="{9B517455-D75E-4CC4-E7AE-9A8C2BF341FA}"/>
               </a:ext>
             </a:extLst>
           </p:cNvPr>
           <p:cNvCxnSpPr>
             <a:cxnSpLocks/>
-            <a:stCxn id="63" idx="6"/>
-            <a:endCxn id="53" idx="2"/>
+            <a:stCxn id="16" idx="6"/>
+            <a:endCxn id="6" idx="2"/>
           </p:cNvCxnSpPr>
           <p:nvPr/>
         </p:nvCxnSpPr>
@@ -5753,17 +5754,17 @@
       </p:cxnSp>
       <p:cxnSp>
         <p:nvCxnSpPr>
-          <p:cNvPr id="148" name="Conector recto de flecha 147">
-            <a:extLst>
-              <a:ext uri="{FF2B5EF4-FFF2-40B4-BE49-F238E27FC236}">
-                <a16:creationId xmlns:a16="http://schemas.microsoft.com/office/drawing/2014/main" id="{02BBC951-C80F-D8AD-70CA-BE710A6D8493}"/>
+          <p:cNvPr id="53" name="Conector recto de flecha 52">
+            <a:extLst>
+              <a:ext uri="{FF2B5EF4-FFF2-40B4-BE49-F238E27FC236}">
+                <a16:creationId xmlns:a16="http://schemas.microsoft.com/office/drawing/2014/main" id="{E639885A-3E44-62D2-11B5-EB0AFE2ACC9E}"/>
               </a:ext>
             </a:extLst>
           </p:cNvPr>
           <p:cNvCxnSpPr>
             <a:cxnSpLocks/>
-            <a:stCxn id="65" idx="6"/>
-            <a:endCxn id="55" idx="2"/>
+            <a:stCxn id="18" idx="6"/>
+            <a:endCxn id="8" idx="2"/>
           </p:cNvCxnSpPr>
           <p:nvPr/>
         </p:nvCxnSpPr>
@@ -5802,10 +5803,10 @@
       </p:cxnSp>
       <p:sp>
         <p:nvSpPr>
-          <p:cNvPr id="235" name="CuadroTexto 234">
-            <a:extLst>
-              <a:ext uri="{FF2B5EF4-FFF2-40B4-BE49-F238E27FC236}">
-                <a16:creationId xmlns:a16="http://schemas.microsoft.com/office/drawing/2014/main" id="{B0C05C64-C9A7-E21B-89F3-A08B1013ABF2}"/>
+          <p:cNvPr id="54" name="CuadroTexto 53">
+            <a:extLst>
+              <a:ext uri="{FF2B5EF4-FFF2-40B4-BE49-F238E27FC236}">
+                <a16:creationId xmlns:a16="http://schemas.microsoft.com/office/drawing/2014/main" id="{88A29B9C-863E-F8BE-8EC6-0F253EE6280D}"/>
               </a:ext>
             </a:extLst>
           </p:cNvPr>
@@ -5831,22 +5832,19 @@
           <a:lstStyle/>
           <a:p>
             <a:pPr algn="ctr"/>
-            <a:r>
-              <a:rPr lang="es-CL" sz="1200" dirty="0">
-                <a:latin typeface="Arial" panose="020B0604020202020204" pitchFamily="34" charset="0"/>
-                <a:cs typeface="Arial" panose="020B0604020202020204" pitchFamily="34" charset="0"/>
-              </a:rPr>
-              <a:t>0.139***</a:t>
-            </a:r>
-          </a:p>
-        </p:txBody>
-      </p:sp>
-      <p:sp>
-        <p:nvSpPr>
-          <p:cNvPr id="6" name="CuadroTexto 5">
-            <a:extLst>
-              <a:ext uri="{FF2B5EF4-FFF2-40B4-BE49-F238E27FC236}">
-                <a16:creationId xmlns:a16="http://schemas.microsoft.com/office/drawing/2014/main" id="{CD2889BA-F1F5-5102-C4E9-F31DA719F925}"/>
+            <a:endParaRPr lang="es-CL" sz="1200" dirty="0">
+              <a:latin typeface="Arial" panose="020B0604020202020204" pitchFamily="34" charset="0"/>
+              <a:cs typeface="Arial" panose="020B0604020202020204" pitchFamily="34" charset="0"/>
+            </a:endParaRPr>
+          </a:p>
+        </p:txBody>
+      </p:sp>
+      <p:sp>
+        <p:nvSpPr>
+          <p:cNvPr id="55" name="CuadroTexto 54">
+            <a:extLst>
+              <a:ext uri="{FF2B5EF4-FFF2-40B4-BE49-F238E27FC236}">
+                <a16:creationId xmlns:a16="http://schemas.microsoft.com/office/drawing/2014/main" id="{A0F00E56-F31A-1138-B33A-D58A8BADAAF1}"/>
               </a:ext>
             </a:extLst>
           </p:cNvPr>
@@ -5872,22 +5870,19 @@
           <a:lstStyle/>
           <a:p>
             <a:pPr algn="ctr"/>
-            <a:r>
-              <a:rPr lang="es-CL" sz="1200" dirty="0">
-                <a:latin typeface="Arial" panose="020B0604020202020204" pitchFamily="34" charset="0"/>
-                <a:cs typeface="Arial" panose="020B0604020202020204" pitchFamily="34" charset="0"/>
-              </a:rPr>
-              <a:t>0.139***</a:t>
-            </a:r>
-          </a:p>
-        </p:txBody>
-      </p:sp>
-      <p:sp>
-        <p:nvSpPr>
-          <p:cNvPr id="7" name="CuadroTexto 6">
-            <a:extLst>
-              <a:ext uri="{FF2B5EF4-FFF2-40B4-BE49-F238E27FC236}">
-                <a16:creationId xmlns:a16="http://schemas.microsoft.com/office/drawing/2014/main" id="{D2D93BC0-B62E-78BF-7790-7937062FDB21}"/>
+            <a:endParaRPr lang="es-CL" sz="1200" dirty="0">
+              <a:latin typeface="Arial" panose="020B0604020202020204" pitchFamily="34" charset="0"/>
+              <a:cs typeface="Arial" panose="020B0604020202020204" pitchFamily="34" charset="0"/>
+            </a:endParaRPr>
+          </a:p>
+        </p:txBody>
+      </p:sp>
+      <p:sp>
+        <p:nvSpPr>
+          <p:cNvPr id="57" name="CuadroTexto 56">
+            <a:extLst>
+              <a:ext uri="{FF2B5EF4-FFF2-40B4-BE49-F238E27FC236}">
+                <a16:creationId xmlns:a16="http://schemas.microsoft.com/office/drawing/2014/main" id="{E0A49686-A7D8-32D2-2DA3-9D3DE5081014}"/>
               </a:ext>
             </a:extLst>
           </p:cNvPr>
@@ -5895,14 +5890,16 @@
           <p:nvPr/>
         </p:nvSpPr>
         <p:spPr>
-          <a:xfrm rot="2347904">
-            <a:off x="5237089" y="1799053"/>
-            <a:ext cx="806269" cy="276999"/>
+          <a:xfrm>
+            <a:off x="5240106" y="3171549"/>
+            <a:ext cx="749781" cy="276999"/>
           </a:xfrm>
           <a:prstGeom prst="rect">
             <a:avLst/>
           </a:prstGeom>
-          <a:noFill/>
+          <a:solidFill>
+            <a:schemeClr val="bg1"/>
+          </a:solidFill>
         </p:spPr>
         <p:txBody>
           <a:bodyPr wrap="square" rtlCol="0">
@@ -5911,22 +5908,19 @@
           <a:lstStyle/>
           <a:p>
             <a:pPr algn="ctr"/>
-            <a:r>
-              <a:rPr lang="es-CL" sz="1200" dirty="0">
-                <a:latin typeface="Arial" panose="020B0604020202020204" pitchFamily="34" charset="0"/>
-                <a:cs typeface="Arial" panose="020B0604020202020204" pitchFamily="34" charset="0"/>
-              </a:rPr>
-              <a:t>0.067*</a:t>
-            </a:r>
-          </a:p>
-        </p:txBody>
-      </p:sp>
-      <p:sp>
-        <p:nvSpPr>
-          <p:cNvPr id="9" name="CuadroTexto 8">
-            <a:extLst>
-              <a:ext uri="{FF2B5EF4-FFF2-40B4-BE49-F238E27FC236}">
-                <a16:creationId xmlns:a16="http://schemas.microsoft.com/office/drawing/2014/main" id="{71FD01ED-B972-90D2-2027-68589BACAA9D}"/>
+            <a:endParaRPr lang="es-CL" sz="1200" dirty="0">
+              <a:latin typeface="Arial" panose="020B0604020202020204" pitchFamily="34" charset="0"/>
+              <a:cs typeface="Arial" panose="020B0604020202020204" pitchFamily="34" charset="0"/>
+            </a:endParaRPr>
+          </a:p>
+        </p:txBody>
+      </p:sp>
+      <p:sp>
+        <p:nvSpPr>
+          <p:cNvPr id="58" name="CuadroTexto 57">
+            <a:extLst>
+              <a:ext uri="{FF2B5EF4-FFF2-40B4-BE49-F238E27FC236}">
+                <a16:creationId xmlns:a16="http://schemas.microsoft.com/office/drawing/2014/main" id="{D983D59F-92D1-2F2A-D799-02DEEC82033F}"/>
               </a:ext>
             </a:extLst>
           </p:cNvPr>
@@ -5934,8 +5928,44 @@
           <p:nvPr/>
         </p:nvSpPr>
         <p:spPr>
-          <a:xfrm>
-            <a:off x="5240106" y="3171549"/>
+          <a:xfrm rot="2347904">
+            <a:off x="8253618" y="1826375"/>
+            <a:ext cx="806269" cy="276999"/>
+          </a:xfrm>
+          <a:prstGeom prst="rect">
+            <a:avLst/>
+          </a:prstGeom>
+          <a:noFill/>
+        </p:spPr>
+        <p:txBody>
+          <a:bodyPr wrap="square" rtlCol="0">
+            <a:spAutoFit/>
+          </a:bodyPr>
+          <a:lstStyle/>
+          <a:p>
+            <a:pPr algn="ctr"/>
+            <a:endParaRPr lang="es-CL" sz="1200" dirty="0">
+              <a:latin typeface="Arial" panose="020B0604020202020204" pitchFamily="34" charset="0"/>
+              <a:cs typeface="Arial" panose="020B0604020202020204" pitchFamily="34" charset="0"/>
+            </a:endParaRPr>
+          </a:p>
+        </p:txBody>
+      </p:sp>
+      <p:sp>
+        <p:nvSpPr>
+          <p:cNvPr id="59" name="CuadroTexto 58">
+            <a:extLst>
+              <a:ext uri="{FF2B5EF4-FFF2-40B4-BE49-F238E27FC236}">
+                <a16:creationId xmlns:a16="http://schemas.microsoft.com/office/drawing/2014/main" id="{B8DB4D26-37D9-37C0-6E4E-ED5A03BBED64}"/>
+              </a:ext>
+            </a:extLst>
+          </p:cNvPr>
+          <p:cNvSpPr txBox="1"/>
+          <p:nvPr/>
+        </p:nvSpPr>
+        <p:spPr>
+          <a:xfrm>
+            <a:off x="8225687" y="3177735"/>
             <a:ext cx="749781" cy="276999"/>
           </a:xfrm>
           <a:prstGeom prst="rect">
@@ -5952,22 +5982,19 @@
           <a:lstStyle/>
           <a:p>
             <a:pPr algn="ctr"/>
-            <a:r>
-              <a:rPr lang="es-CL" sz="1200" dirty="0">
-                <a:latin typeface="Arial" panose="020B0604020202020204" pitchFamily="34" charset="0"/>
-                <a:cs typeface="Arial" panose="020B0604020202020204" pitchFamily="34" charset="0"/>
-              </a:rPr>
-              <a:t>0.311***</a:t>
-            </a:r>
-          </a:p>
-        </p:txBody>
-      </p:sp>
-      <p:sp>
-        <p:nvSpPr>
-          <p:cNvPr id="85" name="CuadroTexto 84">
-            <a:extLst>
-              <a:ext uri="{FF2B5EF4-FFF2-40B4-BE49-F238E27FC236}">
-                <a16:creationId xmlns:a16="http://schemas.microsoft.com/office/drawing/2014/main" id="{FB88E0D3-30A8-8C56-D0A8-FE19D944D058}"/>
+            <a:endParaRPr lang="es-CL" sz="1200" dirty="0">
+              <a:latin typeface="Arial" panose="020B0604020202020204" pitchFamily="34" charset="0"/>
+              <a:cs typeface="Arial" panose="020B0604020202020204" pitchFamily="34" charset="0"/>
+            </a:endParaRPr>
+          </a:p>
+        </p:txBody>
+      </p:sp>
+      <p:sp>
+        <p:nvSpPr>
+          <p:cNvPr id="64" name="CuadroTexto 63">
+            <a:extLst>
+              <a:ext uri="{FF2B5EF4-FFF2-40B4-BE49-F238E27FC236}">
+                <a16:creationId xmlns:a16="http://schemas.microsoft.com/office/drawing/2014/main" id="{7F9BBC26-2B45-9382-2968-7BB36E0252F4}"/>
               </a:ext>
             </a:extLst>
           </p:cNvPr>
@@ -5975,14 +6002,16 @@
           <p:nvPr/>
         </p:nvSpPr>
         <p:spPr>
-          <a:xfrm rot="2347904">
-            <a:off x="8253618" y="1826375"/>
-            <a:ext cx="806269" cy="276999"/>
+          <a:xfrm>
+            <a:off x="5709407" y="4914243"/>
+            <a:ext cx="749781" cy="276999"/>
           </a:xfrm>
           <a:prstGeom prst="rect">
             <a:avLst/>
           </a:prstGeom>
-          <a:noFill/>
+          <a:solidFill>
+            <a:schemeClr val="bg1"/>
+          </a:solidFill>
         </p:spPr>
         <p:txBody>
           <a:bodyPr wrap="square" rtlCol="0">
@@ -5991,22 +6020,19 @@
           <a:lstStyle/>
           <a:p>
             <a:pPr algn="ctr"/>
-            <a:r>
-              <a:rPr lang="es-CL" sz="1200" dirty="0">
-                <a:latin typeface="Arial" panose="020B0604020202020204" pitchFamily="34" charset="0"/>
-                <a:cs typeface="Arial" panose="020B0604020202020204" pitchFamily="34" charset="0"/>
-              </a:rPr>
-              <a:t>0.067*</a:t>
-            </a:r>
-          </a:p>
-        </p:txBody>
-      </p:sp>
-      <p:sp>
-        <p:nvSpPr>
-          <p:cNvPr id="87" name="CuadroTexto 86">
-            <a:extLst>
-              <a:ext uri="{FF2B5EF4-FFF2-40B4-BE49-F238E27FC236}">
-                <a16:creationId xmlns:a16="http://schemas.microsoft.com/office/drawing/2014/main" id="{689F0E2A-BCB3-45EA-3BEF-714498CA5E87}"/>
+            <a:endParaRPr lang="es-CL" sz="1200" dirty="0">
+              <a:latin typeface="Arial" panose="020B0604020202020204" pitchFamily="34" charset="0"/>
+              <a:cs typeface="Arial" panose="020B0604020202020204" pitchFamily="34" charset="0"/>
+            </a:endParaRPr>
+          </a:p>
+        </p:txBody>
+      </p:sp>
+      <p:sp>
+        <p:nvSpPr>
+          <p:cNvPr id="65" name="CuadroTexto 64">
+            <a:extLst>
+              <a:ext uri="{FF2B5EF4-FFF2-40B4-BE49-F238E27FC236}">
+                <a16:creationId xmlns:a16="http://schemas.microsoft.com/office/drawing/2014/main" id="{FA4EC146-9536-FCCF-09CA-B50EC2BF72DA}"/>
               </a:ext>
             </a:extLst>
           </p:cNvPr>
@@ -6015,7 +6041,7 @@
         </p:nvSpPr>
         <p:spPr>
           <a:xfrm>
-            <a:off x="8225687" y="3177735"/>
+            <a:off x="8696697" y="4908220"/>
             <a:ext cx="749781" cy="276999"/>
           </a:xfrm>
           <a:prstGeom prst="rect">
@@ -6032,22 +6058,19 @@
           <a:lstStyle/>
           <a:p>
             <a:pPr algn="ctr"/>
-            <a:r>
-              <a:rPr lang="es-CL" sz="1200" dirty="0">
-                <a:latin typeface="Arial" panose="020B0604020202020204" pitchFamily="34" charset="0"/>
-                <a:cs typeface="Arial" panose="020B0604020202020204" pitchFamily="34" charset="0"/>
-              </a:rPr>
-              <a:t>0.311***</a:t>
-            </a:r>
-          </a:p>
-        </p:txBody>
-      </p:sp>
-      <p:sp>
-        <p:nvSpPr>
-          <p:cNvPr id="88" name="CuadroTexto 87">
-            <a:extLst>
-              <a:ext uri="{FF2B5EF4-FFF2-40B4-BE49-F238E27FC236}">
-                <a16:creationId xmlns:a16="http://schemas.microsoft.com/office/drawing/2014/main" id="{B35D5A20-5B40-11ED-7538-772DD5635ECC}"/>
+            <a:endParaRPr lang="es-CL" sz="1200" dirty="0">
+              <a:latin typeface="Arial" panose="020B0604020202020204" pitchFamily="34" charset="0"/>
+              <a:cs typeface="Arial" panose="020B0604020202020204" pitchFamily="34" charset="0"/>
+            </a:endParaRPr>
+          </a:p>
+        </p:txBody>
+      </p:sp>
+      <p:sp>
+        <p:nvSpPr>
+          <p:cNvPr id="66" name="CuadroTexto 65">
+            <a:extLst>
+              <a:ext uri="{FF2B5EF4-FFF2-40B4-BE49-F238E27FC236}">
+                <a16:creationId xmlns:a16="http://schemas.microsoft.com/office/drawing/2014/main" id="{407D874E-1777-71BB-2C6F-A66139B67B2B}"/>
               </a:ext>
             </a:extLst>
           </p:cNvPr>
@@ -6055,14 +6078,16 @@
           <p:nvPr/>
         </p:nvSpPr>
         <p:spPr>
-          <a:xfrm rot="3580764">
-            <a:off x="6376502" y="4175699"/>
-            <a:ext cx="806269" cy="276999"/>
+          <a:xfrm>
+            <a:off x="2971971" y="2357027"/>
+            <a:ext cx="749781" cy="276999"/>
           </a:xfrm>
           <a:prstGeom prst="rect">
             <a:avLst/>
           </a:prstGeom>
-          <a:noFill/>
+          <a:solidFill>
+            <a:schemeClr val="bg1"/>
+          </a:solidFill>
         </p:spPr>
         <p:txBody>
           <a:bodyPr wrap="square" rtlCol="0">
@@ -6071,22 +6096,19 @@
           <a:lstStyle/>
           <a:p>
             <a:pPr algn="ctr"/>
-            <a:r>
-              <a:rPr lang="es-CL" sz="1200" dirty="0">
-                <a:latin typeface="Arial" panose="020B0604020202020204" pitchFamily="34" charset="0"/>
-                <a:cs typeface="Arial" panose="020B0604020202020204" pitchFamily="34" charset="0"/>
-              </a:rPr>
-              <a:t>-0.101**</a:t>
-            </a:r>
-          </a:p>
-        </p:txBody>
-      </p:sp>
-      <p:sp>
-        <p:nvSpPr>
-          <p:cNvPr id="89" name="CuadroTexto 88">
-            <a:extLst>
-              <a:ext uri="{FF2B5EF4-FFF2-40B4-BE49-F238E27FC236}">
-                <a16:creationId xmlns:a16="http://schemas.microsoft.com/office/drawing/2014/main" id="{03A4A394-7185-CD8A-973C-40B8ABCB6A34}"/>
+            <a:endParaRPr lang="es-CL" sz="1200" dirty="0">
+              <a:latin typeface="Arial" panose="020B0604020202020204" pitchFamily="34" charset="0"/>
+              <a:cs typeface="Arial" panose="020B0604020202020204" pitchFamily="34" charset="0"/>
+            </a:endParaRPr>
+          </a:p>
+        </p:txBody>
+      </p:sp>
+      <p:sp>
+        <p:nvSpPr>
+          <p:cNvPr id="67" name="CuadroTexto 66">
+            <a:extLst>
+              <a:ext uri="{FF2B5EF4-FFF2-40B4-BE49-F238E27FC236}">
+                <a16:creationId xmlns:a16="http://schemas.microsoft.com/office/drawing/2014/main" id="{696EB581-6167-3A87-9F19-07C34392B545}"/>
               </a:ext>
             </a:extLst>
           </p:cNvPr>
@@ -6094,14 +6116,16 @@
           <p:nvPr/>
         </p:nvSpPr>
         <p:spPr>
-          <a:xfrm rot="3580764">
-            <a:off x="9376763" y="4175698"/>
-            <a:ext cx="806269" cy="276999"/>
+          <a:xfrm>
+            <a:off x="1044847" y="3177734"/>
+            <a:ext cx="804186" cy="276999"/>
           </a:xfrm>
           <a:prstGeom prst="rect">
             <a:avLst/>
           </a:prstGeom>
-          <a:noFill/>
+          <a:solidFill>
+            <a:schemeClr val="bg1"/>
+          </a:solidFill>
         </p:spPr>
         <p:txBody>
           <a:bodyPr wrap="square" rtlCol="0">
@@ -6110,22 +6134,19 @@
           <a:lstStyle/>
           <a:p>
             <a:pPr algn="ctr"/>
-            <a:r>
-              <a:rPr lang="es-CL" sz="1200" dirty="0">
-                <a:latin typeface="Arial" panose="020B0604020202020204" pitchFamily="34" charset="0"/>
-                <a:cs typeface="Arial" panose="020B0604020202020204" pitchFamily="34" charset="0"/>
-              </a:rPr>
-              <a:t>-0.101**</a:t>
-            </a:r>
-          </a:p>
-        </p:txBody>
-      </p:sp>
-      <p:sp>
-        <p:nvSpPr>
-          <p:cNvPr id="91" name="CuadroTexto 90">
-            <a:extLst>
-              <a:ext uri="{FF2B5EF4-FFF2-40B4-BE49-F238E27FC236}">
-                <a16:creationId xmlns:a16="http://schemas.microsoft.com/office/drawing/2014/main" id="{BDAAF20A-A348-DC9E-C70D-97B738477C53}"/>
+            <a:endParaRPr lang="es-CL" sz="1200" dirty="0">
+              <a:latin typeface="Arial" panose="020B0604020202020204" pitchFamily="34" charset="0"/>
+              <a:cs typeface="Arial" panose="020B0604020202020204" pitchFamily="34" charset="0"/>
+            </a:endParaRPr>
+          </a:p>
+        </p:txBody>
+      </p:sp>
+      <p:sp>
+        <p:nvSpPr>
+          <p:cNvPr id="68" name="CuadroTexto 67">
+            <a:extLst>
+              <a:ext uri="{FF2B5EF4-FFF2-40B4-BE49-F238E27FC236}">
+                <a16:creationId xmlns:a16="http://schemas.microsoft.com/office/drawing/2014/main" id="{636FACF6-AA73-C491-703A-894E0D8D7F92}"/>
               </a:ext>
             </a:extLst>
           </p:cNvPr>
@@ -6133,14 +6154,16 @@
           <p:nvPr/>
         </p:nvSpPr>
         <p:spPr>
-          <a:xfrm rot="2297956">
-            <a:off x="5106982" y="3436876"/>
-            <a:ext cx="806269" cy="276999"/>
+          <a:xfrm>
+            <a:off x="2855993" y="4089873"/>
+            <a:ext cx="865759" cy="276999"/>
           </a:xfrm>
           <a:prstGeom prst="rect">
             <a:avLst/>
           </a:prstGeom>
-          <a:noFill/>
+          <a:solidFill>
+            <a:schemeClr val="bg1"/>
+          </a:solidFill>
         </p:spPr>
         <p:txBody>
           <a:bodyPr wrap="square" rtlCol="0">
@@ -6149,294 +6172,67 @@
           <a:lstStyle/>
           <a:p>
             <a:pPr algn="ctr"/>
-            <a:r>
-              <a:rPr lang="es-CL" sz="1200" dirty="0">
-                <a:latin typeface="Arial" panose="020B0604020202020204" pitchFamily="34" charset="0"/>
-                <a:cs typeface="Arial" panose="020B0604020202020204" pitchFamily="34" charset="0"/>
-              </a:rPr>
-              <a:t>-0.06**</a:t>
-            </a:r>
-          </a:p>
-        </p:txBody>
-      </p:sp>
-      <p:sp>
-        <p:nvSpPr>
-          <p:cNvPr id="92" name="CuadroTexto 91">
-            <a:extLst>
-              <a:ext uri="{FF2B5EF4-FFF2-40B4-BE49-F238E27FC236}">
-                <a16:creationId xmlns:a16="http://schemas.microsoft.com/office/drawing/2014/main" id="{960044D5-95A2-7CB7-A229-B0E652ABA6EF}"/>
-              </a:ext>
-            </a:extLst>
-          </p:cNvPr>
-          <p:cNvSpPr txBox="1"/>
-          <p:nvPr/>
-        </p:nvSpPr>
-        <p:spPr>
-          <a:xfrm rot="2297956">
-            <a:off x="8103222" y="3436876"/>
-            <a:ext cx="806269" cy="276999"/>
-          </a:xfrm>
-          <a:prstGeom prst="rect">
-            <a:avLst/>
-          </a:prstGeom>
-          <a:noFill/>
-        </p:spPr>
-        <p:txBody>
-          <a:bodyPr wrap="square" rtlCol="0">
-            <a:spAutoFit/>
-          </a:bodyPr>
-          <a:lstStyle/>
-          <a:p>
-            <a:pPr algn="ctr"/>
-            <a:r>
-              <a:rPr lang="es-CL" sz="1200" dirty="0">
-                <a:latin typeface="Arial" panose="020B0604020202020204" pitchFamily="34" charset="0"/>
-                <a:cs typeface="Arial" panose="020B0604020202020204" pitchFamily="34" charset="0"/>
-              </a:rPr>
-              <a:t>-0.06**</a:t>
-            </a:r>
-          </a:p>
-        </p:txBody>
-      </p:sp>
-      <p:sp>
-        <p:nvSpPr>
-          <p:cNvPr id="93" name="CuadroTexto 92">
-            <a:extLst>
-              <a:ext uri="{FF2B5EF4-FFF2-40B4-BE49-F238E27FC236}">
-                <a16:creationId xmlns:a16="http://schemas.microsoft.com/office/drawing/2014/main" id="{055ECF23-4843-7E73-89FD-769E5DCDB599}"/>
-              </a:ext>
-            </a:extLst>
-          </p:cNvPr>
-          <p:cNvSpPr txBox="1"/>
-          <p:nvPr/>
-        </p:nvSpPr>
-        <p:spPr>
-          <a:xfrm>
-            <a:off x="5709407" y="4914243"/>
-            <a:ext cx="749781" cy="276999"/>
-          </a:xfrm>
-          <a:prstGeom prst="rect">
-            <a:avLst/>
-          </a:prstGeom>
-          <a:solidFill>
-            <a:schemeClr val="bg1"/>
-          </a:solidFill>
-        </p:spPr>
-        <p:txBody>
-          <a:bodyPr wrap="square" rtlCol="0">
-            <a:spAutoFit/>
-          </a:bodyPr>
-          <a:lstStyle/>
-          <a:p>
-            <a:pPr algn="ctr"/>
-            <a:r>
-              <a:rPr lang="es-CL" sz="1200" dirty="0">
-                <a:latin typeface="Arial" panose="020B0604020202020204" pitchFamily="34" charset="0"/>
-                <a:cs typeface="Arial" panose="020B0604020202020204" pitchFamily="34" charset="0"/>
-              </a:rPr>
-              <a:t>0.143***</a:t>
-            </a:r>
-          </a:p>
-        </p:txBody>
-      </p:sp>
-      <p:sp>
-        <p:nvSpPr>
-          <p:cNvPr id="94" name="CuadroTexto 93">
-            <a:extLst>
-              <a:ext uri="{FF2B5EF4-FFF2-40B4-BE49-F238E27FC236}">
-                <a16:creationId xmlns:a16="http://schemas.microsoft.com/office/drawing/2014/main" id="{43484EBC-18C6-CED3-0311-9804B7C22831}"/>
-              </a:ext>
-            </a:extLst>
-          </p:cNvPr>
-          <p:cNvSpPr txBox="1"/>
-          <p:nvPr/>
-        </p:nvSpPr>
-        <p:spPr>
-          <a:xfrm>
-            <a:off x="8696697" y="4908220"/>
-            <a:ext cx="749781" cy="276999"/>
-          </a:xfrm>
-          <a:prstGeom prst="rect">
-            <a:avLst/>
-          </a:prstGeom>
-          <a:solidFill>
-            <a:schemeClr val="bg1"/>
-          </a:solidFill>
-        </p:spPr>
-        <p:txBody>
-          <a:bodyPr wrap="square" rtlCol="0">
-            <a:spAutoFit/>
-          </a:bodyPr>
-          <a:lstStyle/>
-          <a:p>
-            <a:pPr algn="ctr"/>
-            <a:r>
-              <a:rPr lang="es-CL" sz="1200" dirty="0">
-                <a:latin typeface="Arial" panose="020B0604020202020204" pitchFamily="34" charset="0"/>
-                <a:cs typeface="Arial" panose="020B0604020202020204" pitchFamily="34" charset="0"/>
-              </a:rPr>
-              <a:t>0.143***</a:t>
-            </a:r>
-          </a:p>
-        </p:txBody>
-      </p:sp>
-      <p:sp>
-        <p:nvSpPr>
-          <p:cNvPr id="95" name="CuadroTexto 94">
-            <a:extLst>
-              <a:ext uri="{FF2B5EF4-FFF2-40B4-BE49-F238E27FC236}">
-                <a16:creationId xmlns:a16="http://schemas.microsoft.com/office/drawing/2014/main" id="{D2D58D7D-6E2F-666B-45E2-A1E158C1D126}"/>
-              </a:ext>
-            </a:extLst>
-          </p:cNvPr>
-          <p:cNvSpPr txBox="1"/>
-          <p:nvPr/>
-        </p:nvSpPr>
-        <p:spPr>
-          <a:xfrm>
-            <a:off x="2971971" y="2357027"/>
-            <a:ext cx="749781" cy="276999"/>
-          </a:xfrm>
-          <a:prstGeom prst="rect">
-            <a:avLst/>
-          </a:prstGeom>
-          <a:solidFill>
-            <a:schemeClr val="bg1"/>
-          </a:solidFill>
-        </p:spPr>
-        <p:txBody>
-          <a:bodyPr wrap="square" rtlCol="0">
-            <a:spAutoFit/>
-          </a:bodyPr>
-          <a:lstStyle/>
-          <a:p>
-            <a:pPr algn="ctr"/>
-            <a:r>
-              <a:rPr lang="es-CL" sz="1200" dirty="0">
-                <a:latin typeface="Arial" panose="020B0604020202020204" pitchFamily="34" charset="0"/>
-                <a:cs typeface="Arial" panose="020B0604020202020204" pitchFamily="34" charset="0"/>
-              </a:rPr>
-              <a:t>0.106***</a:t>
-            </a:r>
-          </a:p>
-        </p:txBody>
-      </p:sp>
-      <p:sp>
-        <p:nvSpPr>
-          <p:cNvPr id="96" name="CuadroTexto 95">
-            <a:extLst>
-              <a:ext uri="{FF2B5EF4-FFF2-40B4-BE49-F238E27FC236}">
-                <a16:creationId xmlns:a16="http://schemas.microsoft.com/office/drawing/2014/main" id="{EF8126BC-6E74-2C8D-3080-18F83D995809}"/>
-              </a:ext>
-            </a:extLst>
-          </p:cNvPr>
-          <p:cNvSpPr txBox="1"/>
-          <p:nvPr/>
-        </p:nvSpPr>
-        <p:spPr>
-          <a:xfrm>
-            <a:off x="1044847" y="3177734"/>
-            <a:ext cx="804186" cy="276999"/>
-          </a:xfrm>
-          <a:prstGeom prst="rect">
-            <a:avLst/>
-          </a:prstGeom>
-          <a:solidFill>
-            <a:schemeClr val="bg1"/>
-          </a:solidFill>
-        </p:spPr>
-        <p:txBody>
-          <a:bodyPr wrap="square" rtlCol="0">
-            <a:spAutoFit/>
-          </a:bodyPr>
-          <a:lstStyle/>
-          <a:p>
-            <a:pPr algn="ctr"/>
-            <a:r>
-              <a:rPr lang="es-CL" sz="1200" dirty="0">
-                <a:latin typeface="Arial" panose="020B0604020202020204" pitchFamily="34" charset="0"/>
-                <a:cs typeface="Arial" panose="020B0604020202020204" pitchFamily="34" charset="0"/>
-              </a:rPr>
-              <a:t>-0.233***</a:t>
-            </a:r>
-          </a:p>
-        </p:txBody>
-      </p:sp>
-      <p:sp>
-        <p:nvSpPr>
-          <p:cNvPr id="97" name="CuadroTexto 96">
-            <a:extLst>
-              <a:ext uri="{FF2B5EF4-FFF2-40B4-BE49-F238E27FC236}">
-                <a16:creationId xmlns:a16="http://schemas.microsoft.com/office/drawing/2014/main" id="{DA613165-2977-E213-7878-F54660B95915}"/>
-              </a:ext>
-            </a:extLst>
-          </p:cNvPr>
-          <p:cNvSpPr txBox="1"/>
-          <p:nvPr/>
-        </p:nvSpPr>
-        <p:spPr>
-          <a:xfrm>
-            <a:off x="2855993" y="4089873"/>
-            <a:ext cx="865759" cy="276999"/>
-          </a:xfrm>
-          <a:prstGeom prst="rect">
-            <a:avLst/>
-          </a:prstGeom>
-          <a:solidFill>
-            <a:schemeClr val="bg1"/>
-          </a:solidFill>
-        </p:spPr>
-        <p:txBody>
-          <a:bodyPr wrap="square" rtlCol="0">
-            <a:spAutoFit/>
-          </a:bodyPr>
-          <a:lstStyle/>
-          <a:p>
-            <a:pPr algn="ctr"/>
-            <a:r>
-              <a:rPr lang="es-CL" sz="1200" dirty="0">
-                <a:latin typeface="Arial" panose="020B0604020202020204" pitchFamily="34" charset="0"/>
-                <a:cs typeface="Arial" panose="020B0604020202020204" pitchFamily="34" charset="0"/>
-              </a:rPr>
-              <a:t>-0.259***</a:t>
-            </a:r>
-          </a:p>
-        </p:txBody>
-      </p:sp>
-      <p:sp>
-        <p:nvSpPr>
-          <p:cNvPr id="101" name="Título 100">
-            <a:extLst>
-              <a:ext uri="{FF2B5EF4-FFF2-40B4-BE49-F238E27FC236}">
-                <a16:creationId xmlns:a16="http://schemas.microsoft.com/office/drawing/2014/main" id="{2C3D7774-2624-BD3E-AEC0-BA14A6184925}"/>
-              </a:ext>
-            </a:extLst>
-          </p:cNvPr>
-          <p:cNvSpPr>
-            <a:spLocks noGrp="1"/>
+            <a:endParaRPr lang="es-CL" sz="1200" dirty="0">
+              <a:latin typeface="Arial" panose="020B0604020202020204" pitchFamily="34" charset="0"/>
+              <a:cs typeface="Arial" panose="020B0604020202020204" pitchFamily="34" charset="0"/>
+            </a:endParaRPr>
+          </a:p>
+        </p:txBody>
+      </p:sp>
+      <p:sp>
+        <p:nvSpPr>
+          <p:cNvPr id="69" name="Título 100">
+            <a:extLst>
+              <a:ext uri="{FF2B5EF4-FFF2-40B4-BE49-F238E27FC236}">
+                <a16:creationId xmlns:a16="http://schemas.microsoft.com/office/drawing/2014/main" id="{04CA6C2A-F610-3BF5-F8C9-414BB02832B9}"/>
+              </a:ext>
+            </a:extLst>
+          </p:cNvPr>
+          <p:cNvSpPr txBox="1">
+            <a:spLocks/>
           </p:cNvSpPr>
-          <p:nvPr>
-            <p:ph type="title"/>
-          </p:nvPr>
+          <p:nvPr/>
         </p:nvSpPr>
         <p:spPr>
           <a:xfrm>
             <a:off x="838200" y="133396"/>
             <a:ext cx="10515600" cy="401364"/>
           </a:xfrm>
-        </p:spPr>
-        <p:txBody>
-          <a:bodyPr>
+          <a:prstGeom prst="rect">
+            <a:avLst/>
+          </a:prstGeom>
+        </p:spPr>
+        <p:txBody>
+          <a:bodyPr vert="horz" lIns="91440" tIns="45720" rIns="91440" bIns="45720" rtlCol="0" anchor="b">
             <a:noAutofit/>
           </a:bodyPr>
-          <a:lstStyle/>
-          <a:p>
+          <a:lstStyle>
+            <a:lvl1pPr algn="ctr" defTabSz="914400" rtl="0" eaLnBrk="1" latinLnBrk="0" hangingPunct="1">
+              <a:lnSpc>
+                <a:spcPct val="90000"/>
+              </a:lnSpc>
+              <a:spcBef>
+                <a:spcPct val="0"/>
+              </a:spcBef>
+              <a:buNone/>
+              <a:defRPr sz="6000" kern="1200">
+                <a:solidFill>
+                  <a:schemeClr val="tx1"/>
+                </a:solidFill>
+                <a:latin typeface="+mj-lt"/>
+                <a:ea typeface="+mj-ea"/>
+                <a:cs typeface="+mj-cs"/>
+              </a:defRPr>
+            </a:lvl1pPr>
+          </a:lstStyle>
+          <a:p>
+            <a:pPr algn="l"/>
             <a:r>
               <a:rPr lang="es-CL" sz="3200" dirty="0" err="1">
                 <a:latin typeface="Arial" panose="020B0604020202020204" pitchFamily="34" charset="0"/>
                 <a:cs typeface="Arial" panose="020B0604020202020204" pitchFamily="34" charset="0"/>
               </a:rPr>
-              <a:t>Three</a:t>
+              <a:t>One</a:t>
             </a:r>
             <a:r>
               <a:rPr lang="es-CL" sz="3200" dirty="0">
@@ -6450,7 +6246,7 @@
                 <a:latin typeface="Arial" panose="020B0604020202020204" pitchFamily="34" charset="0"/>
                 <a:cs typeface="Arial" panose="020B0604020202020204" pitchFamily="34" charset="0"/>
               </a:rPr>
-              <a:t>items</a:t>
+              <a:t>item</a:t>
             </a:r>
             <a:r>
               <a:rPr lang="es-CL" sz="3200" dirty="0">
@@ -6465,7 +6261,7 @@
     </p:spTree>
     <p:extLst>
       <p:ext uri="{BB962C8B-B14F-4D97-AF65-F5344CB8AC3E}">
-        <p14:creationId xmlns:p14="http://schemas.microsoft.com/office/powerpoint/2010/main" val="2982308774"/>
+        <p14:creationId xmlns:p14="http://schemas.microsoft.com/office/powerpoint/2010/main" val="3275890845"/>
       </p:ext>
     </p:extLst>
   </p:cSld>
@@ -7435,7 +7231,3151 @@
                 <a:latin typeface="Arial" panose="020B0604020202020204" pitchFamily="34" charset="0"/>
                 <a:cs typeface="Arial" panose="020B0604020202020204" pitchFamily="34" charset="0"/>
               </a:rPr>
-              <a:t>Note: Constrained random intercept cross-lagged panel model (RI-CLPM) of the relationships between Attitudes Toward Democracy (ATD), Participation in Collective Action (PCA) and Right-Wing Authoritarianism (RWA). The model comprises five waves; since it is constrained, three waves are illustrated to optimize space. Coefficients are unstandardized. Grey dotted lines reflect nonsignificant paths. To ease intelligibility, manifest indicators and contemporaneous residual covariances were excluded from the figure. *p&lt;05; **p&lt;.01, ***p&lt;.001.</a:t>
+              <a:t>Note: Constrained random intercept cross-lagged panel model (RI-CLPM) of the relationships between Attitudes Toward Democracy (ATD), Participation in Collective Action (PCA) and Right-Wing Authoritarianism (RWA). The model comprises five waves; since it is constrained, three waves are illustrated to optimize space. Coefficients are unstandardized. Grey dotted lines reflect non-significant paths. To ease intelligibility, manifest indicators and contemporaneous residual covariances were excluded from the figure. The indirect effect of ATD over RWA, mediated by PCA, is non-significative. *p&lt;.05; **p&lt;.01, ***p&lt;.001.</a:t>
+            </a:r>
+          </a:p>
+        </p:txBody>
+      </p:sp>
+      <p:sp>
+        <p:nvSpPr>
+          <p:cNvPr id="70" name="Rectángulo redondeado 69">
+            <a:extLst>
+              <a:ext uri="{FF2B5EF4-FFF2-40B4-BE49-F238E27FC236}">
+                <a16:creationId xmlns:a16="http://schemas.microsoft.com/office/drawing/2014/main" id="{F1A12370-F4FD-48BF-C1C3-60FE20A247A8}"/>
+              </a:ext>
+            </a:extLst>
+          </p:cNvPr>
+          <p:cNvSpPr/>
+          <p:nvPr/>
+        </p:nvSpPr>
+        <p:spPr>
+          <a:xfrm>
+            <a:off x="3967035" y="875960"/>
+            <a:ext cx="7244465" cy="4865511"/>
+          </a:xfrm>
+          <a:prstGeom prst="roundRect">
+            <a:avLst/>
+          </a:prstGeom>
+          <a:noFill/>
+          <a:ln>
+            <a:solidFill>
+              <a:schemeClr val="tx1"/>
+            </a:solidFill>
+          </a:ln>
+        </p:spPr>
+        <p:style>
+          <a:lnRef idx="2">
+            <a:schemeClr val="accent1">
+              <a:shade val="50000"/>
+            </a:schemeClr>
+          </a:lnRef>
+          <a:fillRef idx="1">
+            <a:schemeClr val="accent1"/>
+          </a:fillRef>
+          <a:effectRef idx="0">
+            <a:schemeClr val="accent1"/>
+          </a:effectRef>
+          <a:fontRef idx="minor">
+            <a:schemeClr val="lt1"/>
+          </a:fontRef>
+        </p:style>
+        <p:txBody>
+          <a:bodyPr rtlCol="0" anchor="ctr"/>
+          <a:lstStyle/>
+          <a:p>
+            <a:pPr algn="ctr"/>
+            <a:endParaRPr lang="es-CL"/>
+          </a:p>
+        </p:txBody>
+      </p:sp>
+      <p:sp>
+        <p:nvSpPr>
+          <p:cNvPr id="71" name="CuadroTexto 70">
+            <a:extLst>
+              <a:ext uri="{FF2B5EF4-FFF2-40B4-BE49-F238E27FC236}">
+                <a16:creationId xmlns:a16="http://schemas.microsoft.com/office/drawing/2014/main" id="{C72ECC54-187D-0A43-5065-99C9CC28378F}"/>
+              </a:ext>
+            </a:extLst>
+          </p:cNvPr>
+          <p:cNvSpPr txBox="1"/>
+          <p:nvPr/>
+        </p:nvSpPr>
+        <p:spPr>
+          <a:xfrm>
+            <a:off x="7141640" y="567068"/>
+            <a:ext cx="1385316" cy="307777"/>
+          </a:xfrm>
+          <a:prstGeom prst="rect">
+            <a:avLst/>
+          </a:prstGeom>
+          <a:noFill/>
+        </p:spPr>
+        <p:txBody>
+          <a:bodyPr wrap="none" rtlCol="0">
+            <a:spAutoFit/>
+          </a:bodyPr>
+          <a:lstStyle/>
+          <a:p>
+            <a:r>
+              <a:rPr lang="es-CL" sz="1400" b="1" dirty="0" err="1">
+                <a:latin typeface="Arial" panose="020B0604020202020204" pitchFamily="34" charset="0"/>
+                <a:cs typeface="Arial" panose="020B0604020202020204" pitchFamily="34" charset="0"/>
+              </a:rPr>
+              <a:t>Within-person</a:t>
+            </a:r>
+            <a:endParaRPr lang="es-CL" sz="1400" b="1" dirty="0">
+              <a:latin typeface="Arial" panose="020B0604020202020204" pitchFamily="34" charset="0"/>
+              <a:cs typeface="Arial" panose="020B0604020202020204" pitchFamily="34" charset="0"/>
+            </a:endParaRPr>
+          </a:p>
+        </p:txBody>
+      </p:sp>
+      <p:sp>
+        <p:nvSpPr>
+          <p:cNvPr id="72" name="Elipse 71">
+            <a:extLst>
+              <a:ext uri="{FF2B5EF4-FFF2-40B4-BE49-F238E27FC236}">
+                <a16:creationId xmlns:a16="http://schemas.microsoft.com/office/drawing/2014/main" id="{42225EBA-D06E-FF0E-DE5A-4EA444AC9EE6}"/>
+              </a:ext>
+            </a:extLst>
+          </p:cNvPr>
+          <p:cNvSpPr/>
+          <p:nvPr/>
+        </p:nvSpPr>
+        <p:spPr>
+          <a:xfrm>
+            <a:off x="1940933" y="1171905"/>
+            <a:ext cx="914400" cy="914400"/>
+          </a:xfrm>
+          <a:prstGeom prst="ellipse">
+            <a:avLst/>
+          </a:prstGeom>
+          <a:noFill/>
+          <a:ln w="19050">
+            <a:solidFill>
+              <a:schemeClr val="tx1"/>
+            </a:solidFill>
+          </a:ln>
+        </p:spPr>
+        <p:style>
+          <a:lnRef idx="2">
+            <a:schemeClr val="accent1">
+              <a:shade val="50000"/>
+            </a:schemeClr>
+          </a:lnRef>
+          <a:fillRef idx="1">
+            <a:schemeClr val="accent1"/>
+          </a:fillRef>
+          <a:effectRef idx="0">
+            <a:schemeClr val="accent1"/>
+          </a:effectRef>
+          <a:fontRef idx="minor">
+            <a:schemeClr val="lt1"/>
+          </a:fontRef>
+        </p:style>
+        <p:txBody>
+          <a:bodyPr rtlCol="0" anchor="ctr"/>
+          <a:lstStyle/>
+          <a:p>
+            <a:pPr algn="ctr"/>
+            <a:endParaRPr lang="es-CL" b="1"/>
+          </a:p>
+        </p:txBody>
+      </p:sp>
+      <p:sp>
+        <p:nvSpPr>
+          <p:cNvPr id="73" name="CuadroTexto 72">
+            <a:extLst>
+              <a:ext uri="{FF2B5EF4-FFF2-40B4-BE49-F238E27FC236}">
+                <a16:creationId xmlns:a16="http://schemas.microsoft.com/office/drawing/2014/main" id="{E85548BC-9BB3-101E-D75C-706C9CF8ECDE}"/>
+              </a:ext>
+            </a:extLst>
+          </p:cNvPr>
+          <p:cNvSpPr txBox="1"/>
+          <p:nvPr/>
+        </p:nvSpPr>
+        <p:spPr>
+          <a:xfrm>
+            <a:off x="2082277" y="1396364"/>
+            <a:ext cx="631711" cy="369332"/>
+          </a:xfrm>
+          <a:prstGeom prst="rect">
+            <a:avLst/>
+          </a:prstGeom>
+          <a:noFill/>
+        </p:spPr>
+        <p:txBody>
+          <a:bodyPr wrap="none" rtlCol="0">
+            <a:spAutoFit/>
+          </a:bodyPr>
+          <a:lstStyle/>
+          <a:p>
+            <a:pPr algn="ctr"/>
+            <a:r>
+              <a:rPr lang="el-GR" b="1" dirty="0">
+                <a:latin typeface="Arial" panose="020B0604020202020204" pitchFamily="34" charset="0"/>
+                <a:cs typeface="Arial" panose="020B0604020202020204" pitchFamily="34" charset="0"/>
+              </a:rPr>
+              <a:t>α</a:t>
+            </a:r>
+            <a:r>
+              <a:rPr lang="es-ES" b="1" baseline="-25000" dirty="0">
+                <a:latin typeface="Arial" panose="020B0604020202020204" pitchFamily="34" charset="0"/>
+                <a:cs typeface="Arial" panose="020B0604020202020204" pitchFamily="34" charset="0"/>
+              </a:rPr>
+              <a:t>ATD</a:t>
+            </a:r>
+            <a:endParaRPr lang="es-CL" b="1" dirty="0">
+              <a:latin typeface="Arial" panose="020B0604020202020204" pitchFamily="34" charset="0"/>
+              <a:cs typeface="Arial" panose="020B0604020202020204" pitchFamily="34" charset="0"/>
+            </a:endParaRPr>
+          </a:p>
+        </p:txBody>
+      </p:sp>
+      <p:sp>
+        <p:nvSpPr>
+          <p:cNvPr id="74" name="Elipse 73">
+            <a:extLst>
+              <a:ext uri="{FF2B5EF4-FFF2-40B4-BE49-F238E27FC236}">
+                <a16:creationId xmlns:a16="http://schemas.microsoft.com/office/drawing/2014/main" id="{91C9464E-0BD3-0E2A-9AE6-BD3DF562D218}"/>
+              </a:ext>
+            </a:extLst>
+          </p:cNvPr>
+          <p:cNvSpPr/>
+          <p:nvPr/>
+        </p:nvSpPr>
+        <p:spPr>
+          <a:xfrm>
+            <a:off x="1940933" y="2904750"/>
+            <a:ext cx="914400" cy="914400"/>
+          </a:xfrm>
+          <a:prstGeom prst="ellipse">
+            <a:avLst/>
+          </a:prstGeom>
+          <a:noFill/>
+          <a:ln w="19050">
+            <a:solidFill>
+              <a:schemeClr val="tx1"/>
+            </a:solidFill>
+          </a:ln>
+        </p:spPr>
+        <p:style>
+          <a:lnRef idx="2">
+            <a:schemeClr val="accent1">
+              <a:shade val="50000"/>
+            </a:schemeClr>
+          </a:lnRef>
+          <a:fillRef idx="1">
+            <a:schemeClr val="accent1"/>
+          </a:fillRef>
+          <a:effectRef idx="0">
+            <a:schemeClr val="accent1"/>
+          </a:effectRef>
+          <a:fontRef idx="minor">
+            <a:schemeClr val="lt1"/>
+          </a:fontRef>
+        </p:style>
+        <p:txBody>
+          <a:bodyPr rtlCol="0" anchor="ctr"/>
+          <a:lstStyle/>
+          <a:p>
+            <a:pPr algn="ctr"/>
+            <a:endParaRPr lang="es-CL" b="1"/>
+          </a:p>
+        </p:txBody>
+      </p:sp>
+      <p:sp>
+        <p:nvSpPr>
+          <p:cNvPr id="76" name="Elipse 75">
+            <a:extLst>
+              <a:ext uri="{FF2B5EF4-FFF2-40B4-BE49-F238E27FC236}">
+                <a16:creationId xmlns:a16="http://schemas.microsoft.com/office/drawing/2014/main" id="{FDEED837-D47D-D946-0AA9-E599D189D265}"/>
+              </a:ext>
+            </a:extLst>
+          </p:cNvPr>
+          <p:cNvSpPr/>
+          <p:nvPr/>
+        </p:nvSpPr>
+        <p:spPr>
+          <a:xfrm>
+            <a:off x="1940933" y="4637595"/>
+            <a:ext cx="914400" cy="914400"/>
+          </a:xfrm>
+          <a:prstGeom prst="ellipse">
+            <a:avLst/>
+          </a:prstGeom>
+          <a:noFill/>
+          <a:ln w="19050">
+            <a:solidFill>
+              <a:schemeClr val="tx1"/>
+            </a:solidFill>
+          </a:ln>
+        </p:spPr>
+        <p:style>
+          <a:lnRef idx="2">
+            <a:schemeClr val="accent1">
+              <a:shade val="50000"/>
+            </a:schemeClr>
+          </a:lnRef>
+          <a:fillRef idx="1">
+            <a:schemeClr val="accent1"/>
+          </a:fillRef>
+          <a:effectRef idx="0">
+            <a:schemeClr val="accent1"/>
+          </a:effectRef>
+          <a:fontRef idx="minor">
+            <a:schemeClr val="lt1"/>
+          </a:fontRef>
+        </p:style>
+        <p:txBody>
+          <a:bodyPr rtlCol="0" anchor="ctr"/>
+          <a:lstStyle/>
+          <a:p>
+            <a:pPr algn="ctr"/>
+            <a:endParaRPr lang="es-CL" b="1"/>
+          </a:p>
+        </p:txBody>
+      </p:sp>
+      <p:sp>
+        <p:nvSpPr>
+          <p:cNvPr id="78" name="CuadroTexto 77">
+            <a:extLst>
+              <a:ext uri="{FF2B5EF4-FFF2-40B4-BE49-F238E27FC236}">
+                <a16:creationId xmlns:a16="http://schemas.microsoft.com/office/drawing/2014/main" id="{09C5770E-B770-6571-A056-6838E93132FF}"/>
+              </a:ext>
+            </a:extLst>
+          </p:cNvPr>
+          <p:cNvSpPr txBox="1"/>
+          <p:nvPr/>
+        </p:nvSpPr>
+        <p:spPr>
+          <a:xfrm>
+            <a:off x="2059485" y="3119419"/>
+            <a:ext cx="651140" cy="369332"/>
+          </a:xfrm>
+          <a:prstGeom prst="rect">
+            <a:avLst/>
+          </a:prstGeom>
+          <a:noFill/>
+        </p:spPr>
+        <p:txBody>
+          <a:bodyPr wrap="none" rtlCol="0">
+            <a:spAutoFit/>
+          </a:bodyPr>
+          <a:lstStyle/>
+          <a:p>
+            <a:pPr algn="ctr"/>
+            <a:r>
+              <a:rPr lang="el-GR" b="1" dirty="0">
+                <a:latin typeface="Arial" panose="020B0604020202020204" pitchFamily="34" charset="0"/>
+                <a:cs typeface="Arial" panose="020B0604020202020204" pitchFamily="34" charset="0"/>
+              </a:rPr>
+              <a:t>α</a:t>
+            </a:r>
+            <a:r>
+              <a:rPr lang="es-ES" b="1" baseline="-25000" dirty="0">
+                <a:latin typeface="Arial" panose="020B0604020202020204" pitchFamily="34" charset="0"/>
+                <a:cs typeface="Arial" panose="020B0604020202020204" pitchFamily="34" charset="0"/>
+              </a:rPr>
+              <a:t>PCA</a:t>
+            </a:r>
+            <a:endParaRPr lang="es-CL" b="1" dirty="0">
+              <a:latin typeface="Arial" panose="020B0604020202020204" pitchFamily="34" charset="0"/>
+              <a:cs typeface="Arial" panose="020B0604020202020204" pitchFamily="34" charset="0"/>
+            </a:endParaRPr>
+          </a:p>
+        </p:txBody>
+      </p:sp>
+      <p:sp>
+        <p:nvSpPr>
+          <p:cNvPr id="79" name="CuadroTexto 78">
+            <a:extLst>
+              <a:ext uri="{FF2B5EF4-FFF2-40B4-BE49-F238E27FC236}">
+                <a16:creationId xmlns:a16="http://schemas.microsoft.com/office/drawing/2014/main" id="{9AE6A019-3E3B-AC5D-EAA1-C37C19FCD0BE}"/>
+              </a:ext>
+            </a:extLst>
+          </p:cNvPr>
+          <p:cNvSpPr txBox="1"/>
+          <p:nvPr/>
+        </p:nvSpPr>
+        <p:spPr>
+          <a:xfrm>
+            <a:off x="2043455" y="4862054"/>
+            <a:ext cx="683200" cy="369332"/>
+          </a:xfrm>
+          <a:prstGeom prst="rect">
+            <a:avLst/>
+          </a:prstGeom>
+          <a:noFill/>
+        </p:spPr>
+        <p:txBody>
+          <a:bodyPr wrap="none" rtlCol="0">
+            <a:spAutoFit/>
+          </a:bodyPr>
+          <a:lstStyle/>
+          <a:p>
+            <a:pPr algn="ctr"/>
+            <a:r>
+              <a:rPr lang="el-GR" b="1" dirty="0">
+                <a:latin typeface="Arial" panose="020B0604020202020204" pitchFamily="34" charset="0"/>
+                <a:cs typeface="Arial" panose="020B0604020202020204" pitchFamily="34" charset="0"/>
+              </a:rPr>
+              <a:t>α</a:t>
+            </a:r>
+            <a:r>
+              <a:rPr lang="es-ES" b="1" baseline="-25000" dirty="0">
+                <a:latin typeface="Arial" panose="020B0604020202020204" pitchFamily="34" charset="0"/>
+                <a:cs typeface="Arial" panose="020B0604020202020204" pitchFamily="34" charset="0"/>
+              </a:rPr>
+              <a:t>RWA</a:t>
+            </a:r>
+            <a:endParaRPr lang="es-CL" b="1" dirty="0">
+              <a:latin typeface="Arial" panose="020B0604020202020204" pitchFamily="34" charset="0"/>
+              <a:cs typeface="Arial" panose="020B0604020202020204" pitchFamily="34" charset="0"/>
+            </a:endParaRPr>
+          </a:p>
+        </p:txBody>
+      </p:sp>
+      <p:sp>
+        <p:nvSpPr>
+          <p:cNvPr id="80" name="Rectángulo redondeado 79">
+            <a:extLst>
+              <a:ext uri="{FF2B5EF4-FFF2-40B4-BE49-F238E27FC236}">
+                <a16:creationId xmlns:a16="http://schemas.microsoft.com/office/drawing/2014/main" id="{8A29E48D-7BE6-C338-67F7-5DEB4459445F}"/>
+              </a:ext>
+            </a:extLst>
+          </p:cNvPr>
+          <p:cNvSpPr/>
+          <p:nvPr/>
+        </p:nvSpPr>
+        <p:spPr>
+          <a:xfrm>
+            <a:off x="1029985" y="897467"/>
+            <a:ext cx="2795706" cy="4865511"/>
+          </a:xfrm>
+          <a:prstGeom prst="roundRect">
+            <a:avLst/>
+          </a:prstGeom>
+          <a:noFill/>
+          <a:ln>
+            <a:solidFill>
+              <a:schemeClr val="tx1"/>
+            </a:solidFill>
+          </a:ln>
+        </p:spPr>
+        <p:style>
+          <a:lnRef idx="2">
+            <a:schemeClr val="accent1">
+              <a:shade val="50000"/>
+            </a:schemeClr>
+          </a:lnRef>
+          <a:fillRef idx="1">
+            <a:schemeClr val="accent1"/>
+          </a:fillRef>
+          <a:effectRef idx="0">
+            <a:schemeClr val="accent1"/>
+          </a:effectRef>
+          <a:fontRef idx="minor">
+            <a:schemeClr val="lt1"/>
+          </a:fontRef>
+        </p:style>
+        <p:txBody>
+          <a:bodyPr rtlCol="0" anchor="ctr"/>
+          <a:lstStyle/>
+          <a:p>
+            <a:pPr algn="ctr"/>
+            <a:endParaRPr lang="es-CL"/>
+          </a:p>
+        </p:txBody>
+      </p:sp>
+      <p:sp>
+        <p:nvSpPr>
+          <p:cNvPr id="81" name="CuadroTexto 80">
+            <a:extLst>
+              <a:ext uri="{FF2B5EF4-FFF2-40B4-BE49-F238E27FC236}">
+                <a16:creationId xmlns:a16="http://schemas.microsoft.com/office/drawing/2014/main" id="{2CDCA99D-CA87-8D22-2351-2166A756C40D}"/>
+              </a:ext>
+            </a:extLst>
+          </p:cNvPr>
+          <p:cNvSpPr txBox="1"/>
+          <p:nvPr/>
+        </p:nvSpPr>
+        <p:spPr>
+          <a:xfrm>
+            <a:off x="1876415" y="567068"/>
+            <a:ext cx="1576072" cy="307777"/>
+          </a:xfrm>
+          <a:prstGeom prst="rect">
+            <a:avLst/>
+          </a:prstGeom>
+          <a:noFill/>
+        </p:spPr>
+        <p:txBody>
+          <a:bodyPr wrap="none" rtlCol="0">
+            <a:spAutoFit/>
+          </a:bodyPr>
+          <a:lstStyle/>
+          <a:p>
+            <a:r>
+              <a:rPr lang="es-CL" sz="1400" b="1" dirty="0">
+                <a:latin typeface="Arial" panose="020B0604020202020204" pitchFamily="34" charset="0"/>
+                <a:cs typeface="Arial" panose="020B0604020202020204" pitchFamily="34" charset="0"/>
+              </a:rPr>
+              <a:t>Between-</a:t>
+            </a:r>
+            <a:r>
+              <a:rPr lang="es-CL" sz="1400" b="1" dirty="0" err="1">
+                <a:latin typeface="Arial" panose="020B0604020202020204" pitchFamily="34" charset="0"/>
+                <a:cs typeface="Arial" panose="020B0604020202020204" pitchFamily="34" charset="0"/>
+              </a:rPr>
+              <a:t>person</a:t>
+            </a:r>
+            <a:endParaRPr lang="es-CL" sz="1400" b="1" dirty="0">
+              <a:latin typeface="Arial" panose="020B0604020202020204" pitchFamily="34" charset="0"/>
+              <a:cs typeface="Arial" panose="020B0604020202020204" pitchFamily="34" charset="0"/>
+            </a:endParaRPr>
+          </a:p>
+        </p:txBody>
+      </p:sp>
+      <p:cxnSp>
+        <p:nvCxnSpPr>
+          <p:cNvPr id="83" name="Conector curvado 82">
+            <a:extLst>
+              <a:ext uri="{FF2B5EF4-FFF2-40B4-BE49-F238E27FC236}">
+                <a16:creationId xmlns:a16="http://schemas.microsoft.com/office/drawing/2014/main" id="{4973A28D-B68F-0E1D-DB03-8B5BF5807A20}"/>
+              </a:ext>
+            </a:extLst>
+          </p:cNvPr>
+          <p:cNvCxnSpPr>
+            <a:stCxn id="72" idx="2"/>
+            <a:endCxn id="76" idx="2"/>
+          </p:cNvCxnSpPr>
+          <p:nvPr/>
+        </p:nvCxnSpPr>
+        <p:spPr>
+          <a:xfrm rot="10800000" flipV="1">
+            <a:off x="1940933" y="1629105"/>
+            <a:ext cx="12700" cy="3465690"/>
+          </a:xfrm>
+          <a:prstGeom prst="curvedConnector3">
+            <a:avLst>
+              <a:gd name="adj1" fmla="val 5088890"/>
+            </a:avLst>
+          </a:prstGeom>
+          <a:ln w="19050">
+            <a:solidFill>
+              <a:schemeClr val="accent5">
+                <a:lumMod val="75000"/>
+              </a:schemeClr>
+            </a:solidFill>
+            <a:headEnd type="triangle"/>
+            <a:tailEnd type="triangle"/>
+          </a:ln>
+        </p:spPr>
+        <p:style>
+          <a:lnRef idx="1">
+            <a:schemeClr val="accent1"/>
+          </a:lnRef>
+          <a:fillRef idx="0">
+            <a:schemeClr val="accent1"/>
+          </a:fillRef>
+          <a:effectRef idx="0">
+            <a:schemeClr val="accent1"/>
+          </a:effectRef>
+          <a:fontRef idx="minor">
+            <a:schemeClr val="tx1"/>
+          </a:fontRef>
+        </p:style>
+      </p:cxnSp>
+      <p:cxnSp>
+        <p:nvCxnSpPr>
+          <p:cNvPr id="86" name="Conector curvado 85">
+            <a:extLst>
+              <a:ext uri="{FF2B5EF4-FFF2-40B4-BE49-F238E27FC236}">
+                <a16:creationId xmlns:a16="http://schemas.microsoft.com/office/drawing/2014/main" id="{127F2C13-B54F-C060-1623-B1E46756D658}"/>
+              </a:ext>
+            </a:extLst>
+          </p:cNvPr>
+          <p:cNvCxnSpPr>
+            <a:cxnSpLocks/>
+            <a:stCxn id="74" idx="6"/>
+            <a:endCxn id="76" idx="6"/>
+          </p:cNvCxnSpPr>
+          <p:nvPr/>
+        </p:nvCxnSpPr>
+        <p:spPr>
+          <a:xfrm>
+            <a:off x="2855333" y="3361950"/>
+            <a:ext cx="12700" cy="1732845"/>
+          </a:xfrm>
+          <a:prstGeom prst="curvedConnector3">
+            <a:avLst>
+              <a:gd name="adj1" fmla="val 4377780"/>
+            </a:avLst>
+          </a:prstGeom>
+          <a:ln w="19050">
+            <a:solidFill>
+              <a:schemeClr val="accent5">
+                <a:lumMod val="75000"/>
+              </a:schemeClr>
+            </a:solidFill>
+            <a:headEnd type="triangle"/>
+            <a:tailEnd type="triangle"/>
+          </a:ln>
+        </p:spPr>
+        <p:style>
+          <a:lnRef idx="1">
+            <a:schemeClr val="accent1"/>
+          </a:lnRef>
+          <a:fillRef idx="0">
+            <a:schemeClr val="accent1"/>
+          </a:fillRef>
+          <a:effectRef idx="0">
+            <a:schemeClr val="accent1"/>
+          </a:effectRef>
+          <a:fontRef idx="minor">
+            <a:schemeClr val="tx1"/>
+          </a:fontRef>
+        </p:style>
+      </p:cxnSp>
+      <p:cxnSp>
+        <p:nvCxnSpPr>
+          <p:cNvPr id="90" name="Conector curvado 89">
+            <a:extLst>
+              <a:ext uri="{FF2B5EF4-FFF2-40B4-BE49-F238E27FC236}">
+                <a16:creationId xmlns:a16="http://schemas.microsoft.com/office/drawing/2014/main" id="{C31FF744-B092-75A9-2C9B-B5430ACFAE28}"/>
+              </a:ext>
+            </a:extLst>
+          </p:cNvPr>
+          <p:cNvCxnSpPr>
+            <a:cxnSpLocks/>
+            <a:stCxn id="72" idx="6"/>
+            <a:endCxn id="74" idx="6"/>
+          </p:cNvCxnSpPr>
+          <p:nvPr/>
+        </p:nvCxnSpPr>
+        <p:spPr>
+          <a:xfrm>
+            <a:off x="2855333" y="1629105"/>
+            <a:ext cx="12700" cy="1732845"/>
+          </a:xfrm>
+          <a:prstGeom prst="curvedConnector3">
+            <a:avLst>
+              <a:gd name="adj1" fmla="val 3844449"/>
+            </a:avLst>
+          </a:prstGeom>
+          <a:ln w="19050">
+            <a:solidFill>
+              <a:srgbClr val="FF0000"/>
+            </a:solidFill>
+            <a:headEnd type="triangle"/>
+            <a:tailEnd type="triangle"/>
+          </a:ln>
+        </p:spPr>
+        <p:style>
+          <a:lnRef idx="1">
+            <a:schemeClr val="accent1"/>
+          </a:lnRef>
+          <a:fillRef idx="0">
+            <a:schemeClr val="accent1"/>
+          </a:fillRef>
+          <a:effectRef idx="0">
+            <a:schemeClr val="accent1"/>
+          </a:effectRef>
+          <a:fontRef idx="minor">
+            <a:schemeClr val="tx1"/>
+          </a:fontRef>
+        </p:style>
+      </p:cxnSp>
+      <p:cxnSp>
+        <p:nvCxnSpPr>
+          <p:cNvPr id="99" name="Conector recto de flecha 98">
+            <a:extLst>
+              <a:ext uri="{FF2B5EF4-FFF2-40B4-BE49-F238E27FC236}">
+                <a16:creationId xmlns:a16="http://schemas.microsoft.com/office/drawing/2014/main" id="{EFE554A9-B35B-D009-8A24-58118D0B749A}"/>
+              </a:ext>
+            </a:extLst>
+          </p:cNvPr>
+          <p:cNvCxnSpPr>
+            <a:stCxn id="51" idx="6"/>
+            <a:endCxn id="53" idx="2"/>
+          </p:cNvCxnSpPr>
+          <p:nvPr/>
+        </p:nvCxnSpPr>
+        <p:spPr>
+          <a:xfrm>
+            <a:off x="5052916" y="1573729"/>
+            <a:ext cx="2067827" cy="0"/>
+          </a:xfrm>
+          <a:prstGeom prst="straightConnector1">
+            <a:avLst/>
+          </a:prstGeom>
+          <a:ln w="19050">
+            <a:solidFill>
+              <a:srgbClr val="FF0000"/>
+            </a:solidFill>
+            <a:tailEnd type="triangle"/>
+          </a:ln>
+        </p:spPr>
+        <p:style>
+          <a:lnRef idx="1">
+            <a:schemeClr val="accent1"/>
+          </a:lnRef>
+          <a:fillRef idx="0">
+            <a:schemeClr val="accent1"/>
+          </a:fillRef>
+          <a:effectRef idx="0">
+            <a:schemeClr val="accent1"/>
+          </a:effectRef>
+          <a:fontRef idx="minor">
+            <a:schemeClr val="tx1"/>
+          </a:fontRef>
+        </p:style>
+      </p:cxnSp>
+      <p:cxnSp>
+        <p:nvCxnSpPr>
+          <p:cNvPr id="100" name="Conector recto de flecha 99">
+            <a:extLst>
+              <a:ext uri="{FF2B5EF4-FFF2-40B4-BE49-F238E27FC236}">
+                <a16:creationId xmlns:a16="http://schemas.microsoft.com/office/drawing/2014/main" id="{3308364A-568E-FA03-FC2A-DEDD25F3FC8A}"/>
+              </a:ext>
+            </a:extLst>
+          </p:cNvPr>
+          <p:cNvCxnSpPr>
+            <a:cxnSpLocks/>
+            <a:stCxn id="53" idx="6"/>
+            <a:endCxn id="55" idx="2"/>
+          </p:cNvCxnSpPr>
+          <p:nvPr/>
+        </p:nvCxnSpPr>
+        <p:spPr>
+          <a:xfrm>
+            <a:off x="8035143" y="1573729"/>
+            <a:ext cx="2072891" cy="0"/>
+          </a:xfrm>
+          <a:prstGeom prst="straightConnector1">
+            <a:avLst/>
+          </a:prstGeom>
+          <a:ln w="19050">
+            <a:solidFill>
+              <a:srgbClr val="FF0000"/>
+            </a:solidFill>
+            <a:tailEnd type="triangle"/>
+          </a:ln>
+        </p:spPr>
+        <p:style>
+          <a:lnRef idx="1">
+            <a:schemeClr val="accent1"/>
+          </a:lnRef>
+          <a:fillRef idx="0">
+            <a:schemeClr val="accent1"/>
+          </a:fillRef>
+          <a:effectRef idx="0">
+            <a:schemeClr val="accent1"/>
+          </a:effectRef>
+          <a:fontRef idx="minor">
+            <a:schemeClr val="tx1"/>
+          </a:fontRef>
+        </p:style>
+      </p:cxnSp>
+      <p:cxnSp>
+        <p:nvCxnSpPr>
+          <p:cNvPr id="103" name="Conector recto de flecha 102">
+            <a:extLst>
+              <a:ext uri="{FF2B5EF4-FFF2-40B4-BE49-F238E27FC236}">
+                <a16:creationId xmlns:a16="http://schemas.microsoft.com/office/drawing/2014/main" id="{D162220B-904B-C3A2-2156-AD5E1CA2776F}"/>
+              </a:ext>
+            </a:extLst>
+          </p:cNvPr>
+          <p:cNvCxnSpPr>
+            <a:cxnSpLocks/>
+            <a:stCxn id="57" idx="6"/>
+            <a:endCxn id="59" idx="2"/>
+          </p:cNvCxnSpPr>
+          <p:nvPr/>
+        </p:nvCxnSpPr>
+        <p:spPr>
+          <a:xfrm>
+            <a:off x="5052916" y="3306574"/>
+            <a:ext cx="2067827" cy="0"/>
+          </a:xfrm>
+          <a:prstGeom prst="straightConnector1">
+            <a:avLst/>
+          </a:prstGeom>
+          <a:ln w="19050">
+            <a:solidFill>
+              <a:srgbClr val="FF0000"/>
+            </a:solidFill>
+            <a:tailEnd type="triangle"/>
+          </a:ln>
+        </p:spPr>
+        <p:style>
+          <a:lnRef idx="1">
+            <a:schemeClr val="accent1"/>
+          </a:lnRef>
+          <a:fillRef idx="0">
+            <a:schemeClr val="accent1"/>
+          </a:fillRef>
+          <a:effectRef idx="0">
+            <a:schemeClr val="accent1"/>
+          </a:effectRef>
+          <a:fontRef idx="minor">
+            <a:schemeClr val="tx1"/>
+          </a:fontRef>
+        </p:style>
+      </p:cxnSp>
+      <p:cxnSp>
+        <p:nvCxnSpPr>
+          <p:cNvPr id="106" name="Conector recto de flecha 105">
+            <a:extLst>
+              <a:ext uri="{FF2B5EF4-FFF2-40B4-BE49-F238E27FC236}">
+                <a16:creationId xmlns:a16="http://schemas.microsoft.com/office/drawing/2014/main" id="{FBDEE12B-F17A-32CD-BA92-DD267940F76F}"/>
+              </a:ext>
+            </a:extLst>
+          </p:cNvPr>
+          <p:cNvCxnSpPr>
+            <a:cxnSpLocks/>
+            <a:stCxn id="59" idx="6"/>
+            <a:endCxn id="61" idx="2"/>
+          </p:cNvCxnSpPr>
+          <p:nvPr/>
+        </p:nvCxnSpPr>
+        <p:spPr>
+          <a:xfrm>
+            <a:off x="8035143" y="3306574"/>
+            <a:ext cx="2072891" cy="0"/>
+          </a:xfrm>
+          <a:prstGeom prst="straightConnector1">
+            <a:avLst/>
+          </a:prstGeom>
+          <a:ln w="19050">
+            <a:solidFill>
+              <a:srgbClr val="FF0000"/>
+            </a:solidFill>
+            <a:tailEnd type="triangle"/>
+          </a:ln>
+        </p:spPr>
+        <p:style>
+          <a:lnRef idx="1">
+            <a:schemeClr val="accent1"/>
+          </a:lnRef>
+          <a:fillRef idx="0">
+            <a:schemeClr val="accent1"/>
+          </a:fillRef>
+          <a:effectRef idx="0">
+            <a:schemeClr val="accent1"/>
+          </a:effectRef>
+          <a:fontRef idx="minor">
+            <a:schemeClr val="tx1"/>
+          </a:fontRef>
+        </p:style>
+      </p:cxnSp>
+      <p:cxnSp>
+        <p:nvCxnSpPr>
+          <p:cNvPr id="109" name="Conector recto de flecha 108">
+            <a:extLst>
+              <a:ext uri="{FF2B5EF4-FFF2-40B4-BE49-F238E27FC236}">
+                <a16:creationId xmlns:a16="http://schemas.microsoft.com/office/drawing/2014/main" id="{096E1214-B969-BC61-5B1E-DBD98CA172A1}"/>
+              </a:ext>
+            </a:extLst>
+          </p:cNvPr>
+          <p:cNvCxnSpPr>
+            <a:cxnSpLocks/>
+            <a:stCxn id="63" idx="6"/>
+            <a:endCxn id="65" idx="2"/>
+          </p:cNvCxnSpPr>
+          <p:nvPr/>
+        </p:nvCxnSpPr>
+        <p:spPr>
+          <a:xfrm>
+            <a:off x="5052916" y="5039419"/>
+            <a:ext cx="2067827" cy="0"/>
+          </a:xfrm>
+          <a:prstGeom prst="straightConnector1">
+            <a:avLst/>
+          </a:prstGeom>
+          <a:ln w="19050">
+            <a:solidFill>
+              <a:srgbClr val="FF0000"/>
+            </a:solidFill>
+            <a:tailEnd type="triangle"/>
+          </a:ln>
+        </p:spPr>
+        <p:style>
+          <a:lnRef idx="1">
+            <a:schemeClr val="accent1"/>
+          </a:lnRef>
+          <a:fillRef idx="0">
+            <a:schemeClr val="accent1"/>
+          </a:fillRef>
+          <a:effectRef idx="0">
+            <a:schemeClr val="accent1"/>
+          </a:effectRef>
+          <a:fontRef idx="minor">
+            <a:schemeClr val="tx1"/>
+          </a:fontRef>
+        </p:style>
+      </p:cxnSp>
+      <p:cxnSp>
+        <p:nvCxnSpPr>
+          <p:cNvPr id="112" name="Conector recto de flecha 111">
+            <a:extLst>
+              <a:ext uri="{FF2B5EF4-FFF2-40B4-BE49-F238E27FC236}">
+                <a16:creationId xmlns:a16="http://schemas.microsoft.com/office/drawing/2014/main" id="{9A453C24-8C81-EABC-93D0-ABECCE65CE4F}"/>
+              </a:ext>
+            </a:extLst>
+          </p:cNvPr>
+          <p:cNvCxnSpPr>
+            <a:cxnSpLocks/>
+            <a:stCxn id="65" idx="6"/>
+            <a:endCxn id="67" idx="2"/>
+          </p:cNvCxnSpPr>
+          <p:nvPr/>
+        </p:nvCxnSpPr>
+        <p:spPr>
+          <a:xfrm>
+            <a:off x="8035143" y="5039419"/>
+            <a:ext cx="2072891" cy="0"/>
+          </a:xfrm>
+          <a:prstGeom prst="straightConnector1">
+            <a:avLst/>
+          </a:prstGeom>
+          <a:ln w="19050">
+            <a:solidFill>
+              <a:srgbClr val="FF0000"/>
+            </a:solidFill>
+            <a:tailEnd type="triangle"/>
+          </a:ln>
+        </p:spPr>
+        <p:style>
+          <a:lnRef idx="1">
+            <a:schemeClr val="accent1"/>
+          </a:lnRef>
+          <a:fillRef idx="0">
+            <a:schemeClr val="accent1"/>
+          </a:fillRef>
+          <a:effectRef idx="0">
+            <a:schemeClr val="accent1"/>
+          </a:effectRef>
+          <a:fontRef idx="minor">
+            <a:schemeClr val="tx1"/>
+          </a:fontRef>
+        </p:style>
+      </p:cxnSp>
+      <p:cxnSp>
+        <p:nvCxnSpPr>
+          <p:cNvPr id="115" name="Conector recto de flecha 114">
+            <a:extLst>
+              <a:ext uri="{FF2B5EF4-FFF2-40B4-BE49-F238E27FC236}">
+                <a16:creationId xmlns:a16="http://schemas.microsoft.com/office/drawing/2014/main" id="{571F7229-33C8-6C5C-C897-75AA2C4C0275}"/>
+              </a:ext>
+            </a:extLst>
+          </p:cNvPr>
+          <p:cNvCxnSpPr>
+            <a:cxnSpLocks/>
+            <a:stCxn id="51" idx="6"/>
+            <a:endCxn id="59" idx="2"/>
+          </p:cNvCxnSpPr>
+          <p:nvPr/>
+        </p:nvCxnSpPr>
+        <p:spPr>
+          <a:xfrm>
+            <a:off x="5052916" y="1573729"/>
+            <a:ext cx="2067827" cy="1732845"/>
+          </a:xfrm>
+          <a:prstGeom prst="straightConnector1">
+            <a:avLst/>
+          </a:prstGeom>
+          <a:ln w="19050">
+            <a:solidFill>
+              <a:srgbClr val="FF0000"/>
+            </a:solidFill>
+            <a:tailEnd type="triangle"/>
+          </a:ln>
+        </p:spPr>
+        <p:style>
+          <a:lnRef idx="1">
+            <a:schemeClr val="accent1"/>
+          </a:lnRef>
+          <a:fillRef idx="0">
+            <a:schemeClr val="accent1"/>
+          </a:fillRef>
+          <a:effectRef idx="0">
+            <a:schemeClr val="accent1"/>
+          </a:effectRef>
+          <a:fontRef idx="minor">
+            <a:schemeClr val="tx1"/>
+          </a:fontRef>
+        </p:style>
+      </p:cxnSp>
+      <p:cxnSp>
+        <p:nvCxnSpPr>
+          <p:cNvPr id="118" name="Conector recto de flecha 117">
+            <a:extLst>
+              <a:ext uri="{FF2B5EF4-FFF2-40B4-BE49-F238E27FC236}">
+                <a16:creationId xmlns:a16="http://schemas.microsoft.com/office/drawing/2014/main" id="{09FB6A62-D609-B9A5-8412-45BED2C6E7E6}"/>
+              </a:ext>
+            </a:extLst>
+          </p:cNvPr>
+          <p:cNvCxnSpPr>
+            <a:cxnSpLocks/>
+            <a:stCxn id="57" idx="6"/>
+            <a:endCxn id="65" idx="2"/>
+          </p:cNvCxnSpPr>
+          <p:nvPr/>
+        </p:nvCxnSpPr>
+        <p:spPr>
+          <a:xfrm>
+            <a:off x="5052916" y="3306574"/>
+            <a:ext cx="2067827" cy="1732845"/>
+          </a:xfrm>
+          <a:prstGeom prst="straightConnector1">
+            <a:avLst/>
+          </a:prstGeom>
+          <a:ln w="19050">
+            <a:solidFill>
+              <a:schemeClr val="accent5">
+                <a:lumMod val="75000"/>
+              </a:schemeClr>
+            </a:solidFill>
+            <a:tailEnd type="triangle"/>
+          </a:ln>
+        </p:spPr>
+        <p:style>
+          <a:lnRef idx="1">
+            <a:schemeClr val="accent1"/>
+          </a:lnRef>
+          <a:fillRef idx="0">
+            <a:schemeClr val="accent1"/>
+          </a:fillRef>
+          <a:effectRef idx="0">
+            <a:schemeClr val="accent1"/>
+          </a:effectRef>
+          <a:fontRef idx="minor">
+            <a:schemeClr val="tx1"/>
+          </a:fontRef>
+        </p:style>
+      </p:cxnSp>
+      <p:cxnSp>
+        <p:nvCxnSpPr>
+          <p:cNvPr id="121" name="Conector recto de flecha 120">
+            <a:extLst>
+              <a:ext uri="{FF2B5EF4-FFF2-40B4-BE49-F238E27FC236}">
+                <a16:creationId xmlns:a16="http://schemas.microsoft.com/office/drawing/2014/main" id="{016CA5E1-3A2F-55BA-85AB-C15E9F19135D}"/>
+              </a:ext>
+            </a:extLst>
+          </p:cNvPr>
+          <p:cNvCxnSpPr>
+            <a:cxnSpLocks/>
+            <a:stCxn id="53" idx="6"/>
+            <a:endCxn id="61" idx="2"/>
+          </p:cNvCxnSpPr>
+          <p:nvPr/>
+        </p:nvCxnSpPr>
+        <p:spPr>
+          <a:xfrm>
+            <a:off x="8035143" y="1573729"/>
+            <a:ext cx="2072891" cy="1732845"/>
+          </a:xfrm>
+          <a:prstGeom prst="straightConnector1">
+            <a:avLst/>
+          </a:prstGeom>
+          <a:ln w="19050">
+            <a:solidFill>
+              <a:srgbClr val="FF0000"/>
+            </a:solidFill>
+            <a:tailEnd type="triangle"/>
+          </a:ln>
+        </p:spPr>
+        <p:style>
+          <a:lnRef idx="1">
+            <a:schemeClr val="accent1"/>
+          </a:lnRef>
+          <a:fillRef idx="0">
+            <a:schemeClr val="accent1"/>
+          </a:fillRef>
+          <a:effectRef idx="0">
+            <a:schemeClr val="accent1"/>
+          </a:effectRef>
+          <a:fontRef idx="minor">
+            <a:schemeClr val="tx1"/>
+          </a:fontRef>
+        </p:style>
+      </p:cxnSp>
+      <p:cxnSp>
+        <p:nvCxnSpPr>
+          <p:cNvPr id="124" name="Conector recto de flecha 123">
+            <a:extLst>
+              <a:ext uri="{FF2B5EF4-FFF2-40B4-BE49-F238E27FC236}">
+                <a16:creationId xmlns:a16="http://schemas.microsoft.com/office/drawing/2014/main" id="{FB59456A-B768-4D61-0ADE-4687672C6DDE}"/>
+              </a:ext>
+            </a:extLst>
+          </p:cNvPr>
+          <p:cNvCxnSpPr>
+            <a:cxnSpLocks/>
+            <a:stCxn id="59" idx="6"/>
+            <a:endCxn id="67" idx="2"/>
+          </p:cNvCxnSpPr>
+          <p:nvPr/>
+        </p:nvCxnSpPr>
+        <p:spPr>
+          <a:xfrm>
+            <a:off x="8035143" y="3306574"/>
+            <a:ext cx="2072891" cy="1732845"/>
+          </a:xfrm>
+          <a:prstGeom prst="straightConnector1">
+            <a:avLst/>
+          </a:prstGeom>
+          <a:ln w="19050">
+            <a:solidFill>
+              <a:schemeClr val="accent5">
+                <a:lumMod val="75000"/>
+              </a:schemeClr>
+            </a:solidFill>
+            <a:tailEnd type="triangle"/>
+          </a:ln>
+        </p:spPr>
+        <p:style>
+          <a:lnRef idx="1">
+            <a:schemeClr val="accent1"/>
+          </a:lnRef>
+          <a:fillRef idx="0">
+            <a:schemeClr val="accent1"/>
+          </a:fillRef>
+          <a:effectRef idx="0">
+            <a:schemeClr val="accent1"/>
+          </a:effectRef>
+          <a:fontRef idx="minor">
+            <a:schemeClr val="tx1"/>
+          </a:fontRef>
+        </p:style>
+      </p:cxnSp>
+      <p:cxnSp>
+        <p:nvCxnSpPr>
+          <p:cNvPr id="127" name="Conector recto de flecha 126">
+            <a:extLst>
+              <a:ext uri="{FF2B5EF4-FFF2-40B4-BE49-F238E27FC236}">
+                <a16:creationId xmlns:a16="http://schemas.microsoft.com/office/drawing/2014/main" id="{70E6090A-17B1-431D-154D-3ED84815051C}"/>
+              </a:ext>
+            </a:extLst>
+          </p:cNvPr>
+          <p:cNvCxnSpPr>
+            <a:cxnSpLocks/>
+            <a:stCxn id="51" idx="6"/>
+            <a:endCxn id="65" idx="2"/>
+          </p:cNvCxnSpPr>
+          <p:nvPr/>
+        </p:nvCxnSpPr>
+        <p:spPr>
+          <a:xfrm>
+            <a:off x="5052916" y="1573729"/>
+            <a:ext cx="2067827" cy="3465690"/>
+          </a:xfrm>
+          <a:prstGeom prst="straightConnector1">
+            <a:avLst/>
+          </a:prstGeom>
+          <a:ln w="19050">
+            <a:solidFill>
+              <a:schemeClr val="accent5">
+                <a:lumMod val="75000"/>
+              </a:schemeClr>
+            </a:solidFill>
+            <a:tailEnd type="triangle"/>
+          </a:ln>
+        </p:spPr>
+        <p:style>
+          <a:lnRef idx="1">
+            <a:schemeClr val="accent1"/>
+          </a:lnRef>
+          <a:fillRef idx="0">
+            <a:schemeClr val="accent1"/>
+          </a:fillRef>
+          <a:effectRef idx="0">
+            <a:schemeClr val="accent1"/>
+          </a:effectRef>
+          <a:fontRef idx="minor">
+            <a:schemeClr val="tx1"/>
+          </a:fontRef>
+        </p:style>
+      </p:cxnSp>
+      <p:cxnSp>
+        <p:nvCxnSpPr>
+          <p:cNvPr id="130" name="Conector recto de flecha 129">
+            <a:extLst>
+              <a:ext uri="{FF2B5EF4-FFF2-40B4-BE49-F238E27FC236}">
+                <a16:creationId xmlns:a16="http://schemas.microsoft.com/office/drawing/2014/main" id="{68503EC8-689B-B0B4-925E-6387C08195E5}"/>
+              </a:ext>
+            </a:extLst>
+          </p:cNvPr>
+          <p:cNvCxnSpPr>
+            <a:cxnSpLocks/>
+            <a:stCxn id="53" idx="6"/>
+            <a:endCxn id="67" idx="2"/>
+          </p:cNvCxnSpPr>
+          <p:nvPr/>
+        </p:nvCxnSpPr>
+        <p:spPr>
+          <a:xfrm>
+            <a:off x="8035143" y="1573729"/>
+            <a:ext cx="2072891" cy="3465690"/>
+          </a:xfrm>
+          <a:prstGeom prst="straightConnector1">
+            <a:avLst/>
+          </a:prstGeom>
+          <a:ln w="19050">
+            <a:solidFill>
+              <a:schemeClr val="accent5">
+                <a:lumMod val="75000"/>
+              </a:schemeClr>
+            </a:solidFill>
+            <a:tailEnd type="triangle"/>
+          </a:ln>
+        </p:spPr>
+        <p:style>
+          <a:lnRef idx="1">
+            <a:schemeClr val="accent1"/>
+          </a:lnRef>
+          <a:fillRef idx="0">
+            <a:schemeClr val="accent1"/>
+          </a:fillRef>
+          <a:effectRef idx="0">
+            <a:schemeClr val="accent1"/>
+          </a:effectRef>
+          <a:fontRef idx="minor">
+            <a:schemeClr val="tx1"/>
+          </a:fontRef>
+        </p:style>
+      </p:cxnSp>
+      <p:cxnSp>
+        <p:nvCxnSpPr>
+          <p:cNvPr id="133" name="Conector recto de flecha 132">
+            <a:extLst>
+              <a:ext uri="{FF2B5EF4-FFF2-40B4-BE49-F238E27FC236}">
+                <a16:creationId xmlns:a16="http://schemas.microsoft.com/office/drawing/2014/main" id="{00F7163C-7C52-928F-BCD3-6FF441F86061}"/>
+              </a:ext>
+            </a:extLst>
+          </p:cNvPr>
+          <p:cNvCxnSpPr>
+            <a:cxnSpLocks/>
+            <a:stCxn id="57" idx="6"/>
+            <a:endCxn id="53" idx="2"/>
+          </p:cNvCxnSpPr>
+          <p:nvPr/>
+        </p:nvCxnSpPr>
+        <p:spPr>
+          <a:xfrm flipV="1">
+            <a:off x="5052916" y="1573729"/>
+            <a:ext cx="2067827" cy="1732845"/>
+          </a:xfrm>
+          <a:prstGeom prst="straightConnector1">
+            <a:avLst/>
+          </a:prstGeom>
+          <a:ln w="19050">
+            <a:solidFill>
+              <a:schemeClr val="bg2">
+                <a:lumMod val="90000"/>
+              </a:schemeClr>
+            </a:solidFill>
+            <a:prstDash val="sysDash"/>
+            <a:tailEnd type="triangle"/>
+          </a:ln>
+        </p:spPr>
+        <p:style>
+          <a:lnRef idx="1">
+            <a:schemeClr val="accent1"/>
+          </a:lnRef>
+          <a:fillRef idx="0">
+            <a:schemeClr val="accent1"/>
+          </a:fillRef>
+          <a:effectRef idx="0">
+            <a:schemeClr val="accent1"/>
+          </a:effectRef>
+          <a:fontRef idx="minor">
+            <a:schemeClr val="tx1"/>
+          </a:fontRef>
+        </p:style>
+      </p:cxnSp>
+      <p:cxnSp>
+        <p:nvCxnSpPr>
+          <p:cNvPr id="136" name="Conector recto de flecha 135">
+            <a:extLst>
+              <a:ext uri="{FF2B5EF4-FFF2-40B4-BE49-F238E27FC236}">
+                <a16:creationId xmlns:a16="http://schemas.microsoft.com/office/drawing/2014/main" id="{8A158F30-D642-384C-9472-B346215B6FC4}"/>
+              </a:ext>
+            </a:extLst>
+          </p:cNvPr>
+          <p:cNvCxnSpPr>
+            <a:cxnSpLocks/>
+            <a:stCxn id="63" idx="6"/>
+            <a:endCxn id="59" idx="2"/>
+          </p:cNvCxnSpPr>
+          <p:nvPr/>
+        </p:nvCxnSpPr>
+        <p:spPr>
+          <a:xfrm flipV="1">
+            <a:off x="5052916" y="3306574"/>
+            <a:ext cx="2067827" cy="1732845"/>
+          </a:xfrm>
+          <a:prstGeom prst="straightConnector1">
+            <a:avLst/>
+          </a:prstGeom>
+          <a:ln w="19050">
+            <a:solidFill>
+              <a:schemeClr val="bg2">
+                <a:lumMod val="90000"/>
+              </a:schemeClr>
+            </a:solidFill>
+            <a:prstDash val="sysDash"/>
+            <a:tailEnd type="triangle"/>
+          </a:ln>
+        </p:spPr>
+        <p:style>
+          <a:lnRef idx="1">
+            <a:schemeClr val="accent1"/>
+          </a:lnRef>
+          <a:fillRef idx="0">
+            <a:schemeClr val="accent1"/>
+          </a:fillRef>
+          <a:effectRef idx="0">
+            <a:schemeClr val="accent1"/>
+          </a:effectRef>
+          <a:fontRef idx="minor">
+            <a:schemeClr val="tx1"/>
+          </a:fontRef>
+        </p:style>
+      </p:cxnSp>
+      <p:cxnSp>
+        <p:nvCxnSpPr>
+          <p:cNvPr id="139" name="Conector recto de flecha 138">
+            <a:extLst>
+              <a:ext uri="{FF2B5EF4-FFF2-40B4-BE49-F238E27FC236}">
+                <a16:creationId xmlns:a16="http://schemas.microsoft.com/office/drawing/2014/main" id="{9F2F89DA-0AD5-AB44-5BC0-7B165B4AD3F5}"/>
+              </a:ext>
+            </a:extLst>
+          </p:cNvPr>
+          <p:cNvCxnSpPr>
+            <a:cxnSpLocks/>
+            <a:stCxn id="59" idx="6"/>
+            <a:endCxn id="55" idx="2"/>
+          </p:cNvCxnSpPr>
+          <p:nvPr/>
+        </p:nvCxnSpPr>
+        <p:spPr>
+          <a:xfrm flipV="1">
+            <a:off x="8035143" y="1573729"/>
+            <a:ext cx="2072891" cy="1732845"/>
+          </a:xfrm>
+          <a:prstGeom prst="straightConnector1">
+            <a:avLst/>
+          </a:prstGeom>
+          <a:ln w="19050">
+            <a:solidFill>
+              <a:schemeClr val="bg2">
+                <a:lumMod val="90000"/>
+              </a:schemeClr>
+            </a:solidFill>
+            <a:prstDash val="sysDash"/>
+            <a:tailEnd type="triangle"/>
+          </a:ln>
+        </p:spPr>
+        <p:style>
+          <a:lnRef idx="1">
+            <a:schemeClr val="accent1"/>
+          </a:lnRef>
+          <a:fillRef idx="0">
+            <a:schemeClr val="accent1"/>
+          </a:fillRef>
+          <a:effectRef idx="0">
+            <a:schemeClr val="accent1"/>
+          </a:effectRef>
+          <a:fontRef idx="minor">
+            <a:schemeClr val="tx1"/>
+          </a:fontRef>
+        </p:style>
+      </p:cxnSp>
+      <p:cxnSp>
+        <p:nvCxnSpPr>
+          <p:cNvPr id="142" name="Conector recto de flecha 141">
+            <a:extLst>
+              <a:ext uri="{FF2B5EF4-FFF2-40B4-BE49-F238E27FC236}">
+                <a16:creationId xmlns:a16="http://schemas.microsoft.com/office/drawing/2014/main" id="{BBD4401D-069A-D96A-D1E0-551C8AEB59F8}"/>
+              </a:ext>
+            </a:extLst>
+          </p:cNvPr>
+          <p:cNvCxnSpPr>
+            <a:cxnSpLocks/>
+            <a:stCxn id="65" idx="6"/>
+            <a:endCxn id="61" idx="2"/>
+          </p:cNvCxnSpPr>
+          <p:nvPr/>
+        </p:nvCxnSpPr>
+        <p:spPr>
+          <a:xfrm flipV="1">
+            <a:off x="8035143" y="3306574"/>
+            <a:ext cx="2072891" cy="1732845"/>
+          </a:xfrm>
+          <a:prstGeom prst="straightConnector1">
+            <a:avLst/>
+          </a:prstGeom>
+          <a:ln w="19050">
+            <a:solidFill>
+              <a:schemeClr val="bg2">
+                <a:lumMod val="90000"/>
+              </a:schemeClr>
+            </a:solidFill>
+            <a:prstDash val="sysDash"/>
+            <a:tailEnd type="triangle"/>
+          </a:ln>
+        </p:spPr>
+        <p:style>
+          <a:lnRef idx="1">
+            <a:schemeClr val="accent1"/>
+          </a:lnRef>
+          <a:fillRef idx="0">
+            <a:schemeClr val="accent1"/>
+          </a:fillRef>
+          <a:effectRef idx="0">
+            <a:schemeClr val="accent1"/>
+          </a:effectRef>
+          <a:fontRef idx="minor">
+            <a:schemeClr val="tx1"/>
+          </a:fontRef>
+        </p:style>
+      </p:cxnSp>
+      <p:cxnSp>
+        <p:nvCxnSpPr>
+          <p:cNvPr id="145" name="Conector recto de flecha 144">
+            <a:extLst>
+              <a:ext uri="{FF2B5EF4-FFF2-40B4-BE49-F238E27FC236}">
+                <a16:creationId xmlns:a16="http://schemas.microsoft.com/office/drawing/2014/main" id="{49A10E5D-0C9A-DE9B-B9C9-88BC50D71AFD}"/>
+              </a:ext>
+            </a:extLst>
+          </p:cNvPr>
+          <p:cNvCxnSpPr>
+            <a:cxnSpLocks/>
+            <a:stCxn id="63" idx="6"/>
+            <a:endCxn id="53" idx="2"/>
+          </p:cNvCxnSpPr>
+          <p:nvPr/>
+        </p:nvCxnSpPr>
+        <p:spPr>
+          <a:xfrm flipV="1">
+            <a:off x="5052916" y="1573729"/>
+            <a:ext cx="2067827" cy="3465690"/>
+          </a:xfrm>
+          <a:prstGeom prst="straightConnector1">
+            <a:avLst/>
+          </a:prstGeom>
+          <a:ln w="19050">
+            <a:solidFill>
+              <a:schemeClr val="bg2">
+                <a:lumMod val="90000"/>
+              </a:schemeClr>
+            </a:solidFill>
+            <a:prstDash val="sysDash"/>
+            <a:tailEnd type="triangle"/>
+          </a:ln>
+        </p:spPr>
+        <p:style>
+          <a:lnRef idx="1">
+            <a:schemeClr val="accent1"/>
+          </a:lnRef>
+          <a:fillRef idx="0">
+            <a:schemeClr val="accent1"/>
+          </a:fillRef>
+          <a:effectRef idx="0">
+            <a:schemeClr val="accent1"/>
+          </a:effectRef>
+          <a:fontRef idx="minor">
+            <a:schemeClr val="tx1"/>
+          </a:fontRef>
+        </p:style>
+      </p:cxnSp>
+      <p:cxnSp>
+        <p:nvCxnSpPr>
+          <p:cNvPr id="148" name="Conector recto de flecha 147">
+            <a:extLst>
+              <a:ext uri="{FF2B5EF4-FFF2-40B4-BE49-F238E27FC236}">
+                <a16:creationId xmlns:a16="http://schemas.microsoft.com/office/drawing/2014/main" id="{02BBC951-C80F-D8AD-70CA-BE710A6D8493}"/>
+              </a:ext>
+            </a:extLst>
+          </p:cNvPr>
+          <p:cNvCxnSpPr>
+            <a:cxnSpLocks/>
+            <a:stCxn id="65" idx="6"/>
+            <a:endCxn id="55" idx="2"/>
+          </p:cNvCxnSpPr>
+          <p:nvPr/>
+        </p:nvCxnSpPr>
+        <p:spPr>
+          <a:xfrm flipV="1">
+            <a:off x="8035143" y="1573729"/>
+            <a:ext cx="2072891" cy="3465690"/>
+          </a:xfrm>
+          <a:prstGeom prst="straightConnector1">
+            <a:avLst/>
+          </a:prstGeom>
+          <a:ln w="19050">
+            <a:solidFill>
+              <a:schemeClr val="bg2">
+                <a:lumMod val="90000"/>
+              </a:schemeClr>
+            </a:solidFill>
+            <a:prstDash val="sysDash"/>
+            <a:tailEnd type="triangle"/>
+          </a:ln>
+        </p:spPr>
+        <p:style>
+          <a:lnRef idx="1">
+            <a:schemeClr val="accent1"/>
+          </a:lnRef>
+          <a:fillRef idx="0">
+            <a:schemeClr val="accent1"/>
+          </a:fillRef>
+          <a:effectRef idx="0">
+            <a:schemeClr val="accent1"/>
+          </a:effectRef>
+          <a:fontRef idx="minor">
+            <a:schemeClr val="tx1"/>
+          </a:fontRef>
+        </p:style>
+      </p:cxnSp>
+      <p:sp>
+        <p:nvSpPr>
+          <p:cNvPr id="235" name="CuadroTexto 234">
+            <a:extLst>
+              <a:ext uri="{FF2B5EF4-FFF2-40B4-BE49-F238E27FC236}">
+                <a16:creationId xmlns:a16="http://schemas.microsoft.com/office/drawing/2014/main" id="{B0C05C64-C9A7-E21B-89F3-A08B1013ABF2}"/>
+              </a:ext>
+            </a:extLst>
+          </p:cNvPr>
+          <p:cNvSpPr txBox="1"/>
+          <p:nvPr/>
+        </p:nvSpPr>
+        <p:spPr>
+          <a:xfrm>
+            <a:off x="5692865" y="1434672"/>
+            <a:ext cx="806269" cy="276999"/>
+          </a:xfrm>
+          <a:prstGeom prst="rect">
+            <a:avLst/>
+          </a:prstGeom>
+          <a:solidFill>
+            <a:schemeClr val="bg1"/>
+          </a:solidFill>
+        </p:spPr>
+        <p:txBody>
+          <a:bodyPr wrap="square" rtlCol="0">
+            <a:spAutoFit/>
+          </a:bodyPr>
+          <a:lstStyle/>
+          <a:p>
+            <a:pPr algn="ctr"/>
+            <a:r>
+              <a:rPr lang="es-CL" sz="1200" dirty="0">
+                <a:latin typeface="Arial" panose="020B0604020202020204" pitchFamily="34" charset="0"/>
+                <a:cs typeface="Arial" panose="020B0604020202020204" pitchFamily="34" charset="0"/>
+              </a:rPr>
+              <a:t>0.139***</a:t>
+            </a:r>
+          </a:p>
+        </p:txBody>
+      </p:sp>
+      <p:sp>
+        <p:nvSpPr>
+          <p:cNvPr id="6" name="CuadroTexto 5">
+            <a:extLst>
+              <a:ext uri="{FF2B5EF4-FFF2-40B4-BE49-F238E27FC236}">
+                <a16:creationId xmlns:a16="http://schemas.microsoft.com/office/drawing/2014/main" id="{CD2889BA-F1F5-5102-C4E9-F31DA719F925}"/>
+              </a:ext>
+            </a:extLst>
+          </p:cNvPr>
+          <p:cNvSpPr txBox="1"/>
+          <p:nvPr/>
+        </p:nvSpPr>
+        <p:spPr>
+          <a:xfrm>
+            <a:off x="8668454" y="1442530"/>
+            <a:ext cx="806269" cy="276999"/>
+          </a:xfrm>
+          <a:prstGeom prst="rect">
+            <a:avLst/>
+          </a:prstGeom>
+          <a:solidFill>
+            <a:schemeClr val="bg1"/>
+          </a:solidFill>
+        </p:spPr>
+        <p:txBody>
+          <a:bodyPr wrap="square" rtlCol="0">
+            <a:spAutoFit/>
+          </a:bodyPr>
+          <a:lstStyle/>
+          <a:p>
+            <a:pPr algn="ctr"/>
+            <a:r>
+              <a:rPr lang="es-CL" sz="1200" dirty="0">
+                <a:latin typeface="Arial" panose="020B0604020202020204" pitchFamily="34" charset="0"/>
+                <a:cs typeface="Arial" panose="020B0604020202020204" pitchFamily="34" charset="0"/>
+              </a:rPr>
+              <a:t>0.139***</a:t>
+            </a:r>
+          </a:p>
+        </p:txBody>
+      </p:sp>
+      <p:sp>
+        <p:nvSpPr>
+          <p:cNvPr id="7" name="CuadroTexto 6">
+            <a:extLst>
+              <a:ext uri="{FF2B5EF4-FFF2-40B4-BE49-F238E27FC236}">
+                <a16:creationId xmlns:a16="http://schemas.microsoft.com/office/drawing/2014/main" id="{D2D93BC0-B62E-78BF-7790-7937062FDB21}"/>
+              </a:ext>
+            </a:extLst>
+          </p:cNvPr>
+          <p:cNvSpPr txBox="1"/>
+          <p:nvPr/>
+        </p:nvSpPr>
+        <p:spPr>
+          <a:xfrm rot="2347904">
+            <a:off x="5237089" y="1799053"/>
+            <a:ext cx="806269" cy="276999"/>
+          </a:xfrm>
+          <a:prstGeom prst="rect">
+            <a:avLst/>
+          </a:prstGeom>
+          <a:noFill/>
+        </p:spPr>
+        <p:txBody>
+          <a:bodyPr wrap="square" rtlCol="0">
+            <a:spAutoFit/>
+          </a:bodyPr>
+          <a:lstStyle/>
+          <a:p>
+            <a:pPr algn="ctr"/>
+            <a:r>
+              <a:rPr lang="es-CL" sz="1200" dirty="0">
+                <a:latin typeface="Arial" panose="020B0604020202020204" pitchFamily="34" charset="0"/>
+                <a:cs typeface="Arial" panose="020B0604020202020204" pitchFamily="34" charset="0"/>
+              </a:rPr>
+              <a:t>0.067*</a:t>
+            </a:r>
+          </a:p>
+        </p:txBody>
+      </p:sp>
+      <p:sp>
+        <p:nvSpPr>
+          <p:cNvPr id="9" name="CuadroTexto 8">
+            <a:extLst>
+              <a:ext uri="{FF2B5EF4-FFF2-40B4-BE49-F238E27FC236}">
+                <a16:creationId xmlns:a16="http://schemas.microsoft.com/office/drawing/2014/main" id="{71FD01ED-B972-90D2-2027-68589BACAA9D}"/>
+              </a:ext>
+            </a:extLst>
+          </p:cNvPr>
+          <p:cNvSpPr txBox="1"/>
+          <p:nvPr/>
+        </p:nvSpPr>
+        <p:spPr>
+          <a:xfrm>
+            <a:off x="5240106" y="3171549"/>
+            <a:ext cx="749781" cy="276999"/>
+          </a:xfrm>
+          <a:prstGeom prst="rect">
+            <a:avLst/>
+          </a:prstGeom>
+          <a:solidFill>
+            <a:schemeClr val="bg1"/>
+          </a:solidFill>
+        </p:spPr>
+        <p:txBody>
+          <a:bodyPr wrap="square" rtlCol="0">
+            <a:spAutoFit/>
+          </a:bodyPr>
+          <a:lstStyle/>
+          <a:p>
+            <a:pPr algn="ctr"/>
+            <a:r>
+              <a:rPr lang="es-CL" sz="1200" dirty="0">
+                <a:latin typeface="Arial" panose="020B0604020202020204" pitchFamily="34" charset="0"/>
+                <a:cs typeface="Arial" panose="020B0604020202020204" pitchFamily="34" charset="0"/>
+              </a:rPr>
+              <a:t>0.311***</a:t>
+            </a:r>
+          </a:p>
+        </p:txBody>
+      </p:sp>
+      <p:sp>
+        <p:nvSpPr>
+          <p:cNvPr id="85" name="CuadroTexto 84">
+            <a:extLst>
+              <a:ext uri="{FF2B5EF4-FFF2-40B4-BE49-F238E27FC236}">
+                <a16:creationId xmlns:a16="http://schemas.microsoft.com/office/drawing/2014/main" id="{FB88E0D3-30A8-8C56-D0A8-FE19D944D058}"/>
+              </a:ext>
+            </a:extLst>
+          </p:cNvPr>
+          <p:cNvSpPr txBox="1"/>
+          <p:nvPr/>
+        </p:nvSpPr>
+        <p:spPr>
+          <a:xfrm rot="2347904">
+            <a:off x="8253618" y="1826375"/>
+            <a:ext cx="806269" cy="276999"/>
+          </a:xfrm>
+          <a:prstGeom prst="rect">
+            <a:avLst/>
+          </a:prstGeom>
+          <a:noFill/>
+        </p:spPr>
+        <p:txBody>
+          <a:bodyPr wrap="square" rtlCol="0">
+            <a:spAutoFit/>
+          </a:bodyPr>
+          <a:lstStyle/>
+          <a:p>
+            <a:pPr algn="ctr"/>
+            <a:r>
+              <a:rPr lang="es-CL" sz="1200" dirty="0">
+                <a:latin typeface="Arial" panose="020B0604020202020204" pitchFamily="34" charset="0"/>
+                <a:cs typeface="Arial" panose="020B0604020202020204" pitchFamily="34" charset="0"/>
+              </a:rPr>
+              <a:t>0.067*</a:t>
+            </a:r>
+          </a:p>
+        </p:txBody>
+      </p:sp>
+      <p:sp>
+        <p:nvSpPr>
+          <p:cNvPr id="87" name="CuadroTexto 86">
+            <a:extLst>
+              <a:ext uri="{FF2B5EF4-FFF2-40B4-BE49-F238E27FC236}">
+                <a16:creationId xmlns:a16="http://schemas.microsoft.com/office/drawing/2014/main" id="{689F0E2A-BCB3-45EA-3BEF-714498CA5E87}"/>
+              </a:ext>
+            </a:extLst>
+          </p:cNvPr>
+          <p:cNvSpPr txBox="1"/>
+          <p:nvPr/>
+        </p:nvSpPr>
+        <p:spPr>
+          <a:xfrm>
+            <a:off x="8225687" y="3177735"/>
+            <a:ext cx="749781" cy="276999"/>
+          </a:xfrm>
+          <a:prstGeom prst="rect">
+            <a:avLst/>
+          </a:prstGeom>
+          <a:solidFill>
+            <a:schemeClr val="bg1"/>
+          </a:solidFill>
+        </p:spPr>
+        <p:txBody>
+          <a:bodyPr wrap="square" rtlCol="0">
+            <a:spAutoFit/>
+          </a:bodyPr>
+          <a:lstStyle/>
+          <a:p>
+            <a:pPr algn="ctr"/>
+            <a:r>
+              <a:rPr lang="es-CL" sz="1200" dirty="0">
+                <a:latin typeface="Arial" panose="020B0604020202020204" pitchFamily="34" charset="0"/>
+                <a:cs typeface="Arial" panose="020B0604020202020204" pitchFamily="34" charset="0"/>
+              </a:rPr>
+              <a:t>0.311***</a:t>
+            </a:r>
+          </a:p>
+        </p:txBody>
+      </p:sp>
+      <p:sp>
+        <p:nvSpPr>
+          <p:cNvPr id="88" name="CuadroTexto 87">
+            <a:extLst>
+              <a:ext uri="{FF2B5EF4-FFF2-40B4-BE49-F238E27FC236}">
+                <a16:creationId xmlns:a16="http://schemas.microsoft.com/office/drawing/2014/main" id="{B35D5A20-5B40-11ED-7538-772DD5635ECC}"/>
+              </a:ext>
+            </a:extLst>
+          </p:cNvPr>
+          <p:cNvSpPr txBox="1"/>
+          <p:nvPr/>
+        </p:nvSpPr>
+        <p:spPr>
+          <a:xfrm rot="3580764">
+            <a:off x="6376502" y="4175699"/>
+            <a:ext cx="806269" cy="276999"/>
+          </a:xfrm>
+          <a:prstGeom prst="rect">
+            <a:avLst/>
+          </a:prstGeom>
+          <a:noFill/>
+        </p:spPr>
+        <p:txBody>
+          <a:bodyPr wrap="square" rtlCol="0">
+            <a:spAutoFit/>
+          </a:bodyPr>
+          <a:lstStyle/>
+          <a:p>
+            <a:pPr algn="ctr"/>
+            <a:r>
+              <a:rPr lang="es-CL" sz="1200" dirty="0">
+                <a:latin typeface="Arial" panose="020B0604020202020204" pitchFamily="34" charset="0"/>
+                <a:cs typeface="Arial" panose="020B0604020202020204" pitchFamily="34" charset="0"/>
+              </a:rPr>
+              <a:t>-0.101**</a:t>
+            </a:r>
+          </a:p>
+        </p:txBody>
+      </p:sp>
+      <p:sp>
+        <p:nvSpPr>
+          <p:cNvPr id="89" name="CuadroTexto 88">
+            <a:extLst>
+              <a:ext uri="{FF2B5EF4-FFF2-40B4-BE49-F238E27FC236}">
+                <a16:creationId xmlns:a16="http://schemas.microsoft.com/office/drawing/2014/main" id="{03A4A394-7185-CD8A-973C-40B8ABCB6A34}"/>
+              </a:ext>
+            </a:extLst>
+          </p:cNvPr>
+          <p:cNvSpPr txBox="1"/>
+          <p:nvPr/>
+        </p:nvSpPr>
+        <p:spPr>
+          <a:xfrm rot="3580764">
+            <a:off x="9376763" y="4175698"/>
+            <a:ext cx="806269" cy="276999"/>
+          </a:xfrm>
+          <a:prstGeom prst="rect">
+            <a:avLst/>
+          </a:prstGeom>
+          <a:noFill/>
+        </p:spPr>
+        <p:txBody>
+          <a:bodyPr wrap="square" rtlCol="0">
+            <a:spAutoFit/>
+          </a:bodyPr>
+          <a:lstStyle/>
+          <a:p>
+            <a:pPr algn="ctr"/>
+            <a:r>
+              <a:rPr lang="es-CL" sz="1200" dirty="0">
+                <a:latin typeface="Arial" panose="020B0604020202020204" pitchFamily="34" charset="0"/>
+                <a:cs typeface="Arial" panose="020B0604020202020204" pitchFamily="34" charset="0"/>
+              </a:rPr>
+              <a:t>-0.101**</a:t>
+            </a:r>
+          </a:p>
+        </p:txBody>
+      </p:sp>
+      <p:sp>
+        <p:nvSpPr>
+          <p:cNvPr id="91" name="CuadroTexto 90">
+            <a:extLst>
+              <a:ext uri="{FF2B5EF4-FFF2-40B4-BE49-F238E27FC236}">
+                <a16:creationId xmlns:a16="http://schemas.microsoft.com/office/drawing/2014/main" id="{BDAAF20A-A348-DC9E-C70D-97B738477C53}"/>
+              </a:ext>
+            </a:extLst>
+          </p:cNvPr>
+          <p:cNvSpPr txBox="1"/>
+          <p:nvPr/>
+        </p:nvSpPr>
+        <p:spPr>
+          <a:xfrm rot="2297956">
+            <a:off x="5106982" y="3436876"/>
+            <a:ext cx="806269" cy="276999"/>
+          </a:xfrm>
+          <a:prstGeom prst="rect">
+            <a:avLst/>
+          </a:prstGeom>
+          <a:noFill/>
+        </p:spPr>
+        <p:txBody>
+          <a:bodyPr wrap="square" rtlCol="0">
+            <a:spAutoFit/>
+          </a:bodyPr>
+          <a:lstStyle/>
+          <a:p>
+            <a:pPr algn="ctr"/>
+            <a:r>
+              <a:rPr lang="es-CL" sz="1200" dirty="0">
+                <a:latin typeface="Arial" panose="020B0604020202020204" pitchFamily="34" charset="0"/>
+                <a:cs typeface="Arial" panose="020B0604020202020204" pitchFamily="34" charset="0"/>
+              </a:rPr>
+              <a:t>-0.06**</a:t>
+            </a:r>
+          </a:p>
+        </p:txBody>
+      </p:sp>
+      <p:sp>
+        <p:nvSpPr>
+          <p:cNvPr id="92" name="CuadroTexto 91">
+            <a:extLst>
+              <a:ext uri="{FF2B5EF4-FFF2-40B4-BE49-F238E27FC236}">
+                <a16:creationId xmlns:a16="http://schemas.microsoft.com/office/drawing/2014/main" id="{960044D5-95A2-7CB7-A229-B0E652ABA6EF}"/>
+              </a:ext>
+            </a:extLst>
+          </p:cNvPr>
+          <p:cNvSpPr txBox="1"/>
+          <p:nvPr/>
+        </p:nvSpPr>
+        <p:spPr>
+          <a:xfrm rot="2297956">
+            <a:off x="8103222" y="3436876"/>
+            <a:ext cx="806269" cy="276999"/>
+          </a:xfrm>
+          <a:prstGeom prst="rect">
+            <a:avLst/>
+          </a:prstGeom>
+          <a:noFill/>
+        </p:spPr>
+        <p:txBody>
+          <a:bodyPr wrap="square" rtlCol="0">
+            <a:spAutoFit/>
+          </a:bodyPr>
+          <a:lstStyle/>
+          <a:p>
+            <a:pPr algn="ctr"/>
+            <a:r>
+              <a:rPr lang="es-CL" sz="1200" dirty="0">
+                <a:latin typeface="Arial" panose="020B0604020202020204" pitchFamily="34" charset="0"/>
+                <a:cs typeface="Arial" panose="020B0604020202020204" pitchFamily="34" charset="0"/>
+              </a:rPr>
+              <a:t>-0.06**</a:t>
+            </a:r>
+          </a:p>
+        </p:txBody>
+      </p:sp>
+      <p:sp>
+        <p:nvSpPr>
+          <p:cNvPr id="93" name="CuadroTexto 92">
+            <a:extLst>
+              <a:ext uri="{FF2B5EF4-FFF2-40B4-BE49-F238E27FC236}">
+                <a16:creationId xmlns:a16="http://schemas.microsoft.com/office/drawing/2014/main" id="{055ECF23-4843-7E73-89FD-769E5DCDB599}"/>
+              </a:ext>
+            </a:extLst>
+          </p:cNvPr>
+          <p:cNvSpPr txBox="1"/>
+          <p:nvPr/>
+        </p:nvSpPr>
+        <p:spPr>
+          <a:xfrm>
+            <a:off x="5709407" y="4914243"/>
+            <a:ext cx="749781" cy="276999"/>
+          </a:xfrm>
+          <a:prstGeom prst="rect">
+            <a:avLst/>
+          </a:prstGeom>
+          <a:solidFill>
+            <a:schemeClr val="bg1"/>
+          </a:solidFill>
+        </p:spPr>
+        <p:txBody>
+          <a:bodyPr wrap="square" rtlCol="0">
+            <a:spAutoFit/>
+          </a:bodyPr>
+          <a:lstStyle/>
+          <a:p>
+            <a:pPr algn="ctr"/>
+            <a:r>
+              <a:rPr lang="es-CL" sz="1200" dirty="0">
+                <a:latin typeface="Arial" panose="020B0604020202020204" pitchFamily="34" charset="0"/>
+                <a:cs typeface="Arial" panose="020B0604020202020204" pitchFamily="34" charset="0"/>
+              </a:rPr>
+              <a:t>0.143***</a:t>
+            </a:r>
+          </a:p>
+        </p:txBody>
+      </p:sp>
+      <p:sp>
+        <p:nvSpPr>
+          <p:cNvPr id="94" name="CuadroTexto 93">
+            <a:extLst>
+              <a:ext uri="{FF2B5EF4-FFF2-40B4-BE49-F238E27FC236}">
+                <a16:creationId xmlns:a16="http://schemas.microsoft.com/office/drawing/2014/main" id="{43484EBC-18C6-CED3-0311-9804B7C22831}"/>
+              </a:ext>
+            </a:extLst>
+          </p:cNvPr>
+          <p:cNvSpPr txBox="1"/>
+          <p:nvPr/>
+        </p:nvSpPr>
+        <p:spPr>
+          <a:xfrm>
+            <a:off x="8696697" y="4908220"/>
+            <a:ext cx="749781" cy="276999"/>
+          </a:xfrm>
+          <a:prstGeom prst="rect">
+            <a:avLst/>
+          </a:prstGeom>
+          <a:solidFill>
+            <a:schemeClr val="bg1"/>
+          </a:solidFill>
+        </p:spPr>
+        <p:txBody>
+          <a:bodyPr wrap="square" rtlCol="0">
+            <a:spAutoFit/>
+          </a:bodyPr>
+          <a:lstStyle/>
+          <a:p>
+            <a:pPr algn="ctr"/>
+            <a:r>
+              <a:rPr lang="es-CL" sz="1200" dirty="0">
+                <a:latin typeface="Arial" panose="020B0604020202020204" pitchFamily="34" charset="0"/>
+                <a:cs typeface="Arial" panose="020B0604020202020204" pitchFamily="34" charset="0"/>
+              </a:rPr>
+              <a:t>0.143***</a:t>
+            </a:r>
+          </a:p>
+        </p:txBody>
+      </p:sp>
+      <p:sp>
+        <p:nvSpPr>
+          <p:cNvPr id="95" name="CuadroTexto 94">
+            <a:extLst>
+              <a:ext uri="{FF2B5EF4-FFF2-40B4-BE49-F238E27FC236}">
+                <a16:creationId xmlns:a16="http://schemas.microsoft.com/office/drawing/2014/main" id="{D2D58D7D-6E2F-666B-45E2-A1E158C1D126}"/>
+              </a:ext>
+            </a:extLst>
+          </p:cNvPr>
+          <p:cNvSpPr txBox="1"/>
+          <p:nvPr/>
+        </p:nvSpPr>
+        <p:spPr>
+          <a:xfrm>
+            <a:off x="2971971" y="2357027"/>
+            <a:ext cx="749781" cy="276999"/>
+          </a:xfrm>
+          <a:prstGeom prst="rect">
+            <a:avLst/>
+          </a:prstGeom>
+          <a:solidFill>
+            <a:schemeClr val="bg1"/>
+          </a:solidFill>
+        </p:spPr>
+        <p:txBody>
+          <a:bodyPr wrap="square" rtlCol="0">
+            <a:spAutoFit/>
+          </a:bodyPr>
+          <a:lstStyle/>
+          <a:p>
+            <a:pPr algn="ctr"/>
+            <a:r>
+              <a:rPr lang="es-CL" sz="1200" dirty="0">
+                <a:latin typeface="Arial" panose="020B0604020202020204" pitchFamily="34" charset="0"/>
+                <a:cs typeface="Arial" panose="020B0604020202020204" pitchFamily="34" charset="0"/>
+              </a:rPr>
+              <a:t>0.106***</a:t>
+            </a:r>
+          </a:p>
+        </p:txBody>
+      </p:sp>
+      <p:sp>
+        <p:nvSpPr>
+          <p:cNvPr id="96" name="CuadroTexto 95">
+            <a:extLst>
+              <a:ext uri="{FF2B5EF4-FFF2-40B4-BE49-F238E27FC236}">
+                <a16:creationId xmlns:a16="http://schemas.microsoft.com/office/drawing/2014/main" id="{EF8126BC-6E74-2C8D-3080-18F83D995809}"/>
+              </a:ext>
+            </a:extLst>
+          </p:cNvPr>
+          <p:cNvSpPr txBox="1"/>
+          <p:nvPr/>
+        </p:nvSpPr>
+        <p:spPr>
+          <a:xfrm>
+            <a:off x="1044847" y="3177734"/>
+            <a:ext cx="804186" cy="276999"/>
+          </a:xfrm>
+          <a:prstGeom prst="rect">
+            <a:avLst/>
+          </a:prstGeom>
+          <a:solidFill>
+            <a:schemeClr val="bg1"/>
+          </a:solidFill>
+        </p:spPr>
+        <p:txBody>
+          <a:bodyPr wrap="square" rtlCol="0">
+            <a:spAutoFit/>
+          </a:bodyPr>
+          <a:lstStyle/>
+          <a:p>
+            <a:pPr algn="ctr"/>
+            <a:r>
+              <a:rPr lang="es-CL" sz="1200" dirty="0">
+                <a:latin typeface="Arial" panose="020B0604020202020204" pitchFamily="34" charset="0"/>
+                <a:cs typeface="Arial" panose="020B0604020202020204" pitchFamily="34" charset="0"/>
+              </a:rPr>
+              <a:t>-0.233***</a:t>
+            </a:r>
+          </a:p>
+        </p:txBody>
+      </p:sp>
+      <p:sp>
+        <p:nvSpPr>
+          <p:cNvPr id="97" name="CuadroTexto 96">
+            <a:extLst>
+              <a:ext uri="{FF2B5EF4-FFF2-40B4-BE49-F238E27FC236}">
+                <a16:creationId xmlns:a16="http://schemas.microsoft.com/office/drawing/2014/main" id="{DA613165-2977-E213-7878-F54660B95915}"/>
+              </a:ext>
+            </a:extLst>
+          </p:cNvPr>
+          <p:cNvSpPr txBox="1"/>
+          <p:nvPr/>
+        </p:nvSpPr>
+        <p:spPr>
+          <a:xfrm>
+            <a:off x="2855993" y="4089873"/>
+            <a:ext cx="865759" cy="276999"/>
+          </a:xfrm>
+          <a:prstGeom prst="rect">
+            <a:avLst/>
+          </a:prstGeom>
+          <a:solidFill>
+            <a:schemeClr val="bg1"/>
+          </a:solidFill>
+        </p:spPr>
+        <p:txBody>
+          <a:bodyPr wrap="square" rtlCol="0">
+            <a:spAutoFit/>
+          </a:bodyPr>
+          <a:lstStyle/>
+          <a:p>
+            <a:pPr algn="ctr"/>
+            <a:r>
+              <a:rPr lang="es-CL" sz="1200" dirty="0">
+                <a:latin typeface="Arial" panose="020B0604020202020204" pitchFamily="34" charset="0"/>
+                <a:cs typeface="Arial" panose="020B0604020202020204" pitchFamily="34" charset="0"/>
+              </a:rPr>
+              <a:t>-0.259***</a:t>
+            </a:r>
+          </a:p>
+        </p:txBody>
+      </p:sp>
+      <p:sp>
+        <p:nvSpPr>
+          <p:cNvPr id="101" name="Título 100">
+            <a:extLst>
+              <a:ext uri="{FF2B5EF4-FFF2-40B4-BE49-F238E27FC236}">
+                <a16:creationId xmlns:a16="http://schemas.microsoft.com/office/drawing/2014/main" id="{2C3D7774-2624-BD3E-AEC0-BA14A6184925}"/>
+              </a:ext>
+            </a:extLst>
+          </p:cNvPr>
+          <p:cNvSpPr>
+            <a:spLocks noGrp="1"/>
+          </p:cNvSpPr>
+          <p:nvPr>
+            <p:ph type="title"/>
+          </p:nvPr>
+        </p:nvSpPr>
+        <p:spPr>
+          <a:xfrm>
+            <a:off x="838200" y="133396"/>
+            <a:ext cx="10515600" cy="401364"/>
+          </a:xfrm>
+        </p:spPr>
+        <p:txBody>
+          <a:bodyPr>
+            <a:noAutofit/>
+          </a:bodyPr>
+          <a:lstStyle/>
+          <a:p>
+            <a:r>
+              <a:rPr lang="es-CL" sz="3200" dirty="0" err="1">
+                <a:latin typeface="Arial" panose="020B0604020202020204" pitchFamily="34" charset="0"/>
+                <a:cs typeface="Arial" panose="020B0604020202020204" pitchFamily="34" charset="0"/>
+              </a:rPr>
+              <a:t>Three</a:t>
+            </a:r>
+            <a:r>
+              <a:rPr lang="es-CL" sz="3200" dirty="0">
+                <a:latin typeface="Arial" panose="020B0604020202020204" pitchFamily="34" charset="0"/>
+                <a:cs typeface="Arial" panose="020B0604020202020204" pitchFamily="34" charset="0"/>
+              </a:rPr>
+              <a:t> </a:t>
+            </a:r>
+            <a:r>
+              <a:rPr lang="es-CL" sz="3200" dirty="0" err="1">
+                <a:latin typeface="Arial" panose="020B0604020202020204" pitchFamily="34" charset="0"/>
+                <a:cs typeface="Arial" panose="020B0604020202020204" pitchFamily="34" charset="0"/>
+              </a:rPr>
+              <a:t>items</a:t>
+            </a:r>
+            <a:r>
+              <a:rPr lang="es-CL" sz="3200" dirty="0">
+                <a:latin typeface="Arial" panose="020B0604020202020204" pitchFamily="34" charset="0"/>
+                <a:cs typeface="Arial" panose="020B0604020202020204" pitchFamily="34" charset="0"/>
+              </a:rPr>
+              <a:t> ATD</a:t>
+            </a:r>
+          </a:p>
+        </p:txBody>
+      </p:sp>
+    </p:spTree>
+    <p:extLst>
+      <p:ext uri="{BB962C8B-B14F-4D97-AF65-F5344CB8AC3E}">
+        <p14:creationId xmlns:p14="http://schemas.microsoft.com/office/powerpoint/2010/main" val="2982308774"/>
+      </p:ext>
+    </p:extLst>
+  </p:cSld>
+  <p:clrMapOvr>
+    <a:masterClrMapping/>
+  </p:clrMapOvr>
+</p:sld>
+</file>
+
+<file path=ppt/slides/slide3.xml><?xml version="1.0" encoding="utf-8"?>
+<p:sld xmlns:a="http://schemas.openxmlformats.org/drawingml/2006/main" xmlns:r="http://schemas.openxmlformats.org/officeDocument/2006/relationships" xmlns:p="http://schemas.openxmlformats.org/presentationml/2006/main">
+  <p:cSld>
+    <p:spTree>
+      <p:nvGrpSpPr>
+        <p:cNvPr id="1" name=""/>
+        <p:cNvGrpSpPr/>
+        <p:nvPr/>
+      </p:nvGrpSpPr>
+      <p:grpSpPr>
+        <a:xfrm>
+          <a:off x="0" y="0"/>
+          <a:ext cx="0" cy="0"/>
+          <a:chOff x="0" y="0"/>
+          <a:chExt cx="0" cy="0"/>
+        </a:xfrm>
+      </p:grpSpPr>
+      <p:sp>
+        <p:nvSpPr>
+          <p:cNvPr id="51" name="Elipse 50">
+            <a:extLst>
+              <a:ext uri="{FF2B5EF4-FFF2-40B4-BE49-F238E27FC236}">
+                <a16:creationId xmlns:a16="http://schemas.microsoft.com/office/drawing/2014/main" id="{B226F6CB-9139-0E7A-53AA-1C86B9E4312C}"/>
+              </a:ext>
+            </a:extLst>
+          </p:cNvPr>
+          <p:cNvSpPr/>
+          <p:nvPr/>
+        </p:nvSpPr>
+        <p:spPr>
+          <a:xfrm>
+            <a:off x="4138516" y="1116529"/>
+            <a:ext cx="914400" cy="914400"/>
+          </a:xfrm>
+          <a:prstGeom prst="ellipse">
+            <a:avLst/>
+          </a:prstGeom>
+          <a:noFill/>
+          <a:ln w="19050">
+            <a:solidFill>
+              <a:schemeClr val="tx1"/>
+            </a:solidFill>
+          </a:ln>
+        </p:spPr>
+        <p:style>
+          <a:lnRef idx="2">
+            <a:schemeClr val="accent1">
+              <a:shade val="50000"/>
+            </a:schemeClr>
+          </a:lnRef>
+          <a:fillRef idx="1">
+            <a:schemeClr val="accent1"/>
+          </a:fillRef>
+          <a:effectRef idx="0">
+            <a:schemeClr val="accent1"/>
+          </a:effectRef>
+          <a:fontRef idx="minor">
+            <a:schemeClr val="lt1"/>
+          </a:fontRef>
+        </p:style>
+        <p:txBody>
+          <a:bodyPr rtlCol="0" anchor="ctr"/>
+          <a:lstStyle/>
+          <a:p>
+            <a:pPr algn="ctr"/>
+            <a:endParaRPr lang="es-CL" b="1"/>
+          </a:p>
+        </p:txBody>
+      </p:sp>
+      <p:sp>
+        <p:nvSpPr>
+          <p:cNvPr id="52" name="CuadroTexto 51">
+            <a:extLst>
+              <a:ext uri="{FF2B5EF4-FFF2-40B4-BE49-F238E27FC236}">
+                <a16:creationId xmlns:a16="http://schemas.microsoft.com/office/drawing/2014/main" id="{0649CE7E-23D9-859F-DEAB-3E4F96798B37}"/>
+              </a:ext>
+            </a:extLst>
+          </p:cNvPr>
+          <p:cNvSpPr txBox="1"/>
+          <p:nvPr/>
+        </p:nvSpPr>
+        <p:spPr>
+          <a:xfrm>
+            <a:off x="4325706" y="1335202"/>
+            <a:ext cx="540020" cy="477054"/>
+          </a:xfrm>
+          <a:prstGeom prst="rect">
+            <a:avLst/>
+          </a:prstGeom>
+          <a:noFill/>
+        </p:spPr>
+        <p:txBody>
+          <a:bodyPr wrap="none" rtlCol="0">
+            <a:spAutoFit/>
+          </a:bodyPr>
+          <a:lstStyle/>
+          <a:p>
+            <a:pPr algn="ctr"/>
+            <a:r>
+              <a:rPr lang="es-CL" sz="1400" b="1" dirty="0">
+                <a:latin typeface="Arial" panose="020B0604020202020204" pitchFamily="34" charset="0"/>
+                <a:cs typeface="Arial" panose="020B0604020202020204" pitchFamily="34" charset="0"/>
+              </a:rPr>
+              <a:t>ATD</a:t>
+            </a:r>
+          </a:p>
+          <a:p>
+            <a:pPr algn="ctr"/>
+            <a:r>
+              <a:rPr lang="es-CL" sz="1100" b="1" dirty="0">
+                <a:latin typeface="Arial" panose="020B0604020202020204" pitchFamily="34" charset="0"/>
+                <a:cs typeface="Arial" panose="020B0604020202020204" pitchFamily="34" charset="0"/>
+              </a:rPr>
+              <a:t>T-1</a:t>
+            </a:r>
+          </a:p>
+        </p:txBody>
+      </p:sp>
+      <p:sp>
+        <p:nvSpPr>
+          <p:cNvPr id="53" name="Elipse 52">
+            <a:extLst>
+              <a:ext uri="{FF2B5EF4-FFF2-40B4-BE49-F238E27FC236}">
+                <a16:creationId xmlns:a16="http://schemas.microsoft.com/office/drawing/2014/main" id="{E434A601-811B-6982-FF0E-1214C12FF74A}"/>
+              </a:ext>
+            </a:extLst>
+          </p:cNvPr>
+          <p:cNvSpPr/>
+          <p:nvPr/>
+        </p:nvSpPr>
+        <p:spPr>
+          <a:xfrm>
+            <a:off x="7120743" y="1116529"/>
+            <a:ext cx="914400" cy="914400"/>
+          </a:xfrm>
+          <a:prstGeom prst="ellipse">
+            <a:avLst/>
+          </a:prstGeom>
+          <a:noFill/>
+          <a:ln w="19050">
+            <a:solidFill>
+              <a:schemeClr val="tx1"/>
+            </a:solidFill>
+          </a:ln>
+        </p:spPr>
+        <p:style>
+          <a:lnRef idx="2">
+            <a:schemeClr val="accent1">
+              <a:shade val="50000"/>
+            </a:schemeClr>
+          </a:lnRef>
+          <a:fillRef idx="1">
+            <a:schemeClr val="accent1"/>
+          </a:fillRef>
+          <a:effectRef idx="0">
+            <a:schemeClr val="accent1"/>
+          </a:effectRef>
+          <a:fontRef idx="minor">
+            <a:schemeClr val="lt1"/>
+          </a:fontRef>
+        </p:style>
+        <p:txBody>
+          <a:bodyPr rtlCol="0" anchor="ctr"/>
+          <a:lstStyle/>
+          <a:p>
+            <a:pPr algn="ctr"/>
+            <a:endParaRPr lang="es-CL" b="1"/>
+          </a:p>
+        </p:txBody>
+      </p:sp>
+      <p:sp>
+        <p:nvSpPr>
+          <p:cNvPr id="54" name="CuadroTexto 53">
+            <a:extLst>
+              <a:ext uri="{FF2B5EF4-FFF2-40B4-BE49-F238E27FC236}">
+                <a16:creationId xmlns:a16="http://schemas.microsoft.com/office/drawing/2014/main" id="{BD8C1EAD-9FF5-4BA9-FFE4-F1AEC58912F7}"/>
+              </a:ext>
+            </a:extLst>
+          </p:cNvPr>
+          <p:cNvSpPr txBox="1"/>
+          <p:nvPr/>
+        </p:nvSpPr>
+        <p:spPr>
+          <a:xfrm>
+            <a:off x="7307933" y="1335202"/>
+            <a:ext cx="540020" cy="477054"/>
+          </a:xfrm>
+          <a:prstGeom prst="rect">
+            <a:avLst/>
+          </a:prstGeom>
+          <a:noFill/>
+        </p:spPr>
+        <p:txBody>
+          <a:bodyPr wrap="none" rtlCol="0">
+            <a:spAutoFit/>
+          </a:bodyPr>
+          <a:lstStyle/>
+          <a:p>
+            <a:pPr algn="ctr"/>
+            <a:r>
+              <a:rPr lang="es-CL" sz="1400" b="1" dirty="0">
+                <a:latin typeface="Arial" panose="020B0604020202020204" pitchFamily="34" charset="0"/>
+                <a:cs typeface="Arial" panose="020B0604020202020204" pitchFamily="34" charset="0"/>
+              </a:rPr>
+              <a:t>ATD</a:t>
+            </a:r>
+          </a:p>
+          <a:p>
+            <a:pPr algn="ctr"/>
+            <a:r>
+              <a:rPr lang="es-CL" sz="1100" b="1" dirty="0">
+                <a:latin typeface="Arial" panose="020B0604020202020204" pitchFamily="34" charset="0"/>
+                <a:cs typeface="Arial" panose="020B0604020202020204" pitchFamily="34" charset="0"/>
+              </a:rPr>
+              <a:t>T</a:t>
+            </a:r>
+          </a:p>
+        </p:txBody>
+      </p:sp>
+      <p:sp>
+        <p:nvSpPr>
+          <p:cNvPr id="55" name="Elipse 54">
+            <a:extLst>
+              <a:ext uri="{FF2B5EF4-FFF2-40B4-BE49-F238E27FC236}">
+                <a16:creationId xmlns:a16="http://schemas.microsoft.com/office/drawing/2014/main" id="{D68F5345-BA0C-5EB2-D514-AEFFFDA16A44}"/>
+              </a:ext>
+            </a:extLst>
+          </p:cNvPr>
+          <p:cNvSpPr/>
+          <p:nvPr/>
+        </p:nvSpPr>
+        <p:spPr>
+          <a:xfrm>
+            <a:off x="10108034" y="1116529"/>
+            <a:ext cx="914400" cy="914400"/>
+          </a:xfrm>
+          <a:prstGeom prst="ellipse">
+            <a:avLst/>
+          </a:prstGeom>
+          <a:noFill/>
+          <a:ln w="19050">
+            <a:solidFill>
+              <a:schemeClr val="tx1"/>
+            </a:solidFill>
+          </a:ln>
+        </p:spPr>
+        <p:style>
+          <a:lnRef idx="2">
+            <a:schemeClr val="accent1">
+              <a:shade val="50000"/>
+            </a:schemeClr>
+          </a:lnRef>
+          <a:fillRef idx="1">
+            <a:schemeClr val="accent1"/>
+          </a:fillRef>
+          <a:effectRef idx="0">
+            <a:schemeClr val="accent1"/>
+          </a:effectRef>
+          <a:fontRef idx="minor">
+            <a:schemeClr val="lt1"/>
+          </a:fontRef>
+        </p:style>
+        <p:txBody>
+          <a:bodyPr rtlCol="0" anchor="ctr"/>
+          <a:lstStyle/>
+          <a:p>
+            <a:pPr algn="ctr"/>
+            <a:endParaRPr lang="es-CL" b="1"/>
+          </a:p>
+        </p:txBody>
+      </p:sp>
+      <p:sp>
+        <p:nvSpPr>
+          <p:cNvPr id="56" name="CuadroTexto 55">
+            <a:extLst>
+              <a:ext uri="{FF2B5EF4-FFF2-40B4-BE49-F238E27FC236}">
+                <a16:creationId xmlns:a16="http://schemas.microsoft.com/office/drawing/2014/main" id="{DB188656-6B00-0B1E-0CDD-FBC95947E5EF}"/>
+              </a:ext>
+            </a:extLst>
+          </p:cNvPr>
+          <p:cNvSpPr txBox="1"/>
+          <p:nvPr/>
+        </p:nvSpPr>
+        <p:spPr>
+          <a:xfrm>
+            <a:off x="10295224" y="1335202"/>
+            <a:ext cx="540020" cy="477054"/>
+          </a:xfrm>
+          <a:prstGeom prst="rect">
+            <a:avLst/>
+          </a:prstGeom>
+          <a:noFill/>
+        </p:spPr>
+        <p:txBody>
+          <a:bodyPr wrap="none" rtlCol="0">
+            <a:spAutoFit/>
+          </a:bodyPr>
+          <a:lstStyle/>
+          <a:p>
+            <a:pPr algn="ctr"/>
+            <a:r>
+              <a:rPr lang="es-CL" sz="1400" b="1" dirty="0">
+                <a:latin typeface="Arial" panose="020B0604020202020204" pitchFamily="34" charset="0"/>
+                <a:cs typeface="Arial" panose="020B0604020202020204" pitchFamily="34" charset="0"/>
+              </a:rPr>
+              <a:t>ATD</a:t>
+            </a:r>
+          </a:p>
+          <a:p>
+            <a:pPr algn="ctr"/>
+            <a:r>
+              <a:rPr lang="es-CL" sz="1100" b="1" dirty="0">
+                <a:latin typeface="Arial" panose="020B0604020202020204" pitchFamily="34" charset="0"/>
+                <a:cs typeface="Arial" panose="020B0604020202020204" pitchFamily="34" charset="0"/>
+              </a:rPr>
+              <a:t>T+1</a:t>
+            </a:r>
+          </a:p>
+        </p:txBody>
+      </p:sp>
+      <p:sp>
+        <p:nvSpPr>
+          <p:cNvPr id="57" name="Elipse 56">
+            <a:extLst>
+              <a:ext uri="{FF2B5EF4-FFF2-40B4-BE49-F238E27FC236}">
+                <a16:creationId xmlns:a16="http://schemas.microsoft.com/office/drawing/2014/main" id="{37F50F82-416B-BB24-09C4-0BC45CEB104C}"/>
+              </a:ext>
+            </a:extLst>
+          </p:cNvPr>
+          <p:cNvSpPr/>
+          <p:nvPr/>
+        </p:nvSpPr>
+        <p:spPr>
+          <a:xfrm>
+            <a:off x="4138516" y="2849374"/>
+            <a:ext cx="914400" cy="914400"/>
+          </a:xfrm>
+          <a:prstGeom prst="ellipse">
+            <a:avLst/>
+          </a:prstGeom>
+          <a:noFill/>
+          <a:ln w="19050">
+            <a:solidFill>
+              <a:schemeClr val="tx1"/>
+            </a:solidFill>
+          </a:ln>
+        </p:spPr>
+        <p:style>
+          <a:lnRef idx="2">
+            <a:schemeClr val="accent1">
+              <a:shade val="50000"/>
+            </a:schemeClr>
+          </a:lnRef>
+          <a:fillRef idx="1">
+            <a:schemeClr val="accent1"/>
+          </a:fillRef>
+          <a:effectRef idx="0">
+            <a:schemeClr val="accent1"/>
+          </a:effectRef>
+          <a:fontRef idx="minor">
+            <a:schemeClr val="lt1"/>
+          </a:fontRef>
+        </p:style>
+        <p:txBody>
+          <a:bodyPr rtlCol="0" anchor="ctr"/>
+          <a:lstStyle/>
+          <a:p>
+            <a:pPr algn="ctr"/>
+            <a:endParaRPr lang="es-CL" b="1"/>
+          </a:p>
+        </p:txBody>
+      </p:sp>
+      <p:sp>
+        <p:nvSpPr>
+          <p:cNvPr id="58" name="CuadroTexto 57">
+            <a:extLst>
+              <a:ext uri="{FF2B5EF4-FFF2-40B4-BE49-F238E27FC236}">
+                <a16:creationId xmlns:a16="http://schemas.microsoft.com/office/drawing/2014/main" id="{A0DFBACC-1075-67AD-AA59-FB88AFD63669}"/>
+              </a:ext>
+            </a:extLst>
+          </p:cNvPr>
+          <p:cNvSpPr txBox="1"/>
+          <p:nvPr/>
+        </p:nvSpPr>
+        <p:spPr>
+          <a:xfrm>
+            <a:off x="4313428" y="3068047"/>
+            <a:ext cx="564578" cy="477054"/>
+          </a:xfrm>
+          <a:prstGeom prst="rect">
+            <a:avLst/>
+          </a:prstGeom>
+          <a:noFill/>
+        </p:spPr>
+        <p:txBody>
+          <a:bodyPr wrap="none" rtlCol="0">
+            <a:spAutoFit/>
+          </a:bodyPr>
+          <a:lstStyle/>
+          <a:p>
+            <a:pPr algn="ctr"/>
+            <a:r>
+              <a:rPr lang="es-CL" sz="1400" b="1" dirty="0">
+                <a:latin typeface="Arial" panose="020B0604020202020204" pitchFamily="34" charset="0"/>
+                <a:cs typeface="Arial" panose="020B0604020202020204" pitchFamily="34" charset="0"/>
+              </a:rPr>
+              <a:t>PCA</a:t>
+            </a:r>
+          </a:p>
+          <a:p>
+            <a:pPr algn="ctr"/>
+            <a:r>
+              <a:rPr lang="es-CL" sz="1100" b="1" dirty="0">
+                <a:latin typeface="Arial" panose="020B0604020202020204" pitchFamily="34" charset="0"/>
+                <a:cs typeface="Arial" panose="020B0604020202020204" pitchFamily="34" charset="0"/>
+              </a:rPr>
+              <a:t>T-1</a:t>
+            </a:r>
+          </a:p>
+        </p:txBody>
+      </p:sp>
+      <p:sp>
+        <p:nvSpPr>
+          <p:cNvPr id="59" name="Elipse 58">
+            <a:extLst>
+              <a:ext uri="{FF2B5EF4-FFF2-40B4-BE49-F238E27FC236}">
+                <a16:creationId xmlns:a16="http://schemas.microsoft.com/office/drawing/2014/main" id="{A82252EE-8D14-DD08-BC99-0391FEB28D93}"/>
+              </a:ext>
+            </a:extLst>
+          </p:cNvPr>
+          <p:cNvSpPr/>
+          <p:nvPr/>
+        </p:nvSpPr>
+        <p:spPr>
+          <a:xfrm>
+            <a:off x="7120743" y="2849374"/>
+            <a:ext cx="914400" cy="914400"/>
+          </a:xfrm>
+          <a:prstGeom prst="ellipse">
+            <a:avLst/>
+          </a:prstGeom>
+          <a:noFill/>
+          <a:ln w="19050">
+            <a:solidFill>
+              <a:schemeClr val="tx1"/>
+            </a:solidFill>
+          </a:ln>
+        </p:spPr>
+        <p:style>
+          <a:lnRef idx="2">
+            <a:schemeClr val="accent1">
+              <a:shade val="50000"/>
+            </a:schemeClr>
+          </a:lnRef>
+          <a:fillRef idx="1">
+            <a:schemeClr val="accent1"/>
+          </a:fillRef>
+          <a:effectRef idx="0">
+            <a:schemeClr val="accent1"/>
+          </a:effectRef>
+          <a:fontRef idx="minor">
+            <a:schemeClr val="lt1"/>
+          </a:fontRef>
+        </p:style>
+        <p:txBody>
+          <a:bodyPr rtlCol="0" anchor="ctr"/>
+          <a:lstStyle/>
+          <a:p>
+            <a:pPr algn="ctr"/>
+            <a:endParaRPr lang="es-CL" b="1"/>
+          </a:p>
+        </p:txBody>
+      </p:sp>
+      <p:sp>
+        <p:nvSpPr>
+          <p:cNvPr id="60" name="CuadroTexto 59">
+            <a:extLst>
+              <a:ext uri="{FF2B5EF4-FFF2-40B4-BE49-F238E27FC236}">
+                <a16:creationId xmlns:a16="http://schemas.microsoft.com/office/drawing/2014/main" id="{094F82F9-901B-F7EE-3B9D-283E0A8D061F}"/>
+              </a:ext>
+            </a:extLst>
+          </p:cNvPr>
+          <p:cNvSpPr txBox="1"/>
+          <p:nvPr/>
+        </p:nvSpPr>
+        <p:spPr>
+          <a:xfrm>
+            <a:off x="7295653" y="3068047"/>
+            <a:ext cx="564578" cy="477054"/>
+          </a:xfrm>
+          <a:prstGeom prst="rect">
+            <a:avLst/>
+          </a:prstGeom>
+          <a:noFill/>
+        </p:spPr>
+        <p:txBody>
+          <a:bodyPr wrap="none" rtlCol="0">
+            <a:spAutoFit/>
+          </a:bodyPr>
+          <a:lstStyle/>
+          <a:p>
+            <a:pPr algn="ctr"/>
+            <a:r>
+              <a:rPr lang="es-CL" sz="1400" b="1" dirty="0">
+                <a:latin typeface="Arial" panose="020B0604020202020204" pitchFamily="34" charset="0"/>
+                <a:cs typeface="Arial" panose="020B0604020202020204" pitchFamily="34" charset="0"/>
+              </a:rPr>
+              <a:t>PCA</a:t>
+            </a:r>
+          </a:p>
+          <a:p>
+            <a:pPr algn="ctr"/>
+            <a:r>
+              <a:rPr lang="es-CL" sz="1100" b="1" dirty="0">
+                <a:latin typeface="Arial" panose="020B0604020202020204" pitchFamily="34" charset="0"/>
+                <a:cs typeface="Arial" panose="020B0604020202020204" pitchFamily="34" charset="0"/>
+              </a:rPr>
+              <a:t>T</a:t>
+            </a:r>
+          </a:p>
+        </p:txBody>
+      </p:sp>
+      <p:sp>
+        <p:nvSpPr>
+          <p:cNvPr id="61" name="Elipse 60">
+            <a:extLst>
+              <a:ext uri="{FF2B5EF4-FFF2-40B4-BE49-F238E27FC236}">
+                <a16:creationId xmlns:a16="http://schemas.microsoft.com/office/drawing/2014/main" id="{F8522C4B-9F74-AE49-51ED-4DCF56C051DA}"/>
+              </a:ext>
+            </a:extLst>
+          </p:cNvPr>
+          <p:cNvSpPr/>
+          <p:nvPr/>
+        </p:nvSpPr>
+        <p:spPr>
+          <a:xfrm>
+            <a:off x="10108034" y="2849374"/>
+            <a:ext cx="914400" cy="914400"/>
+          </a:xfrm>
+          <a:prstGeom prst="ellipse">
+            <a:avLst/>
+          </a:prstGeom>
+          <a:noFill/>
+          <a:ln w="19050">
+            <a:solidFill>
+              <a:schemeClr val="tx1"/>
+            </a:solidFill>
+          </a:ln>
+        </p:spPr>
+        <p:style>
+          <a:lnRef idx="2">
+            <a:schemeClr val="accent1">
+              <a:shade val="50000"/>
+            </a:schemeClr>
+          </a:lnRef>
+          <a:fillRef idx="1">
+            <a:schemeClr val="accent1"/>
+          </a:fillRef>
+          <a:effectRef idx="0">
+            <a:schemeClr val="accent1"/>
+          </a:effectRef>
+          <a:fontRef idx="minor">
+            <a:schemeClr val="lt1"/>
+          </a:fontRef>
+        </p:style>
+        <p:txBody>
+          <a:bodyPr rtlCol="0" anchor="ctr"/>
+          <a:lstStyle/>
+          <a:p>
+            <a:pPr algn="ctr"/>
+            <a:endParaRPr lang="es-CL" b="1"/>
+          </a:p>
+        </p:txBody>
+      </p:sp>
+      <p:sp>
+        <p:nvSpPr>
+          <p:cNvPr id="62" name="CuadroTexto 61">
+            <a:extLst>
+              <a:ext uri="{FF2B5EF4-FFF2-40B4-BE49-F238E27FC236}">
+                <a16:creationId xmlns:a16="http://schemas.microsoft.com/office/drawing/2014/main" id="{6612253E-3E9A-79F3-33A3-264A0D4BE9C9}"/>
+              </a:ext>
+            </a:extLst>
+          </p:cNvPr>
+          <p:cNvSpPr txBox="1"/>
+          <p:nvPr/>
+        </p:nvSpPr>
+        <p:spPr>
+          <a:xfrm>
+            <a:off x="10282945" y="3068047"/>
+            <a:ext cx="564578" cy="477054"/>
+          </a:xfrm>
+          <a:prstGeom prst="rect">
+            <a:avLst/>
+          </a:prstGeom>
+          <a:noFill/>
+        </p:spPr>
+        <p:txBody>
+          <a:bodyPr wrap="none" rtlCol="0">
+            <a:spAutoFit/>
+          </a:bodyPr>
+          <a:lstStyle/>
+          <a:p>
+            <a:pPr algn="ctr"/>
+            <a:r>
+              <a:rPr lang="es-CL" sz="1400" b="1" dirty="0">
+                <a:latin typeface="Arial" panose="020B0604020202020204" pitchFamily="34" charset="0"/>
+                <a:cs typeface="Arial" panose="020B0604020202020204" pitchFamily="34" charset="0"/>
+              </a:rPr>
+              <a:t>PCA</a:t>
+            </a:r>
+          </a:p>
+          <a:p>
+            <a:pPr algn="ctr"/>
+            <a:r>
+              <a:rPr lang="es-CL" sz="1100" b="1" dirty="0">
+                <a:latin typeface="Arial" panose="020B0604020202020204" pitchFamily="34" charset="0"/>
+                <a:cs typeface="Arial" panose="020B0604020202020204" pitchFamily="34" charset="0"/>
+              </a:rPr>
+              <a:t>T+1</a:t>
+            </a:r>
+          </a:p>
+        </p:txBody>
+      </p:sp>
+      <p:sp>
+        <p:nvSpPr>
+          <p:cNvPr id="63" name="Elipse 62">
+            <a:extLst>
+              <a:ext uri="{FF2B5EF4-FFF2-40B4-BE49-F238E27FC236}">
+                <a16:creationId xmlns:a16="http://schemas.microsoft.com/office/drawing/2014/main" id="{191BE3BC-930D-65EA-73DC-D2FD687B7D12}"/>
+              </a:ext>
+            </a:extLst>
+          </p:cNvPr>
+          <p:cNvSpPr/>
+          <p:nvPr/>
+        </p:nvSpPr>
+        <p:spPr>
+          <a:xfrm>
+            <a:off x="4138516" y="4582219"/>
+            <a:ext cx="914400" cy="914400"/>
+          </a:xfrm>
+          <a:prstGeom prst="ellipse">
+            <a:avLst/>
+          </a:prstGeom>
+          <a:noFill/>
+          <a:ln w="19050">
+            <a:solidFill>
+              <a:schemeClr val="tx1"/>
+            </a:solidFill>
+          </a:ln>
+        </p:spPr>
+        <p:style>
+          <a:lnRef idx="2">
+            <a:schemeClr val="accent1">
+              <a:shade val="50000"/>
+            </a:schemeClr>
+          </a:lnRef>
+          <a:fillRef idx="1">
+            <a:schemeClr val="accent1"/>
+          </a:fillRef>
+          <a:effectRef idx="0">
+            <a:schemeClr val="accent1"/>
+          </a:effectRef>
+          <a:fontRef idx="minor">
+            <a:schemeClr val="lt1"/>
+          </a:fontRef>
+        </p:style>
+        <p:txBody>
+          <a:bodyPr rtlCol="0" anchor="ctr"/>
+          <a:lstStyle/>
+          <a:p>
+            <a:pPr algn="ctr"/>
+            <a:endParaRPr lang="es-CL" b="1"/>
+          </a:p>
+        </p:txBody>
+      </p:sp>
+      <p:sp>
+        <p:nvSpPr>
+          <p:cNvPr id="64" name="CuadroTexto 63">
+            <a:extLst>
+              <a:ext uri="{FF2B5EF4-FFF2-40B4-BE49-F238E27FC236}">
+                <a16:creationId xmlns:a16="http://schemas.microsoft.com/office/drawing/2014/main" id="{C6682292-3028-F9FD-A3EA-2AE61F8B87B3}"/>
+              </a:ext>
+            </a:extLst>
+          </p:cNvPr>
+          <p:cNvSpPr txBox="1"/>
+          <p:nvPr/>
+        </p:nvSpPr>
+        <p:spPr>
+          <a:xfrm>
+            <a:off x="4295153" y="4800892"/>
+            <a:ext cx="601127" cy="477054"/>
+          </a:xfrm>
+          <a:prstGeom prst="rect">
+            <a:avLst/>
+          </a:prstGeom>
+          <a:noFill/>
+        </p:spPr>
+        <p:txBody>
+          <a:bodyPr wrap="none" rtlCol="0">
+            <a:spAutoFit/>
+          </a:bodyPr>
+          <a:lstStyle/>
+          <a:p>
+            <a:pPr algn="ctr"/>
+            <a:r>
+              <a:rPr lang="es-CL" sz="1400" b="1" dirty="0">
+                <a:latin typeface="Arial" panose="020B0604020202020204" pitchFamily="34" charset="0"/>
+                <a:cs typeface="Arial" panose="020B0604020202020204" pitchFamily="34" charset="0"/>
+              </a:rPr>
+              <a:t>RWA</a:t>
+            </a:r>
+          </a:p>
+          <a:p>
+            <a:pPr algn="ctr"/>
+            <a:r>
+              <a:rPr lang="es-CL" sz="1100" b="1" dirty="0">
+                <a:latin typeface="Arial" panose="020B0604020202020204" pitchFamily="34" charset="0"/>
+                <a:cs typeface="Arial" panose="020B0604020202020204" pitchFamily="34" charset="0"/>
+              </a:rPr>
+              <a:t>T-1</a:t>
+            </a:r>
+          </a:p>
+        </p:txBody>
+      </p:sp>
+      <p:sp>
+        <p:nvSpPr>
+          <p:cNvPr id="65" name="Elipse 64">
+            <a:extLst>
+              <a:ext uri="{FF2B5EF4-FFF2-40B4-BE49-F238E27FC236}">
+                <a16:creationId xmlns:a16="http://schemas.microsoft.com/office/drawing/2014/main" id="{B94E58A3-3BEE-9A59-F194-666334799E5B}"/>
+              </a:ext>
+            </a:extLst>
+          </p:cNvPr>
+          <p:cNvSpPr/>
+          <p:nvPr/>
+        </p:nvSpPr>
+        <p:spPr>
+          <a:xfrm>
+            <a:off x="7120743" y="4582219"/>
+            <a:ext cx="914400" cy="914400"/>
+          </a:xfrm>
+          <a:prstGeom prst="ellipse">
+            <a:avLst/>
+          </a:prstGeom>
+          <a:noFill/>
+          <a:ln w="19050">
+            <a:solidFill>
+              <a:schemeClr val="tx1"/>
+            </a:solidFill>
+          </a:ln>
+        </p:spPr>
+        <p:style>
+          <a:lnRef idx="2">
+            <a:schemeClr val="accent1">
+              <a:shade val="50000"/>
+            </a:schemeClr>
+          </a:lnRef>
+          <a:fillRef idx="1">
+            <a:schemeClr val="accent1"/>
+          </a:fillRef>
+          <a:effectRef idx="0">
+            <a:schemeClr val="accent1"/>
+          </a:effectRef>
+          <a:fontRef idx="minor">
+            <a:schemeClr val="lt1"/>
+          </a:fontRef>
+        </p:style>
+        <p:txBody>
+          <a:bodyPr rtlCol="0" anchor="ctr"/>
+          <a:lstStyle/>
+          <a:p>
+            <a:pPr algn="ctr"/>
+            <a:endParaRPr lang="es-CL" b="1"/>
+          </a:p>
+        </p:txBody>
+      </p:sp>
+      <p:sp>
+        <p:nvSpPr>
+          <p:cNvPr id="66" name="CuadroTexto 65">
+            <a:extLst>
+              <a:ext uri="{FF2B5EF4-FFF2-40B4-BE49-F238E27FC236}">
+                <a16:creationId xmlns:a16="http://schemas.microsoft.com/office/drawing/2014/main" id="{9E6D15FE-CF3D-E2DC-A78A-5687933DB5E3}"/>
+              </a:ext>
+            </a:extLst>
+          </p:cNvPr>
+          <p:cNvSpPr txBox="1"/>
+          <p:nvPr/>
+        </p:nvSpPr>
+        <p:spPr>
+          <a:xfrm>
+            <a:off x="7277379" y="4800892"/>
+            <a:ext cx="601127" cy="477054"/>
+          </a:xfrm>
+          <a:prstGeom prst="rect">
+            <a:avLst/>
+          </a:prstGeom>
+          <a:noFill/>
+        </p:spPr>
+        <p:txBody>
+          <a:bodyPr wrap="none" rtlCol="0">
+            <a:spAutoFit/>
+          </a:bodyPr>
+          <a:lstStyle/>
+          <a:p>
+            <a:pPr algn="ctr"/>
+            <a:r>
+              <a:rPr lang="es-CL" sz="1400" b="1" dirty="0">
+                <a:latin typeface="Arial" panose="020B0604020202020204" pitchFamily="34" charset="0"/>
+                <a:cs typeface="Arial" panose="020B0604020202020204" pitchFamily="34" charset="0"/>
+              </a:rPr>
+              <a:t>RWA</a:t>
+            </a:r>
+          </a:p>
+          <a:p>
+            <a:pPr algn="ctr"/>
+            <a:r>
+              <a:rPr lang="es-CL" sz="1100" b="1" dirty="0">
+                <a:latin typeface="Arial" panose="020B0604020202020204" pitchFamily="34" charset="0"/>
+                <a:cs typeface="Arial" panose="020B0604020202020204" pitchFamily="34" charset="0"/>
+              </a:rPr>
+              <a:t>T</a:t>
+            </a:r>
+          </a:p>
+        </p:txBody>
+      </p:sp>
+      <p:sp>
+        <p:nvSpPr>
+          <p:cNvPr id="67" name="Elipse 66">
+            <a:extLst>
+              <a:ext uri="{FF2B5EF4-FFF2-40B4-BE49-F238E27FC236}">
+                <a16:creationId xmlns:a16="http://schemas.microsoft.com/office/drawing/2014/main" id="{CF4CB687-83C6-8E1C-820E-E4C2AA7D971D}"/>
+              </a:ext>
+            </a:extLst>
+          </p:cNvPr>
+          <p:cNvSpPr/>
+          <p:nvPr/>
+        </p:nvSpPr>
+        <p:spPr>
+          <a:xfrm>
+            <a:off x="10108034" y="4582219"/>
+            <a:ext cx="914400" cy="914400"/>
+          </a:xfrm>
+          <a:prstGeom prst="ellipse">
+            <a:avLst/>
+          </a:prstGeom>
+          <a:noFill/>
+          <a:ln w="19050">
+            <a:solidFill>
+              <a:schemeClr val="tx1"/>
+            </a:solidFill>
+          </a:ln>
+        </p:spPr>
+        <p:style>
+          <a:lnRef idx="2">
+            <a:schemeClr val="accent1">
+              <a:shade val="50000"/>
+            </a:schemeClr>
+          </a:lnRef>
+          <a:fillRef idx="1">
+            <a:schemeClr val="accent1"/>
+          </a:fillRef>
+          <a:effectRef idx="0">
+            <a:schemeClr val="accent1"/>
+          </a:effectRef>
+          <a:fontRef idx="minor">
+            <a:schemeClr val="lt1"/>
+          </a:fontRef>
+        </p:style>
+        <p:txBody>
+          <a:bodyPr rtlCol="0" anchor="ctr"/>
+          <a:lstStyle/>
+          <a:p>
+            <a:pPr algn="ctr"/>
+            <a:endParaRPr lang="es-CL" b="1"/>
+          </a:p>
+        </p:txBody>
+      </p:sp>
+      <p:sp>
+        <p:nvSpPr>
+          <p:cNvPr id="68" name="CuadroTexto 67">
+            <a:extLst>
+              <a:ext uri="{FF2B5EF4-FFF2-40B4-BE49-F238E27FC236}">
+                <a16:creationId xmlns:a16="http://schemas.microsoft.com/office/drawing/2014/main" id="{F2F65F2C-BDD4-CCB1-86FD-61444987ED69}"/>
+              </a:ext>
+            </a:extLst>
+          </p:cNvPr>
+          <p:cNvSpPr txBox="1"/>
+          <p:nvPr/>
+        </p:nvSpPr>
+        <p:spPr>
+          <a:xfrm>
+            <a:off x="10264671" y="4800892"/>
+            <a:ext cx="601127" cy="477054"/>
+          </a:xfrm>
+          <a:prstGeom prst="rect">
+            <a:avLst/>
+          </a:prstGeom>
+          <a:noFill/>
+        </p:spPr>
+        <p:txBody>
+          <a:bodyPr wrap="none" rtlCol="0">
+            <a:spAutoFit/>
+          </a:bodyPr>
+          <a:lstStyle/>
+          <a:p>
+            <a:pPr algn="ctr"/>
+            <a:r>
+              <a:rPr lang="es-CL" sz="1400" b="1" dirty="0">
+                <a:latin typeface="Arial" panose="020B0604020202020204" pitchFamily="34" charset="0"/>
+                <a:cs typeface="Arial" panose="020B0604020202020204" pitchFamily="34" charset="0"/>
+              </a:rPr>
+              <a:t>RWA</a:t>
+            </a:r>
+          </a:p>
+          <a:p>
+            <a:pPr algn="ctr"/>
+            <a:r>
+              <a:rPr lang="es-CL" sz="1100" b="1" dirty="0">
+                <a:latin typeface="Arial" panose="020B0604020202020204" pitchFamily="34" charset="0"/>
+                <a:cs typeface="Arial" panose="020B0604020202020204" pitchFamily="34" charset="0"/>
+              </a:rPr>
+              <a:t>T+1</a:t>
+            </a:r>
+          </a:p>
+        </p:txBody>
+      </p:sp>
+      <p:sp>
+        <p:nvSpPr>
+          <p:cNvPr id="69" name="TextBox 68">
+            <a:extLst>
+              <a:ext uri="{FF2B5EF4-FFF2-40B4-BE49-F238E27FC236}">
+                <a16:creationId xmlns:a16="http://schemas.microsoft.com/office/drawing/2014/main" id="{EE60A01F-DE78-550B-4FD8-7148919FB159}"/>
+              </a:ext>
+            </a:extLst>
+          </p:cNvPr>
+          <p:cNvSpPr txBox="1"/>
+          <p:nvPr/>
+        </p:nvSpPr>
+        <p:spPr>
+          <a:xfrm>
+            <a:off x="980501" y="5962674"/>
+            <a:ext cx="10230998" cy="707886"/>
+          </a:xfrm>
+          <a:prstGeom prst="rect">
+            <a:avLst/>
+          </a:prstGeom>
+          <a:noFill/>
+        </p:spPr>
+        <p:txBody>
+          <a:bodyPr wrap="square" rtlCol="0">
+            <a:spAutoFit/>
+          </a:bodyPr>
+          <a:lstStyle/>
+          <a:p>
+            <a:pPr algn="just"/>
+            <a:r>
+              <a:rPr lang="en-US" sz="1000" dirty="0">
+                <a:latin typeface="Arial" panose="020B0604020202020204" pitchFamily="34" charset="0"/>
+                <a:cs typeface="Arial" panose="020B0604020202020204" pitchFamily="34" charset="0"/>
+              </a:rPr>
+              <a:t>Note: Constrained random intercept cross-lagged panel model (RI-CLPM) of the relationships between Attitudes Toward Democracy (ATD), Participation in Collective Action (PCA) and Right-Wing Authoritarianism (RWA). The model comprises five waves; since it is constrained, three waves are illustrated to optimize space. Coefficients are unstandardized. Grey dotted lines reflect non-significant paths. To ease intelligibility, manifest indicators and contemporaneous residual covariances were excluded from the figure. The indirect effect of ATD over RWA, mediated by PCA, is non-significative. *p&lt;05; **p&lt;.01, ***p&lt;.001.</a:t>
             </a:r>
           </a:p>
         </p:txBody>

--- a/2_output/4_figures_and_tables/Figures.pptx
+++ b/2_output/4_figures_and_tables/Figures.pptx
@@ -5,9 +5,9 @@
     <p:sldMasterId id="2147483648" r:id="rId1"/>
   </p:sldMasterIdLst>
   <p:sldIdLst>
-    <p:sldId id="258" r:id="rId2"/>
-    <p:sldId id="256" r:id="rId3"/>
-    <p:sldId id="257" r:id="rId4"/>
+    <p:sldId id="256" r:id="rId2"/>
+    <p:sldId id="257" r:id="rId3"/>
+    <p:sldId id="258" r:id="rId4"/>
   </p:sldIdLst>
   <p:sldSz cx="12192000" cy="6858000"/>
   <p:notesSz cx="6858000" cy="9144000"/>
@@ -3351,10 +3351,10 @@
       </p:grpSpPr>
       <p:sp>
         <p:nvSpPr>
-          <p:cNvPr id="4" name="Elipse 3">
-            <a:extLst>
-              <a:ext uri="{FF2B5EF4-FFF2-40B4-BE49-F238E27FC236}">
-                <a16:creationId xmlns:a16="http://schemas.microsoft.com/office/drawing/2014/main" id="{A186E137-E6D5-E858-C62C-721EAF54F65C}"/>
+          <p:cNvPr id="51" name="Elipse 50">
+            <a:extLst>
+              <a:ext uri="{FF2B5EF4-FFF2-40B4-BE49-F238E27FC236}">
+                <a16:creationId xmlns:a16="http://schemas.microsoft.com/office/drawing/2014/main" id="{B226F6CB-9139-0E7A-53AA-1C86B9E4312C}"/>
               </a:ext>
             </a:extLst>
           </p:cNvPr>
@@ -3403,10 +3403,10 @@
       </p:sp>
       <p:sp>
         <p:nvSpPr>
-          <p:cNvPr id="5" name="CuadroTexto 4">
-            <a:extLst>
-              <a:ext uri="{FF2B5EF4-FFF2-40B4-BE49-F238E27FC236}">
-                <a16:creationId xmlns:a16="http://schemas.microsoft.com/office/drawing/2014/main" id="{33B2188E-8F41-505D-A2EA-0E7B412F58F6}"/>
+          <p:cNvPr id="52" name="CuadroTexto 51">
+            <a:extLst>
+              <a:ext uri="{FF2B5EF4-FFF2-40B4-BE49-F238E27FC236}">
+                <a16:creationId xmlns:a16="http://schemas.microsoft.com/office/drawing/2014/main" id="{0649CE7E-23D9-859F-DEAB-3E4F96798B37}"/>
               </a:ext>
             </a:extLst>
           </p:cNvPr>
@@ -3452,10 +3452,10 @@
       </p:sp>
       <p:sp>
         <p:nvSpPr>
-          <p:cNvPr id="6" name="Elipse 5">
-            <a:extLst>
-              <a:ext uri="{FF2B5EF4-FFF2-40B4-BE49-F238E27FC236}">
-                <a16:creationId xmlns:a16="http://schemas.microsoft.com/office/drawing/2014/main" id="{BBFD1FC5-8CE0-12EC-F676-B14167B0F49C}"/>
+          <p:cNvPr id="53" name="Elipse 52">
+            <a:extLst>
+              <a:ext uri="{FF2B5EF4-FFF2-40B4-BE49-F238E27FC236}">
+                <a16:creationId xmlns:a16="http://schemas.microsoft.com/office/drawing/2014/main" id="{E434A601-811B-6982-FF0E-1214C12FF74A}"/>
               </a:ext>
             </a:extLst>
           </p:cNvPr>
@@ -3504,10 +3504,10 @@
       </p:sp>
       <p:sp>
         <p:nvSpPr>
-          <p:cNvPr id="7" name="CuadroTexto 6">
-            <a:extLst>
-              <a:ext uri="{FF2B5EF4-FFF2-40B4-BE49-F238E27FC236}">
-                <a16:creationId xmlns:a16="http://schemas.microsoft.com/office/drawing/2014/main" id="{E514379A-5FF7-7C83-59D9-F9B59E115601}"/>
+          <p:cNvPr id="54" name="CuadroTexto 53">
+            <a:extLst>
+              <a:ext uri="{FF2B5EF4-FFF2-40B4-BE49-F238E27FC236}">
+                <a16:creationId xmlns:a16="http://schemas.microsoft.com/office/drawing/2014/main" id="{BD8C1EAD-9FF5-4BA9-FFE4-F1AEC58912F7}"/>
               </a:ext>
             </a:extLst>
           </p:cNvPr>
@@ -3553,10 +3553,10 @@
       </p:sp>
       <p:sp>
         <p:nvSpPr>
-          <p:cNvPr id="8" name="Elipse 7">
-            <a:extLst>
-              <a:ext uri="{FF2B5EF4-FFF2-40B4-BE49-F238E27FC236}">
-                <a16:creationId xmlns:a16="http://schemas.microsoft.com/office/drawing/2014/main" id="{37029DFD-0612-A099-C834-96C90387413B}"/>
+          <p:cNvPr id="55" name="Elipse 54">
+            <a:extLst>
+              <a:ext uri="{FF2B5EF4-FFF2-40B4-BE49-F238E27FC236}">
+                <a16:creationId xmlns:a16="http://schemas.microsoft.com/office/drawing/2014/main" id="{D68F5345-BA0C-5EB2-D514-AEFFFDA16A44}"/>
               </a:ext>
             </a:extLst>
           </p:cNvPr>
@@ -3605,10 +3605,10 @@
       </p:sp>
       <p:sp>
         <p:nvSpPr>
-          <p:cNvPr id="9" name="CuadroTexto 8">
-            <a:extLst>
-              <a:ext uri="{FF2B5EF4-FFF2-40B4-BE49-F238E27FC236}">
-                <a16:creationId xmlns:a16="http://schemas.microsoft.com/office/drawing/2014/main" id="{C0A22628-F0F8-1C25-BA52-62FB736799D6}"/>
+          <p:cNvPr id="56" name="CuadroTexto 55">
+            <a:extLst>
+              <a:ext uri="{FF2B5EF4-FFF2-40B4-BE49-F238E27FC236}">
+                <a16:creationId xmlns:a16="http://schemas.microsoft.com/office/drawing/2014/main" id="{DB188656-6B00-0B1E-0CDD-FBC95947E5EF}"/>
               </a:ext>
             </a:extLst>
           </p:cNvPr>
@@ -3654,10 +3654,10 @@
       </p:sp>
       <p:sp>
         <p:nvSpPr>
-          <p:cNvPr id="10" name="Elipse 9">
-            <a:extLst>
-              <a:ext uri="{FF2B5EF4-FFF2-40B4-BE49-F238E27FC236}">
-                <a16:creationId xmlns:a16="http://schemas.microsoft.com/office/drawing/2014/main" id="{15705A42-94F1-B78A-D8B9-02197033BE76}"/>
+          <p:cNvPr id="57" name="Elipse 56">
+            <a:extLst>
+              <a:ext uri="{FF2B5EF4-FFF2-40B4-BE49-F238E27FC236}">
+                <a16:creationId xmlns:a16="http://schemas.microsoft.com/office/drawing/2014/main" id="{37F50F82-416B-BB24-09C4-0BC45CEB104C}"/>
               </a:ext>
             </a:extLst>
           </p:cNvPr>
@@ -3706,10 +3706,10 @@
       </p:sp>
       <p:sp>
         <p:nvSpPr>
-          <p:cNvPr id="11" name="CuadroTexto 10">
-            <a:extLst>
-              <a:ext uri="{FF2B5EF4-FFF2-40B4-BE49-F238E27FC236}">
-                <a16:creationId xmlns:a16="http://schemas.microsoft.com/office/drawing/2014/main" id="{CB742579-3A97-208E-535B-E699C301D037}"/>
+          <p:cNvPr id="58" name="CuadroTexto 57">
+            <a:extLst>
+              <a:ext uri="{FF2B5EF4-FFF2-40B4-BE49-F238E27FC236}">
+                <a16:creationId xmlns:a16="http://schemas.microsoft.com/office/drawing/2014/main" id="{A0DFBACC-1075-67AD-AA59-FB88AFD63669}"/>
               </a:ext>
             </a:extLst>
           </p:cNvPr>
@@ -3755,10 +3755,10 @@
       </p:sp>
       <p:sp>
         <p:nvSpPr>
-          <p:cNvPr id="12" name="Elipse 11">
-            <a:extLst>
-              <a:ext uri="{FF2B5EF4-FFF2-40B4-BE49-F238E27FC236}">
-                <a16:creationId xmlns:a16="http://schemas.microsoft.com/office/drawing/2014/main" id="{ADF7F4CD-CC8A-4D38-8F46-205BCBFF51DD}"/>
+          <p:cNvPr id="59" name="Elipse 58">
+            <a:extLst>
+              <a:ext uri="{FF2B5EF4-FFF2-40B4-BE49-F238E27FC236}">
+                <a16:creationId xmlns:a16="http://schemas.microsoft.com/office/drawing/2014/main" id="{A82252EE-8D14-DD08-BC99-0391FEB28D93}"/>
               </a:ext>
             </a:extLst>
           </p:cNvPr>
@@ -3807,10 +3807,10 @@
       </p:sp>
       <p:sp>
         <p:nvSpPr>
-          <p:cNvPr id="13" name="CuadroTexto 12">
-            <a:extLst>
-              <a:ext uri="{FF2B5EF4-FFF2-40B4-BE49-F238E27FC236}">
-                <a16:creationId xmlns:a16="http://schemas.microsoft.com/office/drawing/2014/main" id="{374A5160-93E0-8E30-EA1B-145F21161AB0}"/>
+          <p:cNvPr id="60" name="CuadroTexto 59">
+            <a:extLst>
+              <a:ext uri="{FF2B5EF4-FFF2-40B4-BE49-F238E27FC236}">
+                <a16:creationId xmlns:a16="http://schemas.microsoft.com/office/drawing/2014/main" id="{094F82F9-901B-F7EE-3B9D-283E0A8D061F}"/>
               </a:ext>
             </a:extLst>
           </p:cNvPr>
@@ -3856,10 +3856,10 @@
       </p:sp>
       <p:sp>
         <p:nvSpPr>
-          <p:cNvPr id="14" name="Elipse 13">
-            <a:extLst>
-              <a:ext uri="{FF2B5EF4-FFF2-40B4-BE49-F238E27FC236}">
-                <a16:creationId xmlns:a16="http://schemas.microsoft.com/office/drawing/2014/main" id="{820D2DCB-1F78-ECA5-AA30-E59ED729E93A}"/>
+          <p:cNvPr id="61" name="Elipse 60">
+            <a:extLst>
+              <a:ext uri="{FF2B5EF4-FFF2-40B4-BE49-F238E27FC236}">
+                <a16:creationId xmlns:a16="http://schemas.microsoft.com/office/drawing/2014/main" id="{F8522C4B-9F74-AE49-51ED-4DCF56C051DA}"/>
               </a:ext>
             </a:extLst>
           </p:cNvPr>
@@ -3908,10 +3908,10 @@
       </p:sp>
       <p:sp>
         <p:nvSpPr>
-          <p:cNvPr id="15" name="CuadroTexto 14">
-            <a:extLst>
-              <a:ext uri="{FF2B5EF4-FFF2-40B4-BE49-F238E27FC236}">
-                <a16:creationId xmlns:a16="http://schemas.microsoft.com/office/drawing/2014/main" id="{0D38F282-0C99-6145-6593-42585C090ABA}"/>
+          <p:cNvPr id="62" name="CuadroTexto 61">
+            <a:extLst>
+              <a:ext uri="{FF2B5EF4-FFF2-40B4-BE49-F238E27FC236}">
+                <a16:creationId xmlns:a16="http://schemas.microsoft.com/office/drawing/2014/main" id="{6612253E-3E9A-79F3-33A3-264A0D4BE9C9}"/>
               </a:ext>
             </a:extLst>
           </p:cNvPr>
@@ -3957,10 +3957,10 @@
       </p:sp>
       <p:sp>
         <p:nvSpPr>
-          <p:cNvPr id="16" name="Elipse 15">
-            <a:extLst>
-              <a:ext uri="{FF2B5EF4-FFF2-40B4-BE49-F238E27FC236}">
-                <a16:creationId xmlns:a16="http://schemas.microsoft.com/office/drawing/2014/main" id="{53DBF05C-C3F6-8D50-D862-0D07C9435A87}"/>
+          <p:cNvPr id="63" name="Elipse 62">
+            <a:extLst>
+              <a:ext uri="{FF2B5EF4-FFF2-40B4-BE49-F238E27FC236}">
+                <a16:creationId xmlns:a16="http://schemas.microsoft.com/office/drawing/2014/main" id="{191BE3BC-930D-65EA-73DC-D2FD687B7D12}"/>
               </a:ext>
             </a:extLst>
           </p:cNvPr>
@@ -4009,10 +4009,10 @@
       </p:sp>
       <p:sp>
         <p:nvSpPr>
-          <p:cNvPr id="17" name="CuadroTexto 16">
-            <a:extLst>
-              <a:ext uri="{FF2B5EF4-FFF2-40B4-BE49-F238E27FC236}">
-                <a16:creationId xmlns:a16="http://schemas.microsoft.com/office/drawing/2014/main" id="{F3BBC185-F0D4-FD5F-CB8A-D2D6BB2DCE4B}"/>
+          <p:cNvPr id="64" name="CuadroTexto 63">
+            <a:extLst>
+              <a:ext uri="{FF2B5EF4-FFF2-40B4-BE49-F238E27FC236}">
+                <a16:creationId xmlns:a16="http://schemas.microsoft.com/office/drawing/2014/main" id="{C6682292-3028-F9FD-A3EA-2AE61F8B87B3}"/>
               </a:ext>
             </a:extLst>
           </p:cNvPr>
@@ -4058,10 +4058,10 @@
       </p:sp>
       <p:sp>
         <p:nvSpPr>
-          <p:cNvPr id="18" name="Elipse 17">
-            <a:extLst>
-              <a:ext uri="{FF2B5EF4-FFF2-40B4-BE49-F238E27FC236}">
-                <a16:creationId xmlns:a16="http://schemas.microsoft.com/office/drawing/2014/main" id="{E5890116-1DF5-55F2-CDB7-8861851CD420}"/>
+          <p:cNvPr id="65" name="Elipse 64">
+            <a:extLst>
+              <a:ext uri="{FF2B5EF4-FFF2-40B4-BE49-F238E27FC236}">
+                <a16:creationId xmlns:a16="http://schemas.microsoft.com/office/drawing/2014/main" id="{B94E58A3-3BEE-9A59-F194-666334799E5B}"/>
               </a:ext>
             </a:extLst>
           </p:cNvPr>
@@ -4110,10 +4110,10 @@
       </p:sp>
       <p:sp>
         <p:nvSpPr>
-          <p:cNvPr id="19" name="CuadroTexto 18">
-            <a:extLst>
-              <a:ext uri="{FF2B5EF4-FFF2-40B4-BE49-F238E27FC236}">
-                <a16:creationId xmlns:a16="http://schemas.microsoft.com/office/drawing/2014/main" id="{31080A17-1A93-B87F-3CBB-9B67F482DA0F}"/>
+          <p:cNvPr id="66" name="CuadroTexto 65">
+            <a:extLst>
+              <a:ext uri="{FF2B5EF4-FFF2-40B4-BE49-F238E27FC236}">
+                <a16:creationId xmlns:a16="http://schemas.microsoft.com/office/drawing/2014/main" id="{9E6D15FE-CF3D-E2DC-A78A-5687933DB5E3}"/>
               </a:ext>
             </a:extLst>
           </p:cNvPr>
@@ -4159,10 +4159,10 @@
       </p:sp>
       <p:sp>
         <p:nvSpPr>
-          <p:cNvPr id="20" name="Elipse 19">
-            <a:extLst>
-              <a:ext uri="{FF2B5EF4-FFF2-40B4-BE49-F238E27FC236}">
-                <a16:creationId xmlns:a16="http://schemas.microsoft.com/office/drawing/2014/main" id="{F98BA726-F614-5124-8C87-7F1F8CAEBCD3}"/>
+          <p:cNvPr id="67" name="Elipse 66">
+            <a:extLst>
+              <a:ext uri="{FF2B5EF4-FFF2-40B4-BE49-F238E27FC236}">
+                <a16:creationId xmlns:a16="http://schemas.microsoft.com/office/drawing/2014/main" id="{CF4CB687-83C6-8E1C-820E-E4C2AA7D971D}"/>
               </a:ext>
             </a:extLst>
           </p:cNvPr>
@@ -4211,10 +4211,10 @@
       </p:sp>
       <p:sp>
         <p:nvSpPr>
-          <p:cNvPr id="21" name="CuadroTexto 20">
-            <a:extLst>
-              <a:ext uri="{FF2B5EF4-FFF2-40B4-BE49-F238E27FC236}">
-                <a16:creationId xmlns:a16="http://schemas.microsoft.com/office/drawing/2014/main" id="{67AFC698-83B7-2B9F-A3B7-32967DFE2F40}"/>
+          <p:cNvPr id="68" name="CuadroTexto 67">
+            <a:extLst>
+              <a:ext uri="{FF2B5EF4-FFF2-40B4-BE49-F238E27FC236}">
+                <a16:creationId xmlns:a16="http://schemas.microsoft.com/office/drawing/2014/main" id="{F2F65F2C-BDD4-CCB1-86FD-61444987ED69}"/>
               </a:ext>
             </a:extLst>
           </p:cNvPr>
@@ -4260,10 +4260,10 @@
       </p:sp>
       <p:sp>
         <p:nvSpPr>
-          <p:cNvPr id="22" name="TextBox 68">
-            <a:extLst>
-              <a:ext uri="{FF2B5EF4-FFF2-40B4-BE49-F238E27FC236}">
-                <a16:creationId xmlns:a16="http://schemas.microsoft.com/office/drawing/2014/main" id="{99B2E41C-C4BE-AA23-A929-1BE2FB90CAFB}"/>
+          <p:cNvPr id="69" name="TextBox 68">
+            <a:extLst>
+              <a:ext uri="{FF2B5EF4-FFF2-40B4-BE49-F238E27FC236}">
+                <a16:creationId xmlns:a16="http://schemas.microsoft.com/office/drawing/2014/main" id="{EE60A01F-DE78-550B-4FD8-7148919FB159}"/>
               </a:ext>
             </a:extLst>
           </p:cNvPr>
@@ -4299,10 +4299,10 @@
       </p:sp>
       <p:sp>
         <p:nvSpPr>
-          <p:cNvPr id="23" name="Rectángulo redondeado 22">
-            <a:extLst>
-              <a:ext uri="{FF2B5EF4-FFF2-40B4-BE49-F238E27FC236}">
-                <a16:creationId xmlns:a16="http://schemas.microsoft.com/office/drawing/2014/main" id="{A9F84057-4A1F-0962-E031-B734B8710EE6}"/>
+          <p:cNvPr id="70" name="Rectángulo redondeado 69">
+            <a:extLst>
+              <a:ext uri="{FF2B5EF4-FFF2-40B4-BE49-F238E27FC236}">
+                <a16:creationId xmlns:a16="http://schemas.microsoft.com/office/drawing/2014/main" id="{F1A12370-F4FD-48BF-C1C3-60FE20A247A8}"/>
               </a:ext>
             </a:extLst>
           </p:cNvPr>
@@ -4351,10 +4351,10 @@
       </p:sp>
       <p:sp>
         <p:nvSpPr>
-          <p:cNvPr id="24" name="CuadroTexto 23">
-            <a:extLst>
-              <a:ext uri="{FF2B5EF4-FFF2-40B4-BE49-F238E27FC236}">
-                <a16:creationId xmlns:a16="http://schemas.microsoft.com/office/drawing/2014/main" id="{8FAB5882-A0CC-D36C-5612-7EE3F5DB0763}"/>
+          <p:cNvPr id="71" name="CuadroTexto 70">
+            <a:extLst>
+              <a:ext uri="{FF2B5EF4-FFF2-40B4-BE49-F238E27FC236}">
+                <a16:creationId xmlns:a16="http://schemas.microsoft.com/office/drawing/2014/main" id="{C72ECC54-187D-0A43-5065-99C9CC28378F}"/>
               </a:ext>
             </a:extLst>
           </p:cNvPr>
@@ -4393,10 +4393,10 @@
       </p:sp>
       <p:sp>
         <p:nvSpPr>
-          <p:cNvPr id="25" name="Elipse 24">
-            <a:extLst>
-              <a:ext uri="{FF2B5EF4-FFF2-40B4-BE49-F238E27FC236}">
-                <a16:creationId xmlns:a16="http://schemas.microsoft.com/office/drawing/2014/main" id="{FCC1F9D5-F5F8-7B22-5E00-D9F6E11D3F09}"/>
+          <p:cNvPr id="72" name="Elipse 71">
+            <a:extLst>
+              <a:ext uri="{FF2B5EF4-FFF2-40B4-BE49-F238E27FC236}">
+                <a16:creationId xmlns:a16="http://schemas.microsoft.com/office/drawing/2014/main" id="{42225EBA-D06E-FF0E-DE5A-4EA444AC9EE6}"/>
               </a:ext>
             </a:extLst>
           </p:cNvPr>
@@ -4445,10 +4445,10 @@
       </p:sp>
       <p:sp>
         <p:nvSpPr>
-          <p:cNvPr id="26" name="CuadroTexto 25">
-            <a:extLst>
-              <a:ext uri="{FF2B5EF4-FFF2-40B4-BE49-F238E27FC236}">
-                <a16:creationId xmlns:a16="http://schemas.microsoft.com/office/drawing/2014/main" id="{2EFB6309-7836-2F2F-D006-3C2754C8DB52}"/>
+          <p:cNvPr id="73" name="CuadroTexto 72">
+            <a:extLst>
+              <a:ext uri="{FF2B5EF4-FFF2-40B4-BE49-F238E27FC236}">
+                <a16:creationId xmlns:a16="http://schemas.microsoft.com/office/drawing/2014/main" id="{E85548BC-9BB3-101E-D75C-706C9CF8ECDE}"/>
               </a:ext>
             </a:extLst>
           </p:cNvPr>
@@ -4495,10 +4495,10 @@
       </p:sp>
       <p:sp>
         <p:nvSpPr>
-          <p:cNvPr id="27" name="Elipse 26">
-            <a:extLst>
-              <a:ext uri="{FF2B5EF4-FFF2-40B4-BE49-F238E27FC236}">
-                <a16:creationId xmlns:a16="http://schemas.microsoft.com/office/drawing/2014/main" id="{AD724150-B75A-72A7-CA49-08E1DECD8F61}"/>
+          <p:cNvPr id="74" name="Elipse 73">
+            <a:extLst>
+              <a:ext uri="{FF2B5EF4-FFF2-40B4-BE49-F238E27FC236}">
+                <a16:creationId xmlns:a16="http://schemas.microsoft.com/office/drawing/2014/main" id="{91C9464E-0BD3-0E2A-9AE6-BD3DF562D218}"/>
               </a:ext>
             </a:extLst>
           </p:cNvPr>
@@ -4547,10 +4547,10 @@
       </p:sp>
       <p:sp>
         <p:nvSpPr>
-          <p:cNvPr id="28" name="Elipse 27">
-            <a:extLst>
-              <a:ext uri="{FF2B5EF4-FFF2-40B4-BE49-F238E27FC236}">
-                <a16:creationId xmlns:a16="http://schemas.microsoft.com/office/drawing/2014/main" id="{96D7C443-5CD9-E3BC-216F-DBD5A58C3F9B}"/>
+          <p:cNvPr id="76" name="Elipse 75">
+            <a:extLst>
+              <a:ext uri="{FF2B5EF4-FFF2-40B4-BE49-F238E27FC236}">
+                <a16:creationId xmlns:a16="http://schemas.microsoft.com/office/drawing/2014/main" id="{FDEED837-D47D-D946-0AA9-E599D189D265}"/>
               </a:ext>
             </a:extLst>
           </p:cNvPr>
@@ -4599,10 +4599,10 @@
       </p:sp>
       <p:sp>
         <p:nvSpPr>
-          <p:cNvPr id="29" name="CuadroTexto 28">
-            <a:extLst>
-              <a:ext uri="{FF2B5EF4-FFF2-40B4-BE49-F238E27FC236}">
-                <a16:creationId xmlns:a16="http://schemas.microsoft.com/office/drawing/2014/main" id="{624028EE-D8BC-AA31-9F62-26BACDA6D1F9}"/>
+          <p:cNvPr id="78" name="CuadroTexto 77">
+            <a:extLst>
+              <a:ext uri="{FF2B5EF4-FFF2-40B4-BE49-F238E27FC236}">
+                <a16:creationId xmlns:a16="http://schemas.microsoft.com/office/drawing/2014/main" id="{09C5770E-B770-6571-A056-6838E93132FF}"/>
               </a:ext>
             </a:extLst>
           </p:cNvPr>
@@ -4649,10 +4649,10 @@
       </p:sp>
       <p:sp>
         <p:nvSpPr>
-          <p:cNvPr id="30" name="CuadroTexto 29">
-            <a:extLst>
-              <a:ext uri="{FF2B5EF4-FFF2-40B4-BE49-F238E27FC236}">
-                <a16:creationId xmlns:a16="http://schemas.microsoft.com/office/drawing/2014/main" id="{27823B29-F0C2-DC39-8CBB-46D3192A0878}"/>
+          <p:cNvPr id="79" name="CuadroTexto 78">
+            <a:extLst>
+              <a:ext uri="{FF2B5EF4-FFF2-40B4-BE49-F238E27FC236}">
+                <a16:creationId xmlns:a16="http://schemas.microsoft.com/office/drawing/2014/main" id="{9AE6A019-3E3B-AC5D-EAA1-C37C19FCD0BE}"/>
               </a:ext>
             </a:extLst>
           </p:cNvPr>
@@ -4699,10 +4699,10 @@
       </p:sp>
       <p:sp>
         <p:nvSpPr>
-          <p:cNvPr id="31" name="Rectángulo redondeado 30">
-            <a:extLst>
-              <a:ext uri="{FF2B5EF4-FFF2-40B4-BE49-F238E27FC236}">
-                <a16:creationId xmlns:a16="http://schemas.microsoft.com/office/drawing/2014/main" id="{4B7F7206-50CB-6CC8-C35C-0CBFFF56080C}"/>
+          <p:cNvPr id="80" name="Rectángulo redondeado 79">
+            <a:extLst>
+              <a:ext uri="{FF2B5EF4-FFF2-40B4-BE49-F238E27FC236}">
+                <a16:creationId xmlns:a16="http://schemas.microsoft.com/office/drawing/2014/main" id="{8A29E48D-7BE6-C338-67F7-5DEB4459445F}"/>
               </a:ext>
             </a:extLst>
           </p:cNvPr>
@@ -4751,10 +4751,10 @@
       </p:sp>
       <p:sp>
         <p:nvSpPr>
-          <p:cNvPr id="32" name="CuadroTexto 31">
-            <a:extLst>
-              <a:ext uri="{FF2B5EF4-FFF2-40B4-BE49-F238E27FC236}">
-                <a16:creationId xmlns:a16="http://schemas.microsoft.com/office/drawing/2014/main" id="{DA828E08-19B8-91B2-A2D9-EE98157611DE}"/>
+          <p:cNvPr id="81" name="CuadroTexto 80">
+            <a:extLst>
+              <a:ext uri="{FF2B5EF4-FFF2-40B4-BE49-F238E27FC236}">
+                <a16:creationId xmlns:a16="http://schemas.microsoft.com/office/drawing/2014/main" id="{2CDCA99D-CA87-8D22-2351-2166A756C40D}"/>
               </a:ext>
             </a:extLst>
           </p:cNvPr>
@@ -4800,16 +4800,16 @@
       </p:sp>
       <p:cxnSp>
         <p:nvCxnSpPr>
-          <p:cNvPr id="33" name="Conector curvado 32">
-            <a:extLst>
-              <a:ext uri="{FF2B5EF4-FFF2-40B4-BE49-F238E27FC236}">
-                <a16:creationId xmlns:a16="http://schemas.microsoft.com/office/drawing/2014/main" id="{A2A9C2E3-0F46-051F-1D27-2B2222BB9072}"/>
+          <p:cNvPr id="83" name="Conector curvado 82">
+            <a:extLst>
+              <a:ext uri="{FF2B5EF4-FFF2-40B4-BE49-F238E27FC236}">
+                <a16:creationId xmlns:a16="http://schemas.microsoft.com/office/drawing/2014/main" id="{4973A28D-B68F-0E1D-DB03-8B5BF5807A20}"/>
               </a:ext>
             </a:extLst>
           </p:cNvPr>
           <p:cNvCxnSpPr>
-            <a:stCxn id="25" idx="2"/>
-            <a:endCxn id="28" idx="2"/>
+            <a:stCxn id="72" idx="2"/>
+            <a:endCxn id="76" idx="2"/>
           </p:cNvCxnSpPr>
           <p:nvPr/>
         </p:nvCxnSpPr>
@@ -4850,17 +4850,17 @@
       </p:cxnSp>
       <p:cxnSp>
         <p:nvCxnSpPr>
-          <p:cNvPr id="34" name="Conector curvado 33">
-            <a:extLst>
-              <a:ext uri="{FF2B5EF4-FFF2-40B4-BE49-F238E27FC236}">
-                <a16:creationId xmlns:a16="http://schemas.microsoft.com/office/drawing/2014/main" id="{00E8EC74-7A4C-D63A-9FD0-FE6F912E8195}"/>
+          <p:cNvPr id="86" name="Conector curvado 85">
+            <a:extLst>
+              <a:ext uri="{FF2B5EF4-FFF2-40B4-BE49-F238E27FC236}">
+                <a16:creationId xmlns:a16="http://schemas.microsoft.com/office/drawing/2014/main" id="{127F2C13-B54F-C060-1623-B1E46756D658}"/>
               </a:ext>
             </a:extLst>
           </p:cNvPr>
           <p:cNvCxnSpPr>
             <a:cxnSpLocks/>
-            <a:stCxn id="27" idx="6"/>
-            <a:endCxn id="28" idx="6"/>
+            <a:stCxn id="74" idx="6"/>
+            <a:endCxn id="76" idx="6"/>
           </p:cNvCxnSpPr>
           <p:nvPr/>
         </p:nvCxnSpPr>
@@ -4901,17 +4901,17 @@
       </p:cxnSp>
       <p:cxnSp>
         <p:nvCxnSpPr>
-          <p:cNvPr id="35" name="Conector curvado 34">
-            <a:extLst>
-              <a:ext uri="{FF2B5EF4-FFF2-40B4-BE49-F238E27FC236}">
-                <a16:creationId xmlns:a16="http://schemas.microsoft.com/office/drawing/2014/main" id="{F3EAE2CC-81DB-B400-51D9-F27C06160A1F}"/>
+          <p:cNvPr id="90" name="Conector curvado 89">
+            <a:extLst>
+              <a:ext uri="{FF2B5EF4-FFF2-40B4-BE49-F238E27FC236}">
+                <a16:creationId xmlns:a16="http://schemas.microsoft.com/office/drawing/2014/main" id="{C31FF744-B092-75A9-2C9B-B5430ACFAE28}"/>
               </a:ext>
             </a:extLst>
           </p:cNvPr>
           <p:cNvCxnSpPr>
             <a:cxnSpLocks/>
-            <a:stCxn id="25" idx="6"/>
-            <a:endCxn id="27" idx="6"/>
+            <a:stCxn id="72" idx="6"/>
+            <a:endCxn id="74" idx="6"/>
           </p:cNvCxnSpPr>
           <p:nvPr/>
         </p:nvCxnSpPr>
@@ -4950,16 +4950,16 @@
       </p:cxnSp>
       <p:cxnSp>
         <p:nvCxnSpPr>
-          <p:cNvPr id="36" name="Conector recto de flecha 35">
-            <a:extLst>
-              <a:ext uri="{FF2B5EF4-FFF2-40B4-BE49-F238E27FC236}">
-                <a16:creationId xmlns:a16="http://schemas.microsoft.com/office/drawing/2014/main" id="{DBB928A0-9217-B2DE-C31F-D716AB2032D0}"/>
+          <p:cNvPr id="99" name="Conector recto de flecha 98">
+            <a:extLst>
+              <a:ext uri="{FF2B5EF4-FFF2-40B4-BE49-F238E27FC236}">
+                <a16:creationId xmlns:a16="http://schemas.microsoft.com/office/drawing/2014/main" id="{EFE554A9-B35B-D009-8A24-58118D0B749A}"/>
               </a:ext>
             </a:extLst>
           </p:cNvPr>
           <p:cNvCxnSpPr>
-            <a:stCxn id="4" idx="6"/>
-            <a:endCxn id="6" idx="2"/>
+            <a:stCxn id="51" idx="6"/>
+            <a:endCxn id="53" idx="2"/>
           </p:cNvCxnSpPr>
           <p:nvPr/>
         </p:nvCxnSpPr>
@@ -4995,17 +4995,17 @@
       </p:cxnSp>
       <p:cxnSp>
         <p:nvCxnSpPr>
-          <p:cNvPr id="37" name="Conector recto de flecha 36">
-            <a:extLst>
-              <a:ext uri="{FF2B5EF4-FFF2-40B4-BE49-F238E27FC236}">
-                <a16:creationId xmlns:a16="http://schemas.microsoft.com/office/drawing/2014/main" id="{C7390C3D-B09E-E8BE-2803-237ECB193582}"/>
+          <p:cNvPr id="100" name="Conector recto de flecha 99">
+            <a:extLst>
+              <a:ext uri="{FF2B5EF4-FFF2-40B4-BE49-F238E27FC236}">
+                <a16:creationId xmlns:a16="http://schemas.microsoft.com/office/drawing/2014/main" id="{3308364A-568E-FA03-FC2A-DEDD25F3FC8A}"/>
               </a:ext>
             </a:extLst>
           </p:cNvPr>
           <p:cNvCxnSpPr>
             <a:cxnSpLocks/>
-            <a:stCxn id="6" idx="6"/>
-            <a:endCxn id="8" idx="2"/>
+            <a:stCxn id="53" idx="6"/>
+            <a:endCxn id="55" idx="2"/>
           </p:cNvCxnSpPr>
           <p:nvPr/>
         </p:nvCxnSpPr>
@@ -5041,17 +5041,17 @@
       </p:cxnSp>
       <p:cxnSp>
         <p:nvCxnSpPr>
-          <p:cNvPr id="38" name="Conector recto de flecha 37">
-            <a:extLst>
-              <a:ext uri="{FF2B5EF4-FFF2-40B4-BE49-F238E27FC236}">
-                <a16:creationId xmlns:a16="http://schemas.microsoft.com/office/drawing/2014/main" id="{5674F506-E8A6-59C9-B409-FC6DFFB0AD8B}"/>
+          <p:cNvPr id="103" name="Conector recto de flecha 102">
+            <a:extLst>
+              <a:ext uri="{FF2B5EF4-FFF2-40B4-BE49-F238E27FC236}">
+                <a16:creationId xmlns:a16="http://schemas.microsoft.com/office/drawing/2014/main" id="{D162220B-904B-C3A2-2156-AD5E1CA2776F}"/>
               </a:ext>
             </a:extLst>
           </p:cNvPr>
           <p:cNvCxnSpPr>
             <a:cxnSpLocks/>
-            <a:stCxn id="10" idx="6"/>
-            <a:endCxn id="12" idx="2"/>
+            <a:stCxn id="57" idx="6"/>
+            <a:endCxn id="59" idx="2"/>
           </p:cNvCxnSpPr>
           <p:nvPr/>
         </p:nvCxnSpPr>
@@ -5087,17 +5087,17 @@
       </p:cxnSp>
       <p:cxnSp>
         <p:nvCxnSpPr>
-          <p:cNvPr id="39" name="Conector recto de flecha 38">
-            <a:extLst>
-              <a:ext uri="{FF2B5EF4-FFF2-40B4-BE49-F238E27FC236}">
-                <a16:creationId xmlns:a16="http://schemas.microsoft.com/office/drawing/2014/main" id="{98087BE9-C529-55E2-E47D-9FE452360E39}"/>
+          <p:cNvPr id="106" name="Conector recto de flecha 105">
+            <a:extLst>
+              <a:ext uri="{FF2B5EF4-FFF2-40B4-BE49-F238E27FC236}">
+                <a16:creationId xmlns:a16="http://schemas.microsoft.com/office/drawing/2014/main" id="{FBDEE12B-F17A-32CD-BA92-DD267940F76F}"/>
               </a:ext>
             </a:extLst>
           </p:cNvPr>
           <p:cNvCxnSpPr>
             <a:cxnSpLocks/>
-            <a:stCxn id="12" idx="6"/>
-            <a:endCxn id="14" idx="2"/>
+            <a:stCxn id="59" idx="6"/>
+            <a:endCxn id="61" idx="2"/>
           </p:cNvCxnSpPr>
           <p:nvPr/>
         </p:nvCxnSpPr>
@@ -5133,17 +5133,17 @@
       </p:cxnSp>
       <p:cxnSp>
         <p:nvCxnSpPr>
-          <p:cNvPr id="40" name="Conector recto de flecha 39">
-            <a:extLst>
-              <a:ext uri="{FF2B5EF4-FFF2-40B4-BE49-F238E27FC236}">
-                <a16:creationId xmlns:a16="http://schemas.microsoft.com/office/drawing/2014/main" id="{A60D8DA5-62F6-F3E3-2B05-DA6C847E8962}"/>
+          <p:cNvPr id="109" name="Conector recto de flecha 108">
+            <a:extLst>
+              <a:ext uri="{FF2B5EF4-FFF2-40B4-BE49-F238E27FC236}">
+                <a16:creationId xmlns:a16="http://schemas.microsoft.com/office/drawing/2014/main" id="{096E1214-B969-BC61-5B1E-DBD98CA172A1}"/>
               </a:ext>
             </a:extLst>
           </p:cNvPr>
           <p:cNvCxnSpPr>
             <a:cxnSpLocks/>
-            <a:stCxn id="16" idx="6"/>
-            <a:endCxn id="18" idx="2"/>
+            <a:stCxn id="63" idx="6"/>
+            <a:endCxn id="65" idx="2"/>
           </p:cNvCxnSpPr>
           <p:nvPr/>
         </p:nvCxnSpPr>
@@ -5179,17 +5179,17 @@
       </p:cxnSp>
       <p:cxnSp>
         <p:nvCxnSpPr>
-          <p:cNvPr id="41" name="Conector recto de flecha 40">
-            <a:extLst>
-              <a:ext uri="{FF2B5EF4-FFF2-40B4-BE49-F238E27FC236}">
-                <a16:creationId xmlns:a16="http://schemas.microsoft.com/office/drawing/2014/main" id="{C38B10E9-DA8E-E993-693B-F61DA1652A25}"/>
+          <p:cNvPr id="112" name="Conector recto de flecha 111">
+            <a:extLst>
+              <a:ext uri="{FF2B5EF4-FFF2-40B4-BE49-F238E27FC236}">
+                <a16:creationId xmlns:a16="http://schemas.microsoft.com/office/drawing/2014/main" id="{9A453C24-8C81-EABC-93D0-ABECCE65CE4F}"/>
               </a:ext>
             </a:extLst>
           </p:cNvPr>
           <p:cNvCxnSpPr>
             <a:cxnSpLocks/>
-            <a:stCxn id="18" idx="6"/>
-            <a:endCxn id="20" idx="2"/>
+            <a:stCxn id="65" idx="6"/>
+            <a:endCxn id="67" idx="2"/>
           </p:cNvCxnSpPr>
           <p:nvPr/>
         </p:nvCxnSpPr>
@@ -5225,17 +5225,17 @@
       </p:cxnSp>
       <p:cxnSp>
         <p:nvCxnSpPr>
-          <p:cNvPr id="42" name="Conector recto de flecha 41">
-            <a:extLst>
-              <a:ext uri="{FF2B5EF4-FFF2-40B4-BE49-F238E27FC236}">
-                <a16:creationId xmlns:a16="http://schemas.microsoft.com/office/drawing/2014/main" id="{68688B2D-427C-F20E-3B88-CCDA09793189}"/>
+          <p:cNvPr id="115" name="Conector recto de flecha 114">
+            <a:extLst>
+              <a:ext uri="{FF2B5EF4-FFF2-40B4-BE49-F238E27FC236}">
+                <a16:creationId xmlns:a16="http://schemas.microsoft.com/office/drawing/2014/main" id="{571F7229-33C8-6C5C-C897-75AA2C4C0275}"/>
               </a:ext>
             </a:extLst>
           </p:cNvPr>
           <p:cNvCxnSpPr>
             <a:cxnSpLocks/>
-            <a:stCxn id="4" idx="6"/>
-            <a:endCxn id="12" idx="2"/>
+            <a:stCxn id="51" idx="6"/>
+            <a:endCxn id="59" idx="2"/>
           </p:cNvCxnSpPr>
           <p:nvPr/>
         </p:nvCxnSpPr>
@@ -5271,17 +5271,17 @@
       </p:cxnSp>
       <p:cxnSp>
         <p:nvCxnSpPr>
-          <p:cNvPr id="43" name="Conector recto de flecha 42">
-            <a:extLst>
-              <a:ext uri="{FF2B5EF4-FFF2-40B4-BE49-F238E27FC236}">
-                <a16:creationId xmlns:a16="http://schemas.microsoft.com/office/drawing/2014/main" id="{ABC38EF0-53CD-F51F-875A-0999FFED6305}"/>
+          <p:cNvPr id="118" name="Conector recto de flecha 117">
+            <a:extLst>
+              <a:ext uri="{FF2B5EF4-FFF2-40B4-BE49-F238E27FC236}">
+                <a16:creationId xmlns:a16="http://schemas.microsoft.com/office/drawing/2014/main" id="{09FB6A62-D609-B9A5-8412-45BED2C6E7E6}"/>
               </a:ext>
             </a:extLst>
           </p:cNvPr>
           <p:cNvCxnSpPr>
             <a:cxnSpLocks/>
-            <a:stCxn id="10" idx="6"/>
-            <a:endCxn id="18" idx="2"/>
+            <a:stCxn id="57" idx="6"/>
+            <a:endCxn id="65" idx="2"/>
           </p:cNvCxnSpPr>
           <p:nvPr/>
         </p:nvCxnSpPr>
@@ -5319,17 +5319,17 @@
       </p:cxnSp>
       <p:cxnSp>
         <p:nvCxnSpPr>
-          <p:cNvPr id="44" name="Conector recto de flecha 43">
-            <a:extLst>
-              <a:ext uri="{FF2B5EF4-FFF2-40B4-BE49-F238E27FC236}">
-                <a16:creationId xmlns:a16="http://schemas.microsoft.com/office/drawing/2014/main" id="{A9CC6670-8940-A9B6-B532-4D64FC963559}"/>
+          <p:cNvPr id="121" name="Conector recto de flecha 120">
+            <a:extLst>
+              <a:ext uri="{FF2B5EF4-FFF2-40B4-BE49-F238E27FC236}">
+                <a16:creationId xmlns:a16="http://schemas.microsoft.com/office/drawing/2014/main" id="{016CA5E1-3A2F-55BA-85AB-C15E9F19135D}"/>
               </a:ext>
             </a:extLst>
           </p:cNvPr>
           <p:cNvCxnSpPr>
             <a:cxnSpLocks/>
-            <a:stCxn id="6" idx="6"/>
-            <a:endCxn id="14" idx="2"/>
+            <a:stCxn id="53" idx="6"/>
+            <a:endCxn id="61" idx="2"/>
           </p:cNvCxnSpPr>
           <p:nvPr/>
         </p:nvCxnSpPr>
@@ -5365,17 +5365,17 @@
       </p:cxnSp>
       <p:cxnSp>
         <p:nvCxnSpPr>
-          <p:cNvPr id="45" name="Conector recto de flecha 44">
-            <a:extLst>
-              <a:ext uri="{FF2B5EF4-FFF2-40B4-BE49-F238E27FC236}">
-                <a16:creationId xmlns:a16="http://schemas.microsoft.com/office/drawing/2014/main" id="{0AA3BC9B-AF40-DE19-96BB-F70F23665267}"/>
+          <p:cNvPr id="124" name="Conector recto de flecha 123">
+            <a:extLst>
+              <a:ext uri="{FF2B5EF4-FFF2-40B4-BE49-F238E27FC236}">
+                <a16:creationId xmlns:a16="http://schemas.microsoft.com/office/drawing/2014/main" id="{FB59456A-B768-4D61-0ADE-4687672C6DDE}"/>
               </a:ext>
             </a:extLst>
           </p:cNvPr>
           <p:cNvCxnSpPr>
             <a:cxnSpLocks/>
-            <a:stCxn id="12" idx="6"/>
-            <a:endCxn id="20" idx="2"/>
+            <a:stCxn id="59" idx="6"/>
+            <a:endCxn id="67" idx="2"/>
           </p:cNvCxnSpPr>
           <p:nvPr/>
         </p:nvCxnSpPr>
@@ -5413,17 +5413,17 @@
       </p:cxnSp>
       <p:cxnSp>
         <p:nvCxnSpPr>
-          <p:cNvPr id="46" name="Conector recto de flecha 45">
-            <a:extLst>
-              <a:ext uri="{FF2B5EF4-FFF2-40B4-BE49-F238E27FC236}">
-                <a16:creationId xmlns:a16="http://schemas.microsoft.com/office/drawing/2014/main" id="{DEB1176A-8771-46B5-7E4F-B8E5DD146970}"/>
+          <p:cNvPr id="127" name="Conector recto de flecha 126">
+            <a:extLst>
+              <a:ext uri="{FF2B5EF4-FFF2-40B4-BE49-F238E27FC236}">
+                <a16:creationId xmlns:a16="http://schemas.microsoft.com/office/drawing/2014/main" id="{70E6090A-17B1-431D-154D-3ED84815051C}"/>
               </a:ext>
             </a:extLst>
           </p:cNvPr>
           <p:cNvCxnSpPr>
             <a:cxnSpLocks/>
-            <a:stCxn id="4" idx="6"/>
-            <a:endCxn id="18" idx="2"/>
+            <a:stCxn id="51" idx="6"/>
+            <a:endCxn id="65" idx="2"/>
           </p:cNvCxnSpPr>
           <p:nvPr/>
         </p:nvCxnSpPr>
@@ -5461,17 +5461,17 @@
       </p:cxnSp>
       <p:cxnSp>
         <p:nvCxnSpPr>
-          <p:cNvPr id="47" name="Conector recto de flecha 46">
-            <a:extLst>
-              <a:ext uri="{FF2B5EF4-FFF2-40B4-BE49-F238E27FC236}">
-                <a16:creationId xmlns:a16="http://schemas.microsoft.com/office/drawing/2014/main" id="{27F33130-5862-ECF9-C55A-AAB886E13282}"/>
+          <p:cNvPr id="130" name="Conector recto de flecha 129">
+            <a:extLst>
+              <a:ext uri="{FF2B5EF4-FFF2-40B4-BE49-F238E27FC236}">
+                <a16:creationId xmlns:a16="http://schemas.microsoft.com/office/drawing/2014/main" id="{68503EC8-689B-B0B4-925E-6387C08195E5}"/>
               </a:ext>
             </a:extLst>
           </p:cNvPr>
           <p:cNvCxnSpPr>
             <a:cxnSpLocks/>
-            <a:stCxn id="6" idx="6"/>
-            <a:endCxn id="20" idx="2"/>
+            <a:stCxn id="53" idx="6"/>
+            <a:endCxn id="67" idx="2"/>
           </p:cNvCxnSpPr>
           <p:nvPr/>
         </p:nvCxnSpPr>
@@ -5509,17 +5509,17 @@
       </p:cxnSp>
       <p:cxnSp>
         <p:nvCxnSpPr>
-          <p:cNvPr id="48" name="Conector recto de flecha 47">
-            <a:extLst>
-              <a:ext uri="{FF2B5EF4-FFF2-40B4-BE49-F238E27FC236}">
-                <a16:creationId xmlns:a16="http://schemas.microsoft.com/office/drawing/2014/main" id="{E01BDB83-A1D2-5D07-A3E8-EACCFCF7D935}"/>
+          <p:cNvPr id="133" name="Conector recto de flecha 132">
+            <a:extLst>
+              <a:ext uri="{FF2B5EF4-FFF2-40B4-BE49-F238E27FC236}">
+                <a16:creationId xmlns:a16="http://schemas.microsoft.com/office/drawing/2014/main" id="{00F7163C-7C52-928F-BCD3-6FF441F86061}"/>
               </a:ext>
             </a:extLst>
           </p:cNvPr>
           <p:cNvCxnSpPr>
             <a:cxnSpLocks/>
-            <a:stCxn id="10" idx="6"/>
-            <a:endCxn id="6" idx="2"/>
+            <a:stCxn id="57" idx="6"/>
+            <a:endCxn id="53" idx="2"/>
           </p:cNvCxnSpPr>
           <p:nvPr/>
         </p:nvCxnSpPr>
@@ -5558,17 +5558,17 @@
       </p:cxnSp>
       <p:cxnSp>
         <p:nvCxnSpPr>
-          <p:cNvPr id="49" name="Conector recto de flecha 48">
-            <a:extLst>
-              <a:ext uri="{FF2B5EF4-FFF2-40B4-BE49-F238E27FC236}">
-                <a16:creationId xmlns:a16="http://schemas.microsoft.com/office/drawing/2014/main" id="{969DD317-F2EF-4E46-9E66-FDC78E9E778B}"/>
+          <p:cNvPr id="136" name="Conector recto de flecha 135">
+            <a:extLst>
+              <a:ext uri="{FF2B5EF4-FFF2-40B4-BE49-F238E27FC236}">
+                <a16:creationId xmlns:a16="http://schemas.microsoft.com/office/drawing/2014/main" id="{8A158F30-D642-384C-9472-B346215B6FC4}"/>
               </a:ext>
             </a:extLst>
           </p:cNvPr>
           <p:cNvCxnSpPr>
             <a:cxnSpLocks/>
-            <a:stCxn id="16" idx="6"/>
-            <a:endCxn id="12" idx="2"/>
+            <a:stCxn id="63" idx="6"/>
+            <a:endCxn id="59" idx="2"/>
           </p:cNvCxnSpPr>
           <p:nvPr/>
         </p:nvCxnSpPr>
@@ -5607,17 +5607,17 @@
       </p:cxnSp>
       <p:cxnSp>
         <p:nvCxnSpPr>
-          <p:cNvPr id="50" name="Conector recto de flecha 49">
-            <a:extLst>
-              <a:ext uri="{FF2B5EF4-FFF2-40B4-BE49-F238E27FC236}">
-                <a16:creationId xmlns:a16="http://schemas.microsoft.com/office/drawing/2014/main" id="{7E123AEA-0856-DFD6-9645-239BFE1660CD}"/>
+          <p:cNvPr id="139" name="Conector recto de flecha 138">
+            <a:extLst>
+              <a:ext uri="{FF2B5EF4-FFF2-40B4-BE49-F238E27FC236}">
+                <a16:creationId xmlns:a16="http://schemas.microsoft.com/office/drawing/2014/main" id="{9F2F89DA-0AD5-AB44-5BC0-7B165B4AD3F5}"/>
               </a:ext>
             </a:extLst>
           </p:cNvPr>
           <p:cNvCxnSpPr>
             <a:cxnSpLocks/>
-            <a:stCxn id="12" idx="6"/>
-            <a:endCxn id="8" idx="2"/>
+            <a:stCxn id="59" idx="6"/>
+            <a:endCxn id="55" idx="2"/>
           </p:cNvCxnSpPr>
           <p:nvPr/>
         </p:nvCxnSpPr>
@@ -5656,17 +5656,17 @@
       </p:cxnSp>
       <p:cxnSp>
         <p:nvCxnSpPr>
-          <p:cNvPr id="51" name="Conector recto de flecha 50">
-            <a:extLst>
-              <a:ext uri="{FF2B5EF4-FFF2-40B4-BE49-F238E27FC236}">
-                <a16:creationId xmlns:a16="http://schemas.microsoft.com/office/drawing/2014/main" id="{69CAA466-3EB0-B5DA-3393-3C8BB0D57AC6}"/>
+          <p:cNvPr id="142" name="Conector recto de flecha 141">
+            <a:extLst>
+              <a:ext uri="{FF2B5EF4-FFF2-40B4-BE49-F238E27FC236}">
+                <a16:creationId xmlns:a16="http://schemas.microsoft.com/office/drawing/2014/main" id="{BBD4401D-069A-D96A-D1E0-551C8AEB59F8}"/>
               </a:ext>
             </a:extLst>
           </p:cNvPr>
           <p:cNvCxnSpPr>
             <a:cxnSpLocks/>
-            <a:stCxn id="18" idx="6"/>
-            <a:endCxn id="14" idx="2"/>
+            <a:stCxn id="65" idx="6"/>
+            <a:endCxn id="61" idx="2"/>
           </p:cNvCxnSpPr>
           <p:nvPr/>
         </p:nvCxnSpPr>
@@ -5705,17 +5705,17 @@
       </p:cxnSp>
       <p:cxnSp>
         <p:nvCxnSpPr>
-          <p:cNvPr id="52" name="Conector recto de flecha 51">
-            <a:extLst>
-              <a:ext uri="{FF2B5EF4-FFF2-40B4-BE49-F238E27FC236}">
-                <a16:creationId xmlns:a16="http://schemas.microsoft.com/office/drawing/2014/main" id="{9B517455-D75E-4CC4-E7AE-9A8C2BF341FA}"/>
+          <p:cNvPr id="145" name="Conector recto de flecha 144">
+            <a:extLst>
+              <a:ext uri="{FF2B5EF4-FFF2-40B4-BE49-F238E27FC236}">
+                <a16:creationId xmlns:a16="http://schemas.microsoft.com/office/drawing/2014/main" id="{49A10E5D-0C9A-DE9B-B9C9-88BC50D71AFD}"/>
               </a:ext>
             </a:extLst>
           </p:cNvPr>
           <p:cNvCxnSpPr>
             <a:cxnSpLocks/>
-            <a:stCxn id="16" idx="6"/>
-            <a:endCxn id="6" idx="2"/>
+            <a:stCxn id="63" idx="6"/>
+            <a:endCxn id="53" idx="2"/>
           </p:cNvCxnSpPr>
           <p:nvPr/>
         </p:nvCxnSpPr>
@@ -5754,17 +5754,17 @@
       </p:cxnSp>
       <p:cxnSp>
         <p:nvCxnSpPr>
-          <p:cNvPr id="53" name="Conector recto de flecha 52">
-            <a:extLst>
-              <a:ext uri="{FF2B5EF4-FFF2-40B4-BE49-F238E27FC236}">
-                <a16:creationId xmlns:a16="http://schemas.microsoft.com/office/drawing/2014/main" id="{E639885A-3E44-62D2-11B5-EB0AFE2ACC9E}"/>
+          <p:cNvPr id="148" name="Conector recto de flecha 147">
+            <a:extLst>
+              <a:ext uri="{FF2B5EF4-FFF2-40B4-BE49-F238E27FC236}">
+                <a16:creationId xmlns:a16="http://schemas.microsoft.com/office/drawing/2014/main" id="{02BBC951-C80F-D8AD-70CA-BE710A6D8493}"/>
               </a:ext>
             </a:extLst>
           </p:cNvPr>
           <p:cNvCxnSpPr>
             <a:cxnSpLocks/>
-            <a:stCxn id="18" idx="6"/>
-            <a:endCxn id="8" idx="2"/>
+            <a:stCxn id="65" idx="6"/>
+            <a:endCxn id="55" idx="2"/>
           </p:cNvCxnSpPr>
           <p:nvPr/>
         </p:nvCxnSpPr>
@@ -5803,10 +5803,10 @@
       </p:cxnSp>
       <p:sp>
         <p:nvSpPr>
-          <p:cNvPr id="54" name="CuadroTexto 53">
-            <a:extLst>
-              <a:ext uri="{FF2B5EF4-FFF2-40B4-BE49-F238E27FC236}">
-                <a16:creationId xmlns:a16="http://schemas.microsoft.com/office/drawing/2014/main" id="{88A29B9C-863E-F8BE-8EC6-0F253EE6280D}"/>
+          <p:cNvPr id="235" name="CuadroTexto 234">
+            <a:extLst>
+              <a:ext uri="{FF2B5EF4-FFF2-40B4-BE49-F238E27FC236}">
+                <a16:creationId xmlns:a16="http://schemas.microsoft.com/office/drawing/2014/main" id="{B0C05C64-C9A7-E21B-89F3-A08B1013ABF2}"/>
               </a:ext>
             </a:extLst>
           </p:cNvPr>
@@ -5832,19 +5832,22 @@
           <a:lstStyle/>
           <a:p>
             <a:pPr algn="ctr"/>
-            <a:endParaRPr lang="es-CL" sz="1200" dirty="0">
-              <a:latin typeface="Arial" panose="020B0604020202020204" pitchFamily="34" charset="0"/>
-              <a:cs typeface="Arial" panose="020B0604020202020204" pitchFamily="34" charset="0"/>
-            </a:endParaRPr>
-          </a:p>
-        </p:txBody>
-      </p:sp>
-      <p:sp>
-        <p:nvSpPr>
-          <p:cNvPr id="55" name="CuadroTexto 54">
-            <a:extLst>
-              <a:ext uri="{FF2B5EF4-FFF2-40B4-BE49-F238E27FC236}">
-                <a16:creationId xmlns:a16="http://schemas.microsoft.com/office/drawing/2014/main" id="{A0F00E56-F31A-1138-B33A-D58A8BADAAF1}"/>
+            <a:r>
+              <a:rPr lang="es-CL" sz="1200" dirty="0">
+                <a:latin typeface="Arial" panose="020B0604020202020204" pitchFamily="34" charset="0"/>
+                <a:cs typeface="Arial" panose="020B0604020202020204" pitchFamily="34" charset="0"/>
+              </a:rPr>
+              <a:t>0.139***</a:t>
+            </a:r>
+          </a:p>
+        </p:txBody>
+      </p:sp>
+      <p:sp>
+        <p:nvSpPr>
+          <p:cNvPr id="6" name="CuadroTexto 5">
+            <a:extLst>
+              <a:ext uri="{FF2B5EF4-FFF2-40B4-BE49-F238E27FC236}">
+                <a16:creationId xmlns:a16="http://schemas.microsoft.com/office/drawing/2014/main" id="{CD2889BA-F1F5-5102-C4E9-F31DA719F925}"/>
               </a:ext>
             </a:extLst>
           </p:cNvPr>
@@ -5870,19 +5873,61 @@
           <a:lstStyle/>
           <a:p>
             <a:pPr algn="ctr"/>
-            <a:endParaRPr lang="es-CL" sz="1200" dirty="0">
-              <a:latin typeface="Arial" panose="020B0604020202020204" pitchFamily="34" charset="0"/>
-              <a:cs typeface="Arial" panose="020B0604020202020204" pitchFamily="34" charset="0"/>
-            </a:endParaRPr>
-          </a:p>
-        </p:txBody>
-      </p:sp>
-      <p:sp>
-        <p:nvSpPr>
-          <p:cNvPr id="57" name="CuadroTexto 56">
-            <a:extLst>
-              <a:ext uri="{FF2B5EF4-FFF2-40B4-BE49-F238E27FC236}">
-                <a16:creationId xmlns:a16="http://schemas.microsoft.com/office/drawing/2014/main" id="{E0A49686-A7D8-32D2-2DA3-9D3DE5081014}"/>
+            <a:r>
+              <a:rPr lang="es-CL" sz="1200" dirty="0">
+                <a:latin typeface="Arial" panose="020B0604020202020204" pitchFamily="34" charset="0"/>
+                <a:cs typeface="Arial" panose="020B0604020202020204" pitchFamily="34" charset="0"/>
+              </a:rPr>
+              <a:t>0.139***</a:t>
+            </a:r>
+          </a:p>
+        </p:txBody>
+      </p:sp>
+      <p:sp>
+        <p:nvSpPr>
+          <p:cNvPr id="7" name="CuadroTexto 6">
+            <a:extLst>
+              <a:ext uri="{FF2B5EF4-FFF2-40B4-BE49-F238E27FC236}">
+                <a16:creationId xmlns:a16="http://schemas.microsoft.com/office/drawing/2014/main" id="{D2D93BC0-B62E-78BF-7790-7937062FDB21}"/>
+              </a:ext>
+            </a:extLst>
+          </p:cNvPr>
+          <p:cNvSpPr txBox="1"/>
+          <p:nvPr/>
+        </p:nvSpPr>
+        <p:spPr>
+          <a:xfrm rot="2347904">
+            <a:off x="5237089" y="1799053"/>
+            <a:ext cx="806269" cy="276999"/>
+          </a:xfrm>
+          <a:prstGeom prst="rect">
+            <a:avLst/>
+          </a:prstGeom>
+          <a:noFill/>
+        </p:spPr>
+        <p:txBody>
+          <a:bodyPr wrap="square" rtlCol="0">
+            <a:spAutoFit/>
+          </a:bodyPr>
+          <a:lstStyle/>
+          <a:p>
+            <a:pPr algn="ctr"/>
+            <a:r>
+              <a:rPr lang="es-CL" sz="1200" dirty="0">
+                <a:latin typeface="Arial" panose="020B0604020202020204" pitchFamily="34" charset="0"/>
+                <a:cs typeface="Arial" panose="020B0604020202020204" pitchFamily="34" charset="0"/>
+              </a:rPr>
+              <a:t>0.067*</a:t>
+            </a:r>
+          </a:p>
+        </p:txBody>
+      </p:sp>
+      <p:sp>
+        <p:nvSpPr>
+          <p:cNvPr id="9" name="CuadroTexto 8">
+            <a:extLst>
+              <a:ext uri="{FF2B5EF4-FFF2-40B4-BE49-F238E27FC236}">
+                <a16:creationId xmlns:a16="http://schemas.microsoft.com/office/drawing/2014/main" id="{71FD01ED-B972-90D2-2027-68589BACAA9D}"/>
               </a:ext>
             </a:extLst>
           </p:cNvPr>
@@ -5908,19 +5953,22 @@
           <a:lstStyle/>
           <a:p>
             <a:pPr algn="ctr"/>
-            <a:endParaRPr lang="es-CL" sz="1200" dirty="0">
-              <a:latin typeface="Arial" panose="020B0604020202020204" pitchFamily="34" charset="0"/>
-              <a:cs typeface="Arial" panose="020B0604020202020204" pitchFamily="34" charset="0"/>
-            </a:endParaRPr>
-          </a:p>
-        </p:txBody>
-      </p:sp>
-      <p:sp>
-        <p:nvSpPr>
-          <p:cNvPr id="58" name="CuadroTexto 57">
-            <a:extLst>
-              <a:ext uri="{FF2B5EF4-FFF2-40B4-BE49-F238E27FC236}">
-                <a16:creationId xmlns:a16="http://schemas.microsoft.com/office/drawing/2014/main" id="{D983D59F-92D1-2F2A-D799-02DEEC82033F}"/>
+            <a:r>
+              <a:rPr lang="es-CL" sz="1200" dirty="0">
+                <a:latin typeface="Arial" panose="020B0604020202020204" pitchFamily="34" charset="0"/>
+                <a:cs typeface="Arial" panose="020B0604020202020204" pitchFamily="34" charset="0"/>
+              </a:rPr>
+              <a:t>0.311***</a:t>
+            </a:r>
+          </a:p>
+        </p:txBody>
+      </p:sp>
+      <p:sp>
+        <p:nvSpPr>
+          <p:cNvPr id="85" name="CuadroTexto 84">
+            <a:extLst>
+              <a:ext uri="{FF2B5EF4-FFF2-40B4-BE49-F238E27FC236}">
+                <a16:creationId xmlns:a16="http://schemas.microsoft.com/office/drawing/2014/main" id="{FB88E0D3-30A8-8C56-D0A8-FE19D944D058}"/>
               </a:ext>
             </a:extLst>
           </p:cNvPr>
@@ -5944,19 +5992,22 @@
           <a:lstStyle/>
           <a:p>
             <a:pPr algn="ctr"/>
-            <a:endParaRPr lang="es-CL" sz="1200" dirty="0">
-              <a:latin typeface="Arial" panose="020B0604020202020204" pitchFamily="34" charset="0"/>
-              <a:cs typeface="Arial" panose="020B0604020202020204" pitchFamily="34" charset="0"/>
-            </a:endParaRPr>
-          </a:p>
-        </p:txBody>
-      </p:sp>
-      <p:sp>
-        <p:nvSpPr>
-          <p:cNvPr id="59" name="CuadroTexto 58">
-            <a:extLst>
-              <a:ext uri="{FF2B5EF4-FFF2-40B4-BE49-F238E27FC236}">
-                <a16:creationId xmlns:a16="http://schemas.microsoft.com/office/drawing/2014/main" id="{B8DB4D26-37D9-37C0-6E4E-ED5A03BBED64}"/>
+            <a:r>
+              <a:rPr lang="es-CL" sz="1200" dirty="0">
+                <a:latin typeface="Arial" panose="020B0604020202020204" pitchFamily="34" charset="0"/>
+                <a:cs typeface="Arial" panose="020B0604020202020204" pitchFamily="34" charset="0"/>
+              </a:rPr>
+              <a:t>0.067*</a:t>
+            </a:r>
+          </a:p>
+        </p:txBody>
+      </p:sp>
+      <p:sp>
+        <p:nvSpPr>
+          <p:cNvPr id="87" name="CuadroTexto 86">
+            <a:extLst>
+              <a:ext uri="{FF2B5EF4-FFF2-40B4-BE49-F238E27FC236}">
+                <a16:creationId xmlns:a16="http://schemas.microsoft.com/office/drawing/2014/main" id="{689F0E2A-BCB3-45EA-3BEF-714498CA5E87}"/>
               </a:ext>
             </a:extLst>
           </p:cNvPr>
@@ -5982,19 +6033,178 @@
           <a:lstStyle/>
           <a:p>
             <a:pPr algn="ctr"/>
-            <a:endParaRPr lang="es-CL" sz="1200" dirty="0">
-              <a:latin typeface="Arial" panose="020B0604020202020204" pitchFamily="34" charset="0"/>
-              <a:cs typeface="Arial" panose="020B0604020202020204" pitchFamily="34" charset="0"/>
-            </a:endParaRPr>
-          </a:p>
-        </p:txBody>
-      </p:sp>
-      <p:sp>
-        <p:nvSpPr>
-          <p:cNvPr id="64" name="CuadroTexto 63">
-            <a:extLst>
-              <a:ext uri="{FF2B5EF4-FFF2-40B4-BE49-F238E27FC236}">
-                <a16:creationId xmlns:a16="http://schemas.microsoft.com/office/drawing/2014/main" id="{7F9BBC26-2B45-9382-2968-7BB36E0252F4}"/>
+            <a:r>
+              <a:rPr lang="es-CL" sz="1200" dirty="0">
+                <a:latin typeface="Arial" panose="020B0604020202020204" pitchFamily="34" charset="0"/>
+                <a:cs typeface="Arial" panose="020B0604020202020204" pitchFamily="34" charset="0"/>
+              </a:rPr>
+              <a:t>0.311***</a:t>
+            </a:r>
+          </a:p>
+        </p:txBody>
+      </p:sp>
+      <p:sp>
+        <p:nvSpPr>
+          <p:cNvPr id="88" name="CuadroTexto 87">
+            <a:extLst>
+              <a:ext uri="{FF2B5EF4-FFF2-40B4-BE49-F238E27FC236}">
+                <a16:creationId xmlns:a16="http://schemas.microsoft.com/office/drawing/2014/main" id="{B35D5A20-5B40-11ED-7538-772DD5635ECC}"/>
+              </a:ext>
+            </a:extLst>
+          </p:cNvPr>
+          <p:cNvSpPr txBox="1"/>
+          <p:nvPr/>
+        </p:nvSpPr>
+        <p:spPr>
+          <a:xfrm rot="3580764">
+            <a:off x="6376502" y="4175699"/>
+            <a:ext cx="806269" cy="276999"/>
+          </a:xfrm>
+          <a:prstGeom prst="rect">
+            <a:avLst/>
+          </a:prstGeom>
+          <a:noFill/>
+        </p:spPr>
+        <p:txBody>
+          <a:bodyPr wrap="square" rtlCol="0">
+            <a:spAutoFit/>
+          </a:bodyPr>
+          <a:lstStyle/>
+          <a:p>
+            <a:pPr algn="ctr"/>
+            <a:r>
+              <a:rPr lang="es-CL" sz="1200" dirty="0">
+                <a:latin typeface="Arial" panose="020B0604020202020204" pitchFamily="34" charset="0"/>
+                <a:cs typeface="Arial" panose="020B0604020202020204" pitchFamily="34" charset="0"/>
+              </a:rPr>
+              <a:t>-0.101**</a:t>
+            </a:r>
+          </a:p>
+        </p:txBody>
+      </p:sp>
+      <p:sp>
+        <p:nvSpPr>
+          <p:cNvPr id="89" name="CuadroTexto 88">
+            <a:extLst>
+              <a:ext uri="{FF2B5EF4-FFF2-40B4-BE49-F238E27FC236}">
+                <a16:creationId xmlns:a16="http://schemas.microsoft.com/office/drawing/2014/main" id="{03A4A394-7185-CD8A-973C-40B8ABCB6A34}"/>
+              </a:ext>
+            </a:extLst>
+          </p:cNvPr>
+          <p:cNvSpPr txBox="1"/>
+          <p:nvPr/>
+        </p:nvSpPr>
+        <p:spPr>
+          <a:xfrm rot="3580764">
+            <a:off x="9376763" y="4175698"/>
+            <a:ext cx="806269" cy="276999"/>
+          </a:xfrm>
+          <a:prstGeom prst="rect">
+            <a:avLst/>
+          </a:prstGeom>
+          <a:noFill/>
+        </p:spPr>
+        <p:txBody>
+          <a:bodyPr wrap="square" rtlCol="0">
+            <a:spAutoFit/>
+          </a:bodyPr>
+          <a:lstStyle/>
+          <a:p>
+            <a:pPr algn="ctr"/>
+            <a:r>
+              <a:rPr lang="es-CL" sz="1200" dirty="0">
+                <a:latin typeface="Arial" panose="020B0604020202020204" pitchFamily="34" charset="0"/>
+                <a:cs typeface="Arial" panose="020B0604020202020204" pitchFamily="34" charset="0"/>
+              </a:rPr>
+              <a:t>-0.101**</a:t>
+            </a:r>
+          </a:p>
+        </p:txBody>
+      </p:sp>
+      <p:sp>
+        <p:nvSpPr>
+          <p:cNvPr id="91" name="CuadroTexto 90">
+            <a:extLst>
+              <a:ext uri="{FF2B5EF4-FFF2-40B4-BE49-F238E27FC236}">
+                <a16:creationId xmlns:a16="http://schemas.microsoft.com/office/drawing/2014/main" id="{BDAAF20A-A348-DC9E-C70D-97B738477C53}"/>
+              </a:ext>
+            </a:extLst>
+          </p:cNvPr>
+          <p:cNvSpPr txBox="1"/>
+          <p:nvPr/>
+        </p:nvSpPr>
+        <p:spPr>
+          <a:xfrm rot="2297956">
+            <a:off x="5106982" y="3436876"/>
+            <a:ext cx="806269" cy="276999"/>
+          </a:xfrm>
+          <a:prstGeom prst="rect">
+            <a:avLst/>
+          </a:prstGeom>
+          <a:noFill/>
+        </p:spPr>
+        <p:txBody>
+          <a:bodyPr wrap="square" rtlCol="0">
+            <a:spAutoFit/>
+          </a:bodyPr>
+          <a:lstStyle/>
+          <a:p>
+            <a:pPr algn="ctr"/>
+            <a:r>
+              <a:rPr lang="es-CL" sz="1200" dirty="0">
+                <a:latin typeface="Arial" panose="020B0604020202020204" pitchFamily="34" charset="0"/>
+                <a:cs typeface="Arial" panose="020B0604020202020204" pitchFamily="34" charset="0"/>
+              </a:rPr>
+              <a:t>-0.06**</a:t>
+            </a:r>
+          </a:p>
+        </p:txBody>
+      </p:sp>
+      <p:sp>
+        <p:nvSpPr>
+          <p:cNvPr id="92" name="CuadroTexto 91">
+            <a:extLst>
+              <a:ext uri="{FF2B5EF4-FFF2-40B4-BE49-F238E27FC236}">
+                <a16:creationId xmlns:a16="http://schemas.microsoft.com/office/drawing/2014/main" id="{960044D5-95A2-7CB7-A229-B0E652ABA6EF}"/>
+              </a:ext>
+            </a:extLst>
+          </p:cNvPr>
+          <p:cNvSpPr txBox="1"/>
+          <p:nvPr/>
+        </p:nvSpPr>
+        <p:spPr>
+          <a:xfrm rot="2297956">
+            <a:off x="8103222" y="3436876"/>
+            <a:ext cx="806269" cy="276999"/>
+          </a:xfrm>
+          <a:prstGeom prst="rect">
+            <a:avLst/>
+          </a:prstGeom>
+          <a:noFill/>
+        </p:spPr>
+        <p:txBody>
+          <a:bodyPr wrap="square" rtlCol="0">
+            <a:spAutoFit/>
+          </a:bodyPr>
+          <a:lstStyle/>
+          <a:p>
+            <a:pPr algn="ctr"/>
+            <a:r>
+              <a:rPr lang="es-CL" sz="1200" dirty="0">
+                <a:latin typeface="Arial" panose="020B0604020202020204" pitchFamily="34" charset="0"/>
+                <a:cs typeface="Arial" panose="020B0604020202020204" pitchFamily="34" charset="0"/>
+              </a:rPr>
+              <a:t>-0.06**</a:t>
+            </a:r>
+          </a:p>
+        </p:txBody>
+      </p:sp>
+      <p:sp>
+        <p:nvSpPr>
+          <p:cNvPr id="93" name="CuadroTexto 92">
+            <a:extLst>
+              <a:ext uri="{FF2B5EF4-FFF2-40B4-BE49-F238E27FC236}">
+                <a16:creationId xmlns:a16="http://schemas.microsoft.com/office/drawing/2014/main" id="{055ECF23-4843-7E73-89FD-769E5DCDB599}"/>
               </a:ext>
             </a:extLst>
           </p:cNvPr>
@@ -6020,19 +6230,22 @@
           <a:lstStyle/>
           <a:p>
             <a:pPr algn="ctr"/>
-            <a:endParaRPr lang="es-CL" sz="1200" dirty="0">
-              <a:latin typeface="Arial" panose="020B0604020202020204" pitchFamily="34" charset="0"/>
-              <a:cs typeface="Arial" panose="020B0604020202020204" pitchFamily="34" charset="0"/>
-            </a:endParaRPr>
-          </a:p>
-        </p:txBody>
-      </p:sp>
-      <p:sp>
-        <p:nvSpPr>
-          <p:cNvPr id="65" name="CuadroTexto 64">
-            <a:extLst>
-              <a:ext uri="{FF2B5EF4-FFF2-40B4-BE49-F238E27FC236}">
-                <a16:creationId xmlns:a16="http://schemas.microsoft.com/office/drawing/2014/main" id="{FA4EC146-9536-FCCF-09CA-B50EC2BF72DA}"/>
+            <a:r>
+              <a:rPr lang="es-CL" sz="1200" dirty="0">
+                <a:latin typeface="Arial" panose="020B0604020202020204" pitchFamily="34" charset="0"/>
+                <a:cs typeface="Arial" panose="020B0604020202020204" pitchFamily="34" charset="0"/>
+              </a:rPr>
+              <a:t>0.143***</a:t>
+            </a:r>
+          </a:p>
+        </p:txBody>
+      </p:sp>
+      <p:sp>
+        <p:nvSpPr>
+          <p:cNvPr id="94" name="CuadroTexto 93">
+            <a:extLst>
+              <a:ext uri="{FF2B5EF4-FFF2-40B4-BE49-F238E27FC236}">
+                <a16:creationId xmlns:a16="http://schemas.microsoft.com/office/drawing/2014/main" id="{43484EBC-18C6-CED3-0311-9804B7C22831}"/>
               </a:ext>
             </a:extLst>
           </p:cNvPr>
@@ -6058,19 +6271,22 @@
           <a:lstStyle/>
           <a:p>
             <a:pPr algn="ctr"/>
-            <a:endParaRPr lang="es-CL" sz="1200" dirty="0">
-              <a:latin typeface="Arial" panose="020B0604020202020204" pitchFamily="34" charset="0"/>
-              <a:cs typeface="Arial" panose="020B0604020202020204" pitchFamily="34" charset="0"/>
-            </a:endParaRPr>
-          </a:p>
-        </p:txBody>
-      </p:sp>
-      <p:sp>
-        <p:nvSpPr>
-          <p:cNvPr id="66" name="CuadroTexto 65">
-            <a:extLst>
-              <a:ext uri="{FF2B5EF4-FFF2-40B4-BE49-F238E27FC236}">
-                <a16:creationId xmlns:a16="http://schemas.microsoft.com/office/drawing/2014/main" id="{407D874E-1777-71BB-2C6F-A66139B67B2B}"/>
+            <a:r>
+              <a:rPr lang="es-CL" sz="1200" dirty="0">
+                <a:latin typeface="Arial" panose="020B0604020202020204" pitchFamily="34" charset="0"/>
+                <a:cs typeface="Arial" panose="020B0604020202020204" pitchFamily="34" charset="0"/>
+              </a:rPr>
+              <a:t>0.143***</a:t>
+            </a:r>
+          </a:p>
+        </p:txBody>
+      </p:sp>
+      <p:sp>
+        <p:nvSpPr>
+          <p:cNvPr id="95" name="CuadroTexto 94">
+            <a:extLst>
+              <a:ext uri="{FF2B5EF4-FFF2-40B4-BE49-F238E27FC236}">
+                <a16:creationId xmlns:a16="http://schemas.microsoft.com/office/drawing/2014/main" id="{D2D58D7D-6E2F-666B-45E2-A1E158C1D126}"/>
               </a:ext>
             </a:extLst>
           </p:cNvPr>
@@ -6096,19 +6312,22 @@
           <a:lstStyle/>
           <a:p>
             <a:pPr algn="ctr"/>
-            <a:endParaRPr lang="es-CL" sz="1200" dirty="0">
-              <a:latin typeface="Arial" panose="020B0604020202020204" pitchFamily="34" charset="0"/>
-              <a:cs typeface="Arial" panose="020B0604020202020204" pitchFamily="34" charset="0"/>
-            </a:endParaRPr>
-          </a:p>
-        </p:txBody>
-      </p:sp>
-      <p:sp>
-        <p:nvSpPr>
-          <p:cNvPr id="67" name="CuadroTexto 66">
-            <a:extLst>
-              <a:ext uri="{FF2B5EF4-FFF2-40B4-BE49-F238E27FC236}">
-                <a16:creationId xmlns:a16="http://schemas.microsoft.com/office/drawing/2014/main" id="{696EB581-6167-3A87-9F19-07C34392B545}"/>
+            <a:r>
+              <a:rPr lang="es-CL" sz="1200" dirty="0">
+                <a:latin typeface="Arial" panose="020B0604020202020204" pitchFamily="34" charset="0"/>
+                <a:cs typeface="Arial" panose="020B0604020202020204" pitchFamily="34" charset="0"/>
+              </a:rPr>
+              <a:t>0.106***</a:t>
+            </a:r>
+          </a:p>
+        </p:txBody>
+      </p:sp>
+      <p:sp>
+        <p:nvSpPr>
+          <p:cNvPr id="96" name="CuadroTexto 95">
+            <a:extLst>
+              <a:ext uri="{FF2B5EF4-FFF2-40B4-BE49-F238E27FC236}">
+                <a16:creationId xmlns:a16="http://schemas.microsoft.com/office/drawing/2014/main" id="{EF8126BC-6E74-2C8D-3080-18F83D995809}"/>
               </a:ext>
             </a:extLst>
           </p:cNvPr>
@@ -6134,19 +6353,22 @@
           <a:lstStyle/>
           <a:p>
             <a:pPr algn="ctr"/>
-            <a:endParaRPr lang="es-CL" sz="1200" dirty="0">
-              <a:latin typeface="Arial" panose="020B0604020202020204" pitchFamily="34" charset="0"/>
-              <a:cs typeface="Arial" panose="020B0604020202020204" pitchFamily="34" charset="0"/>
-            </a:endParaRPr>
-          </a:p>
-        </p:txBody>
-      </p:sp>
-      <p:sp>
-        <p:nvSpPr>
-          <p:cNvPr id="68" name="CuadroTexto 67">
-            <a:extLst>
-              <a:ext uri="{FF2B5EF4-FFF2-40B4-BE49-F238E27FC236}">
-                <a16:creationId xmlns:a16="http://schemas.microsoft.com/office/drawing/2014/main" id="{636FACF6-AA73-C491-703A-894E0D8D7F92}"/>
+            <a:r>
+              <a:rPr lang="es-CL" sz="1200" dirty="0">
+                <a:latin typeface="Arial" panose="020B0604020202020204" pitchFamily="34" charset="0"/>
+                <a:cs typeface="Arial" panose="020B0604020202020204" pitchFamily="34" charset="0"/>
+              </a:rPr>
+              <a:t>-0.233***</a:t>
+            </a:r>
+          </a:p>
+        </p:txBody>
+      </p:sp>
+      <p:sp>
+        <p:nvSpPr>
+          <p:cNvPr id="97" name="CuadroTexto 96">
+            <a:extLst>
+              <a:ext uri="{FF2B5EF4-FFF2-40B4-BE49-F238E27FC236}">
+                <a16:creationId xmlns:a16="http://schemas.microsoft.com/office/drawing/2014/main" id="{DA613165-2977-E213-7878-F54660B95915}"/>
               </a:ext>
             </a:extLst>
           </p:cNvPr>
@@ -6172,67 +6394,50 @@
           <a:lstStyle/>
           <a:p>
             <a:pPr algn="ctr"/>
-            <a:endParaRPr lang="es-CL" sz="1200" dirty="0">
-              <a:latin typeface="Arial" panose="020B0604020202020204" pitchFamily="34" charset="0"/>
-              <a:cs typeface="Arial" panose="020B0604020202020204" pitchFamily="34" charset="0"/>
-            </a:endParaRPr>
-          </a:p>
-        </p:txBody>
-      </p:sp>
-      <p:sp>
-        <p:nvSpPr>
-          <p:cNvPr id="69" name="Título 100">
-            <a:extLst>
-              <a:ext uri="{FF2B5EF4-FFF2-40B4-BE49-F238E27FC236}">
-                <a16:creationId xmlns:a16="http://schemas.microsoft.com/office/drawing/2014/main" id="{04CA6C2A-F610-3BF5-F8C9-414BB02832B9}"/>
-              </a:ext>
-            </a:extLst>
-          </p:cNvPr>
-          <p:cNvSpPr txBox="1">
-            <a:spLocks/>
+            <a:r>
+              <a:rPr lang="es-CL" sz="1200" dirty="0">
+                <a:latin typeface="Arial" panose="020B0604020202020204" pitchFamily="34" charset="0"/>
+                <a:cs typeface="Arial" panose="020B0604020202020204" pitchFamily="34" charset="0"/>
+              </a:rPr>
+              <a:t>-0.259***</a:t>
+            </a:r>
+          </a:p>
+        </p:txBody>
+      </p:sp>
+      <p:sp>
+        <p:nvSpPr>
+          <p:cNvPr id="101" name="Título 100">
+            <a:extLst>
+              <a:ext uri="{FF2B5EF4-FFF2-40B4-BE49-F238E27FC236}">
+                <a16:creationId xmlns:a16="http://schemas.microsoft.com/office/drawing/2014/main" id="{2C3D7774-2624-BD3E-AEC0-BA14A6184925}"/>
+              </a:ext>
+            </a:extLst>
+          </p:cNvPr>
+          <p:cNvSpPr>
+            <a:spLocks noGrp="1"/>
           </p:cNvSpPr>
-          <p:nvPr/>
+          <p:nvPr>
+            <p:ph type="title"/>
+          </p:nvPr>
         </p:nvSpPr>
         <p:spPr>
           <a:xfrm>
             <a:off x="838200" y="133396"/>
             <a:ext cx="10515600" cy="401364"/>
           </a:xfrm>
-          <a:prstGeom prst="rect">
-            <a:avLst/>
-          </a:prstGeom>
-        </p:spPr>
-        <p:txBody>
-          <a:bodyPr vert="horz" lIns="91440" tIns="45720" rIns="91440" bIns="45720" rtlCol="0" anchor="b">
+        </p:spPr>
+        <p:txBody>
+          <a:bodyPr>
             <a:noAutofit/>
           </a:bodyPr>
-          <a:lstStyle>
-            <a:lvl1pPr algn="ctr" defTabSz="914400" rtl="0" eaLnBrk="1" latinLnBrk="0" hangingPunct="1">
-              <a:lnSpc>
-                <a:spcPct val="90000"/>
-              </a:lnSpc>
-              <a:spcBef>
-                <a:spcPct val="0"/>
-              </a:spcBef>
-              <a:buNone/>
-              <a:defRPr sz="6000" kern="1200">
-                <a:solidFill>
-                  <a:schemeClr val="tx1"/>
-                </a:solidFill>
-                <a:latin typeface="+mj-lt"/>
-                <a:ea typeface="+mj-ea"/>
-                <a:cs typeface="+mj-cs"/>
-              </a:defRPr>
-            </a:lvl1pPr>
-          </a:lstStyle>
-          <a:p>
-            <a:pPr algn="l"/>
+          <a:lstStyle/>
+          <a:p>
             <a:r>
               <a:rPr lang="es-CL" sz="3200" dirty="0" err="1">
                 <a:latin typeface="Arial" panose="020B0604020202020204" pitchFamily="34" charset="0"/>
                 <a:cs typeface="Arial" panose="020B0604020202020204" pitchFamily="34" charset="0"/>
               </a:rPr>
-              <a:t>One</a:t>
+              <a:t>Three</a:t>
             </a:r>
             <a:r>
               <a:rPr lang="es-CL" sz="3200" dirty="0">
@@ -6246,7 +6451,7 @@
                 <a:latin typeface="Arial" panose="020B0604020202020204" pitchFamily="34" charset="0"/>
                 <a:cs typeface="Arial" panose="020B0604020202020204" pitchFamily="34" charset="0"/>
               </a:rPr>
-              <a:t>item</a:t>
+              <a:t>items</a:t>
             </a:r>
             <a:r>
               <a:rPr lang="es-CL" sz="3200" dirty="0">
@@ -6261,7 +6466,7 @@
     </p:spTree>
     <p:extLst>
       <p:ext uri="{BB962C8B-B14F-4D97-AF65-F5344CB8AC3E}">
-        <p14:creationId xmlns:p14="http://schemas.microsoft.com/office/powerpoint/2010/main" val="3275890845"/>
+        <p14:creationId xmlns:p14="http://schemas.microsoft.com/office/powerpoint/2010/main" val="2982308774"/>
       </p:ext>
     </p:extLst>
   </p:cSld>
@@ -7231,7 +7436,7 @@
                 <a:latin typeface="Arial" panose="020B0604020202020204" pitchFamily="34" charset="0"/>
                 <a:cs typeface="Arial" panose="020B0604020202020204" pitchFamily="34" charset="0"/>
               </a:rPr>
-              <a:t>Note: Constrained random intercept cross-lagged panel model (RI-CLPM) of the relationships between Attitudes Toward Democracy (ATD), Participation in Collective Action (PCA) and Right-Wing Authoritarianism (RWA). The model comprises five waves; since it is constrained, three waves are illustrated to optimize space. Coefficients are unstandardized. Grey dotted lines reflect non-significant paths. To ease intelligibility, manifest indicators and contemporaneous residual covariances were excluded from the figure. The indirect effect of ATD over RWA, mediated by PCA, is non-significative. *p&lt;.05; **p&lt;.01, ***p&lt;.001.</a:t>
+              <a:t>Note: Constrained random intercept cross-lagged panel model (RI-CLPM) of the relationships between Attitudes Toward Democracy (ATD), Participation in Collective Action (PCA) and Right-Wing Authoritarianism (RWA). The model comprises five waves; since it is constrained, three waves are illustrated to optimize space. Coefficients are unstandardized. Grey dotted lines reflect non-significant paths. To ease intelligibility, manifest indicators and contemporaneous residual covariances were excluded from the figure. The indirect effect of ATD over RWA, mediated by PCA, is non-significative. *p&lt;05; **p&lt;.01, ***p&lt;.001.</a:t>
             </a:r>
           </a:p>
         </p:txBody>
@@ -8472,11 +8677,9 @@
           </a:prstGeom>
           <a:ln w="19050">
             <a:solidFill>
-              <a:schemeClr val="bg2">
-                <a:lumMod val="90000"/>
-              </a:schemeClr>
+              <a:srgbClr val="00B050"/>
             </a:solidFill>
-            <a:prstDash val="sysDash"/>
+            <a:prstDash val="solid"/>
             <a:tailEnd type="triangle"/>
           </a:ln>
         </p:spPr>
@@ -8570,11 +8773,9 @@
           </a:prstGeom>
           <a:ln w="19050">
             <a:solidFill>
-              <a:schemeClr val="bg2">
-                <a:lumMod val="90000"/>
-              </a:schemeClr>
+              <a:srgbClr val="00B050"/>
             </a:solidFill>
-            <a:prstDash val="sysDash"/>
+            <a:prstDash val="solid"/>
             <a:tailEnd type="triangle"/>
           </a:ln>
         </p:spPr>
@@ -8776,7 +8977,7 @@
                 <a:latin typeface="Arial" panose="020B0604020202020204" pitchFamily="34" charset="0"/>
                 <a:cs typeface="Arial" panose="020B0604020202020204" pitchFamily="34" charset="0"/>
               </a:rPr>
-              <a:t>0.139***</a:t>
+              <a:t>0.089*</a:t>
             </a:r>
           </a:p>
         </p:txBody>
@@ -8797,6 +8998,129 @@
           <a:xfrm>
             <a:off x="8668454" y="1442530"/>
             <a:ext cx="806269" cy="276999"/>
+          </a:xfrm>
+          <a:prstGeom prst="rect">
+            <a:avLst/>
+          </a:prstGeom>
+          <a:solidFill>
+            <a:schemeClr val="bg1"/>
+          </a:solidFill>
+        </p:spPr>
+        <p:txBody>
+          <a:bodyPr wrap="square" rtlCol="0">
+            <a:spAutoFit/>
+          </a:bodyPr>
+          <a:lstStyle/>
+          <a:p>
+            <a:pPr algn="ctr"/>
+            <a:r>
+              <a:rPr lang="es-CL" sz="1200" dirty="0">
+                <a:latin typeface="Arial" panose="020B0604020202020204" pitchFamily="34" charset="0"/>
+                <a:cs typeface="Arial" panose="020B0604020202020204" pitchFamily="34" charset="0"/>
+              </a:rPr>
+              <a:t>0.089*</a:t>
+            </a:r>
+          </a:p>
+        </p:txBody>
+      </p:sp>
+      <p:sp>
+        <p:nvSpPr>
+          <p:cNvPr id="9" name="CuadroTexto 8">
+            <a:extLst>
+              <a:ext uri="{FF2B5EF4-FFF2-40B4-BE49-F238E27FC236}">
+                <a16:creationId xmlns:a16="http://schemas.microsoft.com/office/drawing/2014/main" id="{71FD01ED-B972-90D2-2027-68589BACAA9D}"/>
+              </a:ext>
+            </a:extLst>
+          </p:cNvPr>
+          <p:cNvSpPr txBox="1"/>
+          <p:nvPr/>
+        </p:nvSpPr>
+        <p:spPr>
+          <a:xfrm>
+            <a:off x="5240106" y="3171549"/>
+            <a:ext cx="749781" cy="276999"/>
+          </a:xfrm>
+          <a:prstGeom prst="rect">
+            <a:avLst/>
+          </a:prstGeom>
+          <a:solidFill>
+            <a:schemeClr val="bg1"/>
+          </a:solidFill>
+        </p:spPr>
+        <p:txBody>
+          <a:bodyPr wrap="square" rtlCol="0">
+            <a:spAutoFit/>
+          </a:bodyPr>
+          <a:lstStyle/>
+          <a:p>
+            <a:pPr algn="ctr"/>
+            <a:r>
+              <a:rPr lang="es-CL" sz="1200" dirty="0">
+                <a:latin typeface="Arial" panose="020B0604020202020204" pitchFamily="34" charset="0"/>
+                <a:cs typeface="Arial" panose="020B0604020202020204" pitchFamily="34" charset="0"/>
+              </a:rPr>
+              <a:t>0.312***</a:t>
+            </a:r>
+          </a:p>
+        </p:txBody>
+      </p:sp>
+      <p:sp>
+        <p:nvSpPr>
+          <p:cNvPr id="87" name="CuadroTexto 86">
+            <a:extLst>
+              <a:ext uri="{FF2B5EF4-FFF2-40B4-BE49-F238E27FC236}">
+                <a16:creationId xmlns:a16="http://schemas.microsoft.com/office/drawing/2014/main" id="{689F0E2A-BCB3-45EA-3BEF-714498CA5E87}"/>
+              </a:ext>
+            </a:extLst>
+          </p:cNvPr>
+          <p:cNvSpPr txBox="1"/>
+          <p:nvPr/>
+        </p:nvSpPr>
+        <p:spPr>
+          <a:xfrm>
+            <a:off x="8225687" y="3177735"/>
+            <a:ext cx="749781" cy="276999"/>
+          </a:xfrm>
+          <a:prstGeom prst="rect">
+            <a:avLst/>
+          </a:prstGeom>
+          <a:solidFill>
+            <a:schemeClr val="bg1"/>
+          </a:solidFill>
+        </p:spPr>
+        <p:txBody>
+          <a:bodyPr wrap="square" rtlCol="0">
+            <a:spAutoFit/>
+          </a:bodyPr>
+          <a:lstStyle/>
+          <a:p>
+            <a:pPr algn="ctr"/>
+            <a:r>
+              <a:rPr lang="es-CL" sz="1200" dirty="0">
+                <a:latin typeface="Arial" panose="020B0604020202020204" pitchFamily="34" charset="0"/>
+                <a:cs typeface="Arial" panose="020B0604020202020204" pitchFamily="34" charset="0"/>
+              </a:rPr>
+              <a:t>0.312***</a:t>
+            </a:r>
+          </a:p>
+        </p:txBody>
+      </p:sp>
+      <p:sp>
+        <p:nvSpPr>
+          <p:cNvPr id="93" name="CuadroTexto 92">
+            <a:extLst>
+              <a:ext uri="{FF2B5EF4-FFF2-40B4-BE49-F238E27FC236}">
+                <a16:creationId xmlns:a16="http://schemas.microsoft.com/office/drawing/2014/main" id="{055ECF23-4843-7E73-89FD-769E5DCDB599}"/>
+              </a:ext>
+            </a:extLst>
+          </p:cNvPr>
+          <p:cNvSpPr txBox="1"/>
+          <p:nvPr/>
+        </p:nvSpPr>
+        <p:spPr>
+          <a:xfrm>
+            <a:off x="5709407" y="4914243"/>
+            <a:ext cx="749781" cy="276999"/>
           </a:xfrm>
           <a:prstGeom prst="rect">
             <a:avLst/>
@@ -8824,10 +9148,10 @@
       </p:sp>
       <p:sp>
         <p:nvSpPr>
-          <p:cNvPr id="7" name="CuadroTexto 6">
-            <a:extLst>
-              <a:ext uri="{FF2B5EF4-FFF2-40B4-BE49-F238E27FC236}">
-                <a16:creationId xmlns:a16="http://schemas.microsoft.com/office/drawing/2014/main" id="{D2D93BC0-B62E-78BF-7790-7937062FDB21}"/>
+          <p:cNvPr id="94" name="CuadroTexto 93">
+            <a:extLst>
+              <a:ext uri="{FF2B5EF4-FFF2-40B4-BE49-F238E27FC236}">
+                <a16:creationId xmlns:a16="http://schemas.microsoft.com/office/drawing/2014/main" id="{43484EBC-18C6-CED3-0311-9804B7C22831}"/>
               </a:ext>
             </a:extLst>
           </p:cNvPr>
@@ -8835,14 +9159,16 @@
           <p:nvPr/>
         </p:nvSpPr>
         <p:spPr>
-          <a:xfrm rot="2347904">
-            <a:off x="5237089" y="1799053"/>
-            <a:ext cx="806269" cy="276999"/>
+          <a:xfrm>
+            <a:off x="8696697" y="4908220"/>
+            <a:ext cx="749781" cy="276999"/>
           </a:xfrm>
           <a:prstGeom prst="rect">
             <a:avLst/>
           </a:prstGeom>
-          <a:noFill/>
+          <a:solidFill>
+            <a:schemeClr val="bg1"/>
+          </a:solidFill>
         </p:spPr>
         <p:txBody>
           <a:bodyPr wrap="square" rtlCol="0">
@@ -8856,17 +9182,17 @@
                 <a:latin typeface="Arial" panose="020B0604020202020204" pitchFamily="34" charset="0"/>
                 <a:cs typeface="Arial" panose="020B0604020202020204" pitchFamily="34" charset="0"/>
               </a:rPr>
-              <a:t>0.067*</a:t>
-            </a:r>
-          </a:p>
-        </p:txBody>
-      </p:sp>
-      <p:sp>
-        <p:nvSpPr>
-          <p:cNvPr id="9" name="CuadroTexto 8">
-            <a:extLst>
-              <a:ext uri="{FF2B5EF4-FFF2-40B4-BE49-F238E27FC236}">
-                <a16:creationId xmlns:a16="http://schemas.microsoft.com/office/drawing/2014/main" id="{71FD01ED-B972-90D2-2027-68589BACAA9D}"/>
+              <a:t>0.139***</a:t>
+            </a:r>
+          </a:p>
+        </p:txBody>
+      </p:sp>
+      <p:sp>
+        <p:nvSpPr>
+          <p:cNvPr id="95" name="CuadroTexto 94">
+            <a:extLst>
+              <a:ext uri="{FF2B5EF4-FFF2-40B4-BE49-F238E27FC236}">
+                <a16:creationId xmlns:a16="http://schemas.microsoft.com/office/drawing/2014/main" id="{D2D58D7D-6E2F-666B-45E2-A1E158C1D126}"/>
               </a:ext>
             </a:extLst>
           </p:cNvPr>
@@ -8875,7 +9201,7 @@
         </p:nvSpPr>
         <p:spPr>
           <a:xfrm>
-            <a:off x="5240106" y="3171549"/>
+            <a:off x="2971971" y="2357027"/>
             <a:ext cx="749781" cy="276999"/>
           </a:xfrm>
           <a:prstGeom prst="rect">
@@ -8897,17 +9223,17 @@
                 <a:latin typeface="Arial" panose="020B0604020202020204" pitchFamily="34" charset="0"/>
                 <a:cs typeface="Arial" panose="020B0604020202020204" pitchFamily="34" charset="0"/>
               </a:rPr>
-              <a:t>0.311***</a:t>
-            </a:r>
-          </a:p>
-        </p:txBody>
-      </p:sp>
-      <p:sp>
-        <p:nvSpPr>
-          <p:cNvPr id="85" name="CuadroTexto 84">
-            <a:extLst>
-              <a:ext uri="{FF2B5EF4-FFF2-40B4-BE49-F238E27FC236}">
-                <a16:creationId xmlns:a16="http://schemas.microsoft.com/office/drawing/2014/main" id="{FB88E0D3-30A8-8C56-D0A8-FE19D944D058}"/>
+              <a:t>0.15***</a:t>
+            </a:r>
+          </a:p>
+        </p:txBody>
+      </p:sp>
+      <p:sp>
+        <p:nvSpPr>
+          <p:cNvPr id="96" name="CuadroTexto 95">
+            <a:extLst>
+              <a:ext uri="{FF2B5EF4-FFF2-40B4-BE49-F238E27FC236}">
+                <a16:creationId xmlns:a16="http://schemas.microsoft.com/office/drawing/2014/main" id="{EF8126BC-6E74-2C8D-3080-18F83D995809}"/>
               </a:ext>
             </a:extLst>
           </p:cNvPr>
@@ -8915,14 +9241,16 @@
           <p:nvPr/>
         </p:nvSpPr>
         <p:spPr>
-          <a:xfrm rot="2347904">
-            <a:off x="8253618" y="1826375"/>
-            <a:ext cx="806269" cy="276999"/>
+          <a:xfrm>
+            <a:off x="1044847" y="3177734"/>
+            <a:ext cx="804186" cy="276999"/>
           </a:xfrm>
           <a:prstGeom prst="rect">
             <a:avLst/>
           </a:prstGeom>
-          <a:noFill/>
+          <a:solidFill>
+            <a:schemeClr val="bg1"/>
+          </a:solidFill>
         </p:spPr>
         <p:txBody>
           <a:bodyPr wrap="square" rtlCol="0">
@@ -8936,17 +9264,17 @@
                 <a:latin typeface="Arial" panose="020B0604020202020204" pitchFamily="34" charset="0"/>
                 <a:cs typeface="Arial" panose="020B0604020202020204" pitchFamily="34" charset="0"/>
               </a:rPr>
-              <a:t>0.067*</a:t>
-            </a:r>
-          </a:p>
-        </p:txBody>
-      </p:sp>
-      <p:sp>
-        <p:nvSpPr>
-          <p:cNvPr id="87" name="CuadroTexto 86">
-            <a:extLst>
-              <a:ext uri="{FF2B5EF4-FFF2-40B4-BE49-F238E27FC236}">
-                <a16:creationId xmlns:a16="http://schemas.microsoft.com/office/drawing/2014/main" id="{689F0E2A-BCB3-45EA-3BEF-714498CA5E87}"/>
+              <a:t>-0.326***</a:t>
+            </a:r>
+          </a:p>
+        </p:txBody>
+      </p:sp>
+      <p:sp>
+        <p:nvSpPr>
+          <p:cNvPr id="97" name="CuadroTexto 96">
+            <a:extLst>
+              <a:ext uri="{FF2B5EF4-FFF2-40B4-BE49-F238E27FC236}">
+                <a16:creationId xmlns:a16="http://schemas.microsoft.com/office/drawing/2014/main" id="{DA613165-2977-E213-7878-F54660B95915}"/>
               </a:ext>
             </a:extLst>
           </p:cNvPr>
@@ -8955,8 +9283,8 @@
         </p:nvSpPr>
         <p:spPr>
           <a:xfrm>
-            <a:off x="8225687" y="3177735"/>
-            <a:ext cx="749781" cy="276999"/>
+            <a:off x="2855993" y="4089873"/>
+            <a:ext cx="865759" cy="276999"/>
           </a:xfrm>
           <a:prstGeom prst="rect">
             <a:avLst/>
@@ -8977,368 +9305,7 @@
                 <a:latin typeface="Arial" panose="020B0604020202020204" pitchFamily="34" charset="0"/>
                 <a:cs typeface="Arial" panose="020B0604020202020204" pitchFamily="34" charset="0"/>
               </a:rPr>
-              <a:t>0.311***</a:t>
-            </a:r>
-          </a:p>
-        </p:txBody>
-      </p:sp>
-      <p:sp>
-        <p:nvSpPr>
-          <p:cNvPr id="88" name="CuadroTexto 87">
-            <a:extLst>
-              <a:ext uri="{FF2B5EF4-FFF2-40B4-BE49-F238E27FC236}">
-                <a16:creationId xmlns:a16="http://schemas.microsoft.com/office/drawing/2014/main" id="{B35D5A20-5B40-11ED-7538-772DD5635ECC}"/>
-              </a:ext>
-            </a:extLst>
-          </p:cNvPr>
-          <p:cNvSpPr txBox="1"/>
-          <p:nvPr/>
-        </p:nvSpPr>
-        <p:spPr>
-          <a:xfrm rot="3580764">
-            <a:off x="6376502" y="4175699"/>
-            <a:ext cx="806269" cy="276999"/>
-          </a:xfrm>
-          <a:prstGeom prst="rect">
-            <a:avLst/>
-          </a:prstGeom>
-          <a:noFill/>
-        </p:spPr>
-        <p:txBody>
-          <a:bodyPr wrap="square" rtlCol="0">
-            <a:spAutoFit/>
-          </a:bodyPr>
-          <a:lstStyle/>
-          <a:p>
-            <a:pPr algn="ctr"/>
-            <a:r>
-              <a:rPr lang="es-CL" sz="1200" dirty="0">
-                <a:latin typeface="Arial" panose="020B0604020202020204" pitchFamily="34" charset="0"/>
-                <a:cs typeface="Arial" panose="020B0604020202020204" pitchFamily="34" charset="0"/>
-              </a:rPr>
-              <a:t>-0.101**</a:t>
-            </a:r>
-          </a:p>
-        </p:txBody>
-      </p:sp>
-      <p:sp>
-        <p:nvSpPr>
-          <p:cNvPr id="89" name="CuadroTexto 88">
-            <a:extLst>
-              <a:ext uri="{FF2B5EF4-FFF2-40B4-BE49-F238E27FC236}">
-                <a16:creationId xmlns:a16="http://schemas.microsoft.com/office/drawing/2014/main" id="{03A4A394-7185-CD8A-973C-40B8ABCB6A34}"/>
-              </a:ext>
-            </a:extLst>
-          </p:cNvPr>
-          <p:cNvSpPr txBox="1"/>
-          <p:nvPr/>
-        </p:nvSpPr>
-        <p:spPr>
-          <a:xfrm rot="3580764">
-            <a:off x="9376763" y="4175698"/>
-            <a:ext cx="806269" cy="276999"/>
-          </a:xfrm>
-          <a:prstGeom prst="rect">
-            <a:avLst/>
-          </a:prstGeom>
-          <a:noFill/>
-        </p:spPr>
-        <p:txBody>
-          <a:bodyPr wrap="square" rtlCol="0">
-            <a:spAutoFit/>
-          </a:bodyPr>
-          <a:lstStyle/>
-          <a:p>
-            <a:pPr algn="ctr"/>
-            <a:r>
-              <a:rPr lang="es-CL" sz="1200" dirty="0">
-                <a:latin typeface="Arial" panose="020B0604020202020204" pitchFamily="34" charset="0"/>
-                <a:cs typeface="Arial" panose="020B0604020202020204" pitchFamily="34" charset="0"/>
-              </a:rPr>
-              <a:t>-0.101**</a:t>
-            </a:r>
-          </a:p>
-        </p:txBody>
-      </p:sp>
-      <p:sp>
-        <p:nvSpPr>
-          <p:cNvPr id="91" name="CuadroTexto 90">
-            <a:extLst>
-              <a:ext uri="{FF2B5EF4-FFF2-40B4-BE49-F238E27FC236}">
-                <a16:creationId xmlns:a16="http://schemas.microsoft.com/office/drawing/2014/main" id="{BDAAF20A-A348-DC9E-C70D-97B738477C53}"/>
-              </a:ext>
-            </a:extLst>
-          </p:cNvPr>
-          <p:cNvSpPr txBox="1"/>
-          <p:nvPr/>
-        </p:nvSpPr>
-        <p:spPr>
-          <a:xfrm rot="2297956">
-            <a:off x="5106982" y="3436876"/>
-            <a:ext cx="806269" cy="276999"/>
-          </a:xfrm>
-          <a:prstGeom prst="rect">
-            <a:avLst/>
-          </a:prstGeom>
-          <a:noFill/>
-        </p:spPr>
-        <p:txBody>
-          <a:bodyPr wrap="square" rtlCol="0">
-            <a:spAutoFit/>
-          </a:bodyPr>
-          <a:lstStyle/>
-          <a:p>
-            <a:pPr algn="ctr"/>
-            <a:r>
-              <a:rPr lang="es-CL" sz="1200" dirty="0">
-                <a:latin typeface="Arial" panose="020B0604020202020204" pitchFamily="34" charset="0"/>
-                <a:cs typeface="Arial" panose="020B0604020202020204" pitchFamily="34" charset="0"/>
-              </a:rPr>
-              <a:t>-0.06**</a:t>
-            </a:r>
-          </a:p>
-        </p:txBody>
-      </p:sp>
-      <p:sp>
-        <p:nvSpPr>
-          <p:cNvPr id="92" name="CuadroTexto 91">
-            <a:extLst>
-              <a:ext uri="{FF2B5EF4-FFF2-40B4-BE49-F238E27FC236}">
-                <a16:creationId xmlns:a16="http://schemas.microsoft.com/office/drawing/2014/main" id="{960044D5-95A2-7CB7-A229-B0E652ABA6EF}"/>
-              </a:ext>
-            </a:extLst>
-          </p:cNvPr>
-          <p:cNvSpPr txBox="1"/>
-          <p:nvPr/>
-        </p:nvSpPr>
-        <p:spPr>
-          <a:xfrm rot="2297956">
-            <a:off x="8103222" y="3436876"/>
-            <a:ext cx="806269" cy="276999"/>
-          </a:xfrm>
-          <a:prstGeom prst="rect">
-            <a:avLst/>
-          </a:prstGeom>
-          <a:noFill/>
-        </p:spPr>
-        <p:txBody>
-          <a:bodyPr wrap="square" rtlCol="0">
-            <a:spAutoFit/>
-          </a:bodyPr>
-          <a:lstStyle/>
-          <a:p>
-            <a:pPr algn="ctr"/>
-            <a:r>
-              <a:rPr lang="es-CL" sz="1200" dirty="0">
-                <a:latin typeface="Arial" panose="020B0604020202020204" pitchFamily="34" charset="0"/>
-                <a:cs typeface="Arial" panose="020B0604020202020204" pitchFamily="34" charset="0"/>
-              </a:rPr>
-              <a:t>-0.06**</a:t>
-            </a:r>
-          </a:p>
-        </p:txBody>
-      </p:sp>
-      <p:sp>
-        <p:nvSpPr>
-          <p:cNvPr id="93" name="CuadroTexto 92">
-            <a:extLst>
-              <a:ext uri="{FF2B5EF4-FFF2-40B4-BE49-F238E27FC236}">
-                <a16:creationId xmlns:a16="http://schemas.microsoft.com/office/drawing/2014/main" id="{055ECF23-4843-7E73-89FD-769E5DCDB599}"/>
-              </a:ext>
-            </a:extLst>
-          </p:cNvPr>
-          <p:cNvSpPr txBox="1"/>
-          <p:nvPr/>
-        </p:nvSpPr>
-        <p:spPr>
-          <a:xfrm>
-            <a:off x="5709407" y="4914243"/>
-            <a:ext cx="749781" cy="276999"/>
-          </a:xfrm>
-          <a:prstGeom prst="rect">
-            <a:avLst/>
-          </a:prstGeom>
-          <a:solidFill>
-            <a:schemeClr val="bg1"/>
-          </a:solidFill>
-        </p:spPr>
-        <p:txBody>
-          <a:bodyPr wrap="square" rtlCol="0">
-            <a:spAutoFit/>
-          </a:bodyPr>
-          <a:lstStyle/>
-          <a:p>
-            <a:pPr algn="ctr"/>
-            <a:r>
-              <a:rPr lang="es-CL" sz="1200" dirty="0">
-                <a:latin typeface="Arial" panose="020B0604020202020204" pitchFamily="34" charset="0"/>
-                <a:cs typeface="Arial" panose="020B0604020202020204" pitchFamily="34" charset="0"/>
-              </a:rPr>
-              <a:t>0.143***</a:t>
-            </a:r>
-          </a:p>
-        </p:txBody>
-      </p:sp>
-      <p:sp>
-        <p:nvSpPr>
-          <p:cNvPr id="94" name="CuadroTexto 93">
-            <a:extLst>
-              <a:ext uri="{FF2B5EF4-FFF2-40B4-BE49-F238E27FC236}">
-                <a16:creationId xmlns:a16="http://schemas.microsoft.com/office/drawing/2014/main" id="{43484EBC-18C6-CED3-0311-9804B7C22831}"/>
-              </a:ext>
-            </a:extLst>
-          </p:cNvPr>
-          <p:cNvSpPr txBox="1"/>
-          <p:nvPr/>
-        </p:nvSpPr>
-        <p:spPr>
-          <a:xfrm>
-            <a:off x="8696697" y="4908220"/>
-            <a:ext cx="749781" cy="276999"/>
-          </a:xfrm>
-          <a:prstGeom prst="rect">
-            <a:avLst/>
-          </a:prstGeom>
-          <a:solidFill>
-            <a:schemeClr val="bg1"/>
-          </a:solidFill>
-        </p:spPr>
-        <p:txBody>
-          <a:bodyPr wrap="square" rtlCol="0">
-            <a:spAutoFit/>
-          </a:bodyPr>
-          <a:lstStyle/>
-          <a:p>
-            <a:pPr algn="ctr"/>
-            <a:r>
-              <a:rPr lang="es-CL" sz="1200" dirty="0">
-                <a:latin typeface="Arial" panose="020B0604020202020204" pitchFamily="34" charset="0"/>
-                <a:cs typeface="Arial" panose="020B0604020202020204" pitchFamily="34" charset="0"/>
-              </a:rPr>
-              <a:t>0.143***</a:t>
-            </a:r>
-          </a:p>
-        </p:txBody>
-      </p:sp>
-      <p:sp>
-        <p:nvSpPr>
-          <p:cNvPr id="95" name="CuadroTexto 94">
-            <a:extLst>
-              <a:ext uri="{FF2B5EF4-FFF2-40B4-BE49-F238E27FC236}">
-                <a16:creationId xmlns:a16="http://schemas.microsoft.com/office/drawing/2014/main" id="{D2D58D7D-6E2F-666B-45E2-A1E158C1D126}"/>
-              </a:ext>
-            </a:extLst>
-          </p:cNvPr>
-          <p:cNvSpPr txBox="1"/>
-          <p:nvPr/>
-        </p:nvSpPr>
-        <p:spPr>
-          <a:xfrm>
-            <a:off x="2971971" y="2357027"/>
-            <a:ext cx="749781" cy="276999"/>
-          </a:xfrm>
-          <a:prstGeom prst="rect">
-            <a:avLst/>
-          </a:prstGeom>
-          <a:solidFill>
-            <a:schemeClr val="bg1"/>
-          </a:solidFill>
-        </p:spPr>
-        <p:txBody>
-          <a:bodyPr wrap="square" rtlCol="0">
-            <a:spAutoFit/>
-          </a:bodyPr>
-          <a:lstStyle/>
-          <a:p>
-            <a:pPr algn="ctr"/>
-            <a:r>
-              <a:rPr lang="es-CL" sz="1200" dirty="0">
-                <a:latin typeface="Arial" panose="020B0604020202020204" pitchFamily="34" charset="0"/>
-                <a:cs typeface="Arial" panose="020B0604020202020204" pitchFamily="34" charset="0"/>
-              </a:rPr>
-              <a:t>0.106***</a:t>
-            </a:r>
-          </a:p>
-        </p:txBody>
-      </p:sp>
-      <p:sp>
-        <p:nvSpPr>
-          <p:cNvPr id="96" name="CuadroTexto 95">
-            <a:extLst>
-              <a:ext uri="{FF2B5EF4-FFF2-40B4-BE49-F238E27FC236}">
-                <a16:creationId xmlns:a16="http://schemas.microsoft.com/office/drawing/2014/main" id="{EF8126BC-6E74-2C8D-3080-18F83D995809}"/>
-              </a:ext>
-            </a:extLst>
-          </p:cNvPr>
-          <p:cNvSpPr txBox="1"/>
-          <p:nvPr/>
-        </p:nvSpPr>
-        <p:spPr>
-          <a:xfrm>
-            <a:off x="1044847" y="3177734"/>
-            <a:ext cx="804186" cy="276999"/>
-          </a:xfrm>
-          <a:prstGeom prst="rect">
-            <a:avLst/>
-          </a:prstGeom>
-          <a:solidFill>
-            <a:schemeClr val="bg1"/>
-          </a:solidFill>
-        </p:spPr>
-        <p:txBody>
-          <a:bodyPr wrap="square" rtlCol="0">
-            <a:spAutoFit/>
-          </a:bodyPr>
-          <a:lstStyle/>
-          <a:p>
-            <a:pPr algn="ctr"/>
-            <a:r>
-              <a:rPr lang="es-CL" sz="1200" dirty="0">
-                <a:latin typeface="Arial" panose="020B0604020202020204" pitchFamily="34" charset="0"/>
-                <a:cs typeface="Arial" panose="020B0604020202020204" pitchFamily="34" charset="0"/>
-              </a:rPr>
-              <a:t>-0.233***</a:t>
-            </a:r>
-          </a:p>
-        </p:txBody>
-      </p:sp>
-      <p:sp>
-        <p:nvSpPr>
-          <p:cNvPr id="97" name="CuadroTexto 96">
-            <a:extLst>
-              <a:ext uri="{FF2B5EF4-FFF2-40B4-BE49-F238E27FC236}">
-                <a16:creationId xmlns:a16="http://schemas.microsoft.com/office/drawing/2014/main" id="{DA613165-2977-E213-7878-F54660B95915}"/>
-              </a:ext>
-            </a:extLst>
-          </p:cNvPr>
-          <p:cNvSpPr txBox="1"/>
-          <p:nvPr/>
-        </p:nvSpPr>
-        <p:spPr>
-          <a:xfrm>
-            <a:off x="2855993" y="4089873"/>
-            <a:ext cx="865759" cy="276999"/>
-          </a:xfrm>
-          <a:prstGeom prst="rect">
-            <a:avLst/>
-          </a:prstGeom>
-          <a:solidFill>
-            <a:schemeClr val="bg1"/>
-          </a:solidFill>
-        </p:spPr>
-        <p:txBody>
-          <a:bodyPr wrap="square" rtlCol="0">
-            <a:spAutoFit/>
-          </a:bodyPr>
-          <a:lstStyle/>
-          <a:p>
-            <a:pPr algn="ctr"/>
-            <a:r>
-              <a:rPr lang="es-CL" sz="1200" dirty="0">
-                <a:latin typeface="Arial" panose="020B0604020202020204" pitchFamily="34" charset="0"/>
-                <a:cs typeface="Arial" panose="020B0604020202020204" pitchFamily="34" charset="0"/>
-              </a:rPr>
-              <a:t>-0.259***</a:t>
+              <a:t>-0.258***</a:t>
             </a:r>
           </a:p>
         </p:txBody>
@@ -9376,7 +9343,7 @@
                 <a:latin typeface="Arial" panose="020B0604020202020204" pitchFamily="34" charset="0"/>
                 <a:cs typeface="Arial" panose="020B0604020202020204" pitchFamily="34" charset="0"/>
               </a:rPr>
-              <a:t>Three</a:t>
+              <a:t>Two</a:t>
             </a:r>
             <a:r>
               <a:rPr lang="es-CL" sz="3200" dirty="0">
@@ -9402,10 +9369,322 @@
           </a:p>
         </p:txBody>
       </p:sp>
+      <p:sp>
+        <p:nvSpPr>
+          <p:cNvPr id="2" name="CuadroTexto 1">
+            <a:extLst>
+              <a:ext uri="{FF2B5EF4-FFF2-40B4-BE49-F238E27FC236}">
+                <a16:creationId xmlns:a16="http://schemas.microsoft.com/office/drawing/2014/main" id="{F55B0A5D-41B6-F24A-EB63-AC4DD5FF20D3}"/>
+              </a:ext>
+            </a:extLst>
+          </p:cNvPr>
+          <p:cNvSpPr txBox="1"/>
+          <p:nvPr/>
+        </p:nvSpPr>
+        <p:spPr>
+          <a:xfrm rot="19144151">
+            <a:off x="6065029" y="1853823"/>
+            <a:ext cx="806269" cy="276999"/>
+          </a:xfrm>
+          <a:prstGeom prst="rect">
+            <a:avLst/>
+          </a:prstGeom>
+          <a:noFill/>
+        </p:spPr>
+        <p:txBody>
+          <a:bodyPr wrap="square" rtlCol="0">
+            <a:spAutoFit/>
+          </a:bodyPr>
+          <a:lstStyle/>
+          <a:p>
+            <a:pPr algn="ctr"/>
+            <a:r>
+              <a:rPr lang="es-CL" sz="1200" dirty="0">
+                <a:latin typeface="Arial" panose="020B0604020202020204" pitchFamily="34" charset="0"/>
+                <a:cs typeface="Arial" panose="020B0604020202020204" pitchFamily="34" charset="0"/>
+              </a:rPr>
+              <a:t>0.083**</a:t>
+            </a:r>
+          </a:p>
+        </p:txBody>
+      </p:sp>
+      <p:sp>
+        <p:nvSpPr>
+          <p:cNvPr id="3" name="CuadroTexto 2">
+            <a:extLst>
+              <a:ext uri="{FF2B5EF4-FFF2-40B4-BE49-F238E27FC236}">
+                <a16:creationId xmlns:a16="http://schemas.microsoft.com/office/drawing/2014/main" id="{A06E67B8-486F-CF30-F77E-F69B13E7E7D8}"/>
+              </a:ext>
+            </a:extLst>
+          </p:cNvPr>
+          <p:cNvSpPr txBox="1"/>
+          <p:nvPr/>
+        </p:nvSpPr>
+        <p:spPr>
+          <a:xfrm rot="19144151">
+            <a:off x="9043344" y="1853822"/>
+            <a:ext cx="806269" cy="276999"/>
+          </a:xfrm>
+          <a:prstGeom prst="rect">
+            <a:avLst/>
+          </a:prstGeom>
+          <a:noFill/>
+        </p:spPr>
+        <p:txBody>
+          <a:bodyPr wrap="square" rtlCol="0">
+            <a:spAutoFit/>
+          </a:bodyPr>
+          <a:lstStyle/>
+          <a:p>
+            <a:pPr algn="ctr"/>
+            <a:r>
+              <a:rPr lang="es-CL" sz="1200" dirty="0">
+                <a:latin typeface="Arial" panose="020B0604020202020204" pitchFamily="34" charset="0"/>
+                <a:cs typeface="Arial" panose="020B0604020202020204" pitchFamily="34" charset="0"/>
+              </a:rPr>
+              <a:t>0.083**</a:t>
+            </a:r>
+          </a:p>
+        </p:txBody>
+      </p:sp>
+      <p:sp>
+        <p:nvSpPr>
+          <p:cNvPr id="4" name="CuadroTexto 3">
+            <a:extLst>
+              <a:ext uri="{FF2B5EF4-FFF2-40B4-BE49-F238E27FC236}">
+                <a16:creationId xmlns:a16="http://schemas.microsoft.com/office/drawing/2014/main" id="{3416A3B0-F603-09B2-6F37-6404F3BC0DD5}"/>
+              </a:ext>
+            </a:extLst>
+          </p:cNvPr>
+          <p:cNvSpPr txBox="1"/>
+          <p:nvPr/>
+        </p:nvSpPr>
+        <p:spPr>
+          <a:xfrm rot="2347904">
+            <a:off x="5237089" y="1799053"/>
+            <a:ext cx="806269" cy="276999"/>
+          </a:xfrm>
+          <a:prstGeom prst="rect">
+            <a:avLst/>
+          </a:prstGeom>
+          <a:noFill/>
+        </p:spPr>
+        <p:txBody>
+          <a:bodyPr wrap="square" rtlCol="0">
+            <a:spAutoFit/>
+          </a:bodyPr>
+          <a:lstStyle/>
+          <a:p>
+            <a:pPr algn="ctr"/>
+            <a:r>
+              <a:rPr lang="es-CL" sz="1200" dirty="0">
+                <a:latin typeface="Arial" panose="020B0604020202020204" pitchFamily="34" charset="0"/>
+                <a:cs typeface="Arial" panose="020B0604020202020204" pitchFamily="34" charset="0"/>
+              </a:rPr>
+              <a:t>0.053*</a:t>
+            </a:r>
+          </a:p>
+        </p:txBody>
+      </p:sp>
+      <p:sp>
+        <p:nvSpPr>
+          <p:cNvPr id="5" name="CuadroTexto 4">
+            <a:extLst>
+              <a:ext uri="{FF2B5EF4-FFF2-40B4-BE49-F238E27FC236}">
+                <a16:creationId xmlns:a16="http://schemas.microsoft.com/office/drawing/2014/main" id="{A2EF69A3-CC2F-2194-E69D-12FF2ACEE21E}"/>
+              </a:ext>
+            </a:extLst>
+          </p:cNvPr>
+          <p:cNvSpPr txBox="1"/>
+          <p:nvPr/>
+        </p:nvSpPr>
+        <p:spPr>
+          <a:xfrm rot="2347904">
+            <a:off x="8217674" y="1780725"/>
+            <a:ext cx="806269" cy="276999"/>
+          </a:xfrm>
+          <a:prstGeom prst="rect">
+            <a:avLst/>
+          </a:prstGeom>
+          <a:noFill/>
+        </p:spPr>
+        <p:txBody>
+          <a:bodyPr wrap="square" rtlCol="0">
+            <a:spAutoFit/>
+          </a:bodyPr>
+          <a:lstStyle/>
+          <a:p>
+            <a:pPr algn="ctr"/>
+            <a:r>
+              <a:rPr lang="es-CL" sz="1200" dirty="0">
+                <a:latin typeface="Arial" panose="020B0604020202020204" pitchFamily="34" charset="0"/>
+                <a:cs typeface="Arial" panose="020B0604020202020204" pitchFamily="34" charset="0"/>
+              </a:rPr>
+              <a:t>0.053*</a:t>
+            </a:r>
+          </a:p>
+        </p:txBody>
+      </p:sp>
+      <p:sp>
+        <p:nvSpPr>
+          <p:cNvPr id="8" name="CuadroTexto 7">
+            <a:extLst>
+              <a:ext uri="{FF2B5EF4-FFF2-40B4-BE49-F238E27FC236}">
+                <a16:creationId xmlns:a16="http://schemas.microsoft.com/office/drawing/2014/main" id="{58C704C9-094B-5F4F-6081-19716E8E6417}"/>
+              </a:ext>
+            </a:extLst>
+          </p:cNvPr>
+          <p:cNvSpPr txBox="1"/>
+          <p:nvPr/>
+        </p:nvSpPr>
+        <p:spPr>
+          <a:xfrm rot="3580764">
+            <a:off x="6376502" y="4175699"/>
+            <a:ext cx="806269" cy="276999"/>
+          </a:xfrm>
+          <a:prstGeom prst="rect">
+            <a:avLst/>
+          </a:prstGeom>
+          <a:noFill/>
+        </p:spPr>
+        <p:txBody>
+          <a:bodyPr wrap="square" rtlCol="0">
+            <a:spAutoFit/>
+          </a:bodyPr>
+          <a:lstStyle/>
+          <a:p>
+            <a:pPr algn="ctr"/>
+            <a:r>
+              <a:rPr lang="es-CL" sz="1200" dirty="0">
+                <a:latin typeface="Arial" panose="020B0604020202020204" pitchFamily="34" charset="0"/>
+                <a:cs typeface="Arial" panose="020B0604020202020204" pitchFamily="34" charset="0"/>
+              </a:rPr>
+              <a:t>-0.081**</a:t>
+            </a:r>
+          </a:p>
+        </p:txBody>
+      </p:sp>
+      <p:sp>
+        <p:nvSpPr>
+          <p:cNvPr id="10" name="CuadroTexto 9">
+            <a:extLst>
+              <a:ext uri="{FF2B5EF4-FFF2-40B4-BE49-F238E27FC236}">
+                <a16:creationId xmlns:a16="http://schemas.microsoft.com/office/drawing/2014/main" id="{2F72863C-3B99-4BAB-A066-D19C7F35E697}"/>
+              </a:ext>
+            </a:extLst>
+          </p:cNvPr>
+          <p:cNvSpPr txBox="1"/>
+          <p:nvPr/>
+        </p:nvSpPr>
+        <p:spPr>
+          <a:xfrm rot="3580764">
+            <a:off x="9394660" y="4225168"/>
+            <a:ext cx="806269" cy="276999"/>
+          </a:xfrm>
+          <a:prstGeom prst="rect">
+            <a:avLst/>
+          </a:prstGeom>
+          <a:noFill/>
+        </p:spPr>
+        <p:txBody>
+          <a:bodyPr wrap="square" rtlCol="0">
+            <a:spAutoFit/>
+          </a:bodyPr>
+          <a:lstStyle/>
+          <a:p>
+            <a:pPr algn="ctr"/>
+            <a:r>
+              <a:rPr lang="es-CL" sz="1200" dirty="0">
+                <a:latin typeface="Arial" panose="020B0604020202020204" pitchFamily="34" charset="0"/>
+                <a:cs typeface="Arial" panose="020B0604020202020204" pitchFamily="34" charset="0"/>
+              </a:rPr>
+              <a:t>-0.081**</a:t>
+            </a:r>
+          </a:p>
+        </p:txBody>
+      </p:sp>
+      <p:sp>
+        <p:nvSpPr>
+          <p:cNvPr id="11" name="CuadroTexto 10">
+            <a:extLst>
+              <a:ext uri="{FF2B5EF4-FFF2-40B4-BE49-F238E27FC236}">
+                <a16:creationId xmlns:a16="http://schemas.microsoft.com/office/drawing/2014/main" id="{76D4B2D6-51A6-0D2C-CCBC-156E47A29F8F}"/>
+              </a:ext>
+            </a:extLst>
+          </p:cNvPr>
+          <p:cNvSpPr txBox="1"/>
+          <p:nvPr/>
+        </p:nvSpPr>
+        <p:spPr>
+          <a:xfrm rot="2297956">
+            <a:off x="5106982" y="3436876"/>
+            <a:ext cx="806269" cy="276999"/>
+          </a:xfrm>
+          <a:prstGeom prst="rect">
+            <a:avLst/>
+          </a:prstGeom>
+          <a:noFill/>
+        </p:spPr>
+        <p:txBody>
+          <a:bodyPr wrap="square" rtlCol="0">
+            <a:spAutoFit/>
+          </a:bodyPr>
+          <a:lstStyle/>
+          <a:p>
+            <a:pPr algn="ctr"/>
+            <a:r>
+              <a:rPr lang="es-CL" sz="1200" dirty="0">
+                <a:latin typeface="Arial" panose="020B0604020202020204" pitchFamily="34" charset="0"/>
+                <a:cs typeface="Arial" panose="020B0604020202020204" pitchFamily="34" charset="0"/>
+              </a:rPr>
+              <a:t>-0.06**</a:t>
+            </a:r>
+          </a:p>
+        </p:txBody>
+      </p:sp>
+      <p:sp>
+        <p:nvSpPr>
+          <p:cNvPr id="12" name="CuadroTexto 11">
+            <a:extLst>
+              <a:ext uri="{FF2B5EF4-FFF2-40B4-BE49-F238E27FC236}">
+                <a16:creationId xmlns:a16="http://schemas.microsoft.com/office/drawing/2014/main" id="{DFCA5C3E-9667-033B-686C-5BB75A7DBC41}"/>
+              </a:ext>
+            </a:extLst>
+          </p:cNvPr>
+          <p:cNvSpPr txBox="1"/>
+          <p:nvPr/>
+        </p:nvSpPr>
+        <p:spPr>
+          <a:xfrm rot="2297956">
+            <a:off x="8118713" y="3438878"/>
+            <a:ext cx="806269" cy="276999"/>
+          </a:xfrm>
+          <a:prstGeom prst="rect">
+            <a:avLst/>
+          </a:prstGeom>
+          <a:noFill/>
+        </p:spPr>
+        <p:txBody>
+          <a:bodyPr wrap="square" rtlCol="0">
+            <a:spAutoFit/>
+          </a:bodyPr>
+          <a:lstStyle/>
+          <a:p>
+            <a:pPr algn="ctr"/>
+            <a:r>
+              <a:rPr lang="es-CL" sz="1200" dirty="0">
+                <a:latin typeface="Arial" panose="020B0604020202020204" pitchFamily="34" charset="0"/>
+                <a:cs typeface="Arial" panose="020B0604020202020204" pitchFamily="34" charset="0"/>
+              </a:rPr>
+              <a:t>-0.06**</a:t>
+            </a:r>
+          </a:p>
+        </p:txBody>
+      </p:sp>
     </p:spTree>
     <p:extLst>
       <p:ext uri="{BB962C8B-B14F-4D97-AF65-F5344CB8AC3E}">
-        <p14:creationId xmlns:p14="http://schemas.microsoft.com/office/powerpoint/2010/main" val="2982308774"/>
+        <p14:creationId xmlns:p14="http://schemas.microsoft.com/office/powerpoint/2010/main" val="248995699"/>
       </p:ext>
     </p:extLst>
   </p:cSld>
@@ -9434,10 +9713,10 @@
       </p:grpSpPr>
       <p:sp>
         <p:nvSpPr>
-          <p:cNvPr id="51" name="Elipse 50">
-            <a:extLst>
-              <a:ext uri="{FF2B5EF4-FFF2-40B4-BE49-F238E27FC236}">
-                <a16:creationId xmlns:a16="http://schemas.microsoft.com/office/drawing/2014/main" id="{B226F6CB-9139-0E7A-53AA-1C86B9E4312C}"/>
+          <p:cNvPr id="4" name="Elipse 3">
+            <a:extLst>
+              <a:ext uri="{FF2B5EF4-FFF2-40B4-BE49-F238E27FC236}">
+                <a16:creationId xmlns:a16="http://schemas.microsoft.com/office/drawing/2014/main" id="{A186E137-E6D5-E858-C62C-721EAF54F65C}"/>
               </a:ext>
             </a:extLst>
           </p:cNvPr>
@@ -9486,10 +9765,10 @@
       </p:sp>
       <p:sp>
         <p:nvSpPr>
-          <p:cNvPr id="52" name="CuadroTexto 51">
-            <a:extLst>
-              <a:ext uri="{FF2B5EF4-FFF2-40B4-BE49-F238E27FC236}">
-                <a16:creationId xmlns:a16="http://schemas.microsoft.com/office/drawing/2014/main" id="{0649CE7E-23D9-859F-DEAB-3E4F96798B37}"/>
+          <p:cNvPr id="5" name="CuadroTexto 4">
+            <a:extLst>
+              <a:ext uri="{FF2B5EF4-FFF2-40B4-BE49-F238E27FC236}">
+                <a16:creationId xmlns:a16="http://schemas.microsoft.com/office/drawing/2014/main" id="{33B2188E-8F41-505D-A2EA-0E7B412F58F6}"/>
               </a:ext>
             </a:extLst>
           </p:cNvPr>
@@ -9535,10 +9814,10 @@
       </p:sp>
       <p:sp>
         <p:nvSpPr>
-          <p:cNvPr id="53" name="Elipse 52">
-            <a:extLst>
-              <a:ext uri="{FF2B5EF4-FFF2-40B4-BE49-F238E27FC236}">
-                <a16:creationId xmlns:a16="http://schemas.microsoft.com/office/drawing/2014/main" id="{E434A601-811B-6982-FF0E-1214C12FF74A}"/>
+          <p:cNvPr id="6" name="Elipse 5">
+            <a:extLst>
+              <a:ext uri="{FF2B5EF4-FFF2-40B4-BE49-F238E27FC236}">
+                <a16:creationId xmlns:a16="http://schemas.microsoft.com/office/drawing/2014/main" id="{BBFD1FC5-8CE0-12EC-F676-B14167B0F49C}"/>
               </a:ext>
             </a:extLst>
           </p:cNvPr>
@@ -9587,10 +9866,10 @@
       </p:sp>
       <p:sp>
         <p:nvSpPr>
-          <p:cNvPr id="54" name="CuadroTexto 53">
-            <a:extLst>
-              <a:ext uri="{FF2B5EF4-FFF2-40B4-BE49-F238E27FC236}">
-                <a16:creationId xmlns:a16="http://schemas.microsoft.com/office/drawing/2014/main" id="{BD8C1EAD-9FF5-4BA9-FFE4-F1AEC58912F7}"/>
+          <p:cNvPr id="7" name="CuadroTexto 6">
+            <a:extLst>
+              <a:ext uri="{FF2B5EF4-FFF2-40B4-BE49-F238E27FC236}">
+                <a16:creationId xmlns:a16="http://schemas.microsoft.com/office/drawing/2014/main" id="{E514379A-5FF7-7C83-59D9-F9B59E115601}"/>
               </a:ext>
             </a:extLst>
           </p:cNvPr>
@@ -9636,10 +9915,10 @@
       </p:sp>
       <p:sp>
         <p:nvSpPr>
-          <p:cNvPr id="55" name="Elipse 54">
-            <a:extLst>
-              <a:ext uri="{FF2B5EF4-FFF2-40B4-BE49-F238E27FC236}">
-                <a16:creationId xmlns:a16="http://schemas.microsoft.com/office/drawing/2014/main" id="{D68F5345-BA0C-5EB2-D514-AEFFFDA16A44}"/>
+          <p:cNvPr id="8" name="Elipse 7">
+            <a:extLst>
+              <a:ext uri="{FF2B5EF4-FFF2-40B4-BE49-F238E27FC236}">
+                <a16:creationId xmlns:a16="http://schemas.microsoft.com/office/drawing/2014/main" id="{37029DFD-0612-A099-C834-96C90387413B}"/>
               </a:ext>
             </a:extLst>
           </p:cNvPr>
@@ -9688,10 +9967,10 @@
       </p:sp>
       <p:sp>
         <p:nvSpPr>
-          <p:cNvPr id="56" name="CuadroTexto 55">
-            <a:extLst>
-              <a:ext uri="{FF2B5EF4-FFF2-40B4-BE49-F238E27FC236}">
-                <a16:creationId xmlns:a16="http://schemas.microsoft.com/office/drawing/2014/main" id="{DB188656-6B00-0B1E-0CDD-FBC95947E5EF}"/>
+          <p:cNvPr id="9" name="CuadroTexto 8">
+            <a:extLst>
+              <a:ext uri="{FF2B5EF4-FFF2-40B4-BE49-F238E27FC236}">
+                <a16:creationId xmlns:a16="http://schemas.microsoft.com/office/drawing/2014/main" id="{C0A22628-F0F8-1C25-BA52-62FB736799D6}"/>
               </a:ext>
             </a:extLst>
           </p:cNvPr>
@@ -9737,10 +10016,10 @@
       </p:sp>
       <p:sp>
         <p:nvSpPr>
-          <p:cNvPr id="57" name="Elipse 56">
-            <a:extLst>
-              <a:ext uri="{FF2B5EF4-FFF2-40B4-BE49-F238E27FC236}">
-                <a16:creationId xmlns:a16="http://schemas.microsoft.com/office/drawing/2014/main" id="{37F50F82-416B-BB24-09C4-0BC45CEB104C}"/>
+          <p:cNvPr id="10" name="Elipse 9">
+            <a:extLst>
+              <a:ext uri="{FF2B5EF4-FFF2-40B4-BE49-F238E27FC236}">
+                <a16:creationId xmlns:a16="http://schemas.microsoft.com/office/drawing/2014/main" id="{15705A42-94F1-B78A-D8B9-02197033BE76}"/>
               </a:ext>
             </a:extLst>
           </p:cNvPr>
@@ -9789,10 +10068,10 @@
       </p:sp>
       <p:sp>
         <p:nvSpPr>
-          <p:cNvPr id="58" name="CuadroTexto 57">
-            <a:extLst>
-              <a:ext uri="{FF2B5EF4-FFF2-40B4-BE49-F238E27FC236}">
-                <a16:creationId xmlns:a16="http://schemas.microsoft.com/office/drawing/2014/main" id="{A0DFBACC-1075-67AD-AA59-FB88AFD63669}"/>
+          <p:cNvPr id="11" name="CuadroTexto 10">
+            <a:extLst>
+              <a:ext uri="{FF2B5EF4-FFF2-40B4-BE49-F238E27FC236}">
+                <a16:creationId xmlns:a16="http://schemas.microsoft.com/office/drawing/2014/main" id="{CB742579-3A97-208E-535B-E699C301D037}"/>
               </a:ext>
             </a:extLst>
           </p:cNvPr>
@@ -9838,10 +10117,10 @@
       </p:sp>
       <p:sp>
         <p:nvSpPr>
-          <p:cNvPr id="59" name="Elipse 58">
-            <a:extLst>
-              <a:ext uri="{FF2B5EF4-FFF2-40B4-BE49-F238E27FC236}">
-                <a16:creationId xmlns:a16="http://schemas.microsoft.com/office/drawing/2014/main" id="{A82252EE-8D14-DD08-BC99-0391FEB28D93}"/>
+          <p:cNvPr id="12" name="Elipse 11">
+            <a:extLst>
+              <a:ext uri="{FF2B5EF4-FFF2-40B4-BE49-F238E27FC236}">
+                <a16:creationId xmlns:a16="http://schemas.microsoft.com/office/drawing/2014/main" id="{ADF7F4CD-CC8A-4D38-8F46-205BCBFF51DD}"/>
               </a:ext>
             </a:extLst>
           </p:cNvPr>
@@ -9890,10 +10169,10 @@
       </p:sp>
       <p:sp>
         <p:nvSpPr>
-          <p:cNvPr id="60" name="CuadroTexto 59">
-            <a:extLst>
-              <a:ext uri="{FF2B5EF4-FFF2-40B4-BE49-F238E27FC236}">
-                <a16:creationId xmlns:a16="http://schemas.microsoft.com/office/drawing/2014/main" id="{094F82F9-901B-F7EE-3B9D-283E0A8D061F}"/>
+          <p:cNvPr id="13" name="CuadroTexto 12">
+            <a:extLst>
+              <a:ext uri="{FF2B5EF4-FFF2-40B4-BE49-F238E27FC236}">
+                <a16:creationId xmlns:a16="http://schemas.microsoft.com/office/drawing/2014/main" id="{374A5160-93E0-8E30-EA1B-145F21161AB0}"/>
               </a:ext>
             </a:extLst>
           </p:cNvPr>
@@ -9939,10 +10218,10 @@
       </p:sp>
       <p:sp>
         <p:nvSpPr>
-          <p:cNvPr id="61" name="Elipse 60">
-            <a:extLst>
-              <a:ext uri="{FF2B5EF4-FFF2-40B4-BE49-F238E27FC236}">
-                <a16:creationId xmlns:a16="http://schemas.microsoft.com/office/drawing/2014/main" id="{F8522C4B-9F74-AE49-51ED-4DCF56C051DA}"/>
+          <p:cNvPr id="14" name="Elipse 13">
+            <a:extLst>
+              <a:ext uri="{FF2B5EF4-FFF2-40B4-BE49-F238E27FC236}">
+                <a16:creationId xmlns:a16="http://schemas.microsoft.com/office/drawing/2014/main" id="{820D2DCB-1F78-ECA5-AA30-E59ED729E93A}"/>
               </a:ext>
             </a:extLst>
           </p:cNvPr>
@@ -9991,10 +10270,10 @@
       </p:sp>
       <p:sp>
         <p:nvSpPr>
-          <p:cNvPr id="62" name="CuadroTexto 61">
-            <a:extLst>
-              <a:ext uri="{FF2B5EF4-FFF2-40B4-BE49-F238E27FC236}">
-                <a16:creationId xmlns:a16="http://schemas.microsoft.com/office/drawing/2014/main" id="{6612253E-3E9A-79F3-33A3-264A0D4BE9C9}"/>
+          <p:cNvPr id="15" name="CuadroTexto 14">
+            <a:extLst>
+              <a:ext uri="{FF2B5EF4-FFF2-40B4-BE49-F238E27FC236}">
+                <a16:creationId xmlns:a16="http://schemas.microsoft.com/office/drawing/2014/main" id="{0D38F282-0C99-6145-6593-42585C090ABA}"/>
               </a:ext>
             </a:extLst>
           </p:cNvPr>
@@ -10040,10 +10319,10 @@
       </p:sp>
       <p:sp>
         <p:nvSpPr>
-          <p:cNvPr id="63" name="Elipse 62">
-            <a:extLst>
-              <a:ext uri="{FF2B5EF4-FFF2-40B4-BE49-F238E27FC236}">
-                <a16:creationId xmlns:a16="http://schemas.microsoft.com/office/drawing/2014/main" id="{191BE3BC-930D-65EA-73DC-D2FD687B7D12}"/>
+          <p:cNvPr id="16" name="Elipse 15">
+            <a:extLst>
+              <a:ext uri="{FF2B5EF4-FFF2-40B4-BE49-F238E27FC236}">
+                <a16:creationId xmlns:a16="http://schemas.microsoft.com/office/drawing/2014/main" id="{53DBF05C-C3F6-8D50-D862-0D07C9435A87}"/>
               </a:ext>
             </a:extLst>
           </p:cNvPr>
@@ -10092,10 +10371,10 @@
       </p:sp>
       <p:sp>
         <p:nvSpPr>
-          <p:cNvPr id="64" name="CuadroTexto 63">
-            <a:extLst>
-              <a:ext uri="{FF2B5EF4-FFF2-40B4-BE49-F238E27FC236}">
-                <a16:creationId xmlns:a16="http://schemas.microsoft.com/office/drawing/2014/main" id="{C6682292-3028-F9FD-A3EA-2AE61F8B87B3}"/>
+          <p:cNvPr id="17" name="CuadroTexto 16">
+            <a:extLst>
+              <a:ext uri="{FF2B5EF4-FFF2-40B4-BE49-F238E27FC236}">
+                <a16:creationId xmlns:a16="http://schemas.microsoft.com/office/drawing/2014/main" id="{F3BBC185-F0D4-FD5F-CB8A-D2D6BB2DCE4B}"/>
               </a:ext>
             </a:extLst>
           </p:cNvPr>
@@ -10141,10 +10420,10 @@
       </p:sp>
       <p:sp>
         <p:nvSpPr>
-          <p:cNvPr id="65" name="Elipse 64">
-            <a:extLst>
-              <a:ext uri="{FF2B5EF4-FFF2-40B4-BE49-F238E27FC236}">
-                <a16:creationId xmlns:a16="http://schemas.microsoft.com/office/drawing/2014/main" id="{B94E58A3-3BEE-9A59-F194-666334799E5B}"/>
+          <p:cNvPr id="18" name="Elipse 17">
+            <a:extLst>
+              <a:ext uri="{FF2B5EF4-FFF2-40B4-BE49-F238E27FC236}">
+                <a16:creationId xmlns:a16="http://schemas.microsoft.com/office/drawing/2014/main" id="{E5890116-1DF5-55F2-CDB7-8861851CD420}"/>
               </a:ext>
             </a:extLst>
           </p:cNvPr>
@@ -10193,10 +10472,10 @@
       </p:sp>
       <p:sp>
         <p:nvSpPr>
-          <p:cNvPr id="66" name="CuadroTexto 65">
-            <a:extLst>
-              <a:ext uri="{FF2B5EF4-FFF2-40B4-BE49-F238E27FC236}">
-                <a16:creationId xmlns:a16="http://schemas.microsoft.com/office/drawing/2014/main" id="{9E6D15FE-CF3D-E2DC-A78A-5687933DB5E3}"/>
+          <p:cNvPr id="19" name="CuadroTexto 18">
+            <a:extLst>
+              <a:ext uri="{FF2B5EF4-FFF2-40B4-BE49-F238E27FC236}">
+                <a16:creationId xmlns:a16="http://schemas.microsoft.com/office/drawing/2014/main" id="{31080A17-1A93-B87F-3CBB-9B67F482DA0F}"/>
               </a:ext>
             </a:extLst>
           </p:cNvPr>
@@ -10242,10 +10521,10 @@
       </p:sp>
       <p:sp>
         <p:nvSpPr>
-          <p:cNvPr id="67" name="Elipse 66">
-            <a:extLst>
-              <a:ext uri="{FF2B5EF4-FFF2-40B4-BE49-F238E27FC236}">
-                <a16:creationId xmlns:a16="http://schemas.microsoft.com/office/drawing/2014/main" id="{CF4CB687-83C6-8E1C-820E-E4C2AA7D971D}"/>
+          <p:cNvPr id="20" name="Elipse 19">
+            <a:extLst>
+              <a:ext uri="{FF2B5EF4-FFF2-40B4-BE49-F238E27FC236}">
+                <a16:creationId xmlns:a16="http://schemas.microsoft.com/office/drawing/2014/main" id="{F98BA726-F614-5124-8C87-7F1F8CAEBCD3}"/>
               </a:ext>
             </a:extLst>
           </p:cNvPr>
@@ -10294,10 +10573,10 @@
       </p:sp>
       <p:sp>
         <p:nvSpPr>
-          <p:cNvPr id="68" name="CuadroTexto 67">
-            <a:extLst>
-              <a:ext uri="{FF2B5EF4-FFF2-40B4-BE49-F238E27FC236}">
-                <a16:creationId xmlns:a16="http://schemas.microsoft.com/office/drawing/2014/main" id="{F2F65F2C-BDD4-CCB1-86FD-61444987ED69}"/>
+          <p:cNvPr id="21" name="CuadroTexto 20">
+            <a:extLst>
+              <a:ext uri="{FF2B5EF4-FFF2-40B4-BE49-F238E27FC236}">
+                <a16:creationId xmlns:a16="http://schemas.microsoft.com/office/drawing/2014/main" id="{67AFC698-83B7-2B9F-A3B7-32967DFE2F40}"/>
               </a:ext>
             </a:extLst>
           </p:cNvPr>
@@ -10343,10 +10622,10 @@
       </p:sp>
       <p:sp>
         <p:nvSpPr>
-          <p:cNvPr id="69" name="TextBox 68">
-            <a:extLst>
-              <a:ext uri="{FF2B5EF4-FFF2-40B4-BE49-F238E27FC236}">
-                <a16:creationId xmlns:a16="http://schemas.microsoft.com/office/drawing/2014/main" id="{EE60A01F-DE78-550B-4FD8-7148919FB159}"/>
+          <p:cNvPr id="22" name="TextBox 68">
+            <a:extLst>
+              <a:ext uri="{FF2B5EF4-FFF2-40B4-BE49-F238E27FC236}">
+                <a16:creationId xmlns:a16="http://schemas.microsoft.com/office/drawing/2014/main" id="{99B2E41C-C4BE-AA23-A929-1BE2FB90CAFB}"/>
               </a:ext>
             </a:extLst>
           </p:cNvPr>
@@ -10375,17 +10654,17 @@
                 <a:latin typeface="Arial" panose="020B0604020202020204" pitchFamily="34" charset="0"/>
                 <a:cs typeface="Arial" panose="020B0604020202020204" pitchFamily="34" charset="0"/>
               </a:rPr>
-              <a:t>Note: Constrained random intercept cross-lagged panel model (RI-CLPM) of the relationships between Attitudes Toward Democracy (ATD), Participation in Collective Action (PCA) and Right-Wing Authoritarianism (RWA). The model comprises five waves; since it is constrained, three waves are illustrated to optimize space. Coefficients are unstandardized. Grey dotted lines reflect non-significant paths. To ease intelligibility, manifest indicators and contemporaneous residual covariances were excluded from the figure. The indirect effect of ATD over RWA, mediated by PCA, is non-significative. *p&lt;05; **p&lt;.01, ***p&lt;.001.</a:t>
-            </a:r>
-          </a:p>
-        </p:txBody>
-      </p:sp>
-      <p:sp>
-        <p:nvSpPr>
-          <p:cNvPr id="70" name="Rectángulo redondeado 69">
-            <a:extLst>
-              <a:ext uri="{FF2B5EF4-FFF2-40B4-BE49-F238E27FC236}">
-                <a16:creationId xmlns:a16="http://schemas.microsoft.com/office/drawing/2014/main" id="{F1A12370-F4FD-48BF-C1C3-60FE20A247A8}"/>
+              <a:t>Note: Constrained random intercept cross-lagged panel model (RI-CLPM) of the relationships between Attitudes Toward Democracy (ATD), Participation in Collective Action (PCA) and Right-Wing Authoritarianism (RWA). The model comprises five waves; since it is constrained, three waves are illustrated to optimize space. Coefficients are unstandardized. Grey dotted lines reflect non-significant paths. To ease intelligibility, manifest indicators and contemporaneous residual covariances were excluded from the figure. The indirect effect of ATD over RWA, mediated by PCA, is non-significative. *p&lt;.05; **p&lt;.01, ***p&lt;.001.</a:t>
+            </a:r>
+          </a:p>
+        </p:txBody>
+      </p:sp>
+      <p:sp>
+        <p:nvSpPr>
+          <p:cNvPr id="23" name="Rectángulo redondeado 22">
+            <a:extLst>
+              <a:ext uri="{FF2B5EF4-FFF2-40B4-BE49-F238E27FC236}">
+                <a16:creationId xmlns:a16="http://schemas.microsoft.com/office/drawing/2014/main" id="{A9F84057-4A1F-0962-E031-B734B8710EE6}"/>
               </a:ext>
             </a:extLst>
           </p:cNvPr>
@@ -10434,10 +10713,10 @@
       </p:sp>
       <p:sp>
         <p:nvSpPr>
-          <p:cNvPr id="71" name="CuadroTexto 70">
-            <a:extLst>
-              <a:ext uri="{FF2B5EF4-FFF2-40B4-BE49-F238E27FC236}">
-                <a16:creationId xmlns:a16="http://schemas.microsoft.com/office/drawing/2014/main" id="{C72ECC54-187D-0A43-5065-99C9CC28378F}"/>
+          <p:cNvPr id="24" name="CuadroTexto 23">
+            <a:extLst>
+              <a:ext uri="{FF2B5EF4-FFF2-40B4-BE49-F238E27FC236}">
+                <a16:creationId xmlns:a16="http://schemas.microsoft.com/office/drawing/2014/main" id="{8FAB5882-A0CC-D36C-5612-7EE3F5DB0763}"/>
               </a:ext>
             </a:extLst>
           </p:cNvPr>
@@ -10476,10 +10755,10 @@
       </p:sp>
       <p:sp>
         <p:nvSpPr>
-          <p:cNvPr id="72" name="Elipse 71">
-            <a:extLst>
-              <a:ext uri="{FF2B5EF4-FFF2-40B4-BE49-F238E27FC236}">
-                <a16:creationId xmlns:a16="http://schemas.microsoft.com/office/drawing/2014/main" id="{42225EBA-D06E-FF0E-DE5A-4EA444AC9EE6}"/>
+          <p:cNvPr id="25" name="Elipse 24">
+            <a:extLst>
+              <a:ext uri="{FF2B5EF4-FFF2-40B4-BE49-F238E27FC236}">
+                <a16:creationId xmlns:a16="http://schemas.microsoft.com/office/drawing/2014/main" id="{FCC1F9D5-F5F8-7B22-5E00-D9F6E11D3F09}"/>
               </a:ext>
             </a:extLst>
           </p:cNvPr>
@@ -10528,10 +10807,10 @@
       </p:sp>
       <p:sp>
         <p:nvSpPr>
-          <p:cNvPr id="73" name="CuadroTexto 72">
-            <a:extLst>
-              <a:ext uri="{FF2B5EF4-FFF2-40B4-BE49-F238E27FC236}">
-                <a16:creationId xmlns:a16="http://schemas.microsoft.com/office/drawing/2014/main" id="{E85548BC-9BB3-101E-D75C-706C9CF8ECDE}"/>
+          <p:cNvPr id="26" name="CuadroTexto 25">
+            <a:extLst>
+              <a:ext uri="{FF2B5EF4-FFF2-40B4-BE49-F238E27FC236}">
+                <a16:creationId xmlns:a16="http://schemas.microsoft.com/office/drawing/2014/main" id="{2EFB6309-7836-2F2F-D006-3C2754C8DB52}"/>
               </a:ext>
             </a:extLst>
           </p:cNvPr>
@@ -10578,10 +10857,10 @@
       </p:sp>
       <p:sp>
         <p:nvSpPr>
-          <p:cNvPr id="74" name="Elipse 73">
-            <a:extLst>
-              <a:ext uri="{FF2B5EF4-FFF2-40B4-BE49-F238E27FC236}">
-                <a16:creationId xmlns:a16="http://schemas.microsoft.com/office/drawing/2014/main" id="{91C9464E-0BD3-0E2A-9AE6-BD3DF562D218}"/>
+          <p:cNvPr id="27" name="Elipse 26">
+            <a:extLst>
+              <a:ext uri="{FF2B5EF4-FFF2-40B4-BE49-F238E27FC236}">
+                <a16:creationId xmlns:a16="http://schemas.microsoft.com/office/drawing/2014/main" id="{AD724150-B75A-72A7-CA49-08E1DECD8F61}"/>
               </a:ext>
             </a:extLst>
           </p:cNvPr>
@@ -10630,10 +10909,10 @@
       </p:sp>
       <p:sp>
         <p:nvSpPr>
-          <p:cNvPr id="76" name="Elipse 75">
-            <a:extLst>
-              <a:ext uri="{FF2B5EF4-FFF2-40B4-BE49-F238E27FC236}">
-                <a16:creationId xmlns:a16="http://schemas.microsoft.com/office/drawing/2014/main" id="{FDEED837-D47D-D946-0AA9-E599D189D265}"/>
+          <p:cNvPr id="28" name="Elipse 27">
+            <a:extLst>
+              <a:ext uri="{FF2B5EF4-FFF2-40B4-BE49-F238E27FC236}">
+                <a16:creationId xmlns:a16="http://schemas.microsoft.com/office/drawing/2014/main" id="{96D7C443-5CD9-E3BC-216F-DBD5A58C3F9B}"/>
               </a:ext>
             </a:extLst>
           </p:cNvPr>
@@ -10682,10 +10961,10 @@
       </p:sp>
       <p:sp>
         <p:nvSpPr>
-          <p:cNvPr id="78" name="CuadroTexto 77">
-            <a:extLst>
-              <a:ext uri="{FF2B5EF4-FFF2-40B4-BE49-F238E27FC236}">
-                <a16:creationId xmlns:a16="http://schemas.microsoft.com/office/drawing/2014/main" id="{09C5770E-B770-6571-A056-6838E93132FF}"/>
+          <p:cNvPr id="29" name="CuadroTexto 28">
+            <a:extLst>
+              <a:ext uri="{FF2B5EF4-FFF2-40B4-BE49-F238E27FC236}">
+                <a16:creationId xmlns:a16="http://schemas.microsoft.com/office/drawing/2014/main" id="{624028EE-D8BC-AA31-9F62-26BACDA6D1F9}"/>
               </a:ext>
             </a:extLst>
           </p:cNvPr>
@@ -10732,10 +11011,10 @@
       </p:sp>
       <p:sp>
         <p:nvSpPr>
-          <p:cNvPr id="79" name="CuadroTexto 78">
-            <a:extLst>
-              <a:ext uri="{FF2B5EF4-FFF2-40B4-BE49-F238E27FC236}">
-                <a16:creationId xmlns:a16="http://schemas.microsoft.com/office/drawing/2014/main" id="{9AE6A019-3E3B-AC5D-EAA1-C37C19FCD0BE}"/>
+          <p:cNvPr id="30" name="CuadroTexto 29">
+            <a:extLst>
+              <a:ext uri="{FF2B5EF4-FFF2-40B4-BE49-F238E27FC236}">
+                <a16:creationId xmlns:a16="http://schemas.microsoft.com/office/drawing/2014/main" id="{27823B29-F0C2-DC39-8CBB-46D3192A0878}"/>
               </a:ext>
             </a:extLst>
           </p:cNvPr>
@@ -10782,10 +11061,10 @@
       </p:sp>
       <p:sp>
         <p:nvSpPr>
-          <p:cNvPr id="80" name="Rectángulo redondeado 79">
-            <a:extLst>
-              <a:ext uri="{FF2B5EF4-FFF2-40B4-BE49-F238E27FC236}">
-                <a16:creationId xmlns:a16="http://schemas.microsoft.com/office/drawing/2014/main" id="{8A29E48D-7BE6-C338-67F7-5DEB4459445F}"/>
+          <p:cNvPr id="31" name="Rectángulo redondeado 30">
+            <a:extLst>
+              <a:ext uri="{FF2B5EF4-FFF2-40B4-BE49-F238E27FC236}">
+                <a16:creationId xmlns:a16="http://schemas.microsoft.com/office/drawing/2014/main" id="{4B7F7206-50CB-6CC8-C35C-0CBFFF56080C}"/>
               </a:ext>
             </a:extLst>
           </p:cNvPr>
@@ -10834,10 +11113,10 @@
       </p:sp>
       <p:sp>
         <p:nvSpPr>
-          <p:cNvPr id="81" name="CuadroTexto 80">
-            <a:extLst>
-              <a:ext uri="{FF2B5EF4-FFF2-40B4-BE49-F238E27FC236}">
-                <a16:creationId xmlns:a16="http://schemas.microsoft.com/office/drawing/2014/main" id="{2CDCA99D-CA87-8D22-2351-2166A756C40D}"/>
+          <p:cNvPr id="32" name="CuadroTexto 31">
+            <a:extLst>
+              <a:ext uri="{FF2B5EF4-FFF2-40B4-BE49-F238E27FC236}">
+                <a16:creationId xmlns:a16="http://schemas.microsoft.com/office/drawing/2014/main" id="{DA828E08-19B8-91B2-A2D9-EE98157611DE}"/>
               </a:ext>
             </a:extLst>
           </p:cNvPr>
@@ -10883,16 +11162,16 @@
       </p:sp>
       <p:cxnSp>
         <p:nvCxnSpPr>
-          <p:cNvPr id="83" name="Conector curvado 82">
-            <a:extLst>
-              <a:ext uri="{FF2B5EF4-FFF2-40B4-BE49-F238E27FC236}">
-                <a16:creationId xmlns:a16="http://schemas.microsoft.com/office/drawing/2014/main" id="{4973A28D-B68F-0E1D-DB03-8B5BF5807A20}"/>
+          <p:cNvPr id="33" name="Conector curvado 32">
+            <a:extLst>
+              <a:ext uri="{FF2B5EF4-FFF2-40B4-BE49-F238E27FC236}">
+                <a16:creationId xmlns:a16="http://schemas.microsoft.com/office/drawing/2014/main" id="{A2A9C2E3-0F46-051F-1D27-2B2222BB9072}"/>
               </a:ext>
             </a:extLst>
           </p:cNvPr>
           <p:cNvCxnSpPr>
-            <a:stCxn id="72" idx="2"/>
-            <a:endCxn id="76" idx="2"/>
+            <a:stCxn id="25" idx="2"/>
+            <a:endCxn id="28" idx="2"/>
           </p:cNvCxnSpPr>
           <p:nvPr/>
         </p:nvCxnSpPr>
@@ -10933,17 +11212,17 @@
       </p:cxnSp>
       <p:cxnSp>
         <p:nvCxnSpPr>
-          <p:cNvPr id="86" name="Conector curvado 85">
-            <a:extLst>
-              <a:ext uri="{FF2B5EF4-FFF2-40B4-BE49-F238E27FC236}">
-                <a16:creationId xmlns:a16="http://schemas.microsoft.com/office/drawing/2014/main" id="{127F2C13-B54F-C060-1623-B1E46756D658}"/>
+          <p:cNvPr id="34" name="Conector curvado 33">
+            <a:extLst>
+              <a:ext uri="{FF2B5EF4-FFF2-40B4-BE49-F238E27FC236}">
+                <a16:creationId xmlns:a16="http://schemas.microsoft.com/office/drawing/2014/main" id="{00E8EC74-7A4C-D63A-9FD0-FE6F912E8195}"/>
               </a:ext>
             </a:extLst>
           </p:cNvPr>
           <p:cNvCxnSpPr>
             <a:cxnSpLocks/>
-            <a:stCxn id="74" idx="6"/>
-            <a:endCxn id="76" idx="6"/>
+            <a:stCxn id="27" idx="6"/>
+            <a:endCxn id="28" idx="6"/>
           </p:cNvCxnSpPr>
           <p:nvPr/>
         </p:nvCxnSpPr>
@@ -10984,17 +11263,17 @@
       </p:cxnSp>
       <p:cxnSp>
         <p:nvCxnSpPr>
-          <p:cNvPr id="90" name="Conector curvado 89">
-            <a:extLst>
-              <a:ext uri="{FF2B5EF4-FFF2-40B4-BE49-F238E27FC236}">
-                <a16:creationId xmlns:a16="http://schemas.microsoft.com/office/drawing/2014/main" id="{C31FF744-B092-75A9-2C9B-B5430ACFAE28}"/>
+          <p:cNvPr id="35" name="Conector curvado 34">
+            <a:extLst>
+              <a:ext uri="{FF2B5EF4-FFF2-40B4-BE49-F238E27FC236}">
+                <a16:creationId xmlns:a16="http://schemas.microsoft.com/office/drawing/2014/main" id="{F3EAE2CC-81DB-B400-51D9-F27C06160A1F}"/>
               </a:ext>
             </a:extLst>
           </p:cNvPr>
           <p:cNvCxnSpPr>
             <a:cxnSpLocks/>
-            <a:stCxn id="72" idx="6"/>
-            <a:endCxn id="74" idx="6"/>
+            <a:stCxn id="25" idx="6"/>
+            <a:endCxn id="27" idx="6"/>
           </p:cNvCxnSpPr>
           <p:nvPr/>
         </p:nvCxnSpPr>
@@ -11033,16 +11312,16 @@
       </p:cxnSp>
       <p:cxnSp>
         <p:nvCxnSpPr>
-          <p:cNvPr id="99" name="Conector recto de flecha 98">
-            <a:extLst>
-              <a:ext uri="{FF2B5EF4-FFF2-40B4-BE49-F238E27FC236}">
-                <a16:creationId xmlns:a16="http://schemas.microsoft.com/office/drawing/2014/main" id="{EFE554A9-B35B-D009-8A24-58118D0B749A}"/>
+          <p:cNvPr id="36" name="Conector recto de flecha 35">
+            <a:extLst>
+              <a:ext uri="{FF2B5EF4-FFF2-40B4-BE49-F238E27FC236}">
+                <a16:creationId xmlns:a16="http://schemas.microsoft.com/office/drawing/2014/main" id="{DBB928A0-9217-B2DE-C31F-D716AB2032D0}"/>
               </a:ext>
             </a:extLst>
           </p:cNvPr>
           <p:cNvCxnSpPr>
-            <a:stCxn id="51" idx="6"/>
-            <a:endCxn id="53" idx="2"/>
+            <a:stCxn id="4" idx="6"/>
+            <a:endCxn id="6" idx="2"/>
           </p:cNvCxnSpPr>
           <p:nvPr/>
         </p:nvCxnSpPr>
@@ -11078,17 +11357,17 @@
       </p:cxnSp>
       <p:cxnSp>
         <p:nvCxnSpPr>
-          <p:cNvPr id="100" name="Conector recto de flecha 99">
-            <a:extLst>
-              <a:ext uri="{FF2B5EF4-FFF2-40B4-BE49-F238E27FC236}">
-                <a16:creationId xmlns:a16="http://schemas.microsoft.com/office/drawing/2014/main" id="{3308364A-568E-FA03-FC2A-DEDD25F3FC8A}"/>
+          <p:cNvPr id="37" name="Conector recto de flecha 36">
+            <a:extLst>
+              <a:ext uri="{FF2B5EF4-FFF2-40B4-BE49-F238E27FC236}">
+                <a16:creationId xmlns:a16="http://schemas.microsoft.com/office/drawing/2014/main" id="{C7390C3D-B09E-E8BE-2803-237ECB193582}"/>
               </a:ext>
             </a:extLst>
           </p:cNvPr>
           <p:cNvCxnSpPr>
             <a:cxnSpLocks/>
-            <a:stCxn id="53" idx="6"/>
-            <a:endCxn id="55" idx="2"/>
+            <a:stCxn id="6" idx="6"/>
+            <a:endCxn id="8" idx="2"/>
           </p:cNvCxnSpPr>
           <p:nvPr/>
         </p:nvCxnSpPr>
@@ -11124,17 +11403,17 @@
       </p:cxnSp>
       <p:cxnSp>
         <p:nvCxnSpPr>
-          <p:cNvPr id="103" name="Conector recto de flecha 102">
-            <a:extLst>
-              <a:ext uri="{FF2B5EF4-FFF2-40B4-BE49-F238E27FC236}">
-                <a16:creationId xmlns:a16="http://schemas.microsoft.com/office/drawing/2014/main" id="{D162220B-904B-C3A2-2156-AD5E1CA2776F}"/>
+          <p:cNvPr id="38" name="Conector recto de flecha 37">
+            <a:extLst>
+              <a:ext uri="{FF2B5EF4-FFF2-40B4-BE49-F238E27FC236}">
+                <a16:creationId xmlns:a16="http://schemas.microsoft.com/office/drawing/2014/main" id="{5674F506-E8A6-59C9-B409-FC6DFFB0AD8B}"/>
               </a:ext>
             </a:extLst>
           </p:cNvPr>
           <p:cNvCxnSpPr>
             <a:cxnSpLocks/>
-            <a:stCxn id="57" idx="6"/>
-            <a:endCxn id="59" idx="2"/>
+            <a:stCxn id="10" idx="6"/>
+            <a:endCxn id="12" idx="2"/>
           </p:cNvCxnSpPr>
           <p:nvPr/>
         </p:nvCxnSpPr>
@@ -11170,17 +11449,17 @@
       </p:cxnSp>
       <p:cxnSp>
         <p:nvCxnSpPr>
-          <p:cNvPr id="106" name="Conector recto de flecha 105">
-            <a:extLst>
-              <a:ext uri="{FF2B5EF4-FFF2-40B4-BE49-F238E27FC236}">
-                <a16:creationId xmlns:a16="http://schemas.microsoft.com/office/drawing/2014/main" id="{FBDEE12B-F17A-32CD-BA92-DD267940F76F}"/>
+          <p:cNvPr id="39" name="Conector recto de flecha 38">
+            <a:extLst>
+              <a:ext uri="{FF2B5EF4-FFF2-40B4-BE49-F238E27FC236}">
+                <a16:creationId xmlns:a16="http://schemas.microsoft.com/office/drawing/2014/main" id="{98087BE9-C529-55E2-E47D-9FE452360E39}"/>
               </a:ext>
             </a:extLst>
           </p:cNvPr>
           <p:cNvCxnSpPr>
             <a:cxnSpLocks/>
-            <a:stCxn id="59" idx="6"/>
-            <a:endCxn id="61" idx="2"/>
+            <a:stCxn id="12" idx="6"/>
+            <a:endCxn id="14" idx="2"/>
           </p:cNvCxnSpPr>
           <p:nvPr/>
         </p:nvCxnSpPr>
@@ -11216,17 +11495,17 @@
       </p:cxnSp>
       <p:cxnSp>
         <p:nvCxnSpPr>
-          <p:cNvPr id="109" name="Conector recto de flecha 108">
-            <a:extLst>
-              <a:ext uri="{FF2B5EF4-FFF2-40B4-BE49-F238E27FC236}">
-                <a16:creationId xmlns:a16="http://schemas.microsoft.com/office/drawing/2014/main" id="{096E1214-B969-BC61-5B1E-DBD98CA172A1}"/>
+          <p:cNvPr id="40" name="Conector recto de flecha 39">
+            <a:extLst>
+              <a:ext uri="{FF2B5EF4-FFF2-40B4-BE49-F238E27FC236}">
+                <a16:creationId xmlns:a16="http://schemas.microsoft.com/office/drawing/2014/main" id="{A60D8DA5-62F6-F3E3-2B05-DA6C847E8962}"/>
               </a:ext>
             </a:extLst>
           </p:cNvPr>
           <p:cNvCxnSpPr>
             <a:cxnSpLocks/>
-            <a:stCxn id="63" idx="6"/>
-            <a:endCxn id="65" idx="2"/>
+            <a:stCxn id="16" idx="6"/>
+            <a:endCxn id="18" idx="2"/>
           </p:cNvCxnSpPr>
           <p:nvPr/>
         </p:nvCxnSpPr>
@@ -11262,17 +11541,17 @@
       </p:cxnSp>
       <p:cxnSp>
         <p:nvCxnSpPr>
-          <p:cNvPr id="112" name="Conector recto de flecha 111">
-            <a:extLst>
-              <a:ext uri="{FF2B5EF4-FFF2-40B4-BE49-F238E27FC236}">
-                <a16:creationId xmlns:a16="http://schemas.microsoft.com/office/drawing/2014/main" id="{9A453C24-8C81-EABC-93D0-ABECCE65CE4F}"/>
+          <p:cNvPr id="41" name="Conector recto de flecha 40">
+            <a:extLst>
+              <a:ext uri="{FF2B5EF4-FFF2-40B4-BE49-F238E27FC236}">
+                <a16:creationId xmlns:a16="http://schemas.microsoft.com/office/drawing/2014/main" id="{C38B10E9-DA8E-E993-693B-F61DA1652A25}"/>
               </a:ext>
             </a:extLst>
           </p:cNvPr>
           <p:cNvCxnSpPr>
             <a:cxnSpLocks/>
-            <a:stCxn id="65" idx="6"/>
-            <a:endCxn id="67" idx="2"/>
+            <a:stCxn id="18" idx="6"/>
+            <a:endCxn id="20" idx="2"/>
           </p:cNvCxnSpPr>
           <p:nvPr/>
         </p:nvCxnSpPr>
@@ -11308,17 +11587,17 @@
       </p:cxnSp>
       <p:cxnSp>
         <p:nvCxnSpPr>
-          <p:cNvPr id="115" name="Conector recto de flecha 114">
-            <a:extLst>
-              <a:ext uri="{FF2B5EF4-FFF2-40B4-BE49-F238E27FC236}">
-                <a16:creationId xmlns:a16="http://schemas.microsoft.com/office/drawing/2014/main" id="{571F7229-33C8-6C5C-C897-75AA2C4C0275}"/>
+          <p:cNvPr id="42" name="Conector recto de flecha 41">
+            <a:extLst>
+              <a:ext uri="{FF2B5EF4-FFF2-40B4-BE49-F238E27FC236}">
+                <a16:creationId xmlns:a16="http://schemas.microsoft.com/office/drawing/2014/main" id="{68688B2D-427C-F20E-3B88-CCDA09793189}"/>
               </a:ext>
             </a:extLst>
           </p:cNvPr>
           <p:cNvCxnSpPr>
             <a:cxnSpLocks/>
-            <a:stCxn id="51" idx="6"/>
-            <a:endCxn id="59" idx="2"/>
+            <a:stCxn id="4" idx="6"/>
+            <a:endCxn id="12" idx="2"/>
           </p:cNvCxnSpPr>
           <p:nvPr/>
         </p:nvCxnSpPr>
@@ -11354,17 +11633,17 @@
       </p:cxnSp>
       <p:cxnSp>
         <p:nvCxnSpPr>
-          <p:cNvPr id="118" name="Conector recto de flecha 117">
-            <a:extLst>
-              <a:ext uri="{FF2B5EF4-FFF2-40B4-BE49-F238E27FC236}">
-                <a16:creationId xmlns:a16="http://schemas.microsoft.com/office/drawing/2014/main" id="{09FB6A62-D609-B9A5-8412-45BED2C6E7E6}"/>
+          <p:cNvPr id="43" name="Conector recto de flecha 42">
+            <a:extLst>
+              <a:ext uri="{FF2B5EF4-FFF2-40B4-BE49-F238E27FC236}">
+                <a16:creationId xmlns:a16="http://schemas.microsoft.com/office/drawing/2014/main" id="{ABC38EF0-53CD-F51F-875A-0999FFED6305}"/>
               </a:ext>
             </a:extLst>
           </p:cNvPr>
           <p:cNvCxnSpPr>
             <a:cxnSpLocks/>
-            <a:stCxn id="57" idx="6"/>
-            <a:endCxn id="65" idx="2"/>
+            <a:stCxn id="10" idx="6"/>
+            <a:endCxn id="18" idx="2"/>
           </p:cNvCxnSpPr>
           <p:nvPr/>
         </p:nvCxnSpPr>
@@ -11402,17 +11681,17 @@
       </p:cxnSp>
       <p:cxnSp>
         <p:nvCxnSpPr>
-          <p:cNvPr id="121" name="Conector recto de flecha 120">
-            <a:extLst>
-              <a:ext uri="{FF2B5EF4-FFF2-40B4-BE49-F238E27FC236}">
-                <a16:creationId xmlns:a16="http://schemas.microsoft.com/office/drawing/2014/main" id="{016CA5E1-3A2F-55BA-85AB-C15E9F19135D}"/>
+          <p:cNvPr id="44" name="Conector recto de flecha 43">
+            <a:extLst>
+              <a:ext uri="{FF2B5EF4-FFF2-40B4-BE49-F238E27FC236}">
+                <a16:creationId xmlns:a16="http://schemas.microsoft.com/office/drawing/2014/main" id="{A9CC6670-8940-A9B6-B532-4D64FC963559}"/>
               </a:ext>
             </a:extLst>
           </p:cNvPr>
           <p:cNvCxnSpPr>
             <a:cxnSpLocks/>
-            <a:stCxn id="53" idx="6"/>
-            <a:endCxn id="61" idx="2"/>
+            <a:stCxn id="6" idx="6"/>
+            <a:endCxn id="14" idx="2"/>
           </p:cNvCxnSpPr>
           <p:nvPr/>
         </p:nvCxnSpPr>
@@ -11448,17 +11727,17 @@
       </p:cxnSp>
       <p:cxnSp>
         <p:nvCxnSpPr>
-          <p:cNvPr id="124" name="Conector recto de flecha 123">
-            <a:extLst>
-              <a:ext uri="{FF2B5EF4-FFF2-40B4-BE49-F238E27FC236}">
-                <a16:creationId xmlns:a16="http://schemas.microsoft.com/office/drawing/2014/main" id="{FB59456A-B768-4D61-0ADE-4687672C6DDE}"/>
+          <p:cNvPr id="45" name="Conector recto de flecha 44">
+            <a:extLst>
+              <a:ext uri="{FF2B5EF4-FFF2-40B4-BE49-F238E27FC236}">
+                <a16:creationId xmlns:a16="http://schemas.microsoft.com/office/drawing/2014/main" id="{0AA3BC9B-AF40-DE19-96BB-F70F23665267}"/>
               </a:ext>
             </a:extLst>
           </p:cNvPr>
           <p:cNvCxnSpPr>
             <a:cxnSpLocks/>
-            <a:stCxn id="59" idx="6"/>
-            <a:endCxn id="67" idx="2"/>
+            <a:stCxn id="12" idx="6"/>
+            <a:endCxn id="20" idx="2"/>
           </p:cNvCxnSpPr>
           <p:nvPr/>
         </p:nvCxnSpPr>
@@ -11496,17 +11775,17 @@
       </p:cxnSp>
       <p:cxnSp>
         <p:nvCxnSpPr>
-          <p:cNvPr id="127" name="Conector recto de flecha 126">
-            <a:extLst>
-              <a:ext uri="{FF2B5EF4-FFF2-40B4-BE49-F238E27FC236}">
-                <a16:creationId xmlns:a16="http://schemas.microsoft.com/office/drawing/2014/main" id="{70E6090A-17B1-431D-154D-3ED84815051C}"/>
+          <p:cNvPr id="46" name="Conector recto de flecha 45">
+            <a:extLst>
+              <a:ext uri="{FF2B5EF4-FFF2-40B4-BE49-F238E27FC236}">
+                <a16:creationId xmlns:a16="http://schemas.microsoft.com/office/drawing/2014/main" id="{DEB1176A-8771-46B5-7E4F-B8E5DD146970}"/>
               </a:ext>
             </a:extLst>
           </p:cNvPr>
           <p:cNvCxnSpPr>
             <a:cxnSpLocks/>
-            <a:stCxn id="51" idx="6"/>
-            <a:endCxn id="65" idx="2"/>
+            <a:stCxn id="4" idx="6"/>
+            <a:endCxn id="18" idx="2"/>
           </p:cNvCxnSpPr>
           <p:nvPr/>
         </p:nvCxnSpPr>
@@ -11544,17 +11823,17 @@
       </p:cxnSp>
       <p:cxnSp>
         <p:nvCxnSpPr>
-          <p:cNvPr id="130" name="Conector recto de flecha 129">
-            <a:extLst>
-              <a:ext uri="{FF2B5EF4-FFF2-40B4-BE49-F238E27FC236}">
-                <a16:creationId xmlns:a16="http://schemas.microsoft.com/office/drawing/2014/main" id="{68503EC8-689B-B0B4-925E-6387C08195E5}"/>
+          <p:cNvPr id="47" name="Conector recto de flecha 46">
+            <a:extLst>
+              <a:ext uri="{FF2B5EF4-FFF2-40B4-BE49-F238E27FC236}">
+                <a16:creationId xmlns:a16="http://schemas.microsoft.com/office/drawing/2014/main" id="{27F33130-5862-ECF9-C55A-AAB886E13282}"/>
               </a:ext>
             </a:extLst>
           </p:cNvPr>
           <p:cNvCxnSpPr>
             <a:cxnSpLocks/>
-            <a:stCxn id="53" idx="6"/>
-            <a:endCxn id="67" idx="2"/>
+            <a:stCxn id="6" idx="6"/>
+            <a:endCxn id="20" idx="2"/>
           </p:cNvCxnSpPr>
           <p:nvPr/>
         </p:nvCxnSpPr>
@@ -11592,70 +11871,23 @@
       </p:cxnSp>
       <p:cxnSp>
         <p:nvCxnSpPr>
-          <p:cNvPr id="133" name="Conector recto de flecha 132">
-            <a:extLst>
-              <a:ext uri="{FF2B5EF4-FFF2-40B4-BE49-F238E27FC236}">
-                <a16:creationId xmlns:a16="http://schemas.microsoft.com/office/drawing/2014/main" id="{00F7163C-7C52-928F-BCD3-6FF441F86061}"/>
+          <p:cNvPr id="48" name="Conector recto de flecha 47">
+            <a:extLst>
+              <a:ext uri="{FF2B5EF4-FFF2-40B4-BE49-F238E27FC236}">
+                <a16:creationId xmlns:a16="http://schemas.microsoft.com/office/drawing/2014/main" id="{E01BDB83-A1D2-5D07-A3E8-EACCFCF7D935}"/>
               </a:ext>
             </a:extLst>
           </p:cNvPr>
           <p:cNvCxnSpPr>
             <a:cxnSpLocks/>
-            <a:stCxn id="57" idx="6"/>
-            <a:endCxn id="53" idx="2"/>
+            <a:stCxn id="10" idx="6"/>
+            <a:endCxn id="6" idx="2"/>
           </p:cNvCxnSpPr>
           <p:nvPr/>
         </p:nvCxnSpPr>
         <p:spPr>
           <a:xfrm flipV="1">
             <a:off x="5052916" y="1573729"/>
-            <a:ext cx="2067827" cy="1732845"/>
-          </a:xfrm>
-          <a:prstGeom prst="straightConnector1">
-            <a:avLst/>
-          </a:prstGeom>
-          <a:ln w="19050">
-            <a:solidFill>
-              <a:srgbClr val="00B050"/>
-            </a:solidFill>
-            <a:prstDash val="solid"/>
-            <a:tailEnd type="triangle"/>
-          </a:ln>
-        </p:spPr>
-        <p:style>
-          <a:lnRef idx="1">
-            <a:schemeClr val="accent1"/>
-          </a:lnRef>
-          <a:fillRef idx="0">
-            <a:schemeClr val="accent1"/>
-          </a:fillRef>
-          <a:effectRef idx="0">
-            <a:schemeClr val="accent1"/>
-          </a:effectRef>
-          <a:fontRef idx="minor">
-            <a:schemeClr val="tx1"/>
-          </a:fontRef>
-        </p:style>
-      </p:cxnSp>
-      <p:cxnSp>
-        <p:nvCxnSpPr>
-          <p:cNvPr id="136" name="Conector recto de flecha 135">
-            <a:extLst>
-              <a:ext uri="{FF2B5EF4-FFF2-40B4-BE49-F238E27FC236}">
-                <a16:creationId xmlns:a16="http://schemas.microsoft.com/office/drawing/2014/main" id="{8A158F30-D642-384C-9472-B346215B6FC4}"/>
-              </a:ext>
-            </a:extLst>
-          </p:cNvPr>
-          <p:cNvCxnSpPr>
-            <a:cxnSpLocks/>
-            <a:stCxn id="63" idx="6"/>
-            <a:endCxn id="59" idx="2"/>
-          </p:cNvCxnSpPr>
-          <p:nvPr/>
-        </p:nvCxnSpPr>
-        <p:spPr>
-          <a:xfrm flipV="1">
-            <a:off x="5052916" y="3306574"/>
             <a:ext cx="2067827" cy="1732845"/>
           </a:xfrm>
           <a:prstGeom prst="straightConnector1">
@@ -11688,71 +11920,24 @@
       </p:cxnSp>
       <p:cxnSp>
         <p:nvCxnSpPr>
-          <p:cNvPr id="139" name="Conector recto de flecha 138">
-            <a:extLst>
-              <a:ext uri="{FF2B5EF4-FFF2-40B4-BE49-F238E27FC236}">
-                <a16:creationId xmlns:a16="http://schemas.microsoft.com/office/drawing/2014/main" id="{9F2F89DA-0AD5-AB44-5BC0-7B165B4AD3F5}"/>
+          <p:cNvPr id="49" name="Conector recto de flecha 48">
+            <a:extLst>
+              <a:ext uri="{FF2B5EF4-FFF2-40B4-BE49-F238E27FC236}">
+                <a16:creationId xmlns:a16="http://schemas.microsoft.com/office/drawing/2014/main" id="{969DD317-F2EF-4E46-9E66-FDC78E9E778B}"/>
               </a:ext>
             </a:extLst>
           </p:cNvPr>
           <p:cNvCxnSpPr>
             <a:cxnSpLocks/>
-            <a:stCxn id="59" idx="6"/>
-            <a:endCxn id="55" idx="2"/>
+            <a:stCxn id="16" idx="6"/>
+            <a:endCxn id="12" idx="2"/>
           </p:cNvCxnSpPr>
           <p:nvPr/>
         </p:nvCxnSpPr>
         <p:spPr>
           <a:xfrm flipV="1">
-            <a:off x="8035143" y="1573729"/>
-            <a:ext cx="2072891" cy="1732845"/>
-          </a:xfrm>
-          <a:prstGeom prst="straightConnector1">
-            <a:avLst/>
-          </a:prstGeom>
-          <a:ln w="19050">
-            <a:solidFill>
-              <a:srgbClr val="00B050"/>
-            </a:solidFill>
-            <a:prstDash val="solid"/>
-            <a:tailEnd type="triangle"/>
-          </a:ln>
-        </p:spPr>
-        <p:style>
-          <a:lnRef idx="1">
-            <a:schemeClr val="accent1"/>
-          </a:lnRef>
-          <a:fillRef idx="0">
-            <a:schemeClr val="accent1"/>
-          </a:fillRef>
-          <a:effectRef idx="0">
-            <a:schemeClr val="accent1"/>
-          </a:effectRef>
-          <a:fontRef idx="minor">
-            <a:schemeClr val="tx1"/>
-          </a:fontRef>
-        </p:style>
-      </p:cxnSp>
-      <p:cxnSp>
-        <p:nvCxnSpPr>
-          <p:cNvPr id="142" name="Conector recto de flecha 141">
-            <a:extLst>
-              <a:ext uri="{FF2B5EF4-FFF2-40B4-BE49-F238E27FC236}">
-                <a16:creationId xmlns:a16="http://schemas.microsoft.com/office/drawing/2014/main" id="{BBD4401D-069A-D96A-D1E0-551C8AEB59F8}"/>
-              </a:ext>
-            </a:extLst>
-          </p:cNvPr>
-          <p:cNvCxnSpPr>
-            <a:cxnSpLocks/>
-            <a:stCxn id="65" idx="6"/>
-            <a:endCxn id="61" idx="2"/>
-          </p:cNvCxnSpPr>
-          <p:nvPr/>
-        </p:nvCxnSpPr>
-        <p:spPr>
-          <a:xfrm flipV="1">
-            <a:off x="8035143" y="3306574"/>
-            <a:ext cx="2072891" cy="1732845"/>
+            <a:off x="5052916" y="3306574"/>
+            <a:ext cx="2067827" cy="1732845"/>
           </a:xfrm>
           <a:prstGeom prst="straightConnector1">
             <a:avLst/>
@@ -11784,24 +11969,24 @@
       </p:cxnSp>
       <p:cxnSp>
         <p:nvCxnSpPr>
-          <p:cNvPr id="145" name="Conector recto de flecha 144">
-            <a:extLst>
-              <a:ext uri="{FF2B5EF4-FFF2-40B4-BE49-F238E27FC236}">
-                <a16:creationId xmlns:a16="http://schemas.microsoft.com/office/drawing/2014/main" id="{49A10E5D-0C9A-DE9B-B9C9-88BC50D71AFD}"/>
+          <p:cNvPr id="50" name="Conector recto de flecha 49">
+            <a:extLst>
+              <a:ext uri="{FF2B5EF4-FFF2-40B4-BE49-F238E27FC236}">
+                <a16:creationId xmlns:a16="http://schemas.microsoft.com/office/drawing/2014/main" id="{7E123AEA-0856-DFD6-9645-239BFE1660CD}"/>
               </a:ext>
             </a:extLst>
           </p:cNvPr>
           <p:cNvCxnSpPr>
             <a:cxnSpLocks/>
-            <a:stCxn id="63" idx="6"/>
-            <a:endCxn id="53" idx="2"/>
+            <a:stCxn id="12" idx="6"/>
+            <a:endCxn id="8" idx="2"/>
           </p:cNvCxnSpPr>
           <p:nvPr/>
         </p:nvCxnSpPr>
         <p:spPr>
           <a:xfrm flipV="1">
-            <a:off x="5052916" y="1573729"/>
-            <a:ext cx="2067827" cy="3465690"/>
+            <a:off x="8035143" y="1573729"/>
+            <a:ext cx="2072891" cy="1732845"/>
           </a:xfrm>
           <a:prstGeom prst="straightConnector1">
             <a:avLst/>
@@ -11833,24 +12018,24 @@
       </p:cxnSp>
       <p:cxnSp>
         <p:nvCxnSpPr>
-          <p:cNvPr id="148" name="Conector recto de flecha 147">
-            <a:extLst>
-              <a:ext uri="{FF2B5EF4-FFF2-40B4-BE49-F238E27FC236}">
-                <a16:creationId xmlns:a16="http://schemas.microsoft.com/office/drawing/2014/main" id="{02BBC951-C80F-D8AD-70CA-BE710A6D8493}"/>
+          <p:cNvPr id="51" name="Conector recto de flecha 50">
+            <a:extLst>
+              <a:ext uri="{FF2B5EF4-FFF2-40B4-BE49-F238E27FC236}">
+                <a16:creationId xmlns:a16="http://schemas.microsoft.com/office/drawing/2014/main" id="{69CAA466-3EB0-B5DA-3393-3C8BB0D57AC6}"/>
               </a:ext>
             </a:extLst>
           </p:cNvPr>
           <p:cNvCxnSpPr>
             <a:cxnSpLocks/>
-            <a:stCxn id="65" idx="6"/>
-            <a:endCxn id="55" idx="2"/>
+            <a:stCxn id="18" idx="6"/>
+            <a:endCxn id="14" idx="2"/>
           </p:cNvCxnSpPr>
           <p:nvPr/>
         </p:nvCxnSpPr>
         <p:spPr>
           <a:xfrm flipV="1">
-            <a:off x="8035143" y="1573729"/>
-            <a:ext cx="2072891" cy="3465690"/>
+            <a:off x="8035143" y="3306574"/>
+            <a:ext cx="2072891" cy="1732845"/>
           </a:xfrm>
           <a:prstGeom prst="straightConnector1">
             <a:avLst/>
@@ -11880,12 +12065,110 @@
           </a:fontRef>
         </p:style>
       </p:cxnSp>
-      <p:sp>
-        <p:nvSpPr>
-          <p:cNvPr id="235" name="CuadroTexto 234">
-            <a:extLst>
-              <a:ext uri="{FF2B5EF4-FFF2-40B4-BE49-F238E27FC236}">
-                <a16:creationId xmlns:a16="http://schemas.microsoft.com/office/drawing/2014/main" id="{B0C05C64-C9A7-E21B-89F3-A08B1013ABF2}"/>
+      <p:cxnSp>
+        <p:nvCxnSpPr>
+          <p:cNvPr id="52" name="Conector recto de flecha 51">
+            <a:extLst>
+              <a:ext uri="{FF2B5EF4-FFF2-40B4-BE49-F238E27FC236}">
+                <a16:creationId xmlns:a16="http://schemas.microsoft.com/office/drawing/2014/main" id="{9B517455-D75E-4CC4-E7AE-9A8C2BF341FA}"/>
+              </a:ext>
+            </a:extLst>
+          </p:cNvPr>
+          <p:cNvCxnSpPr>
+            <a:cxnSpLocks/>
+            <a:stCxn id="16" idx="6"/>
+            <a:endCxn id="6" idx="2"/>
+          </p:cNvCxnSpPr>
+          <p:nvPr/>
+        </p:nvCxnSpPr>
+        <p:spPr>
+          <a:xfrm flipV="1">
+            <a:off x="5052916" y="1573729"/>
+            <a:ext cx="2067827" cy="3465690"/>
+          </a:xfrm>
+          <a:prstGeom prst="straightConnector1">
+            <a:avLst/>
+          </a:prstGeom>
+          <a:ln w="19050">
+            <a:solidFill>
+              <a:schemeClr val="bg2">
+                <a:lumMod val="90000"/>
+              </a:schemeClr>
+            </a:solidFill>
+            <a:prstDash val="sysDash"/>
+            <a:tailEnd type="triangle"/>
+          </a:ln>
+        </p:spPr>
+        <p:style>
+          <a:lnRef idx="1">
+            <a:schemeClr val="accent1"/>
+          </a:lnRef>
+          <a:fillRef idx="0">
+            <a:schemeClr val="accent1"/>
+          </a:fillRef>
+          <a:effectRef idx="0">
+            <a:schemeClr val="accent1"/>
+          </a:effectRef>
+          <a:fontRef idx="minor">
+            <a:schemeClr val="tx1"/>
+          </a:fontRef>
+        </p:style>
+      </p:cxnSp>
+      <p:cxnSp>
+        <p:nvCxnSpPr>
+          <p:cNvPr id="53" name="Conector recto de flecha 52">
+            <a:extLst>
+              <a:ext uri="{FF2B5EF4-FFF2-40B4-BE49-F238E27FC236}">
+                <a16:creationId xmlns:a16="http://schemas.microsoft.com/office/drawing/2014/main" id="{E639885A-3E44-62D2-11B5-EB0AFE2ACC9E}"/>
+              </a:ext>
+            </a:extLst>
+          </p:cNvPr>
+          <p:cNvCxnSpPr>
+            <a:cxnSpLocks/>
+            <a:stCxn id="18" idx="6"/>
+            <a:endCxn id="8" idx="2"/>
+          </p:cNvCxnSpPr>
+          <p:nvPr/>
+        </p:nvCxnSpPr>
+        <p:spPr>
+          <a:xfrm flipV="1">
+            <a:off x="8035143" y="1573729"/>
+            <a:ext cx="2072891" cy="3465690"/>
+          </a:xfrm>
+          <a:prstGeom prst="straightConnector1">
+            <a:avLst/>
+          </a:prstGeom>
+          <a:ln w="19050">
+            <a:solidFill>
+              <a:schemeClr val="bg2">
+                <a:lumMod val="90000"/>
+              </a:schemeClr>
+            </a:solidFill>
+            <a:prstDash val="sysDash"/>
+            <a:tailEnd type="triangle"/>
+          </a:ln>
+        </p:spPr>
+        <p:style>
+          <a:lnRef idx="1">
+            <a:schemeClr val="accent1"/>
+          </a:lnRef>
+          <a:fillRef idx="0">
+            <a:schemeClr val="accent1"/>
+          </a:fillRef>
+          <a:effectRef idx="0">
+            <a:schemeClr val="accent1"/>
+          </a:effectRef>
+          <a:fontRef idx="minor">
+            <a:schemeClr val="tx1"/>
+          </a:fontRef>
+        </p:style>
+      </p:cxnSp>
+      <p:sp>
+        <p:nvSpPr>
+          <p:cNvPr id="54" name="CuadroTexto 53">
+            <a:extLst>
+              <a:ext uri="{FF2B5EF4-FFF2-40B4-BE49-F238E27FC236}">
+                <a16:creationId xmlns:a16="http://schemas.microsoft.com/office/drawing/2014/main" id="{88A29B9C-863E-F8BE-8EC6-0F253EE6280D}"/>
               </a:ext>
             </a:extLst>
           </p:cNvPr>
@@ -11911,22 +12194,19 @@
           <a:lstStyle/>
           <a:p>
             <a:pPr algn="ctr"/>
-            <a:r>
-              <a:rPr lang="es-CL" sz="1200" dirty="0">
-                <a:latin typeface="Arial" panose="020B0604020202020204" pitchFamily="34" charset="0"/>
-                <a:cs typeface="Arial" panose="020B0604020202020204" pitchFamily="34" charset="0"/>
-              </a:rPr>
-              <a:t>0.089*</a:t>
-            </a:r>
-          </a:p>
-        </p:txBody>
-      </p:sp>
-      <p:sp>
-        <p:nvSpPr>
-          <p:cNvPr id="6" name="CuadroTexto 5">
-            <a:extLst>
-              <a:ext uri="{FF2B5EF4-FFF2-40B4-BE49-F238E27FC236}">
-                <a16:creationId xmlns:a16="http://schemas.microsoft.com/office/drawing/2014/main" id="{CD2889BA-F1F5-5102-C4E9-F31DA719F925}"/>
+            <a:endParaRPr lang="es-CL" sz="1200" dirty="0">
+              <a:latin typeface="Arial" panose="020B0604020202020204" pitchFamily="34" charset="0"/>
+              <a:cs typeface="Arial" panose="020B0604020202020204" pitchFamily="34" charset="0"/>
+            </a:endParaRPr>
+          </a:p>
+        </p:txBody>
+      </p:sp>
+      <p:sp>
+        <p:nvSpPr>
+          <p:cNvPr id="55" name="CuadroTexto 54">
+            <a:extLst>
+              <a:ext uri="{FF2B5EF4-FFF2-40B4-BE49-F238E27FC236}">
+                <a16:creationId xmlns:a16="http://schemas.microsoft.com/office/drawing/2014/main" id="{A0F00E56-F31A-1138-B33A-D58A8BADAAF1}"/>
               </a:ext>
             </a:extLst>
           </p:cNvPr>
@@ -11952,22 +12232,19 @@
           <a:lstStyle/>
           <a:p>
             <a:pPr algn="ctr"/>
-            <a:r>
-              <a:rPr lang="es-CL" sz="1200" dirty="0">
-                <a:latin typeface="Arial" panose="020B0604020202020204" pitchFamily="34" charset="0"/>
-                <a:cs typeface="Arial" panose="020B0604020202020204" pitchFamily="34" charset="0"/>
-              </a:rPr>
-              <a:t>0.089*</a:t>
-            </a:r>
-          </a:p>
-        </p:txBody>
-      </p:sp>
-      <p:sp>
-        <p:nvSpPr>
-          <p:cNvPr id="9" name="CuadroTexto 8">
-            <a:extLst>
-              <a:ext uri="{FF2B5EF4-FFF2-40B4-BE49-F238E27FC236}">
-                <a16:creationId xmlns:a16="http://schemas.microsoft.com/office/drawing/2014/main" id="{71FD01ED-B972-90D2-2027-68589BACAA9D}"/>
+            <a:endParaRPr lang="es-CL" sz="1200" dirty="0">
+              <a:latin typeface="Arial" panose="020B0604020202020204" pitchFamily="34" charset="0"/>
+              <a:cs typeface="Arial" panose="020B0604020202020204" pitchFamily="34" charset="0"/>
+            </a:endParaRPr>
+          </a:p>
+        </p:txBody>
+      </p:sp>
+      <p:sp>
+        <p:nvSpPr>
+          <p:cNvPr id="57" name="CuadroTexto 56">
+            <a:extLst>
+              <a:ext uri="{FF2B5EF4-FFF2-40B4-BE49-F238E27FC236}">
+                <a16:creationId xmlns:a16="http://schemas.microsoft.com/office/drawing/2014/main" id="{E0A49686-A7D8-32D2-2DA3-9D3DE5081014}"/>
               </a:ext>
             </a:extLst>
           </p:cNvPr>
@@ -11993,22 +12270,19 @@
           <a:lstStyle/>
           <a:p>
             <a:pPr algn="ctr"/>
-            <a:r>
-              <a:rPr lang="es-CL" sz="1200" dirty="0">
-                <a:latin typeface="Arial" panose="020B0604020202020204" pitchFamily="34" charset="0"/>
-                <a:cs typeface="Arial" panose="020B0604020202020204" pitchFamily="34" charset="0"/>
-              </a:rPr>
-              <a:t>0.312***</a:t>
-            </a:r>
-          </a:p>
-        </p:txBody>
-      </p:sp>
-      <p:sp>
-        <p:nvSpPr>
-          <p:cNvPr id="87" name="CuadroTexto 86">
-            <a:extLst>
-              <a:ext uri="{FF2B5EF4-FFF2-40B4-BE49-F238E27FC236}">
-                <a16:creationId xmlns:a16="http://schemas.microsoft.com/office/drawing/2014/main" id="{689F0E2A-BCB3-45EA-3BEF-714498CA5E87}"/>
+            <a:endParaRPr lang="es-CL" sz="1200" dirty="0">
+              <a:latin typeface="Arial" panose="020B0604020202020204" pitchFamily="34" charset="0"/>
+              <a:cs typeface="Arial" panose="020B0604020202020204" pitchFamily="34" charset="0"/>
+            </a:endParaRPr>
+          </a:p>
+        </p:txBody>
+      </p:sp>
+      <p:sp>
+        <p:nvSpPr>
+          <p:cNvPr id="59" name="CuadroTexto 58">
+            <a:extLst>
+              <a:ext uri="{FF2B5EF4-FFF2-40B4-BE49-F238E27FC236}">
+                <a16:creationId xmlns:a16="http://schemas.microsoft.com/office/drawing/2014/main" id="{B8DB4D26-37D9-37C0-6E4E-ED5A03BBED64}"/>
               </a:ext>
             </a:extLst>
           </p:cNvPr>
@@ -12034,22 +12308,19 @@
           <a:lstStyle/>
           <a:p>
             <a:pPr algn="ctr"/>
-            <a:r>
-              <a:rPr lang="es-CL" sz="1200" dirty="0">
-                <a:latin typeface="Arial" panose="020B0604020202020204" pitchFamily="34" charset="0"/>
-                <a:cs typeface="Arial" panose="020B0604020202020204" pitchFamily="34" charset="0"/>
-              </a:rPr>
-              <a:t>0.312***</a:t>
-            </a:r>
-          </a:p>
-        </p:txBody>
-      </p:sp>
-      <p:sp>
-        <p:nvSpPr>
-          <p:cNvPr id="93" name="CuadroTexto 92">
-            <a:extLst>
-              <a:ext uri="{FF2B5EF4-FFF2-40B4-BE49-F238E27FC236}">
-                <a16:creationId xmlns:a16="http://schemas.microsoft.com/office/drawing/2014/main" id="{055ECF23-4843-7E73-89FD-769E5DCDB599}"/>
+            <a:endParaRPr lang="es-CL" sz="1200" dirty="0">
+              <a:latin typeface="Arial" panose="020B0604020202020204" pitchFamily="34" charset="0"/>
+              <a:cs typeface="Arial" panose="020B0604020202020204" pitchFamily="34" charset="0"/>
+            </a:endParaRPr>
+          </a:p>
+        </p:txBody>
+      </p:sp>
+      <p:sp>
+        <p:nvSpPr>
+          <p:cNvPr id="64" name="CuadroTexto 63">
+            <a:extLst>
+              <a:ext uri="{FF2B5EF4-FFF2-40B4-BE49-F238E27FC236}">
+                <a16:creationId xmlns:a16="http://schemas.microsoft.com/office/drawing/2014/main" id="{7F9BBC26-2B45-9382-2968-7BB36E0252F4}"/>
               </a:ext>
             </a:extLst>
           </p:cNvPr>
@@ -12075,22 +12346,19 @@
           <a:lstStyle/>
           <a:p>
             <a:pPr algn="ctr"/>
-            <a:r>
-              <a:rPr lang="es-CL" sz="1200" dirty="0">
-                <a:latin typeface="Arial" panose="020B0604020202020204" pitchFamily="34" charset="0"/>
-                <a:cs typeface="Arial" panose="020B0604020202020204" pitchFamily="34" charset="0"/>
-              </a:rPr>
-              <a:t>0.139***</a:t>
-            </a:r>
-          </a:p>
-        </p:txBody>
-      </p:sp>
-      <p:sp>
-        <p:nvSpPr>
-          <p:cNvPr id="94" name="CuadroTexto 93">
-            <a:extLst>
-              <a:ext uri="{FF2B5EF4-FFF2-40B4-BE49-F238E27FC236}">
-                <a16:creationId xmlns:a16="http://schemas.microsoft.com/office/drawing/2014/main" id="{43484EBC-18C6-CED3-0311-9804B7C22831}"/>
+            <a:endParaRPr lang="es-CL" sz="1200" dirty="0">
+              <a:latin typeface="Arial" panose="020B0604020202020204" pitchFamily="34" charset="0"/>
+              <a:cs typeface="Arial" panose="020B0604020202020204" pitchFamily="34" charset="0"/>
+            </a:endParaRPr>
+          </a:p>
+        </p:txBody>
+      </p:sp>
+      <p:sp>
+        <p:nvSpPr>
+          <p:cNvPr id="65" name="CuadroTexto 64">
+            <a:extLst>
+              <a:ext uri="{FF2B5EF4-FFF2-40B4-BE49-F238E27FC236}">
+                <a16:creationId xmlns:a16="http://schemas.microsoft.com/office/drawing/2014/main" id="{FA4EC146-9536-FCCF-09CA-B50EC2BF72DA}"/>
               </a:ext>
             </a:extLst>
           </p:cNvPr>
@@ -12116,22 +12384,19 @@
           <a:lstStyle/>
           <a:p>
             <a:pPr algn="ctr"/>
-            <a:r>
-              <a:rPr lang="es-CL" sz="1200" dirty="0">
-                <a:latin typeface="Arial" panose="020B0604020202020204" pitchFamily="34" charset="0"/>
-                <a:cs typeface="Arial" panose="020B0604020202020204" pitchFamily="34" charset="0"/>
-              </a:rPr>
-              <a:t>0.139***</a:t>
-            </a:r>
-          </a:p>
-        </p:txBody>
-      </p:sp>
-      <p:sp>
-        <p:nvSpPr>
-          <p:cNvPr id="95" name="CuadroTexto 94">
-            <a:extLst>
-              <a:ext uri="{FF2B5EF4-FFF2-40B4-BE49-F238E27FC236}">
-                <a16:creationId xmlns:a16="http://schemas.microsoft.com/office/drawing/2014/main" id="{D2D58D7D-6E2F-666B-45E2-A1E158C1D126}"/>
+            <a:endParaRPr lang="es-CL" sz="1200" dirty="0">
+              <a:latin typeface="Arial" panose="020B0604020202020204" pitchFamily="34" charset="0"/>
+              <a:cs typeface="Arial" panose="020B0604020202020204" pitchFamily="34" charset="0"/>
+            </a:endParaRPr>
+          </a:p>
+        </p:txBody>
+      </p:sp>
+      <p:sp>
+        <p:nvSpPr>
+          <p:cNvPr id="66" name="CuadroTexto 65">
+            <a:extLst>
+              <a:ext uri="{FF2B5EF4-FFF2-40B4-BE49-F238E27FC236}">
+                <a16:creationId xmlns:a16="http://schemas.microsoft.com/office/drawing/2014/main" id="{407D874E-1777-71BB-2C6F-A66139B67B2B}"/>
               </a:ext>
             </a:extLst>
           </p:cNvPr>
@@ -12157,22 +12422,19 @@
           <a:lstStyle/>
           <a:p>
             <a:pPr algn="ctr"/>
-            <a:r>
-              <a:rPr lang="es-CL" sz="1200" dirty="0">
-                <a:latin typeface="Arial" panose="020B0604020202020204" pitchFamily="34" charset="0"/>
-                <a:cs typeface="Arial" panose="020B0604020202020204" pitchFamily="34" charset="0"/>
-              </a:rPr>
-              <a:t>0.15***</a:t>
-            </a:r>
-          </a:p>
-        </p:txBody>
-      </p:sp>
-      <p:sp>
-        <p:nvSpPr>
-          <p:cNvPr id="96" name="CuadroTexto 95">
-            <a:extLst>
-              <a:ext uri="{FF2B5EF4-FFF2-40B4-BE49-F238E27FC236}">
-                <a16:creationId xmlns:a16="http://schemas.microsoft.com/office/drawing/2014/main" id="{EF8126BC-6E74-2C8D-3080-18F83D995809}"/>
+            <a:endParaRPr lang="es-CL" sz="1200" dirty="0">
+              <a:latin typeface="Arial" panose="020B0604020202020204" pitchFamily="34" charset="0"/>
+              <a:cs typeface="Arial" panose="020B0604020202020204" pitchFamily="34" charset="0"/>
+            </a:endParaRPr>
+          </a:p>
+        </p:txBody>
+      </p:sp>
+      <p:sp>
+        <p:nvSpPr>
+          <p:cNvPr id="67" name="CuadroTexto 66">
+            <a:extLst>
+              <a:ext uri="{FF2B5EF4-FFF2-40B4-BE49-F238E27FC236}">
+                <a16:creationId xmlns:a16="http://schemas.microsoft.com/office/drawing/2014/main" id="{696EB581-6167-3A87-9F19-07C34392B545}"/>
               </a:ext>
             </a:extLst>
           </p:cNvPr>
@@ -12198,22 +12460,19 @@
           <a:lstStyle/>
           <a:p>
             <a:pPr algn="ctr"/>
-            <a:r>
-              <a:rPr lang="es-CL" sz="1200" dirty="0">
-                <a:latin typeface="Arial" panose="020B0604020202020204" pitchFamily="34" charset="0"/>
-                <a:cs typeface="Arial" panose="020B0604020202020204" pitchFamily="34" charset="0"/>
-              </a:rPr>
-              <a:t>-0.326***</a:t>
-            </a:r>
-          </a:p>
-        </p:txBody>
-      </p:sp>
-      <p:sp>
-        <p:nvSpPr>
-          <p:cNvPr id="97" name="CuadroTexto 96">
-            <a:extLst>
-              <a:ext uri="{FF2B5EF4-FFF2-40B4-BE49-F238E27FC236}">
-                <a16:creationId xmlns:a16="http://schemas.microsoft.com/office/drawing/2014/main" id="{DA613165-2977-E213-7878-F54660B95915}"/>
+            <a:endParaRPr lang="es-CL" sz="1200" dirty="0">
+              <a:latin typeface="Arial" panose="020B0604020202020204" pitchFamily="34" charset="0"/>
+              <a:cs typeface="Arial" panose="020B0604020202020204" pitchFamily="34" charset="0"/>
+            </a:endParaRPr>
+          </a:p>
+        </p:txBody>
+      </p:sp>
+      <p:sp>
+        <p:nvSpPr>
+          <p:cNvPr id="68" name="CuadroTexto 67">
+            <a:extLst>
+              <a:ext uri="{FF2B5EF4-FFF2-40B4-BE49-F238E27FC236}">
+                <a16:creationId xmlns:a16="http://schemas.microsoft.com/office/drawing/2014/main" id="{636FACF6-AA73-C491-703A-894E0D8D7F92}"/>
               </a:ext>
             </a:extLst>
           </p:cNvPr>
@@ -12239,50 +12498,67 @@
           <a:lstStyle/>
           <a:p>
             <a:pPr algn="ctr"/>
-            <a:r>
-              <a:rPr lang="es-CL" sz="1200" dirty="0">
-                <a:latin typeface="Arial" panose="020B0604020202020204" pitchFamily="34" charset="0"/>
-                <a:cs typeface="Arial" panose="020B0604020202020204" pitchFamily="34" charset="0"/>
-              </a:rPr>
-              <a:t>-0.258***</a:t>
-            </a:r>
-          </a:p>
-        </p:txBody>
-      </p:sp>
-      <p:sp>
-        <p:nvSpPr>
-          <p:cNvPr id="101" name="Título 100">
-            <a:extLst>
-              <a:ext uri="{FF2B5EF4-FFF2-40B4-BE49-F238E27FC236}">
-                <a16:creationId xmlns:a16="http://schemas.microsoft.com/office/drawing/2014/main" id="{2C3D7774-2624-BD3E-AEC0-BA14A6184925}"/>
-              </a:ext>
-            </a:extLst>
-          </p:cNvPr>
-          <p:cNvSpPr>
-            <a:spLocks noGrp="1"/>
+            <a:endParaRPr lang="es-CL" sz="1200" dirty="0">
+              <a:latin typeface="Arial" panose="020B0604020202020204" pitchFamily="34" charset="0"/>
+              <a:cs typeface="Arial" panose="020B0604020202020204" pitchFamily="34" charset="0"/>
+            </a:endParaRPr>
+          </a:p>
+        </p:txBody>
+      </p:sp>
+      <p:sp>
+        <p:nvSpPr>
+          <p:cNvPr id="69" name="Título 100">
+            <a:extLst>
+              <a:ext uri="{FF2B5EF4-FFF2-40B4-BE49-F238E27FC236}">
+                <a16:creationId xmlns:a16="http://schemas.microsoft.com/office/drawing/2014/main" id="{04CA6C2A-F610-3BF5-F8C9-414BB02832B9}"/>
+              </a:ext>
+            </a:extLst>
+          </p:cNvPr>
+          <p:cNvSpPr txBox="1">
+            <a:spLocks/>
           </p:cNvSpPr>
-          <p:nvPr>
-            <p:ph type="title"/>
-          </p:nvPr>
+          <p:nvPr/>
         </p:nvSpPr>
         <p:spPr>
           <a:xfrm>
             <a:off x="838200" y="133396"/>
             <a:ext cx="10515600" cy="401364"/>
           </a:xfrm>
-        </p:spPr>
-        <p:txBody>
-          <a:bodyPr>
+          <a:prstGeom prst="rect">
+            <a:avLst/>
+          </a:prstGeom>
+        </p:spPr>
+        <p:txBody>
+          <a:bodyPr vert="horz" lIns="91440" tIns="45720" rIns="91440" bIns="45720" rtlCol="0" anchor="b">
             <a:noAutofit/>
           </a:bodyPr>
-          <a:lstStyle/>
-          <a:p>
+          <a:lstStyle>
+            <a:lvl1pPr algn="ctr" defTabSz="914400" rtl="0" eaLnBrk="1" latinLnBrk="0" hangingPunct="1">
+              <a:lnSpc>
+                <a:spcPct val="90000"/>
+              </a:lnSpc>
+              <a:spcBef>
+                <a:spcPct val="0"/>
+              </a:spcBef>
+              <a:buNone/>
+              <a:defRPr sz="6000" kern="1200">
+                <a:solidFill>
+                  <a:schemeClr val="tx1"/>
+                </a:solidFill>
+                <a:latin typeface="+mj-lt"/>
+                <a:ea typeface="+mj-ea"/>
+                <a:cs typeface="+mj-cs"/>
+              </a:defRPr>
+            </a:lvl1pPr>
+          </a:lstStyle>
+          <a:p>
+            <a:pPr algn="l"/>
             <a:r>
               <a:rPr lang="es-CL" sz="3200" dirty="0" err="1">
                 <a:latin typeface="Arial" panose="020B0604020202020204" pitchFamily="34" charset="0"/>
                 <a:cs typeface="Arial" panose="020B0604020202020204" pitchFamily="34" charset="0"/>
               </a:rPr>
-              <a:t>Two</a:t>
+              <a:t>One</a:t>
             </a:r>
             <a:r>
               <a:rPr lang="es-CL" sz="3200" dirty="0">
@@ -12296,7 +12572,7 @@
                 <a:latin typeface="Arial" panose="020B0604020202020204" pitchFamily="34" charset="0"/>
                 <a:cs typeface="Arial" panose="020B0604020202020204" pitchFamily="34" charset="0"/>
               </a:rPr>
-              <a:t>items</a:t>
+              <a:t>item</a:t>
             </a:r>
             <a:r>
               <a:rPr lang="es-CL" sz="3200" dirty="0">
@@ -12308,322 +12584,10 @@
           </a:p>
         </p:txBody>
       </p:sp>
-      <p:sp>
-        <p:nvSpPr>
-          <p:cNvPr id="2" name="CuadroTexto 1">
-            <a:extLst>
-              <a:ext uri="{FF2B5EF4-FFF2-40B4-BE49-F238E27FC236}">
-                <a16:creationId xmlns:a16="http://schemas.microsoft.com/office/drawing/2014/main" id="{F55B0A5D-41B6-F24A-EB63-AC4DD5FF20D3}"/>
-              </a:ext>
-            </a:extLst>
-          </p:cNvPr>
-          <p:cNvSpPr txBox="1"/>
-          <p:nvPr/>
-        </p:nvSpPr>
-        <p:spPr>
-          <a:xfrm rot="19144151">
-            <a:off x="6065029" y="1853823"/>
-            <a:ext cx="806269" cy="276999"/>
-          </a:xfrm>
-          <a:prstGeom prst="rect">
-            <a:avLst/>
-          </a:prstGeom>
-          <a:noFill/>
-        </p:spPr>
-        <p:txBody>
-          <a:bodyPr wrap="square" rtlCol="0">
-            <a:spAutoFit/>
-          </a:bodyPr>
-          <a:lstStyle/>
-          <a:p>
-            <a:pPr algn="ctr"/>
-            <a:r>
-              <a:rPr lang="es-CL" sz="1200" dirty="0">
-                <a:latin typeface="Arial" panose="020B0604020202020204" pitchFamily="34" charset="0"/>
-                <a:cs typeface="Arial" panose="020B0604020202020204" pitchFamily="34" charset="0"/>
-              </a:rPr>
-              <a:t>0.083**</a:t>
-            </a:r>
-          </a:p>
-        </p:txBody>
-      </p:sp>
-      <p:sp>
-        <p:nvSpPr>
-          <p:cNvPr id="3" name="CuadroTexto 2">
-            <a:extLst>
-              <a:ext uri="{FF2B5EF4-FFF2-40B4-BE49-F238E27FC236}">
-                <a16:creationId xmlns:a16="http://schemas.microsoft.com/office/drawing/2014/main" id="{A06E67B8-486F-CF30-F77E-F69B13E7E7D8}"/>
-              </a:ext>
-            </a:extLst>
-          </p:cNvPr>
-          <p:cNvSpPr txBox="1"/>
-          <p:nvPr/>
-        </p:nvSpPr>
-        <p:spPr>
-          <a:xfrm rot="19144151">
-            <a:off x="9043344" y="1853822"/>
-            <a:ext cx="806269" cy="276999"/>
-          </a:xfrm>
-          <a:prstGeom prst="rect">
-            <a:avLst/>
-          </a:prstGeom>
-          <a:noFill/>
-        </p:spPr>
-        <p:txBody>
-          <a:bodyPr wrap="square" rtlCol="0">
-            <a:spAutoFit/>
-          </a:bodyPr>
-          <a:lstStyle/>
-          <a:p>
-            <a:pPr algn="ctr"/>
-            <a:r>
-              <a:rPr lang="es-CL" sz="1200" dirty="0">
-                <a:latin typeface="Arial" panose="020B0604020202020204" pitchFamily="34" charset="0"/>
-                <a:cs typeface="Arial" panose="020B0604020202020204" pitchFamily="34" charset="0"/>
-              </a:rPr>
-              <a:t>0.083**</a:t>
-            </a:r>
-          </a:p>
-        </p:txBody>
-      </p:sp>
-      <p:sp>
-        <p:nvSpPr>
-          <p:cNvPr id="4" name="CuadroTexto 3">
-            <a:extLst>
-              <a:ext uri="{FF2B5EF4-FFF2-40B4-BE49-F238E27FC236}">
-                <a16:creationId xmlns:a16="http://schemas.microsoft.com/office/drawing/2014/main" id="{3416A3B0-F603-09B2-6F37-6404F3BC0DD5}"/>
-              </a:ext>
-            </a:extLst>
-          </p:cNvPr>
-          <p:cNvSpPr txBox="1"/>
-          <p:nvPr/>
-        </p:nvSpPr>
-        <p:spPr>
-          <a:xfrm rot="2347904">
-            <a:off x="5237089" y="1799053"/>
-            <a:ext cx="806269" cy="276999"/>
-          </a:xfrm>
-          <a:prstGeom prst="rect">
-            <a:avLst/>
-          </a:prstGeom>
-          <a:noFill/>
-        </p:spPr>
-        <p:txBody>
-          <a:bodyPr wrap="square" rtlCol="0">
-            <a:spAutoFit/>
-          </a:bodyPr>
-          <a:lstStyle/>
-          <a:p>
-            <a:pPr algn="ctr"/>
-            <a:r>
-              <a:rPr lang="es-CL" sz="1200" dirty="0">
-                <a:latin typeface="Arial" panose="020B0604020202020204" pitchFamily="34" charset="0"/>
-                <a:cs typeface="Arial" panose="020B0604020202020204" pitchFamily="34" charset="0"/>
-              </a:rPr>
-              <a:t>0.053*</a:t>
-            </a:r>
-          </a:p>
-        </p:txBody>
-      </p:sp>
-      <p:sp>
-        <p:nvSpPr>
-          <p:cNvPr id="5" name="CuadroTexto 4">
-            <a:extLst>
-              <a:ext uri="{FF2B5EF4-FFF2-40B4-BE49-F238E27FC236}">
-                <a16:creationId xmlns:a16="http://schemas.microsoft.com/office/drawing/2014/main" id="{A2EF69A3-CC2F-2194-E69D-12FF2ACEE21E}"/>
-              </a:ext>
-            </a:extLst>
-          </p:cNvPr>
-          <p:cNvSpPr txBox="1"/>
-          <p:nvPr/>
-        </p:nvSpPr>
-        <p:spPr>
-          <a:xfrm rot="2347904">
-            <a:off x="8217674" y="1780725"/>
-            <a:ext cx="806269" cy="276999"/>
-          </a:xfrm>
-          <a:prstGeom prst="rect">
-            <a:avLst/>
-          </a:prstGeom>
-          <a:noFill/>
-        </p:spPr>
-        <p:txBody>
-          <a:bodyPr wrap="square" rtlCol="0">
-            <a:spAutoFit/>
-          </a:bodyPr>
-          <a:lstStyle/>
-          <a:p>
-            <a:pPr algn="ctr"/>
-            <a:r>
-              <a:rPr lang="es-CL" sz="1200" dirty="0">
-                <a:latin typeface="Arial" panose="020B0604020202020204" pitchFamily="34" charset="0"/>
-                <a:cs typeface="Arial" panose="020B0604020202020204" pitchFamily="34" charset="0"/>
-              </a:rPr>
-              <a:t>0.053*</a:t>
-            </a:r>
-          </a:p>
-        </p:txBody>
-      </p:sp>
-      <p:sp>
-        <p:nvSpPr>
-          <p:cNvPr id="8" name="CuadroTexto 7">
-            <a:extLst>
-              <a:ext uri="{FF2B5EF4-FFF2-40B4-BE49-F238E27FC236}">
-                <a16:creationId xmlns:a16="http://schemas.microsoft.com/office/drawing/2014/main" id="{58C704C9-094B-5F4F-6081-19716E8E6417}"/>
-              </a:ext>
-            </a:extLst>
-          </p:cNvPr>
-          <p:cNvSpPr txBox="1"/>
-          <p:nvPr/>
-        </p:nvSpPr>
-        <p:spPr>
-          <a:xfrm rot="3580764">
-            <a:off x="6376502" y="4175699"/>
-            <a:ext cx="806269" cy="276999"/>
-          </a:xfrm>
-          <a:prstGeom prst="rect">
-            <a:avLst/>
-          </a:prstGeom>
-          <a:noFill/>
-        </p:spPr>
-        <p:txBody>
-          <a:bodyPr wrap="square" rtlCol="0">
-            <a:spAutoFit/>
-          </a:bodyPr>
-          <a:lstStyle/>
-          <a:p>
-            <a:pPr algn="ctr"/>
-            <a:r>
-              <a:rPr lang="es-CL" sz="1200" dirty="0">
-                <a:latin typeface="Arial" panose="020B0604020202020204" pitchFamily="34" charset="0"/>
-                <a:cs typeface="Arial" panose="020B0604020202020204" pitchFamily="34" charset="0"/>
-              </a:rPr>
-              <a:t>-0.081**</a:t>
-            </a:r>
-          </a:p>
-        </p:txBody>
-      </p:sp>
-      <p:sp>
-        <p:nvSpPr>
-          <p:cNvPr id="10" name="CuadroTexto 9">
-            <a:extLst>
-              <a:ext uri="{FF2B5EF4-FFF2-40B4-BE49-F238E27FC236}">
-                <a16:creationId xmlns:a16="http://schemas.microsoft.com/office/drawing/2014/main" id="{2F72863C-3B99-4BAB-A066-D19C7F35E697}"/>
-              </a:ext>
-            </a:extLst>
-          </p:cNvPr>
-          <p:cNvSpPr txBox="1"/>
-          <p:nvPr/>
-        </p:nvSpPr>
-        <p:spPr>
-          <a:xfrm rot="3580764">
-            <a:off x="9394660" y="4225168"/>
-            <a:ext cx="806269" cy="276999"/>
-          </a:xfrm>
-          <a:prstGeom prst="rect">
-            <a:avLst/>
-          </a:prstGeom>
-          <a:noFill/>
-        </p:spPr>
-        <p:txBody>
-          <a:bodyPr wrap="square" rtlCol="0">
-            <a:spAutoFit/>
-          </a:bodyPr>
-          <a:lstStyle/>
-          <a:p>
-            <a:pPr algn="ctr"/>
-            <a:r>
-              <a:rPr lang="es-CL" sz="1200" dirty="0">
-                <a:latin typeface="Arial" panose="020B0604020202020204" pitchFamily="34" charset="0"/>
-                <a:cs typeface="Arial" panose="020B0604020202020204" pitchFamily="34" charset="0"/>
-              </a:rPr>
-              <a:t>-0.081**</a:t>
-            </a:r>
-          </a:p>
-        </p:txBody>
-      </p:sp>
-      <p:sp>
-        <p:nvSpPr>
-          <p:cNvPr id="11" name="CuadroTexto 10">
-            <a:extLst>
-              <a:ext uri="{FF2B5EF4-FFF2-40B4-BE49-F238E27FC236}">
-                <a16:creationId xmlns:a16="http://schemas.microsoft.com/office/drawing/2014/main" id="{76D4B2D6-51A6-0D2C-CCBC-156E47A29F8F}"/>
-              </a:ext>
-            </a:extLst>
-          </p:cNvPr>
-          <p:cNvSpPr txBox="1"/>
-          <p:nvPr/>
-        </p:nvSpPr>
-        <p:spPr>
-          <a:xfrm rot="2297956">
-            <a:off x="5106982" y="3436876"/>
-            <a:ext cx="806269" cy="276999"/>
-          </a:xfrm>
-          <a:prstGeom prst="rect">
-            <a:avLst/>
-          </a:prstGeom>
-          <a:noFill/>
-        </p:spPr>
-        <p:txBody>
-          <a:bodyPr wrap="square" rtlCol="0">
-            <a:spAutoFit/>
-          </a:bodyPr>
-          <a:lstStyle/>
-          <a:p>
-            <a:pPr algn="ctr"/>
-            <a:r>
-              <a:rPr lang="es-CL" sz="1200" dirty="0">
-                <a:latin typeface="Arial" panose="020B0604020202020204" pitchFamily="34" charset="0"/>
-                <a:cs typeface="Arial" panose="020B0604020202020204" pitchFamily="34" charset="0"/>
-              </a:rPr>
-              <a:t>-0.06**</a:t>
-            </a:r>
-          </a:p>
-        </p:txBody>
-      </p:sp>
-      <p:sp>
-        <p:nvSpPr>
-          <p:cNvPr id="12" name="CuadroTexto 11">
-            <a:extLst>
-              <a:ext uri="{FF2B5EF4-FFF2-40B4-BE49-F238E27FC236}">
-                <a16:creationId xmlns:a16="http://schemas.microsoft.com/office/drawing/2014/main" id="{DFCA5C3E-9667-033B-686C-5BB75A7DBC41}"/>
-              </a:ext>
-            </a:extLst>
-          </p:cNvPr>
-          <p:cNvSpPr txBox="1"/>
-          <p:nvPr/>
-        </p:nvSpPr>
-        <p:spPr>
-          <a:xfrm rot="2297956">
-            <a:off x="8118713" y="3438878"/>
-            <a:ext cx="806269" cy="276999"/>
-          </a:xfrm>
-          <a:prstGeom prst="rect">
-            <a:avLst/>
-          </a:prstGeom>
-          <a:noFill/>
-        </p:spPr>
-        <p:txBody>
-          <a:bodyPr wrap="square" rtlCol="0">
-            <a:spAutoFit/>
-          </a:bodyPr>
-          <a:lstStyle/>
-          <a:p>
-            <a:pPr algn="ctr"/>
-            <a:r>
-              <a:rPr lang="es-CL" sz="1200" dirty="0">
-                <a:latin typeface="Arial" panose="020B0604020202020204" pitchFamily="34" charset="0"/>
-                <a:cs typeface="Arial" panose="020B0604020202020204" pitchFamily="34" charset="0"/>
-              </a:rPr>
-              <a:t>-0.06**</a:t>
-            </a:r>
-          </a:p>
-        </p:txBody>
-      </p:sp>
     </p:spTree>
     <p:extLst>
       <p:ext uri="{BB962C8B-B14F-4D97-AF65-F5344CB8AC3E}">
-        <p14:creationId xmlns:p14="http://schemas.microsoft.com/office/powerpoint/2010/main" val="248995699"/>
+        <p14:creationId xmlns:p14="http://schemas.microsoft.com/office/powerpoint/2010/main" val="3275890845"/>
       </p:ext>
     </p:extLst>
   </p:cSld>

--- a/2_output/4_figures_and_tables/Figures.pptx
+++ b/2_output/4_figures_and_tables/Figures.pptx
@@ -263,7 +263,7 @@
           <a:p>
             <a:fld id="{2ED012CA-E4EA-0542-A4D8-AD5F777CE3EE}" type="datetimeFigureOut">
               <a:rPr lang="es-CL" smtClean="0"/>
-              <a:t>16-03-23</a:t>
+              <a:t>20-03-23</a:t>
             </a:fld>
             <a:endParaRPr lang="es-CL"/>
           </a:p>
@@ -463,7 +463,7 @@
           <a:p>
             <a:fld id="{2ED012CA-E4EA-0542-A4D8-AD5F777CE3EE}" type="datetimeFigureOut">
               <a:rPr lang="es-CL" smtClean="0"/>
-              <a:t>16-03-23</a:t>
+              <a:t>20-03-23</a:t>
             </a:fld>
             <a:endParaRPr lang="es-CL"/>
           </a:p>
@@ -673,7 +673,7 @@
           <a:p>
             <a:fld id="{2ED012CA-E4EA-0542-A4D8-AD5F777CE3EE}" type="datetimeFigureOut">
               <a:rPr lang="es-CL" smtClean="0"/>
-              <a:t>16-03-23</a:t>
+              <a:t>20-03-23</a:t>
             </a:fld>
             <a:endParaRPr lang="es-CL"/>
           </a:p>
@@ -873,7 +873,7 @@
           <a:p>
             <a:fld id="{2ED012CA-E4EA-0542-A4D8-AD5F777CE3EE}" type="datetimeFigureOut">
               <a:rPr lang="es-CL" smtClean="0"/>
-              <a:t>16-03-23</a:t>
+              <a:t>20-03-23</a:t>
             </a:fld>
             <a:endParaRPr lang="es-CL"/>
           </a:p>
@@ -1149,7 +1149,7 @@
           <a:p>
             <a:fld id="{2ED012CA-E4EA-0542-A4D8-AD5F777CE3EE}" type="datetimeFigureOut">
               <a:rPr lang="es-CL" smtClean="0"/>
-              <a:t>16-03-23</a:t>
+              <a:t>20-03-23</a:t>
             </a:fld>
             <a:endParaRPr lang="es-CL"/>
           </a:p>
@@ -1417,7 +1417,7 @@
           <a:p>
             <a:fld id="{2ED012CA-E4EA-0542-A4D8-AD5F777CE3EE}" type="datetimeFigureOut">
               <a:rPr lang="es-CL" smtClean="0"/>
-              <a:t>16-03-23</a:t>
+              <a:t>20-03-23</a:t>
             </a:fld>
             <a:endParaRPr lang="es-CL"/>
           </a:p>
@@ -1832,7 +1832,7 @@
           <a:p>
             <a:fld id="{2ED012CA-E4EA-0542-A4D8-AD5F777CE3EE}" type="datetimeFigureOut">
               <a:rPr lang="es-CL" smtClean="0"/>
-              <a:t>16-03-23</a:t>
+              <a:t>20-03-23</a:t>
             </a:fld>
             <a:endParaRPr lang="es-CL"/>
           </a:p>
@@ -1974,7 +1974,7 @@
           <a:p>
             <a:fld id="{2ED012CA-E4EA-0542-A4D8-AD5F777CE3EE}" type="datetimeFigureOut">
               <a:rPr lang="es-CL" smtClean="0"/>
-              <a:t>16-03-23</a:t>
+              <a:t>20-03-23</a:t>
             </a:fld>
             <a:endParaRPr lang="es-CL"/>
           </a:p>
@@ -2087,7 +2087,7 @@
           <a:p>
             <a:fld id="{2ED012CA-E4EA-0542-A4D8-AD5F777CE3EE}" type="datetimeFigureOut">
               <a:rPr lang="es-CL" smtClean="0"/>
-              <a:t>16-03-23</a:t>
+              <a:t>20-03-23</a:t>
             </a:fld>
             <a:endParaRPr lang="es-CL"/>
           </a:p>
@@ -2400,7 +2400,7 @@
           <a:p>
             <a:fld id="{2ED012CA-E4EA-0542-A4D8-AD5F777CE3EE}" type="datetimeFigureOut">
               <a:rPr lang="es-CL" smtClean="0"/>
-              <a:t>16-03-23</a:t>
+              <a:t>20-03-23</a:t>
             </a:fld>
             <a:endParaRPr lang="es-CL"/>
           </a:p>
@@ -2689,7 +2689,7 @@
           <a:p>
             <a:fld id="{2ED012CA-E4EA-0542-A4D8-AD5F777CE3EE}" type="datetimeFigureOut">
               <a:rPr lang="es-CL" smtClean="0"/>
-              <a:t>16-03-23</a:t>
+              <a:t>20-03-23</a:t>
             </a:fld>
             <a:endParaRPr lang="es-CL"/>
           </a:p>
@@ -2932,7 +2932,7 @@
           <a:p>
             <a:fld id="{2ED012CA-E4EA-0542-A4D8-AD5F777CE3EE}" type="datetimeFigureOut">
               <a:rPr lang="es-CL" smtClean="0"/>
-              <a:t>16-03-23</a:t>
+              <a:t>20-03-23</a:t>
             </a:fld>
             <a:endParaRPr lang="es-CL"/>
           </a:p>
@@ -9637,7 +9637,7 @@
                 <a:latin typeface="Arial" panose="020B0604020202020204" pitchFamily="34" charset="0"/>
                 <a:cs typeface="Arial" panose="020B0604020202020204" pitchFamily="34" charset="0"/>
               </a:rPr>
-              <a:t>-0.06**</a:t>
+              <a:t>-0.060**</a:t>
             </a:r>
           </a:p>
         </p:txBody>
@@ -9676,7 +9676,7 @@
                 <a:latin typeface="Arial" panose="020B0604020202020204" pitchFamily="34" charset="0"/>
                 <a:cs typeface="Arial" panose="020B0604020202020204" pitchFamily="34" charset="0"/>
               </a:rPr>
-              <a:t>-0.06**</a:t>
+              <a:t>-0.060**</a:t>
             </a:r>
           </a:p>
         </p:txBody>
@@ -11289,8 +11289,11 @@
           </a:prstGeom>
           <a:ln w="19050">
             <a:solidFill>
-              <a:srgbClr val="FF0000"/>
+              <a:schemeClr val="bg2">
+                <a:lumMod val="90000"/>
+              </a:schemeClr>
             </a:solidFill>
+            <a:prstDash val="sysDash"/>
             <a:headEnd type="triangle"/>
             <a:tailEnd type="triangle"/>
           </a:ln>
@@ -11611,8 +11614,11 @@
           </a:prstGeom>
           <a:ln w="19050">
             <a:solidFill>
-              <a:srgbClr val="FF0000"/>
+              <a:schemeClr val="bg2">
+                <a:lumMod val="90000"/>
+              </a:schemeClr>
             </a:solidFill>
+            <a:prstDash val="sysDash"/>
             <a:tailEnd type="triangle"/>
           </a:ln>
         </p:spPr>
@@ -11705,8 +11711,11 @@
           </a:prstGeom>
           <a:ln w="19050">
             <a:solidFill>
-              <a:srgbClr val="FF0000"/>
+              <a:schemeClr val="bg2">
+                <a:lumMod val="90000"/>
+              </a:schemeClr>
             </a:solidFill>
+            <a:prstDash val="sysDash"/>
             <a:tailEnd type="triangle"/>
           </a:ln>
         </p:spPr>
@@ -11799,10 +11808,11 @@
           </a:prstGeom>
           <a:ln w="19050">
             <a:solidFill>
-              <a:schemeClr val="accent5">
-                <a:lumMod val="75000"/>
+              <a:schemeClr val="bg2">
+                <a:lumMod val="90000"/>
               </a:schemeClr>
             </a:solidFill>
+            <a:prstDash val="sysDash"/>
             <a:tailEnd type="triangle"/>
           </a:ln>
         </p:spPr>
@@ -11847,10 +11857,11 @@
           </a:prstGeom>
           <a:ln w="19050">
             <a:solidFill>
-              <a:schemeClr val="accent5">
-                <a:lumMod val="75000"/>
+              <a:schemeClr val="bg2">
+                <a:lumMod val="90000"/>
               </a:schemeClr>
             </a:solidFill>
+            <a:prstDash val="sysDash"/>
             <a:tailEnd type="triangle"/>
           </a:ln>
         </p:spPr>
@@ -12194,10 +12205,13 @@
           <a:lstStyle/>
           <a:p>
             <a:pPr algn="ctr"/>
-            <a:endParaRPr lang="es-CL" sz="1200" dirty="0">
-              <a:latin typeface="Arial" panose="020B0604020202020204" pitchFamily="34" charset="0"/>
-              <a:cs typeface="Arial" panose="020B0604020202020204" pitchFamily="34" charset="0"/>
-            </a:endParaRPr>
+            <a:r>
+              <a:rPr lang="es-CL" sz="1200" dirty="0">
+                <a:latin typeface="Arial" panose="020B0604020202020204" pitchFamily="34" charset="0"/>
+                <a:cs typeface="Arial" panose="020B0604020202020204" pitchFamily="34" charset="0"/>
+              </a:rPr>
+              <a:t>0.119***</a:t>
+            </a:r>
           </a:p>
         </p:txBody>
       </p:sp>
@@ -12232,10 +12246,13 @@
           <a:lstStyle/>
           <a:p>
             <a:pPr algn="ctr"/>
-            <a:endParaRPr lang="es-CL" sz="1200" dirty="0">
-              <a:latin typeface="Arial" panose="020B0604020202020204" pitchFamily="34" charset="0"/>
-              <a:cs typeface="Arial" panose="020B0604020202020204" pitchFamily="34" charset="0"/>
-            </a:endParaRPr>
+            <a:r>
+              <a:rPr lang="es-CL" sz="1200" dirty="0">
+                <a:latin typeface="Arial" panose="020B0604020202020204" pitchFamily="34" charset="0"/>
+                <a:cs typeface="Arial" panose="020B0604020202020204" pitchFamily="34" charset="0"/>
+              </a:rPr>
+              <a:t>0.119***</a:t>
+            </a:r>
           </a:p>
         </p:txBody>
       </p:sp>
@@ -12270,10 +12287,13 @@
           <a:lstStyle/>
           <a:p>
             <a:pPr algn="ctr"/>
-            <a:endParaRPr lang="es-CL" sz="1200" dirty="0">
-              <a:latin typeface="Arial" panose="020B0604020202020204" pitchFamily="34" charset="0"/>
-              <a:cs typeface="Arial" panose="020B0604020202020204" pitchFamily="34" charset="0"/>
-            </a:endParaRPr>
+            <a:r>
+              <a:rPr lang="es-CL" sz="1200" dirty="0">
+                <a:latin typeface="Arial" panose="020B0604020202020204" pitchFamily="34" charset="0"/>
+                <a:cs typeface="Arial" panose="020B0604020202020204" pitchFamily="34" charset="0"/>
+              </a:rPr>
+              <a:t>0.314***</a:t>
+            </a:r>
           </a:p>
         </p:txBody>
       </p:sp>
@@ -12308,10 +12328,13 @@
           <a:lstStyle/>
           <a:p>
             <a:pPr algn="ctr"/>
-            <a:endParaRPr lang="es-CL" sz="1200" dirty="0">
-              <a:latin typeface="Arial" panose="020B0604020202020204" pitchFamily="34" charset="0"/>
-              <a:cs typeface="Arial" panose="020B0604020202020204" pitchFamily="34" charset="0"/>
-            </a:endParaRPr>
+            <a:r>
+              <a:rPr lang="es-CL" sz="1200" dirty="0">
+                <a:latin typeface="Arial" panose="020B0604020202020204" pitchFamily="34" charset="0"/>
+                <a:cs typeface="Arial" panose="020B0604020202020204" pitchFamily="34" charset="0"/>
+              </a:rPr>
+              <a:t>0.314***</a:t>
+            </a:r>
           </a:p>
         </p:txBody>
       </p:sp>
@@ -12346,10 +12369,13 @@
           <a:lstStyle/>
           <a:p>
             <a:pPr algn="ctr"/>
-            <a:endParaRPr lang="es-CL" sz="1200" dirty="0">
-              <a:latin typeface="Arial" panose="020B0604020202020204" pitchFamily="34" charset="0"/>
-              <a:cs typeface="Arial" panose="020B0604020202020204" pitchFamily="34" charset="0"/>
-            </a:endParaRPr>
+            <a:r>
+              <a:rPr lang="es-CL" sz="1200" dirty="0">
+                <a:latin typeface="Arial" panose="020B0604020202020204" pitchFamily="34" charset="0"/>
+                <a:cs typeface="Arial" panose="020B0604020202020204" pitchFamily="34" charset="0"/>
+              </a:rPr>
+              <a:t>0.168***</a:t>
+            </a:r>
           </a:p>
         </p:txBody>
       </p:sp>
@@ -12384,19 +12410,22 @@
           <a:lstStyle/>
           <a:p>
             <a:pPr algn="ctr"/>
-            <a:endParaRPr lang="es-CL" sz="1200" dirty="0">
-              <a:latin typeface="Arial" panose="020B0604020202020204" pitchFamily="34" charset="0"/>
-              <a:cs typeface="Arial" panose="020B0604020202020204" pitchFamily="34" charset="0"/>
-            </a:endParaRPr>
-          </a:p>
-        </p:txBody>
-      </p:sp>
-      <p:sp>
-        <p:nvSpPr>
-          <p:cNvPr id="66" name="CuadroTexto 65">
-            <a:extLst>
-              <a:ext uri="{FF2B5EF4-FFF2-40B4-BE49-F238E27FC236}">
-                <a16:creationId xmlns:a16="http://schemas.microsoft.com/office/drawing/2014/main" id="{407D874E-1777-71BB-2C6F-A66139B67B2B}"/>
+            <a:r>
+              <a:rPr lang="es-CL" sz="1200" dirty="0">
+                <a:latin typeface="Arial" panose="020B0604020202020204" pitchFamily="34" charset="0"/>
+                <a:cs typeface="Arial" panose="020B0604020202020204" pitchFamily="34" charset="0"/>
+              </a:rPr>
+              <a:t>0.168***</a:t>
+            </a:r>
+          </a:p>
+        </p:txBody>
+      </p:sp>
+      <p:sp>
+        <p:nvSpPr>
+          <p:cNvPr id="67" name="CuadroTexto 66">
+            <a:extLst>
+              <a:ext uri="{FF2B5EF4-FFF2-40B4-BE49-F238E27FC236}">
+                <a16:creationId xmlns:a16="http://schemas.microsoft.com/office/drawing/2014/main" id="{696EB581-6167-3A87-9F19-07C34392B545}"/>
               </a:ext>
             </a:extLst>
           </p:cNvPr>
@@ -12405,8 +12434,8 @@
         </p:nvSpPr>
         <p:spPr>
           <a:xfrm>
-            <a:off x="2971971" y="2357027"/>
-            <a:ext cx="749781" cy="276999"/>
+            <a:off x="1044847" y="3177734"/>
+            <a:ext cx="804186" cy="276999"/>
           </a:xfrm>
           <a:prstGeom prst="rect">
             <a:avLst/>
@@ -12422,19 +12451,22 @@
           <a:lstStyle/>
           <a:p>
             <a:pPr algn="ctr"/>
-            <a:endParaRPr lang="es-CL" sz="1200" dirty="0">
-              <a:latin typeface="Arial" panose="020B0604020202020204" pitchFamily="34" charset="0"/>
-              <a:cs typeface="Arial" panose="020B0604020202020204" pitchFamily="34" charset="0"/>
-            </a:endParaRPr>
-          </a:p>
-        </p:txBody>
-      </p:sp>
-      <p:sp>
-        <p:nvSpPr>
-          <p:cNvPr id="67" name="CuadroTexto 66">
-            <a:extLst>
-              <a:ext uri="{FF2B5EF4-FFF2-40B4-BE49-F238E27FC236}">
-                <a16:creationId xmlns:a16="http://schemas.microsoft.com/office/drawing/2014/main" id="{696EB581-6167-3A87-9F19-07C34392B545}"/>
+            <a:r>
+              <a:rPr lang="es-CL" sz="1200" dirty="0">
+                <a:latin typeface="Arial" panose="020B0604020202020204" pitchFamily="34" charset="0"/>
+                <a:cs typeface="Arial" panose="020B0604020202020204" pitchFamily="34" charset="0"/>
+              </a:rPr>
+              <a:t>0.052*</a:t>
+            </a:r>
+          </a:p>
+        </p:txBody>
+      </p:sp>
+      <p:sp>
+        <p:nvSpPr>
+          <p:cNvPr id="68" name="CuadroTexto 67">
+            <a:extLst>
+              <a:ext uri="{FF2B5EF4-FFF2-40B4-BE49-F238E27FC236}">
+                <a16:creationId xmlns:a16="http://schemas.microsoft.com/office/drawing/2014/main" id="{636FACF6-AA73-C491-703A-894E0D8D7F92}"/>
               </a:ext>
             </a:extLst>
           </p:cNvPr>
@@ -12443,8 +12475,8 @@
         </p:nvSpPr>
         <p:spPr>
           <a:xfrm>
-            <a:off x="1044847" y="3177734"/>
-            <a:ext cx="804186" cy="276999"/>
+            <a:off x="2855993" y="4089873"/>
+            <a:ext cx="865759" cy="276999"/>
           </a:xfrm>
           <a:prstGeom prst="rect">
             <a:avLst/>
@@ -12460,48 +12492,13 @@
           <a:lstStyle/>
           <a:p>
             <a:pPr algn="ctr"/>
-            <a:endParaRPr lang="es-CL" sz="1200" dirty="0">
-              <a:latin typeface="Arial" panose="020B0604020202020204" pitchFamily="34" charset="0"/>
-              <a:cs typeface="Arial" panose="020B0604020202020204" pitchFamily="34" charset="0"/>
-            </a:endParaRPr>
-          </a:p>
-        </p:txBody>
-      </p:sp>
-      <p:sp>
-        <p:nvSpPr>
-          <p:cNvPr id="68" name="CuadroTexto 67">
-            <a:extLst>
-              <a:ext uri="{FF2B5EF4-FFF2-40B4-BE49-F238E27FC236}">
-                <a16:creationId xmlns:a16="http://schemas.microsoft.com/office/drawing/2014/main" id="{636FACF6-AA73-C491-703A-894E0D8D7F92}"/>
-              </a:ext>
-            </a:extLst>
-          </p:cNvPr>
-          <p:cNvSpPr txBox="1"/>
-          <p:nvPr/>
-        </p:nvSpPr>
-        <p:spPr>
-          <a:xfrm>
-            <a:off x="2855993" y="4089873"/>
-            <a:ext cx="865759" cy="276999"/>
-          </a:xfrm>
-          <a:prstGeom prst="rect">
-            <a:avLst/>
-          </a:prstGeom>
-          <a:solidFill>
-            <a:schemeClr val="bg1"/>
-          </a:solidFill>
-        </p:spPr>
-        <p:txBody>
-          <a:bodyPr wrap="square" rtlCol="0">
-            <a:spAutoFit/>
-          </a:bodyPr>
-          <a:lstStyle/>
-          <a:p>
-            <a:pPr algn="ctr"/>
-            <a:endParaRPr lang="es-CL" sz="1200" dirty="0">
-              <a:latin typeface="Arial" panose="020B0604020202020204" pitchFamily="34" charset="0"/>
-              <a:cs typeface="Arial" panose="020B0604020202020204" pitchFamily="34" charset="0"/>
-            </a:endParaRPr>
+            <a:r>
+              <a:rPr lang="es-CL" sz="1200" dirty="0">
+                <a:latin typeface="Arial" panose="020B0604020202020204" pitchFamily="34" charset="0"/>
+                <a:cs typeface="Arial" panose="020B0604020202020204" pitchFamily="34" charset="0"/>
+              </a:rPr>
+              <a:t>-0.261***</a:t>
+            </a:r>
           </a:p>
         </p:txBody>
       </p:sp>
@@ -12580,6 +12577,84 @@
                 <a:cs typeface="Arial" panose="020B0604020202020204" pitchFamily="34" charset="0"/>
               </a:rPr>
               <a:t> ATD</a:t>
+            </a:r>
+          </a:p>
+        </p:txBody>
+      </p:sp>
+      <p:sp>
+        <p:nvSpPr>
+          <p:cNvPr id="2" name="CuadroTexto 1">
+            <a:extLst>
+              <a:ext uri="{FF2B5EF4-FFF2-40B4-BE49-F238E27FC236}">
+                <a16:creationId xmlns:a16="http://schemas.microsoft.com/office/drawing/2014/main" id="{2D3672FB-91F9-6E40-8839-99DD44BD1978}"/>
+              </a:ext>
+            </a:extLst>
+          </p:cNvPr>
+          <p:cNvSpPr txBox="1"/>
+          <p:nvPr/>
+        </p:nvSpPr>
+        <p:spPr>
+          <a:xfrm rot="2297956">
+            <a:off x="5106982" y="3436876"/>
+            <a:ext cx="806269" cy="276999"/>
+          </a:xfrm>
+          <a:prstGeom prst="rect">
+            <a:avLst/>
+          </a:prstGeom>
+          <a:noFill/>
+        </p:spPr>
+        <p:txBody>
+          <a:bodyPr wrap="square" rtlCol="0">
+            <a:spAutoFit/>
+          </a:bodyPr>
+          <a:lstStyle/>
+          <a:p>
+            <a:pPr algn="ctr"/>
+            <a:r>
+              <a:rPr lang="es-CL" sz="1200" dirty="0">
+                <a:latin typeface="Arial" panose="020B0604020202020204" pitchFamily="34" charset="0"/>
+                <a:cs typeface="Arial" panose="020B0604020202020204" pitchFamily="34" charset="0"/>
+              </a:rPr>
+              <a:t>-0.058*</a:t>
+            </a:r>
+          </a:p>
+        </p:txBody>
+      </p:sp>
+      <p:sp>
+        <p:nvSpPr>
+          <p:cNvPr id="56" name="CuadroTexto 55">
+            <a:extLst>
+              <a:ext uri="{FF2B5EF4-FFF2-40B4-BE49-F238E27FC236}">
+                <a16:creationId xmlns:a16="http://schemas.microsoft.com/office/drawing/2014/main" id="{547AC93C-C922-0DE2-266B-8ADB21C3F440}"/>
+              </a:ext>
+            </a:extLst>
+          </p:cNvPr>
+          <p:cNvSpPr txBox="1"/>
+          <p:nvPr/>
+        </p:nvSpPr>
+        <p:spPr>
+          <a:xfrm rot="2297956">
+            <a:off x="8123822" y="3446200"/>
+            <a:ext cx="806269" cy="276999"/>
+          </a:xfrm>
+          <a:prstGeom prst="rect">
+            <a:avLst/>
+          </a:prstGeom>
+          <a:noFill/>
+        </p:spPr>
+        <p:txBody>
+          <a:bodyPr wrap="square" rtlCol="0">
+            <a:spAutoFit/>
+          </a:bodyPr>
+          <a:lstStyle/>
+          <a:p>
+            <a:pPr algn="ctr"/>
+            <a:r>
+              <a:rPr lang="es-CL" sz="1200" dirty="0">
+                <a:latin typeface="Arial" panose="020B0604020202020204" pitchFamily="34" charset="0"/>
+                <a:cs typeface="Arial" panose="020B0604020202020204" pitchFamily="34" charset="0"/>
+              </a:rPr>
+              <a:t>-0.058*</a:t>
             </a:r>
           </a:p>
         </p:txBody>
